--- a/INVESTOR PRESENTATIONS/Investor Presentation v1.pptx
+++ b/INVESTOR PRESENTATIONS/Investor Presentation v1.pptx
@@ -5,11 +5,10 @@
     <p:sldMasterId id="2147483648" r:id="rId1"/>
   </p:sldMasterIdLst>
   <p:sldIdLst>
-    <p:sldId id="256" r:id="rId2"/>
-    <p:sldId id="257" r:id="rId3"/>
-    <p:sldId id="258" r:id="rId4"/>
-    <p:sldId id="259" r:id="rId5"/>
-    <p:sldId id="260" r:id="rId6"/>
+    <p:sldId id="257" r:id="rId2"/>
+    <p:sldId id="258" r:id="rId3"/>
+    <p:sldId id="259" r:id="rId4"/>
+    <p:sldId id="260" r:id="rId5"/>
   </p:sldIdLst>
   <p:sldSz cx="12192000" cy="6858000"/>
   <p:notesSz cx="6858000" cy="9144000"/>
@@ -108,6 +107,11 @@
       </a:defRPr>
     </a:lvl9pPr>
   </p:defaultTextStyle>
+  <p:extLst>
+    <p:ext uri="{EFAFB233-063F-42B5-8137-9DF3F51BA10A}">
+      <p15:sldGuideLst xmlns:p15="http://schemas.microsoft.com/office/powerpoint/2012/main"/>
+    </p:ext>
+  </p:extLst>
 </p:presentation>
 </file>
 
@@ -258,7 +262,7 @@
           <a:p>
             <a:fld id="{EAE0E171-47B9-407F-A091-9894B1315CD8}" type="datetimeFigureOut">
               <a:rPr lang="tr-TR" smtClean="0"/>
-              <a:t>29.12.2023</a:t>
+              <a:t>30.12.2023</a:t>
             </a:fld>
             <a:endParaRPr lang="tr-TR"/>
           </a:p>
@@ -456,7 +460,7 @@
           <a:p>
             <a:fld id="{EAE0E171-47B9-407F-A091-9894B1315CD8}" type="datetimeFigureOut">
               <a:rPr lang="tr-TR" smtClean="0"/>
-              <a:t>29.12.2023</a:t>
+              <a:t>30.12.2023</a:t>
             </a:fld>
             <a:endParaRPr lang="tr-TR"/>
           </a:p>
@@ -664,7 +668,7 @@
           <a:p>
             <a:fld id="{EAE0E171-47B9-407F-A091-9894B1315CD8}" type="datetimeFigureOut">
               <a:rPr lang="tr-TR" smtClean="0"/>
-              <a:t>29.12.2023</a:t>
+              <a:t>30.12.2023</a:t>
             </a:fld>
             <a:endParaRPr lang="tr-TR"/>
           </a:p>
@@ -862,7 +866,7 @@
           <a:p>
             <a:fld id="{EAE0E171-47B9-407F-A091-9894B1315CD8}" type="datetimeFigureOut">
               <a:rPr lang="tr-TR" smtClean="0"/>
-              <a:t>29.12.2023</a:t>
+              <a:t>30.12.2023</a:t>
             </a:fld>
             <a:endParaRPr lang="tr-TR"/>
           </a:p>
@@ -1137,7 +1141,7 @@
           <a:p>
             <a:fld id="{EAE0E171-47B9-407F-A091-9894B1315CD8}" type="datetimeFigureOut">
               <a:rPr lang="tr-TR" smtClean="0"/>
-              <a:t>29.12.2023</a:t>
+              <a:t>30.12.2023</a:t>
             </a:fld>
             <a:endParaRPr lang="tr-TR"/>
           </a:p>
@@ -1402,7 +1406,7 @@
           <a:p>
             <a:fld id="{EAE0E171-47B9-407F-A091-9894B1315CD8}" type="datetimeFigureOut">
               <a:rPr lang="tr-TR" smtClean="0"/>
-              <a:t>29.12.2023</a:t>
+              <a:t>30.12.2023</a:t>
             </a:fld>
             <a:endParaRPr lang="tr-TR"/>
           </a:p>
@@ -1814,7 +1818,7 @@
           <a:p>
             <a:fld id="{EAE0E171-47B9-407F-A091-9894B1315CD8}" type="datetimeFigureOut">
               <a:rPr lang="tr-TR" smtClean="0"/>
-              <a:t>29.12.2023</a:t>
+              <a:t>30.12.2023</a:t>
             </a:fld>
             <a:endParaRPr lang="tr-TR"/>
           </a:p>
@@ -1955,7 +1959,7 @@
           <a:p>
             <a:fld id="{EAE0E171-47B9-407F-A091-9894B1315CD8}" type="datetimeFigureOut">
               <a:rPr lang="tr-TR" smtClean="0"/>
-              <a:t>29.12.2023</a:t>
+              <a:t>30.12.2023</a:t>
             </a:fld>
             <a:endParaRPr lang="tr-TR"/>
           </a:p>
@@ -2068,7 +2072,7 @@
           <a:p>
             <a:fld id="{EAE0E171-47B9-407F-A091-9894B1315CD8}" type="datetimeFigureOut">
               <a:rPr lang="tr-TR" smtClean="0"/>
-              <a:t>29.12.2023</a:t>
+              <a:t>30.12.2023</a:t>
             </a:fld>
             <a:endParaRPr lang="tr-TR"/>
           </a:p>
@@ -2379,7 +2383,7 @@
           <a:p>
             <a:fld id="{EAE0E171-47B9-407F-A091-9894B1315CD8}" type="datetimeFigureOut">
               <a:rPr lang="tr-TR" smtClean="0"/>
-              <a:t>29.12.2023</a:t>
+              <a:t>30.12.2023</a:t>
             </a:fld>
             <a:endParaRPr lang="tr-TR"/>
           </a:p>
@@ -2667,7 +2671,7 @@
           <a:p>
             <a:fld id="{EAE0E171-47B9-407F-A091-9894B1315CD8}" type="datetimeFigureOut">
               <a:rPr lang="tr-TR" smtClean="0"/>
-              <a:t>29.12.2023</a:t>
+              <a:t>30.12.2023</a:t>
             </a:fld>
             <a:endParaRPr lang="tr-TR"/>
           </a:p>
@@ -2908,7 +2912,7 @@
           <a:p>
             <a:fld id="{EAE0E171-47B9-407F-A091-9894B1315CD8}" type="datetimeFigureOut">
               <a:rPr lang="tr-TR" smtClean="0"/>
-              <a:t>29.12.2023</a:t>
+              <a:t>30.12.2023</a:t>
             </a:fld>
             <a:endParaRPr lang="tr-TR"/>
           </a:p>
@@ -3311,6 +3315,14 @@
 <file path=ppt/slides/slide1.xml><?xml version="1.0" encoding="utf-8"?>
 <p:sld xmlns:a="http://schemas.openxmlformats.org/drawingml/2006/main" xmlns:r="http://schemas.openxmlformats.org/officeDocument/2006/relationships" xmlns:p="http://schemas.openxmlformats.org/presentationml/2006/main">
   <p:cSld>
+    <p:bg>
+      <p:bgPr>
+        <a:solidFill>
+          <a:schemeClr val="bg1"/>
+        </a:solidFill>
+        <a:effectLst/>
+      </p:bgPr>
+    </p:bg>
     <p:spTree>
       <p:nvGrpSpPr>
         <p:cNvPr id="1" name=""/>
@@ -3325,12 +3337,315 @@
           <a:chExt cx="0" cy="0"/>
         </a:xfrm>
       </p:grpSpPr>
+      <p:sp useBgFill="1">
+        <p:nvSpPr>
+          <p:cNvPr id="20" name="Rectangle 9">
+            <a:extLst>
+              <a:ext uri="{FF2B5EF4-FFF2-40B4-BE49-F238E27FC236}">
+                <a16:creationId xmlns:a16="http://schemas.microsoft.com/office/drawing/2014/main" id="{A8384FB5-9ADC-4DDC-881B-597D56F5B15D}"/>
+              </a:ext>
+              <a:ext uri="{C183D7F6-B498-43B3-948B-1728B52AA6E4}">
+                <adec:decorative xmlns:adec="http://schemas.microsoft.com/office/drawing/2017/decorative" val="1"/>
+              </a:ext>
+            </a:extLst>
+          </p:cNvPr>
+          <p:cNvSpPr>
+            <a:spLocks noGrp="1" noRot="1" noChangeAspect="1" noMove="1" noResize="1" noEditPoints="1" noAdjustHandles="1" noChangeArrowheads="1" noChangeShapeType="1" noTextEdit="1"/>
+          </p:cNvSpPr>
+          <p:nvPr>
+            <p:extLst>
+              <p:ext uri="{386F3935-93C4-4BCD-93E2-E3B085C9AB24}">
+                <p16:designElem xmlns:p16="http://schemas.microsoft.com/office/powerpoint/2015/main" val="1"/>
+              </p:ext>
+            </p:extLst>
+          </p:nvPr>
+        </p:nvSpPr>
+        <p:spPr>
+          <a:xfrm>
+            <a:off x="0" y="0"/>
+            <a:ext cx="12192000" cy="6858000"/>
+          </a:xfrm>
+          <a:prstGeom prst="rect">
+            <a:avLst/>
+          </a:prstGeom>
+          <a:ln w="12700" cap="flat" cmpd="sng" algn="ctr">
+            <a:noFill/>
+            <a:prstDash val="solid"/>
+            <a:miter lim="800000"/>
+          </a:ln>
+          <a:effectLst/>
+          <a:extLst>
+            <a:ext uri="{91240B29-F687-4F45-9708-019B960494DF}">
+              <a14:hiddenLine xmlns:a14="http://schemas.microsoft.com/office/drawing/2010/main" w="12700" cap="flat" cmpd="sng" algn="ctr">
+                <a:solidFill>
+                  <a:schemeClr val="accent1">
+                    <a:shade val="50000"/>
+                  </a:schemeClr>
+                </a:solidFill>
+                <a:prstDash val="solid"/>
+                <a:miter lim="800000"/>
+              </a14:hiddenLine>
+            </a:ext>
+          </a:extLst>
+        </p:spPr>
+        <p:style>
+          <a:lnRef idx="2">
+            <a:schemeClr val="accent1">
+              <a:shade val="50000"/>
+            </a:schemeClr>
+          </a:lnRef>
+          <a:fillRef idx="1">
+            <a:schemeClr val="accent1"/>
+          </a:fillRef>
+          <a:effectRef idx="0">
+            <a:schemeClr val="accent1"/>
+          </a:effectRef>
+          <a:fontRef idx="minor">
+            <a:schemeClr val="lt1"/>
+          </a:fontRef>
+        </p:style>
+        <p:txBody>
+          <a:bodyPr rtlCol="0" anchor="ctr"/>
+          <a:lstStyle/>
+          <a:p>
+            <a:pPr algn="ctr"/>
+            <a:endParaRPr lang="en-US"/>
+          </a:p>
+        </p:txBody>
+      </p:sp>
+      <p:sp>
+        <p:nvSpPr>
+          <p:cNvPr id="12" name="Rectangle 11">
+            <a:extLst>
+              <a:ext uri="{FF2B5EF4-FFF2-40B4-BE49-F238E27FC236}">
+                <a16:creationId xmlns:a16="http://schemas.microsoft.com/office/drawing/2014/main" id="{1199E1B1-A8C0-4FE8-A5A8-1CB41D69F857}"/>
+              </a:ext>
+              <a:ext uri="{C183D7F6-B498-43B3-948B-1728B52AA6E4}">
+                <adec:decorative xmlns:adec="http://schemas.microsoft.com/office/drawing/2017/decorative" val="1"/>
+              </a:ext>
+            </a:extLst>
+          </p:cNvPr>
+          <p:cNvSpPr>
+            <a:spLocks noGrp="1" noRot="1" noChangeAspect="1" noMove="1" noResize="1" noEditPoints="1" noAdjustHandles="1" noChangeArrowheads="1" noChangeShapeType="1" noTextEdit="1"/>
+          </p:cNvSpPr>
+          <p:nvPr>
+            <p:extLst>
+              <p:ext uri="{386F3935-93C4-4BCD-93E2-E3B085C9AB24}">
+                <p16:designElem xmlns:p16="http://schemas.microsoft.com/office/powerpoint/2015/main" val="1"/>
+              </p:ext>
+            </p:extLst>
+          </p:nvPr>
+        </p:nvSpPr>
+        <p:spPr>
+          <a:xfrm rot="10800000" flipH="1">
+            <a:off x="2" y="0"/>
+            <a:ext cx="12191998" cy="1575955"/>
+          </a:xfrm>
+          <a:prstGeom prst="rect">
+            <a:avLst/>
+          </a:prstGeom>
+          <a:gradFill>
+            <a:gsLst>
+              <a:gs pos="0">
+                <a:srgbClr val="000000">
+                  <a:alpha val="96000"/>
+                </a:srgbClr>
+              </a:gs>
+              <a:gs pos="100000">
+                <a:schemeClr val="accent1">
+                  <a:lumMod val="75000"/>
+                </a:schemeClr>
+              </a:gs>
+            </a:gsLst>
+            <a:lin ang="6000000" scaled="0"/>
+          </a:gradFill>
+          <a:ln>
+            <a:noFill/>
+          </a:ln>
+        </p:spPr>
+        <p:style>
+          <a:lnRef idx="2">
+            <a:schemeClr val="accent1">
+              <a:shade val="50000"/>
+            </a:schemeClr>
+          </a:lnRef>
+          <a:fillRef idx="1">
+            <a:schemeClr val="accent1"/>
+          </a:fillRef>
+          <a:effectRef idx="0">
+            <a:schemeClr val="accent1"/>
+          </a:effectRef>
+          <a:fontRef idx="minor">
+            <a:schemeClr val="lt1"/>
+          </a:fontRef>
+        </p:style>
+        <p:txBody>
+          <a:bodyPr rtlCol="0" anchor="ctr"/>
+          <a:lstStyle/>
+          <a:p>
+            <a:pPr algn="ctr"/>
+            <a:endParaRPr lang="en-US"/>
+          </a:p>
+        </p:txBody>
+      </p:sp>
+      <p:sp>
+        <p:nvSpPr>
+          <p:cNvPr id="21" name="Rectangle 13">
+            <a:extLst>
+              <a:ext uri="{FF2B5EF4-FFF2-40B4-BE49-F238E27FC236}">
+                <a16:creationId xmlns:a16="http://schemas.microsoft.com/office/drawing/2014/main" id="{84A8DE83-DE75-4B41-9DB4-A7EC0B0DEC0B}"/>
+              </a:ext>
+              <a:ext uri="{C183D7F6-B498-43B3-948B-1728B52AA6E4}">
+                <adec:decorative xmlns:adec="http://schemas.microsoft.com/office/drawing/2017/decorative" val="1"/>
+              </a:ext>
+            </a:extLst>
+          </p:cNvPr>
+          <p:cNvSpPr>
+            <a:spLocks noGrp="1" noRot="1" noChangeAspect="1" noMove="1" noResize="1" noEditPoints="1" noAdjustHandles="1" noChangeArrowheads="1" noChangeShapeType="1" noTextEdit="1"/>
+          </p:cNvSpPr>
+          <p:nvPr>
+            <p:extLst>
+              <p:ext uri="{386F3935-93C4-4BCD-93E2-E3B085C9AB24}">
+                <p16:designElem xmlns:p16="http://schemas.microsoft.com/office/powerpoint/2015/main" val="1"/>
+              </p:ext>
+            </p:extLst>
+          </p:nvPr>
+        </p:nvSpPr>
+        <p:spPr>
+          <a:xfrm>
+            <a:off x="0" y="0"/>
+            <a:ext cx="8128856" cy="1575461"/>
+          </a:xfrm>
+          <a:prstGeom prst="rect">
+            <a:avLst/>
+          </a:prstGeom>
+          <a:gradFill>
+            <a:gsLst>
+              <a:gs pos="0">
+                <a:schemeClr val="accent1">
+                  <a:alpha val="41000"/>
+                </a:schemeClr>
+              </a:gs>
+              <a:gs pos="74000">
+                <a:schemeClr val="accent1">
+                  <a:lumMod val="60000"/>
+                  <a:lumOff val="40000"/>
+                  <a:alpha val="0"/>
+                </a:schemeClr>
+              </a:gs>
+            </a:gsLst>
+            <a:lin ang="8400000" scaled="0"/>
+          </a:gradFill>
+          <a:ln>
+            <a:noFill/>
+          </a:ln>
+        </p:spPr>
+        <p:style>
+          <a:lnRef idx="2">
+            <a:schemeClr val="accent1">
+              <a:shade val="50000"/>
+            </a:schemeClr>
+          </a:lnRef>
+          <a:fillRef idx="1">
+            <a:schemeClr val="accent1"/>
+          </a:fillRef>
+          <a:effectRef idx="0">
+            <a:schemeClr val="accent1"/>
+          </a:effectRef>
+          <a:fontRef idx="minor">
+            <a:schemeClr val="lt1"/>
+          </a:fontRef>
+        </p:style>
+        <p:txBody>
+          <a:bodyPr rtlCol="0" anchor="ctr"/>
+          <a:lstStyle/>
+          <a:p>
+            <a:pPr algn="ctr"/>
+            <a:endParaRPr lang="en-US"/>
+          </a:p>
+        </p:txBody>
+      </p:sp>
+      <p:sp>
+        <p:nvSpPr>
+          <p:cNvPr id="22" name="Rectangle 15">
+            <a:extLst>
+              <a:ext uri="{FF2B5EF4-FFF2-40B4-BE49-F238E27FC236}">
+                <a16:creationId xmlns:a16="http://schemas.microsoft.com/office/drawing/2014/main" id="{A7009A0A-BEF5-4EAC-AF15-E4F9F002E239}"/>
+              </a:ext>
+              <a:ext uri="{C183D7F6-B498-43B3-948B-1728B52AA6E4}">
+                <adec:decorative xmlns:adec="http://schemas.microsoft.com/office/drawing/2017/decorative" val="1"/>
+              </a:ext>
+            </a:extLst>
+          </p:cNvPr>
+          <p:cNvSpPr>
+            <a:spLocks noGrp="1" noRot="1" noChangeAspect="1" noMove="1" noResize="1" noEditPoints="1" noAdjustHandles="1" noChangeArrowheads="1" noChangeShapeType="1" noTextEdit="1"/>
+          </p:cNvSpPr>
+          <p:nvPr>
+            <p:extLst>
+              <p:ext uri="{386F3935-93C4-4BCD-93E2-E3B085C9AB24}">
+                <p16:designElem xmlns:p16="http://schemas.microsoft.com/office/powerpoint/2015/main" val="1"/>
+              </p:ext>
+            </p:extLst>
+          </p:nvPr>
+        </p:nvSpPr>
+        <p:spPr>
+          <a:xfrm flipH="1">
+            <a:off x="-3" y="-1"/>
+            <a:ext cx="12192002" cy="1574311"/>
+          </a:xfrm>
+          <a:prstGeom prst="rect">
+            <a:avLst/>
+          </a:prstGeom>
+          <a:gradFill>
+            <a:gsLst>
+              <a:gs pos="0">
+                <a:srgbClr val="000000">
+                  <a:alpha val="63000"/>
+                </a:srgbClr>
+              </a:gs>
+              <a:gs pos="78000">
+                <a:schemeClr val="accent1">
+                  <a:alpha val="15000"/>
+                </a:schemeClr>
+              </a:gs>
+            </a:gsLst>
+            <a:lin ang="15600000" scaled="0"/>
+          </a:gradFill>
+          <a:ln>
+            <a:noFill/>
+          </a:ln>
+        </p:spPr>
+        <p:style>
+          <a:lnRef idx="2">
+            <a:schemeClr val="accent1">
+              <a:shade val="50000"/>
+            </a:schemeClr>
+          </a:lnRef>
+          <a:fillRef idx="1">
+            <a:schemeClr val="accent1"/>
+          </a:fillRef>
+          <a:effectRef idx="0">
+            <a:schemeClr val="accent1"/>
+          </a:effectRef>
+          <a:fontRef idx="minor">
+            <a:schemeClr val="lt1"/>
+          </a:fontRef>
+        </p:style>
+        <p:txBody>
+          <a:bodyPr rtlCol="0" anchor="ctr"/>
+          <a:lstStyle/>
+          <a:p>
+            <a:pPr algn="ctr"/>
+            <a:endParaRPr lang="en-US"/>
+          </a:p>
+        </p:txBody>
+      </p:sp>
       <p:sp>
         <p:nvSpPr>
           <p:cNvPr id="2" name="Başlık 1">
             <a:extLst>
               <a:ext uri="{FF2B5EF4-FFF2-40B4-BE49-F238E27FC236}">
-                <a16:creationId xmlns:a16="http://schemas.microsoft.com/office/drawing/2014/main" id="{A2FCC762-ED99-35D5-359F-60DD41061E04}"/>
+                <a16:creationId xmlns:a16="http://schemas.microsoft.com/office/drawing/2014/main" id="{E6D3B68D-B5D2-217E-2449-061392EE6745}"/>
               </a:ext>
             </a:extLst>
           </p:cNvPr>
@@ -3338,47 +3653,1021 @@
             <a:spLocks noGrp="1"/>
           </p:cNvSpPr>
           <p:nvPr>
-            <p:ph type="ctrTitle"/>
-          </p:nvPr>
-        </p:nvSpPr>
-        <p:spPr/>
-        <p:txBody>
-          <a:bodyPr/>
-          <a:lstStyle/>
-          <a:p>
+            <p:ph type="title"/>
+          </p:nvPr>
+        </p:nvSpPr>
+        <p:spPr>
+          <a:xfrm>
+            <a:off x="699713" y="248038"/>
+            <a:ext cx="10756166" cy="1159200"/>
+          </a:xfrm>
+        </p:spPr>
+        <p:txBody>
+          <a:bodyPr vert="horz" lIns="91440" tIns="45720" rIns="91440" bIns="45720" rtlCol="0" anchor="ctr">
+            <a:normAutofit/>
+          </a:bodyPr>
+          <a:lstStyle/>
+          <a:p>
+            <a:r>
+              <a:rPr lang="en-US" sz="4000" b="1" kern="1200" dirty="0">
+                <a:solidFill>
+                  <a:srgbClr val="FFFFFF"/>
+                </a:solidFill>
+                <a:latin typeface="+mj-lt"/>
+                <a:ea typeface="+mj-ea"/>
+                <a:cs typeface="+mj-cs"/>
+              </a:rPr>
+              <a:t>Market Health Index</a:t>
+            </a:r>
+            <a:r>
+              <a:rPr lang="tr-TR" sz="4000" b="1" kern="1200" dirty="0">
+                <a:solidFill>
+                  <a:srgbClr val="FFFFFF"/>
+                </a:solidFill>
+                <a:latin typeface="+mj-lt"/>
+                <a:ea typeface="+mj-ea"/>
+                <a:cs typeface="+mj-cs"/>
+              </a:rPr>
+              <a:t> (MHI)</a:t>
+            </a:r>
+            <a:br>
+              <a:rPr lang="tr-TR" sz="4000" kern="1200" dirty="0">
+                <a:solidFill>
+                  <a:srgbClr val="FFFFFF"/>
+                </a:solidFill>
+                <a:latin typeface="+mj-lt"/>
+                <a:ea typeface="+mj-ea"/>
+                <a:cs typeface="+mj-cs"/>
+              </a:rPr>
+            </a:br>
+            <a:r>
+              <a:rPr lang="tr-TR" sz="3200" kern="1200" dirty="0">
+                <a:solidFill>
+                  <a:srgbClr val="FFFFFF"/>
+                </a:solidFill>
+                <a:latin typeface="+mj-lt"/>
+                <a:ea typeface="+mj-ea"/>
+                <a:cs typeface="+mj-cs"/>
+              </a:rPr>
+              <a:t>- A </a:t>
+            </a:r>
+            <a:r>
+              <a:rPr lang="tr-TR" sz="3200" kern="1200" dirty="0" err="1">
+                <a:solidFill>
+                  <a:srgbClr val="FFFFFF"/>
+                </a:solidFill>
+                <a:latin typeface="+mj-lt"/>
+                <a:ea typeface="+mj-ea"/>
+                <a:cs typeface="+mj-cs"/>
+              </a:rPr>
+              <a:t>mean</a:t>
+            </a:r>
+            <a:r>
+              <a:rPr lang="tr-TR" sz="3200" dirty="0" err="1">
+                <a:solidFill>
+                  <a:srgbClr val="FFFFFF"/>
+                </a:solidFill>
+              </a:rPr>
+              <a:t>-</a:t>
+            </a:r>
+            <a:r>
+              <a:rPr lang="tr-TR" sz="3200" kern="1200" dirty="0" err="1">
+                <a:solidFill>
+                  <a:srgbClr val="FFFFFF"/>
+                </a:solidFill>
+                <a:latin typeface="+mj-lt"/>
+                <a:ea typeface="+mj-ea"/>
+                <a:cs typeface="+mj-cs"/>
+              </a:rPr>
+              <a:t>reverting</a:t>
+            </a:r>
+            <a:r>
+              <a:rPr lang="tr-TR" sz="3200" kern="1200" dirty="0">
+                <a:solidFill>
+                  <a:srgbClr val="FFFFFF"/>
+                </a:solidFill>
+                <a:latin typeface="+mj-lt"/>
+                <a:ea typeface="+mj-ea"/>
+                <a:cs typeface="+mj-cs"/>
+              </a:rPr>
+              <a:t> </a:t>
+            </a:r>
+            <a:r>
+              <a:rPr lang="tr-TR" sz="3200" kern="1200" dirty="0" err="1">
+                <a:solidFill>
+                  <a:srgbClr val="FFFFFF"/>
+                </a:solidFill>
+                <a:latin typeface="+mj-lt"/>
+                <a:ea typeface="+mj-ea"/>
+                <a:cs typeface="+mj-cs"/>
+              </a:rPr>
+              <a:t>index</a:t>
+            </a:r>
+            <a:r>
+              <a:rPr lang="tr-TR" sz="3200" kern="1200" dirty="0">
+                <a:solidFill>
+                  <a:srgbClr val="FFFFFF"/>
+                </a:solidFill>
+                <a:latin typeface="+mj-lt"/>
+                <a:ea typeface="+mj-ea"/>
+                <a:cs typeface="+mj-cs"/>
+              </a:rPr>
+              <a:t> </a:t>
+            </a:r>
+            <a:r>
+              <a:rPr lang="tr-TR" sz="3200" kern="1200" dirty="0" err="1">
+                <a:solidFill>
+                  <a:srgbClr val="FFFFFF"/>
+                </a:solidFill>
+                <a:latin typeface="+mj-lt"/>
+                <a:ea typeface="+mj-ea"/>
+                <a:cs typeface="+mj-cs"/>
+              </a:rPr>
+              <a:t>for</a:t>
+            </a:r>
+            <a:r>
+              <a:rPr lang="tr-TR" sz="3200" kern="1200" dirty="0">
+                <a:solidFill>
+                  <a:srgbClr val="FFFFFF"/>
+                </a:solidFill>
+                <a:latin typeface="+mj-lt"/>
+                <a:ea typeface="+mj-ea"/>
+                <a:cs typeface="+mj-cs"/>
+              </a:rPr>
+              <a:t> trend </a:t>
+            </a:r>
+            <a:r>
+              <a:rPr lang="tr-TR" sz="3200" kern="1200" dirty="0" err="1">
+                <a:solidFill>
+                  <a:srgbClr val="FFFFFF"/>
+                </a:solidFill>
+                <a:latin typeface="+mj-lt"/>
+                <a:ea typeface="+mj-ea"/>
+                <a:cs typeface="+mj-cs"/>
+              </a:rPr>
+              <a:t>detection</a:t>
+            </a:r>
+            <a:endParaRPr lang="en-US" sz="4000" kern="1200" dirty="0">
+              <a:solidFill>
+                <a:srgbClr val="FFFFFF"/>
+              </a:solidFill>
+              <a:latin typeface="+mj-lt"/>
+              <a:ea typeface="+mj-ea"/>
+              <a:cs typeface="+mj-cs"/>
+            </a:endParaRPr>
+          </a:p>
+        </p:txBody>
+      </p:sp>
+      <p:pic>
+        <p:nvPicPr>
+          <p:cNvPr id="5" name="Resim 4">
+            <a:extLst>
+              <a:ext uri="{FF2B5EF4-FFF2-40B4-BE49-F238E27FC236}">
+                <a16:creationId xmlns:a16="http://schemas.microsoft.com/office/drawing/2014/main" id="{46B4CAC4-2E37-4C83-FA3A-35B8552CBDF1}"/>
+              </a:ext>
+            </a:extLst>
+          </p:cNvPr>
+          <p:cNvPicPr>
+            <a:picLocks noChangeAspect="1"/>
+          </p:cNvPicPr>
+          <p:nvPr/>
+        </p:nvPicPr>
+        <p:blipFill>
+          <a:blip r:embed="rId2"/>
+          <a:stretch>
+            <a:fillRect/>
+          </a:stretch>
+        </p:blipFill>
+        <p:spPr>
+          <a:xfrm>
+            <a:off x="2207649" y="1966293"/>
+            <a:ext cx="7776700" cy="4452160"/>
+          </a:xfrm>
+          <a:prstGeom prst="rect">
+            <a:avLst/>
+          </a:prstGeom>
+        </p:spPr>
+      </p:pic>
+      <p:sp>
+        <p:nvSpPr>
+          <p:cNvPr id="6" name="Ok: Aşağı 5">
+            <a:extLst>
+              <a:ext uri="{FF2B5EF4-FFF2-40B4-BE49-F238E27FC236}">
+                <a16:creationId xmlns:a16="http://schemas.microsoft.com/office/drawing/2014/main" id="{8A414B74-44CA-ABEC-7A78-C59A2DFA908E}"/>
+              </a:ext>
+            </a:extLst>
+          </p:cNvPr>
+          <p:cNvSpPr/>
+          <p:nvPr/>
+        </p:nvSpPr>
+        <p:spPr>
+          <a:xfrm rot="10800000">
+            <a:off x="6308785" y="5975880"/>
+            <a:ext cx="155276" cy="282497"/>
+          </a:xfrm>
+          <a:prstGeom prst="downArrow">
+            <a:avLst/>
+          </a:prstGeom>
+          <a:solidFill>
+            <a:schemeClr val="accent1"/>
+          </a:solidFill>
+        </p:spPr>
+        <p:style>
+          <a:lnRef idx="2">
+            <a:schemeClr val="accent1">
+              <a:shade val="15000"/>
+            </a:schemeClr>
+          </a:lnRef>
+          <a:fillRef idx="1">
+            <a:schemeClr val="accent1"/>
+          </a:fillRef>
+          <a:effectRef idx="0">
+            <a:schemeClr val="accent1"/>
+          </a:effectRef>
+          <a:fontRef idx="minor">
+            <a:schemeClr val="lt1"/>
+          </a:fontRef>
+        </p:style>
+        <p:txBody>
+          <a:bodyPr rtlCol="0" anchor="ctr"/>
+          <a:lstStyle/>
+          <a:p>
+            <a:pPr algn="ctr"/>
             <a:endParaRPr lang="tr-TR"/>
           </a:p>
         </p:txBody>
       </p:sp>
       <p:sp>
         <p:nvSpPr>
-          <p:cNvPr id="3" name="Alt Başlık 2">
-            <a:extLst>
-              <a:ext uri="{FF2B5EF4-FFF2-40B4-BE49-F238E27FC236}">
-                <a16:creationId xmlns:a16="http://schemas.microsoft.com/office/drawing/2014/main" id="{655293D5-FB7C-DAA8-D804-2F3C6EE93D86}"/>
-              </a:ext>
-            </a:extLst>
-          </p:cNvPr>
-          <p:cNvSpPr>
-            <a:spLocks noGrp="1"/>
-          </p:cNvSpPr>
-          <p:nvPr>
-            <p:ph type="subTitle" idx="1"/>
-          </p:nvPr>
-        </p:nvSpPr>
-        <p:spPr/>
-        <p:txBody>
-          <a:bodyPr/>
-          <a:lstStyle/>
-          <a:p>
+          <p:cNvPr id="7" name="Ok: Aşağı 6">
+            <a:extLst>
+              <a:ext uri="{FF2B5EF4-FFF2-40B4-BE49-F238E27FC236}">
+                <a16:creationId xmlns:a16="http://schemas.microsoft.com/office/drawing/2014/main" id="{977C3D4B-FC71-BAE5-9D14-201E7BF273F3}"/>
+              </a:ext>
+            </a:extLst>
+          </p:cNvPr>
+          <p:cNvSpPr/>
+          <p:nvPr/>
+        </p:nvSpPr>
+        <p:spPr>
+          <a:xfrm>
+            <a:off x="6593457" y="2740975"/>
+            <a:ext cx="155276" cy="282497"/>
+          </a:xfrm>
+          <a:prstGeom prst="downArrow">
+            <a:avLst/>
+          </a:prstGeom>
+          <a:solidFill>
+            <a:srgbClr val="FF0000"/>
+          </a:solidFill>
+        </p:spPr>
+        <p:style>
+          <a:lnRef idx="2">
+            <a:schemeClr val="accent1">
+              <a:shade val="15000"/>
+            </a:schemeClr>
+          </a:lnRef>
+          <a:fillRef idx="1">
+            <a:schemeClr val="accent1"/>
+          </a:fillRef>
+          <a:effectRef idx="0">
+            <a:schemeClr val="accent1"/>
+          </a:effectRef>
+          <a:fontRef idx="minor">
+            <a:schemeClr val="lt1"/>
+          </a:fontRef>
+        </p:style>
+        <p:txBody>
+          <a:bodyPr rtlCol="0" anchor="ctr"/>
+          <a:lstStyle/>
+          <a:p>
+            <a:pPr algn="ctr"/>
             <a:endParaRPr lang="tr-TR"/>
+          </a:p>
+        </p:txBody>
+      </p:sp>
+      <p:sp>
+        <p:nvSpPr>
+          <p:cNvPr id="8" name="Ok: Aşağı 7">
+            <a:extLst>
+              <a:ext uri="{FF2B5EF4-FFF2-40B4-BE49-F238E27FC236}">
+                <a16:creationId xmlns:a16="http://schemas.microsoft.com/office/drawing/2014/main" id="{34B54469-F9DF-3299-103F-181C51A074D8}"/>
+              </a:ext>
+            </a:extLst>
+          </p:cNvPr>
+          <p:cNvSpPr/>
+          <p:nvPr/>
+        </p:nvSpPr>
+        <p:spPr>
+          <a:xfrm rot="10800000">
+            <a:off x="7599872" y="4730801"/>
+            <a:ext cx="155276" cy="282497"/>
+          </a:xfrm>
+          <a:prstGeom prst="downArrow">
+            <a:avLst/>
+          </a:prstGeom>
+          <a:solidFill>
+            <a:schemeClr val="accent1"/>
+          </a:solidFill>
+        </p:spPr>
+        <p:style>
+          <a:lnRef idx="2">
+            <a:schemeClr val="accent1">
+              <a:shade val="15000"/>
+            </a:schemeClr>
+          </a:lnRef>
+          <a:fillRef idx="1">
+            <a:schemeClr val="accent1"/>
+          </a:fillRef>
+          <a:effectRef idx="0">
+            <a:schemeClr val="accent1"/>
+          </a:effectRef>
+          <a:fontRef idx="minor">
+            <a:schemeClr val="lt1"/>
+          </a:fontRef>
+        </p:style>
+        <p:txBody>
+          <a:bodyPr rtlCol="0" anchor="ctr"/>
+          <a:lstStyle/>
+          <a:p>
+            <a:pPr algn="ctr"/>
+            <a:endParaRPr lang="tr-TR"/>
+          </a:p>
+        </p:txBody>
+      </p:sp>
+      <p:sp>
+        <p:nvSpPr>
+          <p:cNvPr id="9" name="Ok: Aşağı 8">
+            <a:extLst>
+              <a:ext uri="{FF2B5EF4-FFF2-40B4-BE49-F238E27FC236}">
+                <a16:creationId xmlns:a16="http://schemas.microsoft.com/office/drawing/2014/main" id="{965547FB-6F74-9F90-154A-3F68CB716567}"/>
+              </a:ext>
+            </a:extLst>
+          </p:cNvPr>
+          <p:cNvSpPr/>
+          <p:nvPr/>
+        </p:nvSpPr>
+        <p:spPr>
+          <a:xfrm rot="10800000">
+            <a:off x="4132053" y="5515804"/>
+            <a:ext cx="155276" cy="282497"/>
+          </a:xfrm>
+          <a:prstGeom prst="downArrow">
+            <a:avLst/>
+          </a:prstGeom>
+          <a:solidFill>
+            <a:schemeClr val="accent1"/>
+          </a:solidFill>
+        </p:spPr>
+        <p:style>
+          <a:lnRef idx="2">
+            <a:schemeClr val="accent1">
+              <a:shade val="15000"/>
+            </a:schemeClr>
+          </a:lnRef>
+          <a:fillRef idx="1">
+            <a:schemeClr val="accent1"/>
+          </a:fillRef>
+          <a:effectRef idx="0">
+            <a:schemeClr val="accent1"/>
+          </a:effectRef>
+          <a:fontRef idx="minor">
+            <a:schemeClr val="lt1"/>
+          </a:fontRef>
+        </p:style>
+        <p:txBody>
+          <a:bodyPr rtlCol="0" anchor="ctr"/>
+          <a:lstStyle/>
+          <a:p>
+            <a:pPr algn="ctr"/>
+            <a:endParaRPr lang="tr-TR"/>
+          </a:p>
+        </p:txBody>
+      </p:sp>
+      <p:sp>
+        <p:nvSpPr>
+          <p:cNvPr id="11" name="Ok: Aşağı 10">
+            <a:extLst>
+              <a:ext uri="{FF2B5EF4-FFF2-40B4-BE49-F238E27FC236}">
+                <a16:creationId xmlns:a16="http://schemas.microsoft.com/office/drawing/2014/main" id="{78049C00-4287-BF08-8CCB-1BBED1BF7D82}"/>
+              </a:ext>
+            </a:extLst>
+          </p:cNvPr>
+          <p:cNvSpPr/>
+          <p:nvPr/>
+        </p:nvSpPr>
+        <p:spPr>
+          <a:xfrm rot="10800000">
+            <a:off x="5072332" y="5300144"/>
+            <a:ext cx="155276" cy="282497"/>
+          </a:xfrm>
+          <a:prstGeom prst="downArrow">
+            <a:avLst/>
+          </a:prstGeom>
+          <a:solidFill>
+            <a:schemeClr val="accent1"/>
+          </a:solidFill>
+        </p:spPr>
+        <p:style>
+          <a:lnRef idx="2">
+            <a:schemeClr val="accent1">
+              <a:shade val="15000"/>
+            </a:schemeClr>
+          </a:lnRef>
+          <a:fillRef idx="1">
+            <a:schemeClr val="accent1"/>
+          </a:fillRef>
+          <a:effectRef idx="0">
+            <a:schemeClr val="accent1"/>
+          </a:effectRef>
+          <a:fontRef idx="minor">
+            <a:schemeClr val="lt1"/>
+          </a:fontRef>
+        </p:style>
+        <p:txBody>
+          <a:bodyPr rtlCol="0" anchor="ctr"/>
+          <a:lstStyle/>
+          <a:p>
+            <a:pPr algn="ctr"/>
+            <a:endParaRPr lang="tr-TR"/>
+          </a:p>
+        </p:txBody>
+      </p:sp>
+      <p:sp>
+        <p:nvSpPr>
+          <p:cNvPr id="13" name="Ok: Aşağı 12">
+            <a:extLst>
+              <a:ext uri="{FF2B5EF4-FFF2-40B4-BE49-F238E27FC236}">
+                <a16:creationId xmlns:a16="http://schemas.microsoft.com/office/drawing/2014/main" id="{60E57A18-AAB3-FFCA-476B-ACBA470D5507}"/>
+              </a:ext>
+            </a:extLst>
+          </p:cNvPr>
+          <p:cNvSpPr/>
+          <p:nvPr/>
+        </p:nvSpPr>
+        <p:spPr>
+          <a:xfrm rot="10800000">
+            <a:off x="2849948" y="5595495"/>
+            <a:ext cx="155276" cy="282497"/>
+          </a:xfrm>
+          <a:prstGeom prst="downArrow">
+            <a:avLst/>
+          </a:prstGeom>
+          <a:solidFill>
+            <a:schemeClr val="accent1"/>
+          </a:solidFill>
+        </p:spPr>
+        <p:style>
+          <a:lnRef idx="2">
+            <a:schemeClr val="accent1">
+              <a:shade val="15000"/>
+            </a:schemeClr>
+          </a:lnRef>
+          <a:fillRef idx="1">
+            <a:schemeClr val="accent1"/>
+          </a:fillRef>
+          <a:effectRef idx="0">
+            <a:schemeClr val="accent1"/>
+          </a:effectRef>
+          <a:fontRef idx="minor">
+            <a:schemeClr val="lt1"/>
+          </a:fontRef>
+        </p:style>
+        <p:txBody>
+          <a:bodyPr rtlCol="0" anchor="ctr"/>
+          <a:lstStyle/>
+          <a:p>
+            <a:pPr algn="ctr"/>
+            <a:endParaRPr lang="tr-TR"/>
+          </a:p>
+        </p:txBody>
+      </p:sp>
+      <p:sp>
+        <p:nvSpPr>
+          <p:cNvPr id="17" name="Ok: Aşağı 16">
+            <a:extLst>
+              <a:ext uri="{FF2B5EF4-FFF2-40B4-BE49-F238E27FC236}">
+                <a16:creationId xmlns:a16="http://schemas.microsoft.com/office/drawing/2014/main" id="{11E31067-FD13-F749-CBB0-2190520647CB}"/>
+              </a:ext>
+            </a:extLst>
+          </p:cNvPr>
+          <p:cNvSpPr/>
+          <p:nvPr/>
+        </p:nvSpPr>
+        <p:spPr>
+          <a:xfrm rot="10800000">
+            <a:off x="8540151" y="5374556"/>
+            <a:ext cx="155276" cy="282497"/>
+          </a:xfrm>
+          <a:prstGeom prst="downArrow">
+            <a:avLst/>
+          </a:prstGeom>
+          <a:solidFill>
+            <a:schemeClr val="accent1"/>
+          </a:solidFill>
+        </p:spPr>
+        <p:style>
+          <a:lnRef idx="2">
+            <a:schemeClr val="accent1">
+              <a:shade val="15000"/>
+            </a:schemeClr>
+          </a:lnRef>
+          <a:fillRef idx="1">
+            <a:schemeClr val="accent1"/>
+          </a:fillRef>
+          <a:effectRef idx="0">
+            <a:schemeClr val="accent1"/>
+          </a:effectRef>
+          <a:fontRef idx="minor">
+            <a:schemeClr val="lt1"/>
+          </a:fontRef>
+        </p:style>
+        <p:txBody>
+          <a:bodyPr rtlCol="0" anchor="ctr"/>
+          <a:lstStyle/>
+          <a:p>
+            <a:pPr algn="ctr"/>
+            <a:endParaRPr lang="tr-TR"/>
+          </a:p>
+        </p:txBody>
+      </p:sp>
+      <p:sp>
+        <p:nvSpPr>
+          <p:cNvPr id="19" name="Ok: Aşağı 18">
+            <a:extLst>
+              <a:ext uri="{FF2B5EF4-FFF2-40B4-BE49-F238E27FC236}">
+                <a16:creationId xmlns:a16="http://schemas.microsoft.com/office/drawing/2014/main" id="{361096EE-4DA3-04A2-9397-4857E6B84163}"/>
+              </a:ext>
+            </a:extLst>
+          </p:cNvPr>
+          <p:cNvSpPr/>
+          <p:nvPr/>
+        </p:nvSpPr>
+        <p:spPr>
+          <a:xfrm rot="10800000">
+            <a:off x="9480430" y="5877992"/>
+            <a:ext cx="155276" cy="282497"/>
+          </a:xfrm>
+          <a:prstGeom prst="downArrow">
+            <a:avLst/>
+          </a:prstGeom>
+          <a:solidFill>
+            <a:schemeClr val="accent1"/>
+          </a:solidFill>
+        </p:spPr>
+        <p:style>
+          <a:lnRef idx="2">
+            <a:schemeClr val="accent1">
+              <a:shade val="15000"/>
+            </a:schemeClr>
+          </a:lnRef>
+          <a:fillRef idx="1">
+            <a:schemeClr val="accent1"/>
+          </a:fillRef>
+          <a:effectRef idx="0">
+            <a:schemeClr val="accent1"/>
+          </a:effectRef>
+          <a:fontRef idx="minor">
+            <a:schemeClr val="lt1"/>
+          </a:fontRef>
+        </p:style>
+        <p:txBody>
+          <a:bodyPr rtlCol="0" anchor="ctr"/>
+          <a:lstStyle/>
+          <a:p>
+            <a:pPr algn="ctr"/>
+            <a:endParaRPr lang="tr-TR"/>
+          </a:p>
+        </p:txBody>
+      </p:sp>
+      <p:sp>
+        <p:nvSpPr>
+          <p:cNvPr id="23" name="Ok: Aşağı 22">
+            <a:extLst>
+              <a:ext uri="{FF2B5EF4-FFF2-40B4-BE49-F238E27FC236}">
+                <a16:creationId xmlns:a16="http://schemas.microsoft.com/office/drawing/2014/main" id="{2B12422A-2053-6CD7-8273-A046A5FDF493}"/>
+              </a:ext>
+            </a:extLst>
+          </p:cNvPr>
+          <p:cNvSpPr/>
+          <p:nvPr/>
+        </p:nvSpPr>
+        <p:spPr>
+          <a:xfrm>
+            <a:off x="5434642" y="2332658"/>
+            <a:ext cx="155276" cy="282497"/>
+          </a:xfrm>
+          <a:prstGeom prst="downArrow">
+            <a:avLst/>
+          </a:prstGeom>
+          <a:solidFill>
+            <a:srgbClr val="FF0000"/>
+          </a:solidFill>
+        </p:spPr>
+        <p:style>
+          <a:lnRef idx="2">
+            <a:schemeClr val="accent1">
+              <a:shade val="15000"/>
+            </a:schemeClr>
+          </a:lnRef>
+          <a:fillRef idx="1">
+            <a:schemeClr val="accent1"/>
+          </a:fillRef>
+          <a:effectRef idx="0">
+            <a:schemeClr val="accent1"/>
+          </a:effectRef>
+          <a:fontRef idx="minor">
+            <a:schemeClr val="lt1"/>
+          </a:fontRef>
+        </p:style>
+        <p:txBody>
+          <a:bodyPr rtlCol="0" anchor="ctr"/>
+          <a:lstStyle/>
+          <a:p>
+            <a:pPr algn="ctr"/>
+            <a:endParaRPr lang="tr-TR"/>
+          </a:p>
+        </p:txBody>
+      </p:sp>
+      <p:sp>
+        <p:nvSpPr>
+          <p:cNvPr id="24" name="Ok: Aşağı 23">
+            <a:extLst>
+              <a:ext uri="{FF2B5EF4-FFF2-40B4-BE49-F238E27FC236}">
+                <a16:creationId xmlns:a16="http://schemas.microsoft.com/office/drawing/2014/main" id="{A2AE85BA-17F7-CCDF-7B34-FB0BBB8BA8D6}"/>
+              </a:ext>
+            </a:extLst>
+          </p:cNvPr>
+          <p:cNvSpPr/>
+          <p:nvPr/>
+        </p:nvSpPr>
+        <p:spPr>
+          <a:xfrm>
+            <a:off x="4632385" y="2615155"/>
+            <a:ext cx="155276" cy="282497"/>
+          </a:xfrm>
+          <a:prstGeom prst="downArrow">
+            <a:avLst/>
+          </a:prstGeom>
+          <a:solidFill>
+            <a:srgbClr val="FF0000"/>
+          </a:solidFill>
+        </p:spPr>
+        <p:style>
+          <a:lnRef idx="2">
+            <a:schemeClr val="accent1">
+              <a:shade val="15000"/>
+            </a:schemeClr>
+          </a:lnRef>
+          <a:fillRef idx="1">
+            <a:schemeClr val="accent1"/>
+          </a:fillRef>
+          <a:effectRef idx="0">
+            <a:schemeClr val="accent1"/>
+          </a:effectRef>
+          <a:fontRef idx="minor">
+            <a:schemeClr val="lt1"/>
+          </a:fontRef>
+        </p:style>
+        <p:txBody>
+          <a:bodyPr rtlCol="0" anchor="ctr"/>
+          <a:lstStyle/>
+          <a:p>
+            <a:pPr algn="ctr"/>
+            <a:endParaRPr lang="tr-TR"/>
+          </a:p>
+        </p:txBody>
+      </p:sp>
+      <p:sp>
+        <p:nvSpPr>
+          <p:cNvPr id="25" name="Ok: Aşağı 24">
+            <a:extLst>
+              <a:ext uri="{FF2B5EF4-FFF2-40B4-BE49-F238E27FC236}">
+                <a16:creationId xmlns:a16="http://schemas.microsoft.com/office/drawing/2014/main" id="{C2334B89-BA5C-5EEC-C8D4-AD2B03DCDDEA}"/>
+              </a:ext>
+            </a:extLst>
+          </p:cNvPr>
+          <p:cNvSpPr/>
+          <p:nvPr/>
+        </p:nvSpPr>
+        <p:spPr>
+          <a:xfrm>
+            <a:off x="3338423" y="2191409"/>
+            <a:ext cx="155276" cy="282497"/>
+          </a:xfrm>
+          <a:prstGeom prst="downArrow">
+            <a:avLst/>
+          </a:prstGeom>
+          <a:solidFill>
+            <a:srgbClr val="FF0000"/>
+          </a:solidFill>
+        </p:spPr>
+        <p:style>
+          <a:lnRef idx="2">
+            <a:schemeClr val="accent1">
+              <a:shade val="15000"/>
+            </a:schemeClr>
+          </a:lnRef>
+          <a:fillRef idx="1">
+            <a:schemeClr val="accent1"/>
+          </a:fillRef>
+          <a:effectRef idx="0">
+            <a:schemeClr val="accent1"/>
+          </a:effectRef>
+          <a:fontRef idx="minor">
+            <a:schemeClr val="lt1"/>
+          </a:fontRef>
+        </p:style>
+        <p:txBody>
+          <a:bodyPr rtlCol="0" anchor="ctr"/>
+          <a:lstStyle/>
+          <a:p>
+            <a:pPr algn="ctr"/>
+            <a:endParaRPr lang="tr-TR"/>
+          </a:p>
+        </p:txBody>
+      </p:sp>
+      <p:sp>
+        <p:nvSpPr>
+          <p:cNvPr id="26" name="Ok: Aşağı 25">
+            <a:extLst>
+              <a:ext uri="{FF2B5EF4-FFF2-40B4-BE49-F238E27FC236}">
+                <a16:creationId xmlns:a16="http://schemas.microsoft.com/office/drawing/2014/main" id="{97F4852D-E04B-FDDD-45BD-7FC9F7868B24}"/>
+              </a:ext>
+            </a:extLst>
+          </p:cNvPr>
+          <p:cNvSpPr/>
+          <p:nvPr/>
+        </p:nvSpPr>
+        <p:spPr>
+          <a:xfrm>
+            <a:off x="8051218" y="1908912"/>
+            <a:ext cx="155276" cy="282497"/>
+          </a:xfrm>
+          <a:prstGeom prst="downArrow">
+            <a:avLst/>
+          </a:prstGeom>
+          <a:solidFill>
+            <a:srgbClr val="FF0000"/>
+          </a:solidFill>
+        </p:spPr>
+        <p:style>
+          <a:lnRef idx="2">
+            <a:schemeClr val="accent1">
+              <a:shade val="15000"/>
+            </a:schemeClr>
+          </a:lnRef>
+          <a:fillRef idx="1">
+            <a:schemeClr val="accent1"/>
+          </a:fillRef>
+          <a:effectRef idx="0">
+            <a:schemeClr val="accent1"/>
+          </a:effectRef>
+          <a:fontRef idx="minor">
+            <a:schemeClr val="lt1"/>
+          </a:fontRef>
+        </p:style>
+        <p:txBody>
+          <a:bodyPr rtlCol="0" anchor="ctr"/>
+          <a:lstStyle/>
+          <a:p>
+            <a:pPr algn="ctr"/>
+            <a:endParaRPr lang="tr-TR"/>
+          </a:p>
+        </p:txBody>
+      </p:sp>
+      <p:sp>
+        <p:nvSpPr>
+          <p:cNvPr id="27" name="Ok: Aşağı 26">
+            <a:extLst>
+              <a:ext uri="{FF2B5EF4-FFF2-40B4-BE49-F238E27FC236}">
+                <a16:creationId xmlns:a16="http://schemas.microsoft.com/office/drawing/2014/main" id="{538BE53C-4507-4DB5-F3CA-7A19A3FDC31D}"/>
+              </a:ext>
+            </a:extLst>
+          </p:cNvPr>
+          <p:cNvSpPr/>
+          <p:nvPr/>
+        </p:nvSpPr>
+        <p:spPr>
+          <a:xfrm>
+            <a:off x="9018193" y="2897652"/>
+            <a:ext cx="155276" cy="282497"/>
+          </a:xfrm>
+          <a:prstGeom prst="downArrow">
+            <a:avLst/>
+          </a:prstGeom>
+          <a:solidFill>
+            <a:srgbClr val="FF0000"/>
+          </a:solidFill>
+        </p:spPr>
+        <p:style>
+          <a:lnRef idx="2">
+            <a:schemeClr val="accent1">
+              <a:shade val="15000"/>
+            </a:schemeClr>
+          </a:lnRef>
+          <a:fillRef idx="1">
+            <a:schemeClr val="accent1"/>
+          </a:fillRef>
+          <a:effectRef idx="0">
+            <a:schemeClr val="accent1"/>
+          </a:effectRef>
+          <a:fontRef idx="minor">
+            <a:schemeClr val="lt1"/>
+          </a:fontRef>
+        </p:style>
+        <p:txBody>
+          <a:bodyPr rtlCol="0" anchor="ctr"/>
+          <a:lstStyle/>
+          <a:p>
+            <a:pPr algn="ctr"/>
+            <a:endParaRPr lang="tr-TR"/>
+          </a:p>
+        </p:txBody>
+      </p:sp>
+      <p:sp>
+        <p:nvSpPr>
+          <p:cNvPr id="29" name="Metin kutusu 28">
+            <a:extLst>
+              <a:ext uri="{FF2B5EF4-FFF2-40B4-BE49-F238E27FC236}">
+                <a16:creationId xmlns:a16="http://schemas.microsoft.com/office/drawing/2014/main" id="{B8E769BF-5B1D-F018-3FE5-7369A8B75CAC}"/>
+              </a:ext>
+            </a:extLst>
+          </p:cNvPr>
+          <p:cNvSpPr txBox="1"/>
+          <p:nvPr/>
+        </p:nvSpPr>
+        <p:spPr>
+          <a:xfrm>
+            <a:off x="9984349" y="6049121"/>
+            <a:ext cx="1834552" cy="369332"/>
+          </a:xfrm>
+          <a:prstGeom prst="rect">
+            <a:avLst/>
+          </a:prstGeom>
+          <a:noFill/>
+        </p:spPr>
+        <p:txBody>
+          <a:bodyPr wrap="square">
+            <a:spAutoFit/>
+          </a:bodyPr>
+          <a:lstStyle/>
+          <a:p>
+            <a:r>
+              <a:rPr lang="tr-TR" sz="1800" kern="1200" dirty="0">
+                <a:solidFill>
+                  <a:srgbClr val="FF0000"/>
+                </a:solidFill>
+                <a:latin typeface="+mj-lt"/>
+                <a:ea typeface="+mj-ea"/>
+                <a:cs typeface="+mj-cs"/>
+              </a:rPr>
+              <a:t>(</a:t>
+            </a:r>
+            <a:r>
+              <a:rPr lang="tr-TR" sz="1800" kern="1200" dirty="0" err="1">
+                <a:solidFill>
+                  <a:srgbClr val="FF0000"/>
+                </a:solidFill>
+                <a:latin typeface="+mj-lt"/>
+                <a:ea typeface="+mj-ea"/>
+                <a:cs typeface="+mj-cs"/>
+              </a:rPr>
+              <a:t>Last</a:t>
+            </a:r>
+            <a:r>
+              <a:rPr lang="tr-TR" sz="1800" kern="1200" dirty="0">
+                <a:solidFill>
+                  <a:srgbClr val="FF0000"/>
+                </a:solidFill>
+                <a:latin typeface="+mj-lt"/>
+                <a:ea typeface="+mj-ea"/>
+                <a:cs typeface="+mj-cs"/>
+              </a:rPr>
+              <a:t> 1835 </a:t>
+            </a:r>
+            <a:r>
+              <a:rPr lang="tr-TR" sz="1800" kern="1200" dirty="0" err="1">
+                <a:solidFill>
+                  <a:srgbClr val="FF0000"/>
+                </a:solidFill>
+                <a:latin typeface="+mj-lt"/>
+                <a:ea typeface="+mj-ea"/>
+                <a:cs typeface="+mj-cs"/>
+              </a:rPr>
+              <a:t>days</a:t>
+            </a:r>
+            <a:r>
+              <a:rPr lang="tr-TR" sz="1800" kern="1200" dirty="0">
+                <a:solidFill>
+                  <a:srgbClr val="FF0000"/>
+                </a:solidFill>
+                <a:latin typeface="+mj-lt"/>
+                <a:ea typeface="+mj-ea"/>
+                <a:cs typeface="+mj-cs"/>
+              </a:rPr>
+              <a:t>)</a:t>
+            </a:r>
+            <a:endParaRPr lang="tr-TR" dirty="0">
+              <a:solidFill>
+                <a:srgbClr val="FF0000"/>
+              </a:solidFill>
+            </a:endParaRPr>
+          </a:p>
+        </p:txBody>
+      </p:sp>
+      <p:sp>
+        <p:nvSpPr>
+          <p:cNvPr id="3" name="Metin kutusu 2">
+            <a:extLst>
+              <a:ext uri="{FF2B5EF4-FFF2-40B4-BE49-F238E27FC236}">
+                <a16:creationId xmlns:a16="http://schemas.microsoft.com/office/drawing/2014/main" id="{BED03707-8E99-E435-1728-D4EB6B12123B}"/>
+              </a:ext>
+            </a:extLst>
+          </p:cNvPr>
+          <p:cNvSpPr txBox="1"/>
+          <p:nvPr/>
+        </p:nvSpPr>
+        <p:spPr>
+          <a:xfrm>
+            <a:off x="288090" y="2604403"/>
+            <a:ext cx="1754396" cy="2585323"/>
+          </a:xfrm>
+          <a:prstGeom prst="rect">
+            <a:avLst/>
+          </a:prstGeom>
+          <a:noFill/>
+        </p:spPr>
+        <p:txBody>
+          <a:bodyPr wrap="square" rtlCol="0">
+            <a:spAutoFit/>
+          </a:bodyPr>
+          <a:lstStyle/>
+          <a:p>
+            <a:r>
+              <a:rPr lang="tr-TR" dirty="0" err="1"/>
+              <a:t>Peaks</a:t>
+            </a:r>
+            <a:r>
+              <a:rPr lang="tr-TR" dirty="0"/>
+              <a:t>:</a:t>
+            </a:r>
+          </a:p>
+          <a:p>
+            <a:r>
+              <a:rPr lang="tr-TR" dirty="0"/>
+              <a:t>11.09.2023</a:t>
+            </a:r>
+          </a:p>
+          <a:p>
+            <a:r>
+              <a:rPr lang="tr-TR" dirty="0"/>
+              <a:t>27.12.2022</a:t>
+            </a:r>
+          </a:p>
+          <a:p>
+            <a:r>
+              <a:rPr lang="tr-TR" dirty="0"/>
+              <a:t>7.06.2022</a:t>
+            </a:r>
+          </a:p>
+          <a:p>
+            <a:endParaRPr lang="tr-TR" dirty="0"/>
+          </a:p>
+          <a:p>
+            <a:r>
+              <a:rPr lang="tr-TR" dirty="0" err="1"/>
+              <a:t>Valleys</a:t>
+            </a:r>
+            <a:r>
+              <a:rPr lang="tr-TR" dirty="0"/>
+              <a:t>:</a:t>
+            </a:r>
+          </a:p>
+          <a:p>
+            <a:r>
+              <a:rPr lang="tr-TR" dirty="0"/>
+              <a:t>26.12.2023</a:t>
+            </a:r>
+          </a:p>
+          <a:p>
+            <a:r>
+              <a:rPr lang="tr-TR" dirty="0"/>
+              <a:t>9.05.2023</a:t>
+            </a:r>
+          </a:p>
+          <a:p>
+            <a:r>
+              <a:rPr lang="tr-TR" dirty="0"/>
+              <a:t>16.08.2023</a:t>
+            </a:r>
           </a:p>
         </p:txBody>
       </p:sp>
     </p:spTree>
     <p:extLst>
       <p:ext uri="{BB962C8B-B14F-4D97-AF65-F5344CB8AC3E}">
-        <p14:creationId xmlns:p14="http://schemas.microsoft.com/office/powerpoint/2010/main" val="1543501299"/>
+        <p14:creationId xmlns:p14="http://schemas.microsoft.com/office/powerpoint/2010/main" val="3428296617"/>
       </p:ext>
     </p:extLst>
   </p:cSld>
@@ -3735,7 +5024,7 @@
         <p:spPr>
           <a:xfrm>
             <a:off x="699713" y="248038"/>
-            <a:ext cx="10756166" cy="1159200"/>
+            <a:ext cx="11316883" cy="1159200"/>
           </a:xfrm>
         </p:spPr>
         <p:txBody>
@@ -3744,17 +5033,6 @@
           </a:bodyPr>
           <a:lstStyle/>
           <a:p>
-            <a:r>
-              <a:rPr lang="en-US" sz="4000" b="1" kern="1200" dirty="0">
-                <a:solidFill>
-                  <a:srgbClr val="FFFFFF"/>
-                </a:solidFill>
-                <a:latin typeface="+mj-lt"/>
-                <a:ea typeface="+mj-ea"/>
-                <a:cs typeface="+mj-cs"/>
-              </a:rPr>
-              <a:t>Market Health Index</a:t>
-            </a:r>
             <a:r>
               <a:rPr lang="tr-TR" sz="4000" b="1" kern="1200" dirty="0">
                 <a:solidFill>
@@ -3764,9 +5042,20 @@
                 <a:ea typeface="+mj-ea"/>
                 <a:cs typeface="+mj-cs"/>
               </a:rPr>
-              <a:t> (MHI)</a:t>
-            </a:r>
-            <a:br>
+              <a:t>MHI - </a:t>
+            </a:r>
+            <a:r>
+              <a:rPr lang="tr-TR" sz="4000" kern="1200" dirty="0" err="1">
+                <a:solidFill>
+                  <a:srgbClr val="FFFFFF"/>
+                </a:solidFill>
+                <a:latin typeface="+mj-lt"/>
+                <a:ea typeface="+mj-ea"/>
+                <a:cs typeface="+mj-cs"/>
+              </a:rPr>
+              <a:t>Last</a:t>
+            </a:r>
+            <a:r>
               <a:rPr lang="tr-TR" sz="4000" kern="1200" dirty="0">
                 <a:solidFill>
                   <a:srgbClr val="FFFFFF"/>
@@ -3775,9 +5064,10 @@
                 <a:ea typeface="+mj-ea"/>
                 <a:cs typeface="+mj-cs"/>
               </a:rPr>
-            </a:br>
-            <a:r>
-              <a:rPr lang="tr-TR" sz="3200" kern="1200" dirty="0">
+              <a:t> 365 </a:t>
+            </a:r>
+            <a:r>
+              <a:rPr lang="tr-TR" sz="4000" kern="1200" dirty="0" err="1">
                 <a:solidFill>
                   <a:srgbClr val="FFFFFF"/>
                 </a:solidFill>
@@ -3785,103 +5075,7 @@
                 <a:ea typeface="+mj-ea"/>
                 <a:cs typeface="+mj-cs"/>
               </a:rPr>
-              <a:t>- A </a:t>
-            </a:r>
-            <a:r>
-              <a:rPr lang="tr-TR" sz="3200" kern="1200" dirty="0" err="1">
-                <a:solidFill>
-                  <a:srgbClr val="FFFFFF"/>
-                </a:solidFill>
-                <a:latin typeface="+mj-lt"/>
-                <a:ea typeface="+mj-ea"/>
-                <a:cs typeface="+mj-cs"/>
-              </a:rPr>
-              <a:t>mean</a:t>
-            </a:r>
-            <a:r>
-              <a:rPr lang="tr-TR" sz="3200" dirty="0" err="1">
-                <a:solidFill>
-                  <a:srgbClr val="FFFFFF"/>
-                </a:solidFill>
-              </a:rPr>
-              <a:t>-</a:t>
-            </a:r>
-            <a:r>
-              <a:rPr lang="tr-TR" sz="3200" kern="1200" dirty="0" err="1">
-                <a:solidFill>
-                  <a:srgbClr val="FFFFFF"/>
-                </a:solidFill>
-                <a:latin typeface="+mj-lt"/>
-                <a:ea typeface="+mj-ea"/>
-                <a:cs typeface="+mj-cs"/>
-              </a:rPr>
-              <a:t>reverting</a:t>
-            </a:r>
-            <a:r>
-              <a:rPr lang="tr-TR" sz="3200" kern="1200" dirty="0">
-                <a:solidFill>
-                  <a:srgbClr val="FFFFFF"/>
-                </a:solidFill>
-                <a:latin typeface="+mj-lt"/>
-                <a:ea typeface="+mj-ea"/>
-                <a:cs typeface="+mj-cs"/>
-              </a:rPr>
-              <a:t> </a:t>
-            </a:r>
-            <a:r>
-              <a:rPr lang="tr-TR" sz="3200" kern="1200" dirty="0" err="1">
-                <a:solidFill>
-                  <a:srgbClr val="FFFFFF"/>
-                </a:solidFill>
-                <a:latin typeface="+mj-lt"/>
-                <a:ea typeface="+mj-ea"/>
-                <a:cs typeface="+mj-cs"/>
-              </a:rPr>
-              <a:t>index</a:t>
-            </a:r>
-            <a:r>
-              <a:rPr lang="tr-TR" sz="3200" kern="1200" dirty="0">
-                <a:solidFill>
-                  <a:srgbClr val="FFFFFF"/>
-                </a:solidFill>
-                <a:latin typeface="+mj-lt"/>
-                <a:ea typeface="+mj-ea"/>
-                <a:cs typeface="+mj-cs"/>
-              </a:rPr>
-              <a:t> </a:t>
-            </a:r>
-            <a:r>
-              <a:rPr lang="tr-TR" sz="3200" kern="1200" dirty="0" err="1">
-                <a:solidFill>
-                  <a:srgbClr val="FFFFFF"/>
-                </a:solidFill>
-                <a:latin typeface="+mj-lt"/>
-                <a:ea typeface="+mj-ea"/>
-                <a:cs typeface="+mj-cs"/>
-              </a:rPr>
-              <a:t>for</a:t>
-            </a:r>
-            <a:r>
-              <a:rPr lang="tr-TR" sz="3200" kern="1200" dirty="0">
-                <a:solidFill>
-                  <a:srgbClr val="FFFFFF"/>
-                </a:solidFill>
-                <a:latin typeface="+mj-lt"/>
-                <a:ea typeface="+mj-ea"/>
-                <a:cs typeface="+mj-cs"/>
-              </a:rPr>
-              <a:t> trend </a:t>
-            </a:r>
-            <a:r>
-              <a:rPr lang="tr-TR" sz="3200" kern="1200" dirty="0" err="1">
-                <a:solidFill>
-                  <a:srgbClr val="FFFFFF"/>
-                </a:solidFill>
-                <a:latin typeface="+mj-lt"/>
-                <a:ea typeface="+mj-ea"/>
-                <a:cs typeface="+mj-cs"/>
-              </a:rPr>
-              <a:t>detection</a:t>
+              <a:t>days</a:t>
             </a:r>
             <a:endParaRPr lang="en-US" sz="4000" kern="1200" dirty="0">
               <a:solidFill>
@@ -3896,10 +5090,10 @@
       </p:sp>
       <p:pic>
         <p:nvPicPr>
-          <p:cNvPr id="5" name="Resim 4">
-            <a:extLst>
-              <a:ext uri="{FF2B5EF4-FFF2-40B4-BE49-F238E27FC236}">
-                <a16:creationId xmlns:a16="http://schemas.microsoft.com/office/drawing/2014/main" id="{46B4CAC4-2E37-4C83-FA3A-35B8552CBDF1}"/>
+          <p:cNvPr id="4" name="Resim 3">
+            <a:extLst>
+              <a:ext uri="{FF2B5EF4-FFF2-40B4-BE49-F238E27FC236}">
+                <a16:creationId xmlns:a16="http://schemas.microsoft.com/office/drawing/2014/main" id="{976B334D-F1F5-2CB4-EE80-A17002CDC4C4}"/>
               </a:ext>
             </a:extLst>
           </p:cNvPr>
@@ -3916,746 +5110,18 @@
         </p:blipFill>
         <p:spPr>
           <a:xfrm>
-            <a:off x="2207649" y="1966293"/>
-            <a:ext cx="7776700" cy="4452160"/>
+            <a:off x="2029773" y="1727344"/>
+            <a:ext cx="8132450" cy="4755547"/>
           </a:xfrm>
           <a:prstGeom prst="rect">
             <a:avLst/>
           </a:prstGeom>
         </p:spPr>
       </p:pic>
-      <p:sp>
-        <p:nvSpPr>
-          <p:cNvPr id="6" name="Ok: Aşağı 5">
-            <a:extLst>
-              <a:ext uri="{FF2B5EF4-FFF2-40B4-BE49-F238E27FC236}">
-                <a16:creationId xmlns:a16="http://schemas.microsoft.com/office/drawing/2014/main" id="{8A414B74-44CA-ABEC-7A78-C59A2DFA908E}"/>
-              </a:ext>
-            </a:extLst>
-          </p:cNvPr>
-          <p:cNvSpPr/>
-          <p:nvPr/>
-        </p:nvSpPr>
-        <p:spPr>
-          <a:xfrm rot="10800000">
-            <a:off x="6308785" y="5975880"/>
-            <a:ext cx="155276" cy="282497"/>
-          </a:xfrm>
-          <a:prstGeom prst="downArrow">
-            <a:avLst/>
-          </a:prstGeom>
-          <a:solidFill>
-            <a:schemeClr val="accent1"/>
-          </a:solidFill>
-        </p:spPr>
-        <p:style>
-          <a:lnRef idx="2">
-            <a:schemeClr val="accent1">
-              <a:shade val="15000"/>
-            </a:schemeClr>
-          </a:lnRef>
-          <a:fillRef idx="1">
-            <a:schemeClr val="accent1"/>
-          </a:fillRef>
-          <a:effectRef idx="0">
-            <a:schemeClr val="accent1"/>
-          </a:effectRef>
-          <a:fontRef idx="minor">
-            <a:schemeClr val="lt1"/>
-          </a:fontRef>
-        </p:style>
-        <p:txBody>
-          <a:bodyPr rtlCol="0" anchor="ctr"/>
-          <a:lstStyle/>
-          <a:p>
-            <a:pPr algn="ctr"/>
-            <a:endParaRPr lang="tr-TR"/>
-          </a:p>
-        </p:txBody>
-      </p:sp>
-      <p:sp>
-        <p:nvSpPr>
-          <p:cNvPr id="7" name="Ok: Aşağı 6">
-            <a:extLst>
-              <a:ext uri="{FF2B5EF4-FFF2-40B4-BE49-F238E27FC236}">
-                <a16:creationId xmlns:a16="http://schemas.microsoft.com/office/drawing/2014/main" id="{977C3D4B-FC71-BAE5-9D14-201E7BF273F3}"/>
-              </a:ext>
-            </a:extLst>
-          </p:cNvPr>
-          <p:cNvSpPr/>
-          <p:nvPr/>
-        </p:nvSpPr>
-        <p:spPr>
-          <a:xfrm>
-            <a:off x="6593457" y="2740975"/>
-            <a:ext cx="155276" cy="282497"/>
-          </a:xfrm>
-          <a:prstGeom prst="downArrow">
-            <a:avLst/>
-          </a:prstGeom>
-          <a:solidFill>
-            <a:srgbClr val="FF0000"/>
-          </a:solidFill>
-        </p:spPr>
-        <p:style>
-          <a:lnRef idx="2">
-            <a:schemeClr val="accent1">
-              <a:shade val="15000"/>
-            </a:schemeClr>
-          </a:lnRef>
-          <a:fillRef idx="1">
-            <a:schemeClr val="accent1"/>
-          </a:fillRef>
-          <a:effectRef idx="0">
-            <a:schemeClr val="accent1"/>
-          </a:effectRef>
-          <a:fontRef idx="minor">
-            <a:schemeClr val="lt1"/>
-          </a:fontRef>
-        </p:style>
-        <p:txBody>
-          <a:bodyPr rtlCol="0" anchor="ctr"/>
-          <a:lstStyle/>
-          <a:p>
-            <a:pPr algn="ctr"/>
-            <a:endParaRPr lang="tr-TR"/>
-          </a:p>
-        </p:txBody>
-      </p:sp>
-      <p:sp>
-        <p:nvSpPr>
-          <p:cNvPr id="8" name="Ok: Aşağı 7">
-            <a:extLst>
-              <a:ext uri="{FF2B5EF4-FFF2-40B4-BE49-F238E27FC236}">
-                <a16:creationId xmlns:a16="http://schemas.microsoft.com/office/drawing/2014/main" id="{34B54469-F9DF-3299-103F-181C51A074D8}"/>
-              </a:ext>
-            </a:extLst>
-          </p:cNvPr>
-          <p:cNvSpPr/>
-          <p:nvPr/>
-        </p:nvSpPr>
-        <p:spPr>
-          <a:xfrm rot="10800000">
-            <a:off x="7599872" y="4730801"/>
-            <a:ext cx="155276" cy="282497"/>
-          </a:xfrm>
-          <a:prstGeom prst="downArrow">
-            <a:avLst/>
-          </a:prstGeom>
-          <a:solidFill>
-            <a:schemeClr val="accent1"/>
-          </a:solidFill>
-        </p:spPr>
-        <p:style>
-          <a:lnRef idx="2">
-            <a:schemeClr val="accent1">
-              <a:shade val="15000"/>
-            </a:schemeClr>
-          </a:lnRef>
-          <a:fillRef idx="1">
-            <a:schemeClr val="accent1"/>
-          </a:fillRef>
-          <a:effectRef idx="0">
-            <a:schemeClr val="accent1"/>
-          </a:effectRef>
-          <a:fontRef idx="minor">
-            <a:schemeClr val="lt1"/>
-          </a:fontRef>
-        </p:style>
-        <p:txBody>
-          <a:bodyPr rtlCol="0" anchor="ctr"/>
-          <a:lstStyle/>
-          <a:p>
-            <a:pPr algn="ctr"/>
-            <a:endParaRPr lang="tr-TR"/>
-          </a:p>
-        </p:txBody>
-      </p:sp>
-      <p:sp>
-        <p:nvSpPr>
-          <p:cNvPr id="9" name="Ok: Aşağı 8">
-            <a:extLst>
-              <a:ext uri="{FF2B5EF4-FFF2-40B4-BE49-F238E27FC236}">
-                <a16:creationId xmlns:a16="http://schemas.microsoft.com/office/drawing/2014/main" id="{965547FB-6F74-9F90-154A-3F68CB716567}"/>
-              </a:ext>
-            </a:extLst>
-          </p:cNvPr>
-          <p:cNvSpPr/>
-          <p:nvPr/>
-        </p:nvSpPr>
-        <p:spPr>
-          <a:xfrm rot="10800000">
-            <a:off x="4132053" y="5515804"/>
-            <a:ext cx="155276" cy="282497"/>
-          </a:xfrm>
-          <a:prstGeom prst="downArrow">
-            <a:avLst/>
-          </a:prstGeom>
-          <a:solidFill>
-            <a:schemeClr val="accent1"/>
-          </a:solidFill>
-        </p:spPr>
-        <p:style>
-          <a:lnRef idx="2">
-            <a:schemeClr val="accent1">
-              <a:shade val="15000"/>
-            </a:schemeClr>
-          </a:lnRef>
-          <a:fillRef idx="1">
-            <a:schemeClr val="accent1"/>
-          </a:fillRef>
-          <a:effectRef idx="0">
-            <a:schemeClr val="accent1"/>
-          </a:effectRef>
-          <a:fontRef idx="minor">
-            <a:schemeClr val="lt1"/>
-          </a:fontRef>
-        </p:style>
-        <p:txBody>
-          <a:bodyPr rtlCol="0" anchor="ctr"/>
-          <a:lstStyle/>
-          <a:p>
-            <a:pPr algn="ctr"/>
-            <a:endParaRPr lang="tr-TR"/>
-          </a:p>
-        </p:txBody>
-      </p:sp>
-      <p:sp>
-        <p:nvSpPr>
-          <p:cNvPr id="11" name="Ok: Aşağı 10">
-            <a:extLst>
-              <a:ext uri="{FF2B5EF4-FFF2-40B4-BE49-F238E27FC236}">
-                <a16:creationId xmlns:a16="http://schemas.microsoft.com/office/drawing/2014/main" id="{78049C00-4287-BF08-8CCB-1BBED1BF7D82}"/>
-              </a:ext>
-            </a:extLst>
-          </p:cNvPr>
-          <p:cNvSpPr/>
-          <p:nvPr/>
-        </p:nvSpPr>
-        <p:spPr>
-          <a:xfrm rot="10800000">
-            <a:off x="5072332" y="5300144"/>
-            <a:ext cx="155276" cy="282497"/>
-          </a:xfrm>
-          <a:prstGeom prst="downArrow">
-            <a:avLst/>
-          </a:prstGeom>
-          <a:solidFill>
-            <a:schemeClr val="accent1"/>
-          </a:solidFill>
-        </p:spPr>
-        <p:style>
-          <a:lnRef idx="2">
-            <a:schemeClr val="accent1">
-              <a:shade val="15000"/>
-            </a:schemeClr>
-          </a:lnRef>
-          <a:fillRef idx="1">
-            <a:schemeClr val="accent1"/>
-          </a:fillRef>
-          <a:effectRef idx="0">
-            <a:schemeClr val="accent1"/>
-          </a:effectRef>
-          <a:fontRef idx="minor">
-            <a:schemeClr val="lt1"/>
-          </a:fontRef>
-        </p:style>
-        <p:txBody>
-          <a:bodyPr rtlCol="0" anchor="ctr"/>
-          <a:lstStyle/>
-          <a:p>
-            <a:pPr algn="ctr"/>
-            <a:endParaRPr lang="tr-TR"/>
-          </a:p>
-        </p:txBody>
-      </p:sp>
-      <p:sp>
-        <p:nvSpPr>
-          <p:cNvPr id="13" name="Ok: Aşağı 12">
-            <a:extLst>
-              <a:ext uri="{FF2B5EF4-FFF2-40B4-BE49-F238E27FC236}">
-                <a16:creationId xmlns:a16="http://schemas.microsoft.com/office/drawing/2014/main" id="{60E57A18-AAB3-FFCA-476B-ACBA470D5507}"/>
-              </a:ext>
-            </a:extLst>
-          </p:cNvPr>
-          <p:cNvSpPr/>
-          <p:nvPr/>
-        </p:nvSpPr>
-        <p:spPr>
-          <a:xfrm rot="10800000">
-            <a:off x="2849948" y="5595495"/>
-            <a:ext cx="155276" cy="282497"/>
-          </a:xfrm>
-          <a:prstGeom prst="downArrow">
-            <a:avLst/>
-          </a:prstGeom>
-          <a:solidFill>
-            <a:schemeClr val="accent1"/>
-          </a:solidFill>
-        </p:spPr>
-        <p:style>
-          <a:lnRef idx="2">
-            <a:schemeClr val="accent1">
-              <a:shade val="15000"/>
-            </a:schemeClr>
-          </a:lnRef>
-          <a:fillRef idx="1">
-            <a:schemeClr val="accent1"/>
-          </a:fillRef>
-          <a:effectRef idx="0">
-            <a:schemeClr val="accent1"/>
-          </a:effectRef>
-          <a:fontRef idx="minor">
-            <a:schemeClr val="lt1"/>
-          </a:fontRef>
-        </p:style>
-        <p:txBody>
-          <a:bodyPr rtlCol="0" anchor="ctr"/>
-          <a:lstStyle/>
-          <a:p>
-            <a:pPr algn="ctr"/>
-            <a:endParaRPr lang="tr-TR"/>
-          </a:p>
-        </p:txBody>
-      </p:sp>
-      <p:sp>
-        <p:nvSpPr>
-          <p:cNvPr id="17" name="Ok: Aşağı 16">
-            <a:extLst>
-              <a:ext uri="{FF2B5EF4-FFF2-40B4-BE49-F238E27FC236}">
-                <a16:creationId xmlns:a16="http://schemas.microsoft.com/office/drawing/2014/main" id="{11E31067-FD13-F749-CBB0-2190520647CB}"/>
-              </a:ext>
-            </a:extLst>
-          </p:cNvPr>
-          <p:cNvSpPr/>
-          <p:nvPr/>
-        </p:nvSpPr>
-        <p:spPr>
-          <a:xfrm rot="10800000">
-            <a:off x="8540151" y="5374556"/>
-            <a:ext cx="155276" cy="282497"/>
-          </a:xfrm>
-          <a:prstGeom prst="downArrow">
-            <a:avLst/>
-          </a:prstGeom>
-          <a:solidFill>
-            <a:schemeClr val="accent1"/>
-          </a:solidFill>
-        </p:spPr>
-        <p:style>
-          <a:lnRef idx="2">
-            <a:schemeClr val="accent1">
-              <a:shade val="15000"/>
-            </a:schemeClr>
-          </a:lnRef>
-          <a:fillRef idx="1">
-            <a:schemeClr val="accent1"/>
-          </a:fillRef>
-          <a:effectRef idx="0">
-            <a:schemeClr val="accent1"/>
-          </a:effectRef>
-          <a:fontRef idx="minor">
-            <a:schemeClr val="lt1"/>
-          </a:fontRef>
-        </p:style>
-        <p:txBody>
-          <a:bodyPr rtlCol="0" anchor="ctr"/>
-          <a:lstStyle/>
-          <a:p>
-            <a:pPr algn="ctr"/>
-            <a:endParaRPr lang="tr-TR"/>
-          </a:p>
-        </p:txBody>
-      </p:sp>
-      <p:sp>
-        <p:nvSpPr>
-          <p:cNvPr id="19" name="Ok: Aşağı 18">
-            <a:extLst>
-              <a:ext uri="{FF2B5EF4-FFF2-40B4-BE49-F238E27FC236}">
-                <a16:creationId xmlns:a16="http://schemas.microsoft.com/office/drawing/2014/main" id="{361096EE-4DA3-04A2-9397-4857E6B84163}"/>
-              </a:ext>
-            </a:extLst>
-          </p:cNvPr>
-          <p:cNvSpPr/>
-          <p:nvPr/>
-        </p:nvSpPr>
-        <p:spPr>
-          <a:xfrm rot="10800000">
-            <a:off x="9480430" y="5877992"/>
-            <a:ext cx="155276" cy="282497"/>
-          </a:xfrm>
-          <a:prstGeom prst="downArrow">
-            <a:avLst/>
-          </a:prstGeom>
-          <a:solidFill>
-            <a:schemeClr val="accent1"/>
-          </a:solidFill>
-        </p:spPr>
-        <p:style>
-          <a:lnRef idx="2">
-            <a:schemeClr val="accent1">
-              <a:shade val="15000"/>
-            </a:schemeClr>
-          </a:lnRef>
-          <a:fillRef idx="1">
-            <a:schemeClr val="accent1"/>
-          </a:fillRef>
-          <a:effectRef idx="0">
-            <a:schemeClr val="accent1"/>
-          </a:effectRef>
-          <a:fontRef idx="minor">
-            <a:schemeClr val="lt1"/>
-          </a:fontRef>
-        </p:style>
-        <p:txBody>
-          <a:bodyPr rtlCol="0" anchor="ctr"/>
-          <a:lstStyle/>
-          <a:p>
-            <a:pPr algn="ctr"/>
-            <a:endParaRPr lang="tr-TR"/>
-          </a:p>
-        </p:txBody>
-      </p:sp>
-      <p:sp>
-        <p:nvSpPr>
-          <p:cNvPr id="23" name="Ok: Aşağı 22">
-            <a:extLst>
-              <a:ext uri="{FF2B5EF4-FFF2-40B4-BE49-F238E27FC236}">
-                <a16:creationId xmlns:a16="http://schemas.microsoft.com/office/drawing/2014/main" id="{2B12422A-2053-6CD7-8273-A046A5FDF493}"/>
-              </a:ext>
-            </a:extLst>
-          </p:cNvPr>
-          <p:cNvSpPr/>
-          <p:nvPr/>
-        </p:nvSpPr>
-        <p:spPr>
-          <a:xfrm>
-            <a:off x="5434642" y="2332658"/>
-            <a:ext cx="155276" cy="282497"/>
-          </a:xfrm>
-          <a:prstGeom prst="downArrow">
-            <a:avLst/>
-          </a:prstGeom>
-          <a:solidFill>
-            <a:srgbClr val="FF0000"/>
-          </a:solidFill>
-        </p:spPr>
-        <p:style>
-          <a:lnRef idx="2">
-            <a:schemeClr val="accent1">
-              <a:shade val="15000"/>
-            </a:schemeClr>
-          </a:lnRef>
-          <a:fillRef idx="1">
-            <a:schemeClr val="accent1"/>
-          </a:fillRef>
-          <a:effectRef idx="0">
-            <a:schemeClr val="accent1"/>
-          </a:effectRef>
-          <a:fontRef idx="minor">
-            <a:schemeClr val="lt1"/>
-          </a:fontRef>
-        </p:style>
-        <p:txBody>
-          <a:bodyPr rtlCol="0" anchor="ctr"/>
-          <a:lstStyle/>
-          <a:p>
-            <a:pPr algn="ctr"/>
-            <a:endParaRPr lang="tr-TR"/>
-          </a:p>
-        </p:txBody>
-      </p:sp>
-      <p:sp>
-        <p:nvSpPr>
-          <p:cNvPr id="24" name="Ok: Aşağı 23">
-            <a:extLst>
-              <a:ext uri="{FF2B5EF4-FFF2-40B4-BE49-F238E27FC236}">
-                <a16:creationId xmlns:a16="http://schemas.microsoft.com/office/drawing/2014/main" id="{A2AE85BA-17F7-CCDF-7B34-FB0BBB8BA8D6}"/>
-              </a:ext>
-            </a:extLst>
-          </p:cNvPr>
-          <p:cNvSpPr/>
-          <p:nvPr/>
-        </p:nvSpPr>
-        <p:spPr>
-          <a:xfrm>
-            <a:off x="4632385" y="2615155"/>
-            <a:ext cx="155276" cy="282497"/>
-          </a:xfrm>
-          <a:prstGeom prst="downArrow">
-            <a:avLst/>
-          </a:prstGeom>
-          <a:solidFill>
-            <a:srgbClr val="FF0000"/>
-          </a:solidFill>
-        </p:spPr>
-        <p:style>
-          <a:lnRef idx="2">
-            <a:schemeClr val="accent1">
-              <a:shade val="15000"/>
-            </a:schemeClr>
-          </a:lnRef>
-          <a:fillRef idx="1">
-            <a:schemeClr val="accent1"/>
-          </a:fillRef>
-          <a:effectRef idx="0">
-            <a:schemeClr val="accent1"/>
-          </a:effectRef>
-          <a:fontRef idx="minor">
-            <a:schemeClr val="lt1"/>
-          </a:fontRef>
-        </p:style>
-        <p:txBody>
-          <a:bodyPr rtlCol="0" anchor="ctr"/>
-          <a:lstStyle/>
-          <a:p>
-            <a:pPr algn="ctr"/>
-            <a:endParaRPr lang="tr-TR"/>
-          </a:p>
-        </p:txBody>
-      </p:sp>
-      <p:sp>
-        <p:nvSpPr>
-          <p:cNvPr id="25" name="Ok: Aşağı 24">
-            <a:extLst>
-              <a:ext uri="{FF2B5EF4-FFF2-40B4-BE49-F238E27FC236}">
-                <a16:creationId xmlns:a16="http://schemas.microsoft.com/office/drawing/2014/main" id="{C2334B89-BA5C-5EEC-C8D4-AD2B03DCDDEA}"/>
-              </a:ext>
-            </a:extLst>
-          </p:cNvPr>
-          <p:cNvSpPr/>
-          <p:nvPr/>
-        </p:nvSpPr>
-        <p:spPr>
-          <a:xfrm>
-            <a:off x="3338423" y="2191409"/>
-            <a:ext cx="155276" cy="282497"/>
-          </a:xfrm>
-          <a:prstGeom prst="downArrow">
-            <a:avLst/>
-          </a:prstGeom>
-          <a:solidFill>
-            <a:srgbClr val="FF0000"/>
-          </a:solidFill>
-        </p:spPr>
-        <p:style>
-          <a:lnRef idx="2">
-            <a:schemeClr val="accent1">
-              <a:shade val="15000"/>
-            </a:schemeClr>
-          </a:lnRef>
-          <a:fillRef idx="1">
-            <a:schemeClr val="accent1"/>
-          </a:fillRef>
-          <a:effectRef idx="0">
-            <a:schemeClr val="accent1"/>
-          </a:effectRef>
-          <a:fontRef idx="minor">
-            <a:schemeClr val="lt1"/>
-          </a:fontRef>
-        </p:style>
-        <p:txBody>
-          <a:bodyPr rtlCol="0" anchor="ctr"/>
-          <a:lstStyle/>
-          <a:p>
-            <a:pPr algn="ctr"/>
-            <a:endParaRPr lang="tr-TR"/>
-          </a:p>
-        </p:txBody>
-      </p:sp>
-      <p:sp>
-        <p:nvSpPr>
-          <p:cNvPr id="26" name="Ok: Aşağı 25">
-            <a:extLst>
-              <a:ext uri="{FF2B5EF4-FFF2-40B4-BE49-F238E27FC236}">
-                <a16:creationId xmlns:a16="http://schemas.microsoft.com/office/drawing/2014/main" id="{97F4852D-E04B-FDDD-45BD-7FC9F7868B24}"/>
-              </a:ext>
-            </a:extLst>
-          </p:cNvPr>
-          <p:cNvSpPr/>
-          <p:nvPr/>
-        </p:nvSpPr>
-        <p:spPr>
-          <a:xfrm>
-            <a:off x="8051218" y="1908912"/>
-            <a:ext cx="155276" cy="282497"/>
-          </a:xfrm>
-          <a:prstGeom prst="downArrow">
-            <a:avLst/>
-          </a:prstGeom>
-          <a:solidFill>
-            <a:srgbClr val="FF0000"/>
-          </a:solidFill>
-        </p:spPr>
-        <p:style>
-          <a:lnRef idx="2">
-            <a:schemeClr val="accent1">
-              <a:shade val="15000"/>
-            </a:schemeClr>
-          </a:lnRef>
-          <a:fillRef idx="1">
-            <a:schemeClr val="accent1"/>
-          </a:fillRef>
-          <a:effectRef idx="0">
-            <a:schemeClr val="accent1"/>
-          </a:effectRef>
-          <a:fontRef idx="minor">
-            <a:schemeClr val="lt1"/>
-          </a:fontRef>
-        </p:style>
-        <p:txBody>
-          <a:bodyPr rtlCol="0" anchor="ctr"/>
-          <a:lstStyle/>
-          <a:p>
-            <a:pPr algn="ctr"/>
-            <a:endParaRPr lang="tr-TR"/>
-          </a:p>
-        </p:txBody>
-      </p:sp>
-      <p:sp>
-        <p:nvSpPr>
-          <p:cNvPr id="27" name="Ok: Aşağı 26">
-            <a:extLst>
-              <a:ext uri="{FF2B5EF4-FFF2-40B4-BE49-F238E27FC236}">
-                <a16:creationId xmlns:a16="http://schemas.microsoft.com/office/drawing/2014/main" id="{538BE53C-4507-4DB5-F3CA-7A19A3FDC31D}"/>
-              </a:ext>
-            </a:extLst>
-          </p:cNvPr>
-          <p:cNvSpPr/>
-          <p:nvPr/>
-        </p:nvSpPr>
-        <p:spPr>
-          <a:xfrm>
-            <a:off x="9018193" y="2897652"/>
-            <a:ext cx="155276" cy="282497"/>
-          </a:xfrm>
-          <a:prstGeom prst="downArrow">
-            <a:avLst/>
-          </a:prstGeom>
-          <a:solidFill>
-            <a:srgbClr val="FF0000"/>
-          </a:solidFill>
-        </p:spPr>
-        <p:style>
-          <a:lnRef idx="2">
-            <a:schemeClr val="accent1">
-              <a:shade val="15000"/>
-            </a:schemeClr>
-          </a:lnRef>
-          <a:fillRef idx="1">
-            <a:schemeClr val="accent1"/>
-          </a:fillRef>
-          <a:effectRef idx="0">
-            <a:schemeClr val="accent1"/>
-          </a:effectRef>
-          <a:fontRef idx="minor">
-            <a:schemeClr val="lt1"/>
-          </a:fontRef>
-        </p:style>
-        <p:txBody>
-          <a:bodyPr rtlCol="0" anchor="ctr"/>
-          <a:lstStyle/>
-          <a:p>
-            <a:pPr algn="ctr"/>
-            <a:endParaRPr lang="tr-TR"/>
-          </a:p>
-        </p:txBody>
-      </p:sp>
-      <p:sp>
-        <p:nvSpPr>
-          <p:cNvPr id="29" name="Metin kutusu 28">
-            <a:extLst>
-              <a:ext uri="{FF2B5EF4-FFF2-40B4-BE49-F238E27FC236}">
-                <a16:creationId xmlns:a16="http://schemas.microsoft.com/office/drawing/2014/main" id="{B8E769BF-5B1D-F018-3FE5-7369A8B75CAC}"/>
-              </a:ext>
-            </a:extLst>
-          </p:cNvPr>
-          <p:cNvSpPr txBox="1"/>
-          <p:nvPr/>
-        </p:nvSpPr>
-        <p:spPr>
-          <a:xfrm>
-            <a:off x="9984349" y="6049121"/>
-            <a:ext cx="1834552" cy="369332"/>
-          </a:xfrm>
-          <a:prstGeom prst="rect">
-            <a:avLst/>
-          </a:prstGeom>
-          <a:noFill/>
-        </p:spPr>
-        <p:txBody>
-          <a:bodyPr wrap="square">
-            <a:spAutoFit/>
-          </a:bodyPr>
-          <a:lstStyle/>
-          <a:p>
-            <a:r>
-              <a:rPr lang="tr-TR" sz="1800" kern="1200" dirty="0">
-                <a:solidFill>
-                  <a:srgbClr val="FF0000"/>
-                </a:solidFill>
-                <a:latin typeface="+mj-lt"/>
-                <a:ea typeface="+mj-ea"/>
-                <a:cs typeface="+mj-cs"/>
-              </a:rPr>
-              <a:t>(</a:t>
-            </a:r>
-            <a:r>
-              <a:rPr lang="tr-TR" sz="1800" kern="1200" dirty="0" err="1">
-                <a:solidFill>
-                  <a:srgbClr val="FF0000"/>
-                </a:solidFill>
-                <a:latin typeface="+mj-lt"/>
-                <a:ea typeface="+mj-ea"/>
-                <a:cs typeface="+mj-cs"/>
-              </a:rPr>
-              <a:t>Last</a:t>
-            </a:r>
-            <a:r>
-              <a:rPr lang="tr-TR" sz="1800" kern="1200" dirty="0">
-                <a:solidFill>
-                  <a:srgbClr val="FF0000"/>
-                </a:solidFill>
-                <a:latin typeface="+mj-lt"/>
-                <a:ea typeface="+mj-ea"/>
-                <a:cs typeface="+mj-cs"/>
-              </a:rPr>
-              <a:t> 1835 </a:t>
-            </a:r>
-            <a:r>
-              <a:rPr lang="tr-TR" sz="1800" kern="1200" dirty="0" err="1">
-                <a:solidFill>
-                  <a:srgbClr val="FF0000"/>
-                </a:solidFill>
-                <a:latin typeface="+mj-lt"/>
-                <a:ea typeface="+mj-ea"/>
-                <a:cs typeface="+mj-cs"/>
-              </a:rPr>
-              <a:t>days</a:t>
-            </a:r>
-            <a:r>
-              <a:rPr lang="tr-TR" sz="1800" kern="1200" dirty="0">
-                <a:solidFill>
-                  <a:srgbClr val="FF0000"/>
-                </a:solidFill>
-                <a:latin typeface="+mj-lt"/>
-                <a:ea typeface="+mj-ea"/>
-                <a:cs typeface="+mj-cs"/>
-              </a:rPr>
-              <a:t>)</a:t>
-            </a:r>
-            <a:endParaRPr lang="tr-TR" dirty="0">
-              <a:solidFill>
-                <a:srgbClr val="FF0000"/>
-              </a:solidFill>
-            </a:endParaRPr>
-          </a:p>
-        </p:txBody>
-      </p:sp>
     </p:spTree>
     <p:extLst>
       <p:ext uri="{BB962C8B-B14F-4D97-AF65-F5344CB8AC3E}">
-        <p14:creationId xmlns:p14="http://schemas.microsoft.com/office/powerpoint/2010/main" val="3428296617"/>
+        <p14:creationId xmlns:p14="http://schemas.microsoft.com/office/powerpoint/2010/main" val="3411109610"/>
       </p:ext>
     </p:extLst>
   </p:cSld>
@@ -4990,587 +5456,6 @@
           <a:p>
             <a:pPr algn="ctr"/>
             <a:endParaRPr lang="en-US"/>
-          </a:p>
-        </p:txBody>
-      </p:sp>
-      <p:sp>
-        <p:nvSpPr>
-          <p:cNvPr id="2" name="Başlık 1">
-            <a:extLst>
-              <a:ext uri="{FF2B5EF4-FFF2-40B4-BE49-F238E27FC236}">
-                <a16:creationId xmlns:a16="http://schemas.microsoft.com/office/drawing/2014/main" id="{E6D3B68D-B5D2-217E-2449-061392EE6745}"/>
-              </a:ext>
-            </a:extLst>
-          </p:cNvPr>
-          <p:cNvSpPr>
-            <a:spLocks noGrp="1"/>
-          </p:cNvSpPr>
-          <p:nvPr>
-            <p:ph type="title"/>
-          </p:nvPr>
-        </p:nvSpPr>
-        <p:spPr>
-          <a:xfrm>
-            <a:off x="699713" y="248038"/>
-            <a:ext cx="7063721" cy="1159200"/>
-          </a:xfrm>
-        </p:spPr>
-        <p:txBody>
-          <a:bodyPr vert="horz" lIns="91440" tIns="45720" rIns="91440" bIns="45720" rtlCol="0" anchor="ctr">
-            <a:normAutofit fontScale="90000"/>
-          </a:bodyPr>
-          <a:lstStyle/>
-          <a:p>
-            <a:r>
-              <a:rPr lang="en-US" sz="4000" kern="1200" dirty="0">
-                <a:solidFill>
-                  <a:srgbClr val="FFFFFF"/>
-                </a:solidFill>
-                <a:latin typeface="+mj-lt"/>
-                <a:ea typeface="+mj-ea"/>
-                <a:cs typeface="+mj-cs"/>
-              </a:rPr>
-              <a:t>Market Health Index</a:t>
-            </a:r>
-            <a:r>
-              <a:rPr lang="tr-TR" sz="4000" kern="1200" dirty="0">
-                <a:solidFill>
-                  <a:srgbClr val="FFFFFF"/>
-                </a:solidFill>
-                <a:latin typeface="+mj-lt"/>
-                <a:ea typeface="+mj-ea"/>
-                <a:cs typeface="+mj-cs"/>
-              </a:rPr>
-              <a:t> (</a:t>
-            </a:r>
-            <a:r>
-              <a:rPr lang="tr-TR" sz="4000" kern="1200" dirty="0" err="1">
-                <a:solidFill>
-                  <a:srgbClr val="FFFFFF"/>
-                </a:solidFill>
-                <a:latin typeface="+mj-lt"/>
-                <a:ea typeface="+mj-ea"/>
-                <a:cs typeface="+mj-cs"/>
-              </a:rPr>
-              <a:t>Last</a:t>
-            </a:r>
-            <a:r>
-              <a:rPr lang="tr-TR" sz="4000" kern="1200" dirty="0">
-                <a:solidFill>
-                  <a:srgbClr val="FFFFFF"/>
-                </a:solidFill>
-                <a:latin typeface="+mj-lt"/>
-                <a:ea typeface="+mj-ea"/>
-                <a:cs typeface="+mj-cs"/>
-              </a:rPr>
-              <a:t> 365 </a:t>
-            </a:r>
-            <a:r>
-              <a:rPr lang="tr-TR" sz="4000" kern="1200" dirty="0" err="1">
-                <a:solidFill>
-                  <a:srgbClr val="FFFFFF"/>
-                </a:solidFill>
-                <a:latin typeface="+mj-lt"/>
-                <a:ea typeface="+mj-ea"/>
-                <a:cs typeface="+mj-cs"/>
-              </a:rPr>
-              <a:t>days</a:t>
-            </a:r>
-            <a:r>
-              <a:rPr lang="tr-TR" sz="4000" kern="1200" dirty="0">
-                <a:solidFill>
-                  <a:srgbClr val="FFFFFF"/>
-                </a:solidFill>
-                <a:latin typeface="+mj-lt"/>
-                <a:ea typeface="+mj-ea"/>
-                <a:cs typeface="+mj-cs"/>
-              </a:rPr>
-              <a:t>)</a:t>
-            </a:r>
-            <a:endParaRPr lang="en-US" sz="4000" kern="1200" dirty="0">
-              <a:solidFill>
-                <a:srgbClr val="FFFFFF"/>
-              </a:solidFill>
-              <a:latin typeface="+mj-lt"/>
-              <a:ea typeface="+mj-ea"/>
-              <a:cs typeface="+mj-cs"/>
-            </a:endParaRPr>
-          </a:p>
-        </p:txBody>
-      </p:sp>
-      <p:pic>
-        <p:nvPicPr>
-          <p:cNvPr id="4" name="Resim 3">
-            <a:extLst>
-              <a:ext uri="{FF2B5EF4-FFF2-40B4-BE49-F238E27FC236}">
-                <a16:creationId xmlns:a16="http://schemas.microsoft.com/office/drawing/2014/main" id="{976B334D-F1F5-2CB4-EE80-A17002CDC4C4}"/>
-              </a:ext>
-            </a:extLst>
-          </p:cNvPr>
-          <p:cNvPicPr>
-            <a:picLocks noChangeAspect="1"/>
-          </p:cNvPicPr>
-          <p:nvPr/>
-        </p:nvPicPr>
-        <p:blipFill>
-          <a:blip r:embed="rId2"/>
-          <a:stretch>
-            <a:fillRect/>
-          </a:stretch>
-        </p:blipFill>
-        <p:spPr>
-          <a:xfrm>
-            <a:off x="2029773" y="1727344"/>
-            <a:ext cx="8132450" cy="4755547"/>
-          </a:xfrm>
-          <a:prstGeom prst="rect">
-            <a:avLst/>
-          </a:prstGeom>
-        </p:spPr>
-      </p:pic>
-    </p:spTree>
-    <p:extLst>
-      <p:ext uri="{BB962C8B-B14F-4D97-AF65-F5344CB8AC3E}">
-        <p14:creationId xmlns:p14="http://schemas.microsoft.com/office/powerpoint/2010/main" val="3411109610"/>
-      </p:ext>
-    </p:extLst>
-  </p:cSld>
-  <p:clrMapOvr>
-    <a:masterClrMapping/>
-  </p:clrMapOvr>
-</p:sld>
-</file>
-
-<file path=ppt/slides/slide4.xml><?xml version="1.0" encoding="utf-8"?>
-<p:sld xmlns:a="http://schemas.openxmlformats.org/drawingml/2006/main" xmlns:r="http://schemas.openxmlformats.org/officeDocument/2006/relationships" xmlns:p="http://schemas.openxmlformats.org/presentationml/2006/main">
-  <p:cSld>
-    <p:bg>
-      <p:bgPr>
-        <a:solidFill>
-          <a:schemeClr val="bg1"/>
-        </a:solidFill>
-        <a:effectLst/>
-      </p:bgPr>
-    </p:bg>
-    <p:spTree>
-      <p:nvGrpSpPr>
-        <p:cNvPr id="1" name=""/>
-        <p:cNvGrpSpPr/>
-        <p:nvPr/>
-      </p:nvGrpSpPr>
-      <p:grpSpPr>
-        <a:xfrm>
-          <a:off x="0" y="0"/>
-          <a:ext cx="0" cy="0"/>
-          <a:chOff x="0" y="0"/>
-          <a:chExt cx="0" cy="0"/>
-        </a:xfrm>
-      </p:grpSpPr>
-      <p:sp useBgFill="1">
-        <p:nvSpPr>
-          <p:cNvPr id="20" name="Rectangle 9">
-            <a:extLst>
-              <a:ext uri="{FF2B5EF4-FFF2-40B4-BE49-F238E27FC236}">
-                <a16:creationId xmlns:a16="http://schemas.microsoft.com/office/drawing/2014/main" id="{A8384FB5-9ADC-4DDC-881B-597D56F5B15D}"/>
-              </a:ext>
-              <a:ext uri="{C183D7F6-B498-43B3-948B-1728B52AA6E4}">
-                <adec:decorative xmlns:adec="http://schemas.microsoft.com/office/drawing/2017/decorative" val="1"/>
-              </a:ext>
-            </a:extLst>
-          </p:cNvPr>
-          <p:cNvSpPr>
-            <a:spLocks noGrp="1" noRot="1" noChangeAspect="1" noMove="1" noResize="1" noEditPoints="1" noAdjustHandles="1" noChangeArrowheads="1" noChangeShapeType="1" noTextEdit="1"/>
-          </p:cNvSpPr>
-          <p:nvPr>
-            <p:extLst>
-              <p:ext uri="{386F3935-93C4-4BCD-93E2-E3B085C9AB24}">
-                <p16:designElem xmlns:p16="http://schemas.microsoft.com/office/powerpoint/2015/main" val="1"/>
-              </p:ext>
-            </p:extLst>
-          </p:nvPr>
-        </p:nvSpPr>
-        <p:spPr>
-          <a:xfrm>
-            <a:off x="0" y="0"/>
-            <a:ext cx="12192000" cy="6858000"/>
-          </a:xfrm>
-          <a:prstGeom prst="rect">
-            <a:avLst/>
-          </a:prstGeom>
-          <a:ln w="12700" cap="flat" cmpd="sng" algn="ctr">
-            <a:noFill/>
-            <a:prstDash val="solid"/>
-            <a:miter lim="800000"/>
-          </a:ln>
-          <a:effectLst/>
-          <a:extLst>
-            <a:ext uri="{91240B29-F687-4F45-9708-019B960494DF}">
-              <a14:hiddenLine xmlns:a14="http://schemas.microsoft.com/office/drawing/2010/main" w="12700" cap="flat" cmpd="sng" algn="ctr">
-                <a:solidFill>
-                  <a:schemeClr val="accent1">
-                    <a:shade val="50000"/>
-                  </a:schemeClr>
-                </a:solidFill>
-                <a:prstDash val="solid"/>
-                <a:miter lim="800000"/>
-              </a14:hiddenLine>
-            </a:ext>
-          </a:extLst>
-        </p:spPr>
-        <p:style>
-          <a:lnRef idx="2">
-            <a:schemeClr val="accent1">
-              <a:shade val="50000"/>
-            </a:schemeClr>
-          </a:lnRef>
-          <a:fillRef idx="1">
-            <a:schemeClr val="accent1"/>
-          </a:fillRef>
-          <a:effectRef idx="0">
-            <a:schemeClr val="accent1"/>
-          </a:effectRef>
-          <a:fontRef idx="minor">
-            <a:schemeClr val="lt1"/>
-          </a:fontRef>
-        </p:style>
-        <p:txBody>
-          <a:bodyPr rtlCol="0" anchor="ctr"/>
-          <a:lstStyle/>
-          <a:p>
-            <a:pPr algn="ctr"/>
-            <a:endParaRPr lang="en-US"/>
-          </a:p>
-        </p:txBody>
-      </p:sp>
-      <p:sp>
-        <p:nvSpPr>
-          <p:cNvPr id="12" name="Rectangle 11">
-            <a:extLst>
-              <a:ext uri="{FF2B5EF4-FFF2-40B4-BE49-F238E27FC236}">
-                <a16:creationId xmlns:a16="http://schemas.microsoft.com/office/drawing/2014/main" id="{1199E1B1-A8C0-4FE8-A5A8-1CB41D69F857}"/>
-              </a:ext>
-              <a:ext uri="{C183D7F6-B498-43B3-948B-1728B52AA6E4}">
-                <adec:decorative xmlns:adec="http://schemas.microsoft.com/office/drawing/2017/decorative" val="1"/>
-              </a:ext>
-            </a:extLst>
-          </p:cNvPr>
-          <p:cNvSpPr>
-            <a:spLocks noGrp="1" noRot="1" noChangeAspect="1" noMove="1" noResize="1" noEditPoints="1" noAdjustHandles="1" noChangeArrowheads="1" noChangeShapeType="1" noTextEdit="1"/>
-          </p:cNvSpPr>
-          <p:nvPr>
-            <p:extLst>
-              <p:ext uri="{386F3935-93C4-4BCD-93E2-E3B085C9AB24}">
-                <p16:designElem xmlns:p16="http://schemas.microsoft.com/office/powerpoint/2015/main" val="1"/>
-              </p:ext>
-            </p:extLst>
-          </p:nvPr>
-        </p:nvSpPr>
-        <p:spPr>
-          <a:xfrm rot="10800000" flipH="1">
-            <a:off x="2" y="0"/>
-            <a:ext cx="12191998" cy="1575955"/>
-          </a:xfrm>
-          <a:prstGeom prst="rect">
-            <a:avLst/>
-          </a:prstGeom>
-          <a:gradFill>
-            <a:gsLst>
-              <a:gs pos="0">
-                <a:srgbClr val="000000">
-                  <a:alpha val="96000"/>
-                </a:srgbClr>
-              </a:gs>
-              <a:gs pos="100000">
-                <a:schemeClr val="accent1">
-                  <a:lumMod val="75000"/>
-                </a:schemeClr>
-              </a:gs>
-            </a:gsLst>
-            <a:lin ang="6000000" scaled="0"/>
-          </a:gradFill>
-          <a:ln>
-            <a:noFill/>
-          </a:ln>
-        </p:spPr>
-        <p:style>
-          <a:lnRef idx="2">
-            <a:schemeClr val="accent1">
-              <a:shade val="50000"/>
-            </a:schemeClr>
-          </a:lnRef>
-          <a:fillRef idx="1">
-            <a:schemeClr val="accent1"/>
-          </a:fillRef>
-          <a:effectRef idx="0">
-            <a:schemeClr val="accent1"/>
-          </a:effectRef>
-          <a:fontRef idx="minor">
-            <a:schemeClr val="lt1"/>
-          </a:fontRef>
-        </p:style>
-        <p:txBody>
-          <a:bodyPr rtlCol="0" anchor="ctr"/>
-          <a:lstStyle/>
-          <a:p>
-            <a:pPr algn="ctr"/>
-            <a:endParaRPr lang="en-US"/>
-          </a:p>
-        </p:txBody>
-      </p:sp>
-      <p:sp>
-        <p:nvSpPr>
-          <p:cNvPr id="21" name="Rectangle 13">
-            <a:extLst>
-              <a:ext uri="{FF2B5EF4-FFF2-40B4-BE49-F238E27FC236}">
-                <a16:creationId xmlns:a16="http://schemas.microsoft.com/office/drawing/2014/main" id="{84A8DE83-DE75-4B41-9DB4-A7EC0B0DEC0B}"/>
-              </a:ext>
-              <a:ext uri="{C183D7F6-B498-43B3-948B-1728B52AA6E4}">
-                <adec:decorative xmlns:adec="http://schemas.microsoft.com/office/drawing/2017/decorative" val="1"/>
-              </a:ext>
-            </a:extLst>
-          </p:cNvPr>
-          <p:cNvSpPr>
-            <a:spLocks noGrp="1" noRot="1" noChangeAspect="1" noMove="1" noResize="1" noEditPoints="1" noAdjustHandles="1" noChangeArrowheads="1" noChangeShapeType="1" noTextEdit="1"/>
-          </p:cNvSpPr>
-          <p:nvPr>
-            <p:extLst>
-              <p:ext uri="{386F3935-93C4-4BCD-93E2-E3B085C9AB24}">
-                <p16:designElem xmlns:p16="http://schemas.microsoft.com/office/powerpoint/2015/main" val="1"/>
-              </p:ext>
-            </p:extLst>
-          </p:nvPr>
-        </p:nvSpPr>
-        <p:spPr>
-          <a:xfrm>
-            <a:off x="0" y="0"/>
-            <a:ext cx="8128856" cy="1575461"/>
-          </a:xfrm>
-          <a:prstGeom prst="rect">
-            <a:avLst/>
-          </a:prstGeom>
-          <a:gradFill>
-            <a:gsLst>
-              <a:gs pos="0">
-                <a:schemeClr val="accent1">
-                  <a:alpha val="41000"/>
-                </a:schemeClr>
-              </a:gs>
-              <a:gs pos="74000">
-                <a:schemeClr val="accent1">
-                  <a:lumMod val="60000"/>
-                  <a:lumOff val="40000"/>
-                  <a:alpha val="0"/>
-                </a:schemeClr>
-              </a:gs>
-            </a:gsLst>
-            <a:lin ang="8400000" scaled="0"/>
-          </a:gradFill>
-          <a:ln>
-            <a:noFill/>
-          </a:ln>
-        </p:spPr>
-        <p:style>
-          <a:lnRef idx="2">
-            <a:schemeClr val="accent1">
-              <a:shade val="50000"/>
-            </a:schemeClr>
-          </a:lnRef>
-          <a:fillRef idx="1">
-            <a:schemeClr val="accent1"/>
-          </a:fillRef>
-          <a:effectRef idx="0">
-            <a:schemeClr val="accent1"/>
-          </a:effectRef>
-          <a:fontRef idx="minor">
-            <a:schemeClr val="lt1"/>
-          </a:fontRef>
-        </p:style>
-        <p:txBody>
-          <a:bodyPr rtlCol="0" anchor="ctr"/>
-          <a:lstStyle/>
-          <a:p>
-            <a:pPr algn="ctr"/>
-            <a:endParaRPr lang="en-US"/>
-          </a:p>
-        </p:txBody>
-      </p:sp>
-      <p:sp>
-        <p:nvSpPr>
-          <p:cNvPr id="22" name="Rectangle 15">
-            <a:extLst>
-              <a:ext uri="{FF2B5EF4-FFF2-40B4-BE49-F238E27FC236}">
-                <a16:creationId xmlns:a16="http://schemas.microsoft.com/office/drawing/2014/main" id="{A7009A0A-BEF5-4EAC-AF15-E4F9F002E239}"/>
-              </a:ext>
-              <a:ext uri="{C183D7F6-B498-43B3-948B-1728B52AA6E4}">
-                <adec:decorative xmlns:adec="http://schemas.microsoft.com/office/drawing/2017/decorative" val="1"/>
-              </a:ext>
-            </a:extLst>
-          </p:cNvPr>
-          <p:cNvSpPr>
-            <a:spLocks noGrp="1" noRot="1" noChangeAspect="1" noMove="1" noResize="1" noEditPoints="1" noAdjustHandles="1" noChangeArrowheads="1" noChangeShapeType="1" noTextEdit="1"/>
-          </p:cNvSpPr>
-          <p:nvPr>
-            <p:extLst>
-              <p:ext uri="{386F3935-93C4-4BCD-93E2-E3B085C9AB24}">
-                <p16:designElem xmlns:p16="http://schemas.microsoft.com/office/powerpoint/2015/main" val="1"/>
-              </p:ext>
-            </p:extLst>
-          </p:nvPr>
-        </p:nvSpPr>
-        <p:spPr>
-          <a:xfrm flipH="1">
-            <a:off x="-3" y="-1"/>
-            <a:ext cx="12192002" cy="1574311"/>
-          </a:xfrm>
-          <a:prstGeom prst="rect">
-            <a:avLst/>
-          </a:prstGeom>
-          <a:gradFill>
-            <a:gsLst>
-              <a:gs pos="0">
-                <a:srgbClr val="000000">
-                  <a:alpha val="63000"/>
-                </a:srgbClr>
-              </a:gs>
-              <a:gs pos="78000">
-                <a:schemeClr val="accent1">
-                  <a:alpha val="15000"/>
-                </a:schemeClr>
-              </a:gs>
-            </a:gsLst>
-            <a:lin ang="15600000" scaled="0"/>
-          </a:gradFill>
-          <a:ln>
-            <a:noFill/>
-          </a:ln>
-        </p:spPr>
-        <p:style>
-          <a:lnRef idx="2">
-            <a:schemeClr val="accent1">
-              <a:shade val="50000"/>
-            </a:schemeClr>
-          </a:lnRef>
-          <a:fillRef idx="1">
-            <a:schemeClr val="accent1"/>
-          </a:fillRef>
-          <a:effectRef idx="0">
-            <a:schemeClr val="accent1"/>
-          </a:effectRef>
-          <a:fontRef idx="minor">
-            <a:schemeClr val="lt1"/>
-          </a:fontRef>
-        </p:style>
-        <p:txBody>
-          <a:bodyPr rtlCol="0" anchor="ctr"/>
-          <a:lstStyle/>
-          <a:p>
-            <a:pPr algn="ctr"/>
-            <a:endParaRPr lang="en-US"/>
-          </a:p>
-        </p:txBody>
-      </p:sp>
-      <p:sp>
-        <p:nvSpPr>
-          <p:cNvPr id="2" name="Başlık 1">
-            <a:extLst>
-              <a:ext uri="{FF2B5EF4-FFF2-40B4-BE49-F238E27FC236}">
-                <a16:creationId xmlns:a16="http://schemas.microsoft.com/office/drawing/2014/main" id="{E6D3B68D-B5D2-217E-2449-061392EE6745}"/>
-              </a:ext>
-            </a:extLst>
-          </p:cNvPr>
-          <p:cNvSpPr>
-            <a:spLocks noGrp="1"/>
-          </p:cNvSpPr>
-          <p:nvPr>
-            <p:ph type="title"/>
-          </p:nvPr>
-        </p:nvSpPr>
-        <p:spPr>
-          <a:xfrm>
-            <a:off x="699713" y="248038"/>
-            <a:ext cx="7063721" cy="1159200"/>
-          </a:xfrm>
-        </p:spPr>
-        <p:txBody>
-          <a:bodyPr vert="horz" lIns="91440" tIns="45720" rIns="91440" bIns="45720" rtlCol="0" anchor="ctr">
-            <a:normAutofit fontScale="90000"/>
-          </a:bodyPr>
-          <a:lstStyle/>
-          <a:p>
-            <a:r>
-              <a:rPr lang="en-US" sz="4000" kern="1200" dirty="0">
-                <a:solidFill>
-                  <a:srgbClr val="FFFFFF"/>
-                </a:solidFill>
-                <a:latin typeface="+mj-lt"/>
-                <a:ea typeface="+mj-ea"/>
-                <a:cs typeface="+mj-cs"/>
-              </a:rPr>
-              <a:t>Market Health Index</a:t>
-            </a:r>
-            <a:r>
-              <a:rPr lang="tr-TR" sz="4000" kern="1200" dirty="0">
-                <a:solidFill>
-                  <a:srgbClr val="FFFFFF"/>
-                </a:solidFill>
-                <a:latin typeface="+mj-lt"/>
-                <a:ea typeface="+mj-ea"/>
-                <a:cs typeface="+mj-cs"/>
-              </a:rPr>
-              <a:t> (</a:t>
-            </a:r>
-            <a:r>
-              <a:rPr lang="tr-TR" sz="4000" kern="1200" dirty="0" err="1">
-                <a:solidFill>
-                  <a:srgbClr val="FFFFFF"/>
-                </a:solidFill>
-                <a:latin typeface="+mj-lt"/>
-                <a:ea typeface="+mj-ea"/>
-                <a:cs typeface="+mj-cs"/>
-              </a:rPr>
-              <a:t>Last</a:t>
-            </a:r>
-            <a:r>
-              <a:rPr lang="tr-TR" sz="4000" kern="1200" dirty="0">
-                <a:solidFill>
-                  <a:srgbClr val="FFFFFF"/>
-                </a:solidFill>
-                <a:latin typeface="+mj-lt"/>
-                <a:ea typeface="+mj-ea"/>
-                <a:cs typeface="+mj-cs"/>
-              </a:rPr>
-              <a:t> 730 </a:t>
-            </a:r>
-            <a:r>
-              <a:rPr lang="tr-TR" sz="4000" kern="1200" dirty="0" err="1">
-                <a:solidFill>
-                  <a:srgbClr val="FFFFFF"/>
-                </a:solidFill>
-                <a:latin typeface="+mj-lt"/>
-                <a:ea typeface="+mj-ea"/>
-                <a:cs typeface="+mj-cs"/>
-              </a:rPr>
-              <a:t>days</a:t>
-            </a:r>
-            <a:r>
-              <a:rPr lang="tr-TR" sz="4000" kern="1200" dirty="0">
-                <a:solidFill>
-                  <a:srgbClr val="FFFFFF"/>
-                </a:solidFill>
-                <a:latin typeface="+mj-lt"/>
-                <a:ea typeface="+mj-ea"/>
-                <a:cs typeface="+mj-cs"/>
-              </a:rPr>
-              <a:t>)</a:t>
-            </a:r>
-            <a:endParaRPr lang="en-US" sz="4000" kern="1200" dirty="0">
-              <a:solidFill>
-                <a:srgbClr val="FFFFFF"/>
-              </a:solidFill>
-              <a:latin typeface="+mj-lt"/>
-              <a:ea typeface="+mj-ea"/>
-              <a:cs typeface="+mj-cs"/>
-            </a:endParaRPr>
           </a:p>
         </p:txBody>
       </p:sp>
@@ -5934,6 +5819,89 @@
           </p:sp>
         </p:grpSp>
       </p:grpSp>
+      <p:sp>
+        <p:nvSpPr>
+          <p:cNvPr id="15" name="Başlık 1">
+            <a:extLst>
+              <a:ext uri="{FF2B5EF4-FFF2-40B4-BE49-F238E27FC236}">
+                <a16:creationId xmlns:a16="http://schemas.microsoft.com/office/drawing/2014/main" id="{B98A51AA-1834-5A7D-CB26-98404B434BA8}"/>
+              </a:ext>
+            </a:extLst>
+          </p:cNvPr>
+          <p:cNvSpPr>
+            <a:spLocks noGrp="1"/>
+          </p:cNvSpPr>
+          <p:nvPr>
+            <p:ph type="title"/>
+          </p:nvPr>
+        </p:nvSpPr>
+        <p:spPr>
+          <a:xfrm>
+            <a:off x="699713" y="248038"/>
+            <a:ext cx="11316883" cy="1159200"/>
+          </a:xfrm>
+        </p:spPr>
+        <p:txBody>
+          <a:bodyPr vert="horz" lIns="91440" tIns="45720" rIns="91440" bIns="45720" rtlCol="0" anchor="ctr">
+            <a:normAutofit/>
+          </a:bodyPr>
+          <a:lstStyle/>
+          <a:p>
+            <a:r>
+              <a:rPr lang="tr-TR" sz="4000" b="1" kern="1200" dirty="0">
+                <a:solidFill>
+                  <a:srgbClr val="FFFFFF"/>
+                </a:solidFill>
+                <a:latin typeface="+mj-lt"/>
+                <a:ea typeface="+mj-ea"/>
+                <a:cs typeface="+mj-cs"/>
+              </a:rPr>
+              <a:t>MHI - </a:t>
+            </a:r>
+            <a:r>
+              <a:rPr lang="tr-TR" sz="4000" kern="1200" dirty="0" err="1">
+                <a:solidFill>
+                  <a:srgbClr val="FFFFFF"/>
+                </a:solidFill>
+                <a:latin typeface="+mj-lt"/>
+                <a:ea typeface="+mj-ea"/>
+                <a:cs typeface="+mj-cs"/>
+              </a:rPr>
+              <a:t>Last</a:t>
+            </a:r>
+            <a:r>
+              <a:rPr lang="tr-TR" sz="4000" kern="1200" dirty="0">
+                <a:solidFill>
+                  <a:srgbClr val="FFFFFF"/>
+                </a:solidFill>
+                <a:latin typeface="+mj-lt"/>
+                <a:ea typeface="+mj-ea"/>
+                <a:cs typeface="+mj-cs"/>
+              </a:rPr>
+              <a:t> 730 </a:t>
+            </a:r>
+            <a:r>
+              <a:rPr lang="tr-TR" sz="4000" kern="1200" dirty="0" err="1">
+                <a:solidFill>
+                  <a:srgbClr val="FFFFFF"/>
+                </a:solidFill>
+                <a:latin typeface="+mj-lt"/>
+                <a:ea typeface="+mj-ea"/>
+                <a:cs typeface="+mj-cs"/>
+              </a:rPr>
+              <a:t>days</a:t>
+            </a:r>
+            <a:endParaRPr lang="en-US" sz="4000" kern="1200" dirty="0">
+              <a:solidFill>
+                <a:srgbClr val="FFFFFF"/>
+              </a:solidFill>
+              <a:latin typeface="+mj-lt"/>
+              <a:ea typeface="+mj-ea"/>
+              <a:cs typeface="+mj-cs"/>
+            </a:endParaRPr>
+          </a:p>
+        </p:txBody>
+      </p:sp>
     </p:spTree>
     <p:extLst>
       <p:ext uri="{BB962C8B-B14F-4D97-AF65-F5344CB8AC3E}">
@@ -5947,7 +5915,7 @@
 </p:sld>
 </file>
 
-<file path=ppt/slides/slide5.xml><?xml version="1.0" encoding="utf-8"?>
+<file path=ppt/slides/slide4.xml><?xml version="1.0" encoding="utf-8"?>
 <p:sld xmlns:a="http://schemas.openxmlformats.org/drawingml/2006/main" xmlns:r="http://schemas.openxmlformats.org/officeDocument/2006/relationships" xmlns:p="http://schemas.openxmlformats.org/presentationml/2006/main">
   <p:cSld>
     <p:bg>

--- a/INVESTOR PRESENTATIONS/Investor Presentation v1.pptx
+++ b/INVESTOR PRESENTATIONS/Investor Presentation v1.pptx
@@ -9,6 +9,13 @@
     <p:sldId id="258" r:id="rId3"/>
     <p:sldId id="259" r:id="rId4"/>
     <p:sldId id="260" r:id="rId5"/>
+    <p:sldId id="266" r:id="rId6"/>
+    <p:sldId id="267" r:id="rId7"/>
+    <p:sldId id="265" r:id="rId8"/>
+    <p:sldId id="261" r:id="rId9"/>
+    <p:sldId id="262" r:id="rId10"/>
+    <p:sldId id="263" r:id="rId11"/>
+    <p:sldId id="264" r:id="rId12"/>
   </p:sldIdLst>
   <p:sldSz cx="12192000" cy="6858000"/>
   <p:notesSz cx="6858000" cy="9144000"/>
@@ -113,6 +120,3425 @@
     </p:ext>
   </p:extLst>
 </p:presentation>
+</file>
+
+<file path=ppt/diagrams/colors1.xml><?xml version="1.0" encoding="utf-8"?>
+<dgm:colorsDef xmlns:dgm="http://schemas.openxmlformats.org/drawingml/2006/diagram" xmlns:a="http://schemas.openxmlformats.org/drawingml/2006/main" uniqueId="urn:microsoft.com/office/officeart/2005/8/colors/accent1_2">
+  <dgm:title val=""/>
+  <dgm:desc val=""/>
+  <dgm:catLst>
+    <dgm:cat type="accent1" pri="11200"/>
+  </dgm:catLst>
+  <dgm:styleLbl name="node0">
+    <dgm:fillClrLst meth="repeat">
+      <a:schemeClr val="accent1"/>
+    </dgm:fillClrLst>
+    <dgm:linClrLst meth="repeat">
+      <a:schemeClr val="lt1"/>
+    </dgm:linClrLst>
+    <dgm:effectClrLst/>
+    <dgm:txLinClrLst/>
+    <dgm:txFillClrLst/>
+    <dgm:txEffectClrLst/>
+  </dgm:styleLbl>
+  <dgm:styleLbl name="alignNode1">
+    <dgm:fillClrLst meth="repeat">
+      <a:schemeClr val="accent1"/>
+    </dgm:fillClrLst>
+    <dgm:linClrLst meth="repeat">
+      <a:schemeClr val="accent1"/>
+    </dgm:linClrLst>
+    <dgm:effectClrLst/>
+    <dgm:txLinClrLst/>
+    <dgm:txFillClrLst/>
+    <dgm:txEffectClrLst/>
+  </dgm:styleLbl>
+  <dgm:styleLbl name="node1">
+    <dgm:fillClrLst meth="repeat">
+      <a:schemeClr val="accent1"/>
+    </dgm:fillClrLst>
+    <dgm:linClrLst meth="repeat">
+      <a:schemeClr val="lt1"/>
+    </dgm:linClrLst>
+    <dgm:effectClrLst/>
+    <dgm:txLinClrLst/>
+    <dgm:txFillClrLst/>
+    <dgm:txEffectClrLst/>
+  </dgm:styleLbl>
+  <dgm:styleLbl name="lnNode1">
+    <dgm:fillClrLst meth="repeat">
+      <a:schemeClr val="accent1"/>
+    </dgm:fillClrLst>
+    <dgm:linClrLst meth="repeat">
+      <a:schemeClr val="lt1"/>
+    </dgm:linClrLst>
+    <dgm:effectClrLst/>
+    <dgm:txLinClrLst/>
+    <dgm:txFillClrLst/>
+    <dgm:txEffectClrLst/>
+  </dgm:styleLbl>
+  <dgm:styleLbl name="vennNode1">
+    <dgm:fillClrLst meth="repeat">
+      <a:schemeClr val="accent1">
+        <a:alpha val="50000"/>
+      </a:schemeClr>
+    </dgm:fillClrLst>
+    <dgm:linClrLst meth="repeat">
+      <a:schemeClr val="lt1"/>
+    </dgm:linClrLst>
+    <dgm:effectClrLst/>
+    <dgm:txLinClrLst/>
+    <dgm:txFillClrLst/>
+    <dgm:txEffectClrLst/>
+  </dgm:styleLbl>
+  <dgm:styleLbl name="node2">
+    <dgm:fillClrLst meth="repeat">
+      <a:schemeClr val="accent1"/>
+    </dgm:fillClrLst>
+    <dgm:linClrLst meth="repeat">
+      <a:schemeClr val="lt1"/>
+    </dgm:linClrLst>
+    <dgm:effectClrLst/>
+    <dgm:txLinClrLst/>
+    <dgm:txFillClrLst/>
+    <dgm:txEffectClrLst/>
+  </dgm:styleLbl>
+  <dgm:styleLbl name="node3">
+    <dgm:fillClrLst meth="repeat">
+      <a:schemeClr val="accent1"/>
+    </dgm:fillClrLst>
+    <dgm:linClrLst meth="repeat">
+      <a:schemeClr val="lt1"/>
+    </dgm:linClrLst>
+    <dgm:effectClrLst/>
+    <dgm:txLinClrLst/>
+    <dgm:txFillClrLst/>
+    <dgm:txEffectClrLst/>
+  </dgm:styleLbl>
+  <dgm:styleLbl name="node4">
+    <dgm:fillClrLst meth="repeat">
+      <a:schemeClr val="accent1"/>
+    </dgm:fillClrLst>
+    <dgm:linClrLst meth="repeat">
+      <a:schemeClr val="lt1"/>
+    </dgm:linClrLst>
+    <dgm:effectClrLst/>
+    <dgm:txLinClrLst/>
+    <dgm:txFillClrLst/>
+    <dgm:txEffectClrLst/>
+  </dgm:styleLbl>
+  <dgm:styleLbl name="fgImgPlace1">
+    <dgm:fillClrLst meth="repeat">
+      <a:schemeClr val="accent1">
+        <a:tint val="50000"/>
+      </a:schemeClr>
+    </dgm:fillClrLst>
+    <dgm:linClrLst meth="repeat">
+      <a:schemeClr val="lt1"/>
+    </dgm:linClrLst>
+    <dgm:effectClrLst/>
+    <dgm:txLinClrLst/>
+    <dgm:txFillClrLst meth="repeat">
+      <a:schemeClr val="lt1"/>
+    </dgm:txFillClrLst>
+    <dgm:txEffectClrLst/>
+  </dgm:styleLbl>
+  <dgm:styleLbl name="alignImgPlace1">
+    <dgm:fillClrLst meth="repeat">
+      <a:schemeClr val="accent1">
+        <a:tint val="50000"/>
+      </a:schemeClr>
+    </dgm:fillClrLst>
+    <dgm:linClrLst meth="repeat">
+      <a:schemeClr val="lt1"/>
+    </dgm:linClrLst>
+    <dgm:effectClrLst/>
+    <dgm:txLinClrLst/>
+    <dgm:txFillClrLst meth="repeat">
+      <a:schemeClr val="lt1"/>
+    </dgm:txFillClrLst>
+    <dgm:txEffectClrLst/>
+  </dgm:styleLbl>
+  <dgm:styleLbl name="bgImgPlace1">
+    <dgm:fillClrLst meth="repeat">
+      <a:schemeClr val="accent1">
+        <a:tint val="50000"/>
+      </a:schemeClr>
+    </dgm:fillClrLst>
+    <dgm:linClrLst meth="repeat">
+      <a:schemeClr val="lt1"/>
+    </dgm:linClrLst>
+    <dgm:effectClrLst/>
+    <dgm:txLinClrLst/>
+    <dgm:txFillClrLst meth="repeat">
+      <a:schemeClr val="lt1"/>
+    </dgm:txFillClrLst>
+    <dgm:txEffectClrLst/>
+  </dgm:styleLbl>
+  <dgm:styleLbl name="sibTrans2D1">
+    <dgm:fillClrLst meth="repeat">
+      <a:schemeClr val="accent1">
+        <a:tint val="60000"/>
+      </a:schemeClr>
+    </dgm:fillClrLst>
+    <dgm:linClrLst meth="repeat">
+      <a:schemeClr val="accent1">
+        <a:tint val="60000"/>
+      </a:schemeClr>
+    </dgm:linClrLst>
+    <dgm:effectClrLst/>
+    <dgm:txLinClrLst/>
+    <dgm:txFillClrLst/>
+    <dgm:txEffectClrLst/>
+  </dgm:styleLbl>
+  <dgm:styleLbl name="fgSibTrans2D1">
+    <dgm:fillClrLst meth="repeat">
+      <a:schemeClr val="accent1">
+        <a:tint val="60000"/>
+      </a:schemeClr>
+    </dgm:fillClrLst>
+    <dgm:linClrLst meth="repeat">
+      <a:schemeClr val="accent1">
+        <a:tint val="60000"/>
+      </a:schemeClr>
+    </dgm:linClrLst>
+    <dgm:effectClrLst/>
+    <dgm:txLinClrLst/>
+    <dgm:txFillClrLst/>
+    <dgm:txEffectClrLst/>
+  </dgm:styleLbl>
+  <dgm:styleLbl name="bgSibTrans2D1">
+    <dgm:fillClrLst meth="repeat">
+      <a:schemeClr val="accent1">
+        <a:tint val="60000"/>
+      </a:schemeClr>
+    </dgm:fillClrLst>
+    <dgm:linClrLst meth="repeat">
+      <a:schemeClr val="accent1">
+        <a:tint val="60000"/>
+      </a:schemeClr>
+    </dgm:linClrLst>
+    <dgm:effectClrLst/>
+    <dgm:txLinClrLst/>
+    <dgm:txFillClrLst/>
+    <dgm:txEffectClrLst/>
+  </dgm:styleLbl>
+  <dgm:styleLbl name="sibTrans1D1">
+    <dgm:fillClrLst meth="repeat">
+      <a:schemeClr val="accent1"/>
+    </dgm:fillClrLst>
+    <dgm:linClrLst meth="repeat">
+      <a:schemeClr val="accent1"/>
+    </dgm:linClrLst>
+    <dgm:effectClrLst/>
+    <dgm:txLinClrLst/>
+    <dgm:txFillClrLst meth="repeat">
+      <a:schemeClr val="tx1"/>
+    </dgm:txFillClrLst>
+    <dgm:txEffectClrLst/>
+  </dgm:styleLbl>
+  <dgm:styleLbl name="callout">
+    <dgm:fillClrLst meth="repeat">
+      <a:schemeClr val="accent1"/>
+    </dgm:fillClrLst>
+    <dgm:linClrLst meth="repeat">
+      <a:schemeClr val="accent1">
+        <a:tint val="50000"/>
+      </a:schemeClr>
+    </dgm:linClrLst>
+    <dgm:effectClrLst/>
+    <dgm:txLinClrLst/>
+    <dgm:txFillClrLst meth="repeat">
+      <a:schemeClr val="tx1"/>
+    </dgm:txFillClrLst>
+    <dgm:txEffectClrLst/>
+  </dgm:styleLbl>
+  <dgm:styleLbl name="asst0">
+    <dgm:fillClrLst meth="repeat">
+      <a:schemeClr val="accent1"/>
+    </dgm:fillClrLst>
+    <dgm:linClrLst meth="repeat">
+      <a:schemeClr val="lt1"/>
+    </dgm:linClrLst>
+    <dgm:effectClrLst/>
+    <dgm:txLinClrLst/>
+    <dgm:txFillClrLst/>
+    <dgm:txEffectClrLst/>
+  </dgm:styleLbl>
+  <dgm:styleLbl name="asst1">
+    <dgm:fillClrLst meth="repeat">
+      <a:schemeClr val="accent1"/>
+    </dgm:fillClrLst>
+    <dgm:linClrLst meth="repeat">
+      <a:schemeClr val="lt1"/>
+    </dgm:linClrLst>
+    <dgm:effectClrLst/>
+    <dgm:txLinClrLst/>
+    <dgm:txFillClrLst/>
+    <dgm:txEffectClrLst/>
+  </dgm:styleLbl>
+  <dgm:styleLbl name="asst2">
+    <dgm:fillClrLst meth="repeat">
+      <a:schemeClr val="accent1"/>
+    </dgm:fillClrLst>
+    <dgm:linClrLst meth="repeat">
+      <a:schemeClr val="lt1"/>
+    </dgm:linClrLst>
+    <dgm:effectClrLst/>
+    <dgm:txLinClrLst/>
+    <dgm:txFillClrLst/>
+    <dgm:txEffectClrLst/>
+  </dgm:styleLbl>
+  <dgm:styleLbl name="asst3">
+    <dgm:fillClrLst meth="repeat">
+      <a:schemeClr val="accent1"/>
+    </dgm:fillClrLst>
+    <dgm:linClrLst meth="repeat">
+      <a:schemeClr val="lt1"/>
+    </dgm:linClrLst>
+    <dgm:effectClrLst/>
+    <dgm:txLinClrLst/>
+    <dgm:txFillClrLst/>
+    <dgm:txEffectClrLst/>
+  </dgm:styleLbl>
+  <dgm:styleLbl name="asst4">
+    <dgm:fillClrLst meth="repeat">
+      <a:schemeClr val="accent1"/>
+    </dgm:fillClrLst>
+    <dgm:linClrLst meth="repeat">
+      <a:schemeClr val="lt1"/>
+    </dgm:linClrLst>
+    <dgm:effectClrLst/>
+    <dgm:txLinClrLst/>
+    <dgm:txFillClrLst/>
+    <dgm:txEffectClrLst/>
+  </dgm:styleLbl>
+  <dgm:styleLbl name="parChTrans2D1">
+    <dgm:fillClrLst meth="repeat">
+      <a:schemeClr val="accent1">
+        <a:tint val="60000"/>
+      </a:schemeClr>
+    </dgm:fillClrLst>
+    <dgm:linClrLst meth="repeat">
+      <a:schemeClr val="accent1">
+        <a:tint val="60000"/>
+      </a:schemeClr>
+    </dgm:linClrLst>
+    <dgm:effectClrLst/>
+    <dgm:txLinClrLst/>
+    <dgm:txFillClrLst meth="repeat">
+      <a:schemeClr val="lt1"/>
+    </dgm:txFillClrLst>
+    <dgm:txEffectClrLst/>
+  </dgm:styleLbl>
+  <dgm:styleLbl name="parChTrans2D2">
+    <dgm:fillClrLst meth="repeat">
+      <a:schemeClr val="accent1"/>
+    </dgm:fillClrLst>
+    <dgm:linClrLst meth="repeat">
+      <a:schemeClr val="accent1"/>
+    </dgm:linClrLst>
+    <dgm:effectClrLst/>
+    <dgm:txLinClrLst/>
+    <dgm:txFillClrLst meth="repeat">
+      <a:schemeClr val="lt1"/>
+    </dgm:txFillClrLst>
+    <dgm:txEffectClrLst/>
+  </dgm:styleLbl>
+  <dgm:styleLbl name="parChTrans2D3">
+    <dgm:fillClrLst meth="repeat">
+      <a:schemeClr val="accent1"/>
+    </dgm:fillClrLst>
+    <dgm:linClrLst meth="repeat">
+      <a:schemeClr val="accent1"/>
+    </dgm:linClrLst>
+    <dgm:effectClrLst/>
+    <dgm:txLinClrLst/>
+    <dgm:txFillClrLst meth="repeat">
+      <a:schemeClr val="lt1"/>
+    </dgm:txFillClrLst>
+    <dgm:txEffectClrLst/>
+  </dgm:styleLbl>
+  <dgm:styleLbl name="parChTrans2D4">
+    <dgm:fillClrLst meth="repeat">
+      <a:schemeClr val="accent1"/>
+    </dgm:fillClrLst>
+    <dgm:linClrLst meth="repeat">
+      <a:schemeClr val="accent1"/>
+    </dgm:linClrLst>
+    <dgm:effectClrLst/>
+    <dgm:txLinClrLst/>
+    <dgm:txFillClrLst meth="repeat">
+      <a:schemeClr val="lt1"/>
+    </dgm:txFillClrLst>
+    <dgm:txEffectClrLst/>
+  </dgm:styleLbl>
+  <dgm:styleLbl name="parChTrans1D1">
+    <dgm:fillClrLst meth="repeat">
+      <a:schemeClr val="accent1"/>
+    </dgm:fillClrLst>
+    <dgm:linClrLst meth="repeat">
+      <a:schemeClr val="accent1">
+        <a:shade val="60000"/>
+      </a:schemeClr>
+    </dgm:linClrLst>
+    <dgm:effectClrLst/>
+    <dgm:txLinClrLst/>
+    <dgm:txFillClrLst meth="repeat">
+      <a:schemeClr val="tx1"/>
+    </dgm:txFillClrLst>
+    <dgm:txEffectClrLst/>
+  </dgm:styleLbl>
+  <dgm:styleLbl name="parChTrans1D2">
+    <dgm:fillClrLst meth="repeat">
+      <a:schemeClr val="accent1"/>
+    </dgm:fillClrLst>
+    <dgm:linClrLst meth="repeat">
+      <a:schemeClr val="accent1">
+        <a:shade val="60000"/>
+      </a:schemeClr>
+    </dgm:linClrLst>
+    <dgm:effectClrLst/>
+    <dgm:txLinClrLst/>
+    <dgm:txFillClrLst meth="repeat">
+      <a:schemeClr val="tx1"/>
+    </dgm:txFillClrLst>
+    <dgm:txEffectClrLst/>
+  </dgm:styleLbl>
+  <dgm:styleLbl name="parChTrans1D3">
+    <dgm:fillClrLst meth="repeat">
+      <a:schemeClr val="accent1"/>
+    </dgm:fillClrLst>
+    <dgm:linClrLst meth="repeat">
+      <a:schemeClr val="accent1">
+        <a:shade val="80000"/>
+      </a:schemeClr>
+    </dgm:linClrLst>
+    <dgm:effectClrLst/>
+    <dgm:txLinClrLst/>
+    <dgm:txFillClrLst meth="repeat">
+      <a:schemeClr val="tx1"/>
+    </dgm:txFillClrLst>
+    <dgm:txEffectClrLst/>
+  </dgm:styleLbl>
+  <dgm:styleLbl name="parChTrans1D4">
+    <dgm:fillClrLst meth="repeat">
+      <a:schemeClr val="accent1"/>
+    </dgm:fillClrLst>
+    <dgm:linClrLst meth="repeat">
+      <a:schemeClr val="accent1">
+        <a:shade val="80000"/>
+      </a:schemeClr>
+    </dgm:linClrLst>
+    <dgm:effectClrLst/>
+    <dgm:txLinClrLst/>
+    <dgm:txFillClrLst meth="repeat">
+      <a:schemeClr val="tx1"/>
+    </dgm:txFillClrLst>
+    <dgm:txEffectClrLst/>
+  </dgm:styleLbl>
+  <dgm:styleLbl name="fgAcc1">
+    <dgm:fillClrLst meth="repeat">
+      <a:schemeClr val="lt1">
+        <a:alpha val="90000"/>
+      </a:schemeClr>
+    </dgm:fillClrLst>
+    <dgm:linClrLst meth="repeat">
+      <a:schemeClr val="accent1"/>
+    </dgm:linClrLst>
+    <dgm:effectClrLst/>
+    <dgm:txLinClrLst/>
+    <dgm:txFillClrLst meth="repeat">
+      <a:schemeClr val="dk1"/>
+    </dgm:txFillClrLst>
+    <dgm:txEffectClrLst/>
+  </dgm:styleLbl>
+  <dgm:styleLbl name="conFgAcc1">
+    <dgm:fillClrLst meth="repeat">
+      <a:schemeClr val="lt1">
+        <a:alpha val="90000"/>
+      </a:schemeClr>
+    </dgm:fillClrLst>
+    <dgm:linClrLst meth="repeat">
+      <a:schemeClr val="accent1"/>
+    </dgm:linClrLst>
+    <dgm:effectClrLst/>
+    <dgm:txLinClrLst/>
+    <dgm:txFillClrLst meth="repeat">
+      <a:schemeClr val="dk1"/>
+    </dgm:txFillClrLst>
+    <dgm:txEffectClrLst/>
+  </dgm:styleLbl>
+  <dgm:styleLbl name="alignAcc1">
+    <dgm:fillClrLst meth="repeat">
+      <a:schemeClr val="lt1">
+        <a:alpha val="90000"/>
+      </a:schemeClr>
+    </dgm:fillClrLst>
+    <dgm:linClrLst meth="repeat">
+      <a:schemeClr val="accent1"/>
+    </dgm:linClrLst>
+    <dgm:effectClrLst/>
+    <dgm:txLinClrLst/>
+    <dgm:txFillClrLst meth="repeat">
+      <a:schemeClr val="dk1"/>
+    </dgm:txFillClrLst>
+    <dgm:txEffectClrLst/>
+  </dgm:styleLbl>
+  <dgm:styleLbl name="trAlignAcc1">
+    <dgm:fillClrLst meth="repeat">
+      <a:schemeClr val="lt1">
+        <a:alpha val="40000"/>
+      </a:schemeClr>
+    </dgm:fillClrLst>
+    <dgm:linClrLst meth="repeat">
+      <a:schemeClr val="accent1"/>
+    </dgm:linClrLst>
+    <dgm:effectClrLst/>
+    <dgm:txLinClrLst/>
+    <dgm:txFillClrLst meth="repeat">
+      <a:schemeClr val="dk1"/>
+    </dgm:txFillClrLst>
+    <dgm:txEffectClrLst/>
+  </dgm:styleLbl>
+  <dgm:styleLbl name="bgAcc1">
+    <dgm:fillClrLst meth="repeat">
+      <a:schemeClr val="lt1">
+        <a:alpha val="90000"/>
+      </a:schemeClr>
+    </dgm:fillClrLst>
+    <dgm:linClrLst meth="repeat">
+      <a:schemeClr val="accent1"/>
+    </dgm:linClrLst>
+    <dgm:effectClrLst/>
+    <dgm:txLinClrLst/>
+    <dgm:txFillClrLst meth="repeat">
+      <a:schemeClr val="dk1"/>
+    </dgm:txFillClrLst>
+    <dgm:txEffectClrLst/>
+  </dgm:styleLbl>
+  <dgm:styleLbl name="solidFgAcc1">
+    <dgm:fillClrLst meth="repeat">
+      <a:schemeClr val="lt1"/>
+    </dgm:fillClrLst>
+    <dgm:linClrLst meth="repeat">
+      <a:schemeClr val="accent1"/>
+    </dgm:linClrLst>
+    <dgm:effectClrLst/>
+    <dgm:txLinClrLst/>
+    <dgm:txFillClrLst meth="repeat">
+      <a:schemeClr val="dk1"/>
+    </dgm:txFillClrLst>
+    <dgm:txEffectClrLst/>
+  </dgm:styleLbl>
+  <dgm:styleLbl name="solidAlignAcc1">
+    <dgm:fillClrLst meth="repeat">
+      <a:schemeClr val="lt1"/>
+    </dgm:fillClrLst>
+    <dgm:linClrLst meth="repeat">
+      <a:schemeClr val="accent1"/>
+    </dgm:linClrLst>
+    <dgm:effectClrLst/>
+    <dgm:txLinClrLst/>
+    <dgm:txFillClrLst meth="repeat">
+      <a:schemeClr val="dk1"/>
+    </dgm:txFillClrLst>
+    <dgm:txEffectClrLst/>
+  </dgm:styleLbl>
+  <dgm:styleLbl name="solidBgAcc1">
+    <dgm:fillClrLst meth="repeat">
+      <a:schemeClr val="lt1"/>
+    </dgm:fillClrLst>
+    <dgm:linClrLst meth="repeat">
+      <a:schemeClr val="accent1"/>
+    </dgm:linClrLst>
+    <dgm:effectClrLst/>
+    <dgm:txLinClrLst/>
+    <dgm:txFillClrLst meth="repeat">
+      <a:schemeClr val="dk1"/>
+    </dgm:txFillClrLst>
+    <dgm:txEffectClrLst/>
+  </dgm:styleLbl>
+  <dgm:styleLbl name="fgAccFollowNode1">
+    <dgm:fillClrLst meth="repeat">
+      <a:schemeClr val="accent1">
+        <a:alpha val="90000"/>
+        <a:tint val="40000"/>
+      </a:schemeClr>
+    </dgm:fillClrLst>
+    <dgm:linClrLst meth="repeat">
+      <a:schemeClr val="accent1">
+        <a:alpha val="90000"/>
+        <a:tint val="40000"/>
+      </a:schemeClr>
+    </dgm:linClrLst>
+    <dgm:effectClrLst/>
+    <dgm:txLinClrLst/>
+    <dgm:txFillClrLst meth="repeat">
+      <a:schemeClr val="dk1"/>
+    </dgm:txFillClrLst>
+    <dgm:txEffectClrLst/>
+  </dgm:styleLbl>
+  <dgm:styleLbl name="alignAccFollowNode1">
+    <dgm:fillClrLst meth="repeat">
+      <a:schemeClr val="accent1">
+        <a:alpha val="90000"/>
+        <a:tint val="40000"/>
+      </a:schemeClr>
+    </dgm:fillClrLst>
+    <dgm:linClrLst meth="repeat">
+      <a:schemeClr val="accent1">
+        <a:alpha val="90000"/>
+        <a:tint val="40000"/>
+      </a:schemeClr>
+    </dgm:linClrLst>
+    <dgm:effectClrLst/>
+    <dgm:txLinClrLst/>
+    <dgm:txFillClrLst meth="repeat">
+      <a:schemeClr val="dk1"/>
+    </dgm:txFillClrLst>
+    <dgm:txEffectClrLst/>
+  </dgm:styleLbl>
+  <dgm:styleLbl name="bgAccFollowNode1">
+    <dgm:fillClrLst meth="repeat">
+      <a:schemeClr val="accent1">
+        <a:alpha val="90000"/>
+        <a:tint val="40000"/>
+      </a:schemeClr>
+    </dgm:fillClrLst>
+    <dgm:linClrLst meth="repeat">
+      <a:schemeClr val="accent1">
+        <a:alpha val="90000"/>
+        <a:tint val="40000"/>
+      </a:schemeClr>
+    </dgm:linClrLst>
+    <dgm:effectClrLst/>
+    <dgm:txLinClrLst/>
+    <dgm:txFillClrLst meth="repeat">
+      <a:schemeClr val="dk1"/>
+    </dgm:txFillClrLst>
+    <dgm:txEffectClrLst/>
+  </dgm:styleLbl>
+  <dgm:styleLbl name="fgAcc0">
+    <dgm:fillClrLst meth="repeat">
+      <a:schemeClr val="lt1">
+        <a:alpha val="90000"/>
+      </a:schemeClr>
+    </dgm:fillClrLst>
+    <dgm:linClrLst meth="repeat">
+      <a:schemeClr val="accent1"/>
+    </dgm:linClrLst>
+    <dgm:effectClrLst/>
+    <dgm:txLinClrLst/>
+    <dgm:txFillClrLst meth="repeat">
+      <a:schemeClr val="dk1"/>
+    </dgm:txFillClrLst>
+    <dgm:txEffectClrLst/>
+  </dgm:styleLbl>
+  <dgm:styleLbl name="fgAcc2">
+    <dgm:fillClrLst meth="repeat">
+      <a:schemeClr val="lt1">
+        <a:alpha val="90000"/>
+      </a:schemeClr>
+    </dgm:fillClrLst>
+    <dgm:linClrLst meth="repeat">
+      <a:schemeClr val="accent1"/>
+    </dgm:linClrLst>
+    <dgm:effectClrLst/>
+    <dgm:txLinClrLst/>
+    <dgm:txFillClrLst meth="repeat">
+      <a:schemeClr val="dk1"/>
+    </dgm:txFillClrLst>
+    <dgm:txEffectClrLst/>
+  </dgm:styleLbl>
+  <dgm:styleLbl name="fgAcc3">
+    <dgm:fillClrLst meth="repeat">
+      <a:schemeClr val="lt1">
+        <a:alpha val="90000"/>
+      </a:schemeClr>
+    </dgm:fillClrLst>
+    <dgm:linClrLst meth="repeat">
+      <a:schemeClr val="accent1"/>
+    </dgm:linClrLst>
+    <dgm:effectClrLst/>
+    <dgm:txLinClrLst/>
+    <dgm:txFillClrLst meth="repeat">
+      <a:schemeClr val="dk1"/>
+    </dgm:txFillClrLst>
+    <dgm:txEffectClrLst/>
+  </dgm:styleLbl>
+  <dgm:styleLbl name="fgAcc4">
+    <dgm:fillClrLst meth="repeat">
+      <a:schemeClr val="lt1">
+        <a:alpha val="90000"/>
+      </a:schemeClr>
+    </dgm:fillClrLst>
+    <dgm:linClrLst meth="repeat">
+      <a:schemeClr val="accent1"/>
+    </dgm:linClrLst>
+    <dgm:effectClrLst/>
+    <dgm:txLinClrLst/>
+    <dgm:txFillClrLst meth="repeat">
+      <a:schemeClr val="dk1"/>
+    </dgm:txFillClrLst>
+    <dgm:txEffectClrLst/>
+  </dgm:styleLbl>
+  <dgm:styleLbl name="bgShp">
+    <dgm:fillClrLst meth="repeat">
+      <a:schemeClr val="accent1">
+        <a:tint val="40000"/>
+      </a:schemeClr>
+    </dgm:fillClrLst>
+    <dgm:linClrLst meth="repeat">
+      <a:schemeClr val="accent1"/>
+    </dgm:linClrLst>
+    <dgm:effectClrLst/>
+    <dgm:txLinClrLst/>
+    <dgm:txFillClrLst meth="repeat">
+      <a:schemeClr val="dk1"/>
+    </dgm:txFillClrLst>
+    <dgm:txEffectClrLst/>
+  </dgm:styleLbl>
+  <dgm:styleLbl name="dkBgShp">
+    <dgm:fillClrLst meth="repeat">
+      <a:schemeClr val="accent1">
+        <a:shade val="80000"/>
+      </a:schemeClr>
+    </dgm:fillClrLst>
+    <dgm:linClrLst meth="repeat">
+      <a:schemeClr val="accent1"/>
+    </dgm:linClrLst>
+    <dgm:effectClrLst/>
+    <dgm:txLinClrLst/>
+    <dgm:txFillClrLst meth="repeat">
+      <a:schemeClr val="lt1"/>
+    </dgm:txFillClrLst>
+    <dgm:txEffectClrLst/>
+  </dgm:styleLbl>
+  <dgm:styleLbl name="trBgShp">
+    <dgm:fillClrLst meth="repeat">
+      <a:schemeClr val="accent1">
+        <a:tint val="50000"/>
+        <a:alpha val="40000"/>
+      </a:schemeClr>
+    </dgm:fillClrLst>
+    <dgm:linClrLst meth="repeat">
+      <a:schemeClr val="accent1"/>
+    </dgm:linClrLst>
+    <dgm:effectClrLst/>
+    <dgm:txLinClrLst/>
+    <dgm:txFillClrLst meth="repeat">
+      <a:schemeClr val="lt1"/>
+    </dgm:txFillClrLst>
+    <dgm:txEffectClrLst/>
+  </dgm:styleLbl>
+  <dgm:styleLbl name="fgShp">
+    <dgm:fillClrLst meth="repeat">
+      <a:schemeClr val="accent1">
+        <a:tint val="60000"/>
+      </a:schemeClr>
+    </dgm:fillClrLst>
+    <dgm:linClrLst meth="repeat">
+      <a:schemeClr val="lt1"/>
+    </dgm:linClrLst>
+    <dgm:effectClrLst/>
+    <dgm:txLinClrLst/>
+    <dgm:txFillClrLst meth="repeat">
+      <a:schemeClr val="dk1"/>
+    </dgm:txFillClrLst>
+    <dgm:txEffectClrLst/>
+  </dgm:styleLbl>
+  <dgm:styleLbl name="revTx">
+    <dgm:fillClrLst meth="repeat">
+      <a:schemeClr val="lt1">
+        <a:alpha val="0"/>
+      </a:schemeClr>
+    </dgm:fillClrLst>
+    <dgm:linClrLst meth="repeat">
+      <a:schemeClr val="dk1">
+        <a:alpha val="0"/>
+      </a:schemeClr>
+    </dgm:linClrLst>
+    <dgm:effectClrLst/>
+    <dgm:txLinClrLst/>
+    <dgm:txFillClrLst meth="repeat">
+      <a:schemeClr val="tx1"/>
+    </dgm:txFillClrLst>
+    <dgm:txEffectClrLst/>
+  </dgm:styleLbl>
+</dgm:colorsDef>
+</file>
+
+<file path=ppt/diagrams/data1.xml><?xml version="1.0" encoding="utf-8"?>
+<dgm:dataModel xmlns:dgm="http://schemas.openxmlformats.org/drawingml/2006/diagram" xmlns:a="http://schemas.openxmlformats.org/drawingml/2006/main">
+  <dgm:ptLst>
+    <dgm:pt modelId="{070A8B95-338D-4B3D-8D06-C0E85E4C95B0}" type="doc">
+      <dgm:prSet loTypeId="urn:microsoft.com/office/officeart/2018/2/layout/IconVerticalSolidList" loCatId="icon" qsTypeId="urn:microsoft.com/office/officeart/2005/8/quickstyle/simple1" qsCatId="simple" csTypeId="urn:microsoft.com/office/officeart/2005/8/colors/accent1_2" csCatId="accent1" phldr="1"/>
+      <dgm:spPr/>
+      <dgm:t>
+        <a:bodyPr/>
+        <a:lstStyle/>
+        <a:p>
+          <a:endParaRPr lang="en-US"/>
+        </a:p>
+      </dgm:t>
+    </dgm:pt>
+    <dgm:pt modelId="{7545A1B5-8F2B-4BFD-98A8-6FF8F7479114}">
+      <dgm:prSet/>
+      <dgm:spPr/>
+      <dgm:t>
+        <a:bodyPr/>
+        <a:lstStyle/>
+        <a:p>
+          <a:pPr>
+            <a:lnSpc>
+              <a:spcPct val="100000"/>
+            </a:lnSpc>
+          </a:pPr>
+          <a:r>
+            <a:rPr lang="tr-TR"/>
+            <a:t>Calculate and plot 1830 days (5 years) MHI </a:t>
+          </a:r>
+          <a:endParaRPr lang="en-US"/>
+        </a:p>
+      </dgm:t>
+    </dgm:pt>
+    <dgm:pt modelId="{BAC34490-F3F5-4A87-879B-88B3E518D818}" type="parTrans" cxnId="{D8130CCF-7933-4A2F-9850-1562AF72469C}">
+      <dgm:prSet/>
+      <dgm:spPr/>
+      <dgm:t>
+        <a:bodyPr/>
+        <a:lstStyle/>
+        <a:p>
+          <a:endParaRPr lang="en-US"/>
+        </a:p>
+      </dgm:t>
+    </dgm:pt>
+    <dgm:pt modelId="{63643DD3-1B43-424D-A184-68EFEC3C8EE9}" type="sibTrans" cxnId="{D8130CCF-7933-4A2F-9850-1562AF72469C}">
+      <dgm:prSet/>
+      <dgm:spPr/>
+      <dgm:t>
+        <a:bodyPr/>
+        <a:lstStyle/>
+        <a:p>
+          <a:endParaRPr lang="en-US"/>
+        </a:p>
+      </dgm:t>
+    </dgm:pt>
+    <dgm:pt modelId="{C6498BFE-5BEB-46A9-B060-12289E8355E8}">
+      <dgm:prSet/>
+      <dgm:spPr/>
+      <dgm:t>
+        <a:bodyPr/>
+        <a:lstStyle/>
+        <a:p>
+          <a:pPr>
+            <a:lnSpc>
+              <a:spcPct val="100000"/>
+            </a:lnSpc>
+          </a:pPr>
+          <a:r>
+            <a:rPr lang="tr-TR"/>
+            <a:t>Detect peaks (MHI &gt; 4) and valleys (MHI &lt; -2)</a:t>
+          </a:r>
+          <a:endParaRPr lang="en-US"/>
+        </a:p>
+      </dgm:t>
+    </dgm:pt>
+    <dgm:pt modelId="{D6828194-03DB-4DBE-8EF5-05CC3FDDA4FE}" type="parTrans" cxnId="{8C725221-09EA-4248-B946-36DB41578E46}">
+      <dgm:prSet/>
+      <dgm:spPr/>
+      <dgm:t>
+        <a:bodyPr/>
+        <a:lstStyle/>
+        <a:p>
+          <a:endParaRPr lang="en-US"/>
+        </a:p>
+      </dgm:t>
+    </dgm:pt>
+    <dgm:pt modelId="{C9EC6132-F155-4D93-905D-220CEA5F8FE8}" type="sibTrans" cxnId="{8C725221-09EA-4248-B946-36DB41578E46}">
+      <dgm:prSet/>
+      <dgm:spPr/>
+      <dgm:t>
+        <a:bodyPr/>
+        <a:lstStyle/>
+        <a:p>
+          <a:endParaRPr lang="en-US"/>
+        </a:p>
+      </dgm:t>
+    </dgm:pt>
+    <dgm:pt modelId="{C0FB37D6-F135-4836-AECC-07911B2880AB}">
+      <dgm:prSet/>
+      <dgm:spPr/>
+      <dgm:t>
+        <a:bodyPr/>
+        <a:lstStyle/>
+        <a:p>
+          <a:pPr>
+            <a:lnSpc>
+              <a:spcPct val="100000"/>
+            </a:lnSpc>
+          </a:pPr>
+          <a:r>
+            <a:rPr lang="tr-TR"/>
+            <a:t>Apply Correlation filter</a:t>
+          </a:r>
+          <a:endParaRPr lang="en-US"/>
+        </a:p>
+      </dgm:t>
+    </dgm:pt>
+    <dgm:pt modelId="{0070D6FE-089A-44D9-B72E-2E3285089E23}" type="parTrans" cxnId="{94F6714B-4947-4273-9306-2A7296AF822D}">
+      <dgm:prSet/>
+      <dgm:spPr/>
+      <dgm:t>
+        <a:bodyPr/>
+        <a:lstStyle/>
+        <a:p>
+          <a:endParaRPr lang="en-US"/>
+        </a:p>
+      </dgm:t>
+    </dgm:pt>
+    <dgm:pt modelId="{D5E8C532-0FC6-48C5-8E17-AE3F81703428}" type="sibTrans" cxnId="{94F6714B-4947-4273-9306-2A7296AF822D}">
+      <dgm:prSet/>
+      <dgm:spPr/>
+      <dgm:t>
+        <a:bodyPr/>
+        <a:lstStyle/>
+        <a:p>
+          <a:endParaRPr lang="en-US"/>
+        </a:p>
+      </dgm:t>
+    </dgm:pt>
+    <dgm:pt modelId="{F1FD8238-3BB3-423A-9C1E-EC32FC5C60C7}">
+      <dgm:prSet/>
+      <dgm:spPr/>
+      <dgm:t>
+        <a:bodyPr/>
+        <a:lstStyle/>
+        <a:p>
+          <a:pPr>
+            <a:lnSpc>
+              <a:spcPct val="100000"/>
+            </a:lnSpc>
+          </a:pPr>
+          <a:r>
+            <a:rPr lang="tr-TR"/>
+            <a:t>At the valleys, starting from latest peak calculate portfolio and enter that portfolio.</a:t>
+          </a:r>
+          <a:endParaRPr lang="en-US"/>
+        </a:p>
+      </dgm:t>
+    </dgm:pt>
+    <dgm:pt modelId="{0266719C-0FA1-42C2-9E57-65DE12657324}" type="parTrans" cxnId="{DABD5874-2986-44E4-AD7B-478E257D0695}">
+      <dgm:prSet/>
+      <dgm:spPr/>
+      <dgm:t>
+        <a:bodyPr/>
+        <a:lstStyle/>
+        <a:p>
+          <a:endParaRPr lang="en-US"/>
+        </a:p>
+      </dgm:t>
+    </dgm:pt>
+    <dgm:pt modelId="{3776907B-3892-4673-B460-260E26CA3EBE}" type="sibTrans" cxnId="{DABD5874-2986-44E4-AD7B-478E257D0695}">
+      <dgm:prSet/>
+      <dgm:spPr/>
+      <dgm:t>
+        <a:bodyPr/>
+        <a:lstStyle/>
+        <a:p>
+          <a:endParaRPr lang="en-US"/>
+        </a:p>
+      </dgm:t>
+    </dgm:pt>
+    <dgm:pt modelId="{AC93B276-24CC-4EA7-AB19-467E2BFCF5CD}">
+      <dgm:prSet/>
+      <dgm:spPr/>
+      <dgm:t>
+        <a:bodyPr/>
+        <a:lstStyle/>
+        <a:p>
+          <a:pPr>
+            <a:lnSpc>
+              <a:spcPct val="100000"/>
+            </a:lnSpc>
+          </a:pPr>
+          <a:r>
+            <a:rPr lang="tr-TR"/>
+            <a:t>At the first peak, sell the portfolio.</a:t>
+          </a:r>
+          <a:endParaRPr lang="en-US"/>
+        </a:p>
+      </dgm:t>
+    </dgm:pt>
+    <dgm:pt modelId="{6AA834D5-3AC3-4466-9EB7-E7C6D0480A8B}" type="parTrans" cxnId="{D534AF66-9334-41F6-9D76-3ADC15A5358F}">
+      <dgm:prSet/>
+      <dgm:spPr/>
+      <dgm:t>
+        <a:bodyPr/>
+        <a:lstStyle/>
+        <a:p>
+          <a:endParaRPr lang="en-US"/>
+        </a:p>
+      </dgm:t>
+    </dgm:pt>
+    <dgm:pt modelId="{06F62E7A-E18F-4B2D-BAAD-C87C0CB3AFBA}" type="sibTrans" cxnId="{D534AF66-9334-41F6-9D76-3ADC15A5358F}">
+      <dgm:prSet/>
+      <dgm:spPr/>
+      <dgm:t>
+        <a:bodyPr/>
+        <a:lstStyle/>
+        <a:p>
+          <a:endParaRPr lang="en-US"/>
+        </a:p>
+      </dgm:t>
+    </dgm:pt>
+    <dgm:pt modelId="{D364AFC5-E1EE-46A1-8541-38136204DEC7}" type="pres">
+      <dgm:prSet presAssocID="{070A8B95-338D-4B3D-8D06-C0E85E4C95B0}" presName="root" presStyleCnt="0">
+        <dgm:presLayoutVars>
+          <dgm:dir/>
+          <dgm:resizeHandles val="exact"/>
+        </dgm:presLayoutVars>
+      </dgm:prSet>
+      <dgm:spPr/>
+    </dgm:pt>
+    <dgm:pt modelId="{1153ED2C-41DE-4FDA-AC03-AE5ACD7FA23E}" type="pres">
+      <dgm:prSet presAssocID="{7545A1B5-8F2B-4BFD-98A8-6FF8F7479114}" presName="compNode" presStyleCnt="0"/>
+      <dgm:spPr/>
+    </dgm:pt>
+    <dgm:pt modelId="{A2B5144C-6FE4-4061-A798-E839FD58D7BC}" type="pres">
+      <dgm:prSet presAssocID="{7545A1B5-8F2B-4BFD-98A8-6FF8F7479114}" presName="bgRect" presStyleLbl="bgShp" presStyleIdx="0" presStyleCnt="5"/>
+      <dgm:spPr/>
+    </dgm:pt>
+    <dgm:pt modelId="{9F059322-26BD-4684-BCAA-B8D10902C3EC}" type="pres">
+      <dgm:prSet presAssocID="{7545A1B5-8F2B-4BFD-98A8-6FF8F7479114}" presName="iconRect" presStyleLbl="node1" presStyleIdx="0" presStyleCnt="5"/>
+      <dgm:spPr>
+        <a:blipFill>
+          <a:blip xmlns:r="http://schemas.openxmlformats.org/officeDocument/2006/relationships" r:embed="rId1">
+            <a:extLst>
+              <a:ext uri="{28A0092B-C50C-407E-A947-70E740481C1C}">
+                <a14:useLocalDpi xmlns:a14="http://schemas.microsoft.com/office/drawing/2010/main" val="0"/>
+              </a:ext>
+              <a:ext uri="{96DAC541-7B7A-43D3-8B79-37D633B846F1}">
+                <asvg:svgBlip xmlns:asvg="http://schemas.microsoft.com/office/drawing/2016/SVG/main" r:embed="rId2"/>
+              </a:ext>
+            </a:extLst>
+          </a:blip>
+          <a:stretch>
+            <a:fillRect/>
+          </a:stretch>
+        </a:blipFill>
+      </dgm:spPr>
+      <dgm:extLst>
+        <a:ext uri="{E40237B7-FDA0-4F09-8148-C483321AD2D9}">
+          <dgm14:cNvPr xmlns:dgm14="http://schemas.microsoft.com/office/drawing/2010/diagram" id="0" name="" descr="Kum Saati Bitti"/>
+        </a:ext>
+      </dgm:extLst>
+    </dgm:pt>
+    <dgm:pt modelId="{C48D04E9-E3CD-4D78-B780-F7F9DC44E205}" type="pres">
+      <dgm:prSet presAssocID="{7545A1B5-8F2B-4BFD-98A8-6FF8F7479114}" presName="spaceRect" presStyleCnt="0"/>
+      <dgm:spPr/>
+    </dgm:pt>
+    <dgm:pt modelId="{79C5CA10-F5A9-4B45-A16E-10CDBEC08EBB}" type="pres">
+      <dgm:prSet presAssocID="{7545A1B5-8F2B-4BFD-98A8-6FF8F7479114}" presName="parTx" presStyleLbl="revTx" presStyleIdx="0" presStyleCnt="5">
+        <dgm:presLayoutVars>
+          <dgm:chMax val="0"/>
+          <dgm:chPref val="0"/>
+        </dgm:presLayoutVars>
+      </dgm:prSet>
+      <dgm:spPr/>
+    </dgm:pt>
+    <dgm:pt modelId="{726D8E4A-91CA-42EE-9D43-5CB34B1D8CEC}" type="pres">
+      <dgm:prSet presAssocID="{63643DD3-1B43-424D-A184-68EFEC3C8EE9}" presName="sibTrans" presStyleCnt="0"/>
+      <dgm:spPr/>
+    </dgm:pt>
+    <dgm:pt modelId="{62E1801B-21F7-4F5B-9A7D-B051B806A058}" type="pres">
+      <dgm:prSet presAssocID="{C6498BFE-5BEB-46A9-B060-12289E8355E8}" presName="compNode" presStyleCnt="0"/>
+      <dgm:spPr/>
+    </dgm:pt>
+    <dgm:pt modelId="{96C3E9EB-2086-4F78-8CC1-FBA12869ACEF}" type="pres">
+      <dgm:prSet presAssocID="{C6498BFE-5BEB-46A9-B060-12289E8355E8}" presName="bgRect" presStyleLbl="bgShp" presStyleIdx="1" presStyleCnt="5"/>
+      <dgm:spPr/>
+    </dgm:pt>
+    <dgm:pt modelId="{73E8C9B7-E932-4932-9FC0-15E786BE9121}" type="pres">
+      <dgm:prSet presAssocID="{C6498BFE-5BEB-46A9-B060-12289E8355E8}" presName="iconRect" presStyleLbl="node1" presStyleIdx="1" presStyleCnt="5"/>
+      <dgm:spPr>
+        <a:blipFill>
+          <a:blip xmlns:r="http://schemas.openxmlformats.org/officeDocument/2006/relationships" r:embed="rId3">
+            <a:extLst>
+              <a:ext uri="{28A0092B-C50C-407E-A947-70E740481C1C}">
+                <a14:useLocalDpi xmlns:a14="http://schemas.microsoft.com/office/drawing/2010/main" val="0"/>
+              </a:ext>
+              <a:ext uri="{96DAC541-7B7A-43D3-8B79-37D633B846F1}">
+                <asvg:svgBlip xmlns:asvg="http://schemas.microsoft.com/office/drawing/2016/SVG/main" r:embed="rId4"/>
+              </a:ext>
+            </a:extLst>
+          </a:blip>
+          <a:stretch>
+            <a:fillRect/>
+          </a:stretch>
+        </a:blipFill>
+      </dgm:spPr>
+      <dgm:extLst>
+        <a:ext uri="{E40237B7-FDA0-4F09-8148-C483321AD2D9}">
+          <dgm14:cNvPr xmlns:dgm14="http://schemas.microsoft.com/office/drawing/2010/diagram" id="0" name="" descr="Drawing Compass"/>
+        </a:ext>
+      </dgm:extLst>
+    </dgm:pt>
+    <dgm:pt modelId="{5754E173-D209-4DAA-9A76-C64C59636BAF}" type="pres">
+      <dgm:prSet presAssocID="{C6498BFE-5BEB-46A9-B060-12289E8355E8}" presName="spaceRect" presStyleCnt="0"/>
+      <dgm:spPr/>
+    </dgm:pt>
+    <dgm:pt modelId="{5CBCC387-89B5-4835-B1A0-7918164E7C06}" type="pres">
+      <dgm:prSet presAssocID="{C6498BFE-5BEB-46A9-B060-12289E8355E8}" presName="parTx" presStyleLbl="revTx" presStyleIdx="1" presStyleCnt="5">
+        <dgm:presLayoutVars>
+          <dgm:chMax val="0"/>
+          <dgm:chPref val="0"/>
+        </dgm:presLayoutVars>
+      </dgm:prSet>
+      <dgm:spPr/>
+    </dgm:pt>
+    <dgm:pt modelId="{E3067AF8-0650-4BC6-9ACA-50F566DA302A}" type="pres">
+      <dgm:prSet presAssocID="{C9EC6132-F155-4D93-905D-220CEA5F8FE8}" presName="sibTrans" presStyleCnt="0"/>
+      <dgm:spPr/>
+    </dgm:pt>
+    <dgm:pt modelId="{B9D868A6-C56D-403A-9C9C-3A1FF67E24F4}" type="pres">
+      <dgm:prSet presAssocID="{C0FB37D6-F135-4836-AECC-07911B2880AB}" presName="compNode" presStyleCnt="0"/>
+      <dgm:spPr/>
+    </dgm:pt>
+    <dgm:pt modelId="{A9A7903F-3195-4EB5-B3BC-4564056CFDE3}" type="pres">
+      <dgm:prSet presAssocID="{C0FB37D6-F135-4836-AECC-07911B2880AB}" presName="bgRect" presStyleLbl="bgShp" presStyleIdx="2" presStyleCnt="5"/>
+      <dgm:spPr/>
+    </dgm:pt>
+    <dgm:pt modelId="{E32DCCEF-D240-4DFF-AD3F-D904D3EA577F}" type="pres">
+      <dgm:prSet presAssocID="{C0FB37D6-F135-4836-AECC-07911B2880AB}" presName="iconRect" presStyleLbl="node1" presStyleIdx="2" presStyleCnt="5"/>
+      <dgm:spPr>
+        <a:blipFill>
+          <a:blip xmlns:r="http://schemas.openxmlformats.org/officeDocument/2006/relationships" r:embed="rId5">
+            <a:extLst>
+              <a:ext uri="{28A0092B-C50C-407E-A947-70E740481C1C}">
+                <a14:useLocalDpi xmlns:a14="http://schemas.microsoft.com/office/drawing/2010/main" val="0"/>
+              </a:ext>
+              <a:ext uri="{96DAC541-7B7A-43D3-8B79-37D633B846F1}">
+                <asvg:svgBlip xmlns:asvg="http://schemas.microsoft.com/office/drawing/2016/SVG/main" r:embed="rId6"/>
+              </a:ext>
+            </a:extLst>
+          </a:blip>
+          <a:stretch>
+            <a:fillRect/>
+          </a:stretch>
+        </a:blipFill>
+      </dgm:spPr>
+      <dgm:extLst>
+        <a:ext uri="{E40237B7-FDA0-4F09-8148-C483321AD2D9}">
+          <dgm14:cNvPr xmlns:dgm14="http://schemas.microsoft.com/office/drawing/2010/diagram" id="0" name="" descr="Onay işareti"/>
+        </a:ext>
+      </dgm:extLst>
+    </dgm:pt>
+    <dgm:pt modelId="{5D1D8A37-A204-4605-8626-CD7DB2FBEF81}" type="pres">
+      <dgm:prSet presAssocID="{C0FB37D6-F135-4836-AECC-07911B2880AB}" presName="spaceRect" presStyleCnt="0"/>
+      <dgm:spPr/>
+    </dgm:pt>
+    <dgm:pt modelId="{4DCE4244-0F34-48A9-B79F-2A1C05FD0B46}" type="pres">
+      <dgm:prSet presAssocID="{C0FB37D6-F135-4836-AECC-07911B2880AB}" presName="parTx" presStyleLbl="revTx" presStyleIdx="2" presStyleCnt="5">
+        <dgm:presLayoutVars>
+          <dgm:chMax val="0"/>
+          <dgm:chPref val="0"/>
+        </dgm:presLayoutVars>
+      </dgm:prSet>
+      <dgm:spPr/>
+    </dgm:pt>
+    <dgm:pt modelId="{B47A16E5-4C61-417C-870C-1290F11627BB}" type="pres">
+      <dgm:prSet presAssocID="{D5E8C532-0FC6-48C5-8E17-AE3F81703428}" presName="sibTrans" presStyleCnt="0"/>
+      <dgm:spPr/>
+    </dgm:pt>
+    <dgm:pt modelId="{2980AA59-025F-44B8-8F6D-4768872C920C}" type="pres">
+      <dgm:prSet presAssocID="{F1FD8238-3BB3-423A-9C1E-EC32FC5C60C7}" presName="compNode" presStyleCnt="0"/>
+      <dgm:spPr/>
+    </dgm:pt>
+    <dgm:pt modelId="{F915A808-2BF8-4B2C-BADA-85C474E3B95F}" type="pres">
+      <dgm:prSet presAssocID="{F1FD8238-3BB3-423A-9C1E-EC32FC5C60C7}" presName="bgRect" presStyleLbl="bgShp" presStyleIdx="3" presStyleCnt="5"/>
+      <dgm:spPr/>
+    </dgm:pt>
+    <dgm:pt modelId="{68252140-3AE6-4D1C-9C1D-CB02362336E2}" type="pres">
+      <dgm:prSet presAssocID="{F1FD8238-3BB3-423A-9C1E-EC32FC5C60C7}" presName="iconRect" presStyleLbl="node1" presStyleIdx="3" presStyleCnt="5"/>
+      <dgm:spPr>
+        <a:blipFill>
+          <a:blip xmlns:r="http://schemas.openxmlformats.org/officeDocument/2006/relationships" r:embed="rId7">
+            <a:extLst>
+              <a:ext uri="{28A0092B-C50C-407E-A947-70E740481C1C}">
+                <a14:useLocalDpi xmlns:a14="http://schemas.microsoft.com/office/drawing/2010/main" val="0"/>
+              </a:ext>
+              <a:ext uri="{96DAC541-7B7A-43D3-8B79-37D633B846F1}">
+                <asvg:svgBlip xmlns:asvg="http://schemas.microsoft.com/office/drawing/2016/SVG/main" r:embed="rId8"/>
+              </a:ext>
+            </a:extLst>
+          </a:blip>
+          <a:stretch>
+            <a:fillRect/>
+          </a:stretch>
+        </a:blipFill>
+      </dgm:spPr>
+      <dgm:extLst>
+        <a:ext uri="{E40237B7-FDA0-4F09-8148-C483321AD2D9}">
+          <dgm14:cNvPr xmlns:dgm14="http://schemas.microsoft.com/office/drawing/2010/diagram" id="0" name="" descr="Canyon scene"/>
+        </a:ext>
+      </dgm:extLst>
+    </dgm:pt>
+    <dgm:pt modelId="{DD396762-0DC9-4216-820C-7DB0CB2953E4}" type="pres">
+      <dgm:prSet presAssocID="{F1FD8238-3BB3-423A-9C1E-EC32FC5C60C7}" presName="spaceRect" presStyleCnt="0"/>
+      <dgm:spPr/>
+    </dgm:pt>
+    <dgm:pt modelId="{06906906-E89E-40EA-B57B-185F5B5085FC}" type="pres">
+      <dgm:prSet presAssocID="{F1FD8238-3BB3-423A-9C1E-EC32FC5C60C7}" presName="parTx" presStyleLbl="revTx" presStyleIdx="3" presStyleCnt="5">
+        <dgm:presLayoutVars>
+          <dgm:chMax val="0"/>
+          <dgm:chPref val="0"/>
+        </dgm:presLayoutVars>
+      </dgm:prSet>
+      <dgm:spPr/>
+    </dgm:pt>
+    <dgm:pt modelId="{B31DEA5C-B7A3-4426-A831-2D861A16DA20}" type="pres">
+      <dgm:prSet presAssocID="{3776907B-3892-4673-B460-260E26CA3EBE}" presName="sibTrans" presStyleCnt="0"/>
+      <dgm:spPr/>
+    </dgm:pt>
+    <dgm:pt modelId="{57ED32D2-DD46-4AE9-89F6-740F5253680A}" type="pres">
+      <dgm:prSet presAssocID="{AC93B276-24CC-4EA7-AB19-467E2BFCF5CD}" presName="compNode" presStyleCnt="0"/>
+      <dgm:spPr/>
+    </dgm:pt>
+    <dgm:pt modelId="{AB3BB3CC-6548-43AA-B1B6-4E370BCDF10C}" type="pres">
+      <dgm:prSet presAssocID="{AC93B276-24CC-4EA7-AB19-467E2BFCF5CD}" presName="bgRect" presStyleLbl="bgShp" presStyleIdx="4" presStyleCnt="5"/>
+      <dgm:spPr/>
+    </dgm:pt>
+    <dgm:pt modelId="{50E9F7A4-69F8-4CE0-B9DF-12905AC3836E}" type="pres">
+      <dgm:prSet presAssocID="{AC93B276-24CC-4EA7-AB19-467E2BFCF5CD}" presName="iconRect" presStyleLbl="node1" presStyleIdx="4" presStyleCnt="5"/>
+      <dgm:spPr>
+        <a:blipFill>
+          <a:blip xmlns:r="http://schemas.openxmlformats.org/officeDocument/2006/relationships" r:embed="rId9">
+            <a:extLst>
+              <a:ext uri="{28A0092B-C50C-407E-A947-70E740481C1C}">
+                <a14:useLocalDpi xmlns:a14="http://schemas.microsoft.com/office/drawing/2010/main" val="0"/>
+              </a:ext>
+              <a:ext uri="{96DAC541-7B7A-43D3-8B79-37D633B846F1}">
+                <asvg:svgBlip xmlns:asvg="http://schemas.microsoft.com/office/drawing/2016/SVG/main" r:embed="rId10"/>
+              </a:ext>
+            </a:extLst>
+          </a:blip>
+          <a:stretch>
+            <a:fillRect/>
+          </a:stretch>
+        </a:blipFill>
+      </dgm:spPr>
+      <dgm:extLst>
+        <a:ext uri="{E40237B7-FDA0-4F09-8148-C483321AD2D9}">
+          <dgm14:cNvPr xmlns:dgm14="http://schemas.microsoft.com/office/drawing/2010/diagram" id="0" name="" descr="Upward trend"/>
+        </a:ext>
+      </dgm:extLst>
+    </dgm:pt>
+    <dgm:pt modelId="{59DBD490-F962-4B06-9040-82C598E4774F}" type="pres">
+      <dgm:prSet presAssocID="{AC93B276-24CC-4EA7-AB19-467E2BFCF5CD}" presName="spaceRect" presStyleCnt="0"/>
+      <dgm:spPr/>
+    </dgm:pt>
+    <dgm:pt modelId="{54CC2495-590E-49D1-90FF-1756C667DA96}" type="pres">
+      <dgm:prSet presAssocID="{AC93B276-24CC-4EA7-AB19-467E2BFCF5CD}" presName="parTx" presStyleLbl="revTx" presStyleIdx="4" presStyleCnt="5">
+        <dgm:presLayoutVars>
+          <dgm:chMax val="0"/>
+          <dgm:chPref val="0"/>
+        </dgm:presLayoutVars>
+      </dgm:prSet>
+      <dgm:spPr/>
+    </dgm:pt>
+  </dgm:ptLst>
+  <dgm:cxnLst>
+    <dgm:cxn modelId="{BBD26D0D-725F-4E8D-9E97-F32F716A402C}" type="presOf" srcId="{C6498BFE-5BEB-46A9-B060-12289E8355E8}" destId="{5CBCC387-89B5-4835-B1A0-7918164E7C06}" srcOrd="0" destOrd="0" presId="urn:microsoft.com/office/officeart/2018/2/layout/IconVerticalSolidList"/>
+    <dgm:cxn modelId="{3202E516-CECD-4119-A902-C42ED54925C3}" type="presOf" srcId="{070A8B95-338D-4B3D-8D06-C0E85E4C95B0}" destId="{D364AFC5-E1EE-46A1-8541-38136204DEC7}" srcOrd="0" destOrd="0" presId="urn:microsoft.com/office/officeart/2018/2/layout/IconVerticalSolidList"/>
+    <dgm:cxn modelId="{8C725221-09EA-4248-B946-36DB41578E46}" srcId="{070A8B95-338D-4B3D-8D06-C0E85E4C95B0}" destId="{C6498BFE-5BEB-46A9-B060-12289E8355E8}" srcOrd="1" destOrd="0" parTransId="{D6828194-03DB-4DBE-8EF5-05CC3FDDA4FE}" sibTransId="{C9EC6132-F155-4D93-905D-220CEA5F8FE8}"/>
+    <dgm:cxn modelId="{D534AF66-9334-41F6-9D76-3ADC15A5358F}" srcId="{070A8B95-338D-4B3D-8D06-C0E85E4C95B0}" destId="{AC93B276-24CC-4EA7-AB19-467E2BFCF5CD}" srcOrd="4" destOrd="0" parTransId="{6AA834D5-3AC3-4466-9EB7-E7C6D0480A8B}" sibTransId="{06F62E7A-E18F-4B2D-BAAD-C87C0CB3AFBA}"/>
+    <dgm:cxn modelId="{94F6714B-4947-4273-9306-2A7296AF822D}" srcId="{070A8B95-338D-4B3D-8D06-C0E85E4C95B0}" destId="{C0FB37D6-F135-4836-AECC-07911B2880AB}" srcOrd="2" destOrd="0" parTransId="{0070D6FE-089A-44D9-B72E-2E3285089E23}" sibTransId="{D5E8C532-0FC6-48C5-8E17-AE3F81703428}"/>
+    <dgm:cxn modelId="{E053FD4E-0246-48B3-B1BC-A6AC66486D89}" type="presOf" srcId="{C0FB37D6-F135-4836-AECC-07911B2880AB}" destId="{4DCE4244-0F34-48A9-B79F-2A1C05FD0B46}" srcOrd="0" destOrd="0" presId="urn:microsoft.com/office/officeart/2018/2/layout/IconVerticalSolidList"/>
+    <dgm:cxn modelId="{DABD5874-2986-44E4-AD7B-478E257D0695}" srcId="{070A8B95-338D-4B3D-8D06-C0E85E4C95B0}" destId="{F1FD8238-3BB3-423A-9C1E-EC32FC5C60C7}" srcOrd="3" destOrd="0" parTransId="{0266719C-0FA1-42C2-9E57-65DE12657324}" sibTransId="{3776907B-3892-4673-B460-260E26CA3EBE}"/>
+    <dgm:cxn modelId="{D27DA487-BF39-4133-9EDF-23FF9ABF9F7A}" type="presOf" srcId="{F1FD8238-3BB3-423A-9C1E-EC32FC5C60C7}" destId="{06906906-E89E-40EA-B57B-185F5B5085FC}" srcOrd="0" destOrd="0" presId="urn:microsoft.com/office/officeart/2018/2/layout/IconVerticalSolidList"/>
+    <dgm:cxn modelId="{A6BBD2A0-BDE8-48AC-8258-05FD6031CF21}" type="presOf" srcId="{7545A1B5-8F2B-4BFD-98A8-6FF8F7479114}" destId="{79C5CA10-F5A9-4B45-A16E-10CDBEC08EBB}" srcOrd="0" destOrd="0" presId="urn:microsoft.com/office/officeart/2018/2/layout/IconVerticalSolidList"/>
+    <dgm:cxn modelId="{FD8FD6AC-B30E-47BA-BD16-1A9856907F2E}" type="presOf" srcId="{AC93B276-24CC-4EA7-AB19-467E2BFCF5CD}" destId="{54CC2495-590E-49D1-90FF-1756C667DA96}" srcOrd="0" destOrd="0" presId="urn:microsoft.com/office/officeart/2018/2/layout/IconVerticalSolidList"/>
+    <dgm:cxn modelId="{D8130CCF-7933-4A2F-9850-1562AF72469C}" srcId="{070A8B95-338D-4B3D-8D06-C0E85E4C95B0}" destId="{7545A1B5-8F2B-4BFD-98A8-6FF8F7479114}" srcOrd="0" destOrd="0" parTransId="{BAC34490-F3F5-4A87-879B-88B3E518D818}" sibTransId="{63643DD3-1B43-424D-A184-68EFEC3C8EE9}"/>
+    <dgm:cxn modelId="{F1976090-3F11-4BF8-9B34-07CF5A9503D5}" type="presParOf" srcId="{D364AFC5-E1EE-46A1-8541-38136204DEC7}" destId="{1153ED2C-41DE-4FDA-AC03-AE5ACD7FA23E}" srcOrd="0" destOrd="0" presId="urn:microsoft.com/office/officeart/2018/2/layout/IconVerticalSolidList"/>
+    <dgm:cxn modelId="{B6326C06-30D2-41D5-98FB-27048EB0404A}" type="presParOf" srcId="{1153ED2C-41DE-4FDA-AC03-AE5ACD7FA23E}" destId="{A2B5144C-6FE4-4061-A798-E839FD58D7BC}" srcOrd="0" destOrd="0" presId="urn:microsoft.com/office/officeart/2018/2/layout/IconVerticalSolidList"/>
+    <dgm:cxn modelId="{3DF357BB-972D-41AC-9321-DA20E6D58471}" type="presParOf" srcId="{1153ED2C-41DE-4FDA-AC03-AE5ACD7FA23E}" destId="{9F059322-26BD-4684-BCAA-B8D10902C3EC}" srcOrd="1" destOrd="0" presId="urn:microsoft.com/office/officeart/2018/2/layout/IconVerticalSolidList"/>
+    <dgm:cxn modelId="{15D5FFA5-C332-4D34-B535-F4F4D524ED69}" type="presParOf" srcId="{1153ED2C-41DE-4FDA-AC03-AE5ACD7FA23E}" destId="{C48D04E9-E3CD-4D78-B780-F7F9DC44E205}" srcOrd="2" destOrd="0" presId="urn:microsoft.com/office/officeart/2018/2/layout/IconVerticalSolidList"/>
+    <dgm:cxn modelId="{26C4068C-BA09-4A7E-B5FB-8D7F8D385B97}" type="presParOf" srcId="{1153ED2C-41DE-4FDA-AC03-AE5ACD7FA23E}" destId="{79C5CA10-F5A9-4B45-A16E-10CDBEC08EBB}" srcOrd="3" destOrd="0" presId="urn:microsoft.com/office/officeart/2018/2/layout/IconVerticalSolidList"/>
+    <dgm:cxn modelId="{35A6351D-0E51-4CD4-9EF4-8D688531ED9D}" type="presParOf" srcId="{D364AFC5-E1EE-46A1-8541-38136204DEC7}" destId="{726D8E4A-91CA-42EE-9D43-5CB34B1D8CEC}" srcOrd="1" destOrd="0" presId="urn:microsoft.com/office/officeart/2018/2/layout/IconVerticalSolidList"/>
+    <dgm:cxn modelId="{C0A56FA0-A366-4915-810F-CF762016D62E}" type="presParOf" srcId="{D364AFC5-E1EE-46A1-8541-38136204DEC7}" destId="{62E1801B-21F7-4F5B-9A7D-B051B806A058}" srcOrd="2" destOrd="0" presId="urn:microsoft.com/office/officeart/2018/2/layout/IconVerticalSolidList"/>
+    <dgm:cxn modelId="{ED128BFF-246E-47D6-B616-6571009A26E4}" type="presParOf" srcId="{62E1801B-21F7-4F5B-9A7D-B051B806A058}" destId="{96C3E9EB-2086-4F78-8CC1-FBA12869ACEF}" srcOrd="0" destOrd="0" presId="urn:microsoft.com/office/officeart/2018/2/layout/IconVerticalSolidList"/>
+    <dgm:cxn modelId="{36163B50-1874-49AA-89B4-D57CDE199C04}" type="presParOf" srcId="{62E1801B-21F7-4F5B-9A7D-B051B806A058}" destId="{73E8C9B7-E932-4932-9FC0-15E786BE9121}" srcOrd="1" destOrd="0" presId="urn:microsoft.com/office/officeart/2018/2/layout/IconVerticalSolidList"/>
+    <dgm:cxn modelId="{0ACDBDD7-C82F-4E7B-8E52-0376977F1961}" type="presParOf" srcId="{62E1801B-21F7-4F5B-9A7D-B051B806A058}" destId="{5754E173-D209-4DAA-9A76-C64C59636BAF}" srcOrd="2" destOrd="0" presId="urn:microsoft.com/office/officeart/2018/2/layout/IconVerticalSolidList"/>
+    <dgm:cxn modelId="{73D0CFFE-5B04-43A6-BB9D-35453CBE3CEA}" type="presParOf" srcId="{62E1801B-21F7-4F5B-9A7D-B051B806A058}" destId="{5CBCC387-89B5-4835-B1A0-7918164E7C06}" srcOrd="3" destOrd="0" presId="urn:microsoft.com/office/officeart/2018/2/layout/IconVerticalSolidList"/>
+    <dgm:cxn modelId="{2D7539BC-36C0-4F6B-891B-760393846FD8}" type="presParOf" srcId="{D364AFC5-E1EE-46A1-8541-38136204DEC7}" destId="{E3067AF8-0650-4BC6-9ACA-50F566DA302A}" srcOrd="3" destOrd="0" presId="urn:microsoft.com/office/officeart/2018/2/layout/IconVerticalSolidList"/>
+    <dgm:cxn modelId="{FF45F12C-8356-48F2-857F-EE5CA07CCAE3}" type="presParOf" srcId="{D364AFC5-E1EE-46A1-8541-38136204DEC7}" destId="{B9D868A6-C56D-403A-9C9C-3A1FF67E24F4}" srcOrd="4" destOrd="0" presId="urn:microsoft.com/office/officeart/2018/2/layout/IconVerticalSolidList"/>
+    <dgm:cxn modelId="{A3A2B78F-B4A0-4F7B-A2C4-A423548A403F}" type="presParOf" srcId="{B9D868A6-C56D-403A-9C9C-3A1FF67E24F4}" destId="{A9A7903F-3195-4EB5-B3BC-4564056CFDE3}" srcOrd="0" destOrd="0" presId="urn:microsoft.com/office/officeart/2018/2/layout/IconVerticalSolidList"/>
+    <dgm:cxn modelId="{2B415AB6-E835-44E5-A9C5-95BC9F2D5FC9}" type="presParOf" srcId="{B9D868A6-C56D-403A-9C9C-3A1FF67E24F4}" destId="{E32DCCEF-D240-4DFF-AD3F-D904D3EA577F}" srcOrd="1" destOrd="0" presId="urn:microsoft.com/office/officeart/2018/2/layout/IconVerticalSolidList"/>
+    <dgm:cxn modelId="{57CF2D64-1434-4005-A011-870ADB8768F9}" type="presParOf" srcId="{B9D868A6-C56D-403A-9C9C-3A1FF67E24F4}" destId="{5D1D8A37-A204-4605-8626-CD7DB2FBEF81}" srcOrd="2" destOrd="0" presId="urn:microsoft.com/office/officeart/2018/2/layout/IconVerticalSolidList"/>
+    <dgm:cxn modelId="{159FC680-DC73-46D1-B391-3377E56477C1}" type="presParOf" srcId="{B9D868A6-C56D-403A-9C9C-3A1FF67E24F4}" destId="{4DCE4244-0F34-48A9-B79F-2A1C05FD0B46}" srcOrd="3" destOrd="0" presId="urn:microsoft.com/office/officeart/2018/2/layout/IconVerticalSolidList"/>
+    <dgm:cxn modelId="{AB951E72-ED2E-4C46-938F-B920D870DF55}" type="presParOf" srcId="{D364AFC5-E1EE-46A1-8541-38136204DEC7}" destId="{B47A16E5-4C61-417C-870C-1290F11627BB}" srcOrd="5" destOrd="0" presId="urn:microsoft.com/office/officeart/2018/2/layout/IconVerticalSolidList"/>
+    <dgm:cxn modelId="{ECDDA6CB-B752-44B1-B72D-34772F4755BF}" type="presParOf" srcId="{D364AFC5-E1EE-46A1-8541-38136204DEC7}" destId="{2980AA59-025F-44B8-8F6D-4768872C920C}" srcOrd="6" destOrd="0" presId="urn:microsoft.com/office/officeart/2018/2/layout/IconVerticalSolidList"/>
+    <dgm:cxn modelId="{8596BBB9-6134-40DD-A125-D0C2704A7771}" type="presParOf" srcId="{2980AA59-025F-44B8-8F6D-4768872C920C}" destId="{F915A808-2BF8-4B2C-BADA-85C474E3B95F}" srcOrd="0" destOrd="0" presId="urn:microsoft.com/office/officeart/2018/2/layout/IconVerticalSolidList"/>
+    <dgm:cxn modelId="{2F4B4AFC-DF55-4AB9-B0C0-915568FD638B}" type="presParOf" srcId="{2980AA59-025F-44B8-8F6D-4768872C920C}" destId="{68252140-3AE6-4D1C-9C1D-CB02362336E2}" srcOrd="1" destOrd="0" presId="urn:microsoft.com/office/officeart/2018/2/layout/IconVerticalSolidList"/>
+    <dgm:cxn modelId="{DA0730C8-105F-448E-82C5-F54D5E6FB0D8}" type="presParOf" srcId="{2980AA59-025F-44B8-8F6D-4768872C920C}" destId="{DD396762-0DC9-4216-820C-7DB0CB2953E4}" srcOrd="2" destOrd="0" presId="urn:microsoft.com/office/officeart/2018/2/layout/IconVerticalSolidList"/>
+    <dgm:cxn modelId="{7A3A9935-63B9-42EA-A4E5-4BE489CE9D52}" type="presParOf" srcId="{2980AA59-025F-44B8-8F6D-4768872C920C}" destId="{06906906-E89E-40EA-B57B-185F5B5085FC}" srcOrd="3" destOrd="0" presId="urn:microsoft.com/office/officeart/2018/2/layout/IconVerticalSolidList"/>
+    <dgm:cxn modelId="{FD3C889E-1C6D-4DF1-9839-1C284ABB4825}" type="presParOf" srcId="{D364AFC5-E1EE-46A1-8541-38136204DEC7}" destId="{B31DEA5C-B7A3-4426-A831-2D861A16DA20}" srcOrd="7" destOrd="0" presId="urn:microsoft.com/office/officeart/2018/2/layout/IconVerticalSolidList"/>
+    <dgm:cxn modelId="{44C5AE81-2C3A-4D6A-9D85-73D7F44C7EF9}" type="presParOf" srcId="{D364AFC5-E1EE-46A1-8541-38136204DEC7}" destId="{57ED32D2-DD46-4AE9-89F6-740F5253680A}" srcOrd="8" destOrd="0" presId="urn:microsoft.com/office/officeart/2018/2/layout/IconVerticalSolidList"/>
+    <dgm:cxn modelId="{562F7FB8-7FB7-4334-98BD-A07CF3AAC5FA}" type="presParOf" srcId="{57ED32D2-DD46-4AE9-89F6-740F5253680A}" destId="{AB3BB3CC-6548-43AA-B1B6-4E370BCDF10C}" srcOrd="0" destOrd="0" presId="urn:microsoft.com/office/officeart/2018/2/layout/IconVerticalSolidList"/>
+    <dgm:cxn modelId="{14B5F6A7-A234-4C21-9BD8-260E32A64B5F}" type="presParOf" srcId="{57ED32D2-DD46-4AE9-89F6-740F5253680A}" destId="{50E9F7A4-69F8-4CE0-B9DF-12905AC3836E}" srcOrd="1" destOrd="0" presId="urn:microsoft.com/office/officeart/2018/2/layout/IconVerticalSolidList"/>
+    <dgm:cxn modelId="{26109F04-302C-409A-989C-08CBD6C7EC41}" type="presParOf" srcId="{57ED32D2-DD46-4AE9-89F6-740F5253680A}" destId="{59DBD490-F962-4B06-9040-82C598E4774F}" srcOrd="2" destOrd="0" presId="urn:microsoft.com/office/officeart/2018/2/layout/IconVerticalSolidList"/>
+    <dgm:cxn modelId="{686F2F82-38E1-427A-8FB3-08D790BB6058}" type="presParOf" srcId="{57ED32D2-DD46-4AE9-89F6-740F5253680A}" destId="{54CC2495-590E-49D1-90FF-1756C667DA96}" srcOrd="3" destOrd="0" presId="urn:microsoft.com/office/officeart/2018/2/layout/IconVerticalSolidList"/>
+  </dgm:cxnLst>
+  <dgm:bg/>
+  <dgm:whole/>
+  <dgm:extLst>
+    <a:ext uri="http://schemas.microsoft.com/office/drawing/2008/diagram">
+      <dsp:dataModelExt xmlns:dsp="http://schemas.microsoft.com/office/drawing/2008/diagram" relId="rId6" minVer="http://schemas.openxmlformats.org/drawingml/2006/diagram"/>
+    </a:ext>
+  </dgm:extLst>
+</dgm:dataModel>
+</file>
+
+<file path=ppt/diagrams/drawing1.xml><?xml version="1.0" encoding="utf-8"?>
+<dsp:drawing xmlns:dgm="http://schemas.openxmlformats.org/drawingml/2006/diagram" xmlns:dsp="http://schemas.microsoft.com/office/drawing/2008/diagram" xmlns:a="http://schemas.openxmlformats.org/drawingml/2006/main">
+  <dsp:spTree>
+    <dsp:nvGrpSpPr>
+      <dsp:cNvPr id="0" name=""/>
+      <dsp:cNvGrpSpPr/>
+    </dsp:nvGrpSpPr>
+    <dsp:grpSpPr/>
+    <dsp:sp modelId="{A2B5144C-6FE4-4061-A798-E839FD58D7BC}">
+      <dsp:nvSpPr>
+        <dsp:cNvPr id="0" name=""/>
+        <dsp:cNvSpPr/>
+      </dsp:nvSpPr>
+      <dsp:spPr>
+        <a:xfrm>
+          <a:off x="0" y="3399"/>
+          <a:ext cx="10515600" cy="724089"/>
+        </a:xfrm>
+        <a:prstGeom prst="roundRect">
+          <a:avLst>
+            <a:gd name="adj" fmla="val 10000"/>
+          </a:avLst>
+        </a:prstGeom>
+        <a:solidFill>
+          <a:schemeClr val="accent1">
+            <a:tint val="40000"/>
+            <a:hueOff val="0"/>
+            <a:satOff val="0"/>
+            <a:lumOff val="0"/>
+            <a:alphaOff val="0"/>
+          </a:schemeClr>
+        </a:solidFill>
+        <a:ln>
+          <a:noFill/>
+        </a:ln>
+        <a:effectLst/>
+      </dsp:spPr>
+      <dsp:style>
+        <a:lnRef idx="0">
+          <a:scrgbClr r="0" g="0" b="0"/>
+        </a:lnRef>
+        <a:fillRef idx="1">
+          <a:scrgbClr r="0" g="0" b="0"/>
+        </a:fillRef>
+        <a:effectRef idx="0">
+          <a:scrgbClr r="0" g="0" b="0"/>
+        </a:effectRef>
+        <a:fontRef idx="minor"/>
+      </dsp:style>
+    </dsp:sp>
+    <dsp:sp modelId="{9F059322-26BD-4684-BCAA-B8D10902C3EC}">
+      <dsp:nvSpPr>
+        <dsp:cNvPr id="0" name=""/>
+        <dsp:cNvSpPr/>
+      </dsp:nvSpPr>
+      <dsp:spPr>
+        <a:xfrm>
+          <a:off x="219037" y="166319"/>
+          <a:ext cx="398249" cy="398249"/>
+        </a:xfrm>
+        <a:prstGeom prst="rect">
+          <a:avLst/>
+        </a:prstGeom>
+        <a:blipFill>
+          <a:blip xmlns:r="http://schemas.openxmlformats.org/officeDocument/2006/relationships" r:embed="rId1">
+            <a:extLst>
+              <a:ext uri="{28A0092B-C50C-407E-A947-70E740481C1C}">
+                <a14:useLocalDpi xmlns:a14="http://schemas.microsoft.com/office/drawing/2010/main" val="0"/>
+              </a:ext>
+              <a:ext uri="{96DAC541-7B7A-43D3-8B79-37D633B846F1}">
+                <asvg:svgBlip xmlns:asvg="http://schemas.microsoft.com/office/drawing/2016/SVG/main" r:embed="rId2"/>
+              </a:ext>
+            </a:extLst>
+          </a:blip>
+          <a:stretch>
+            <a:fillRect/>
+          </a:stretch>
+        </a:blipFill>
+        <a:ln w="12700" cap="flat" cmpd="sng" algn="ctr">
+          <a:solidFill>
+            <a:schemeClr val="lt1">
+              <a:hueOff val="0"/>
+              <a:satOff val="0"/>
+              <a:lumOff val="0"/>
+              <a:alphaOff val="0"/>
+            </a:schemeClr>
+          </a:solidFill>
+          <a:prstDash val="solid"/>
+          <a:miter lim="800000"/>
+        </a:ln>
+        <a:effectLst/>
+      </dsp:spPr>
+      <dsp:style>
+        <a:lnRef idx="2">
+          <a:scrgbClr r="0" g="0" b="0"/>
+        </a:lnRef>
+        <a:fillRef idx="1">
+          <a:scrgbClr r="0" g="0" b="0"/>
+        </a:fillRef>
+        <a:effectRef idx="0">
+          <a:scrgbClr r="0" g="0" b="0"/>
+        </a:effectRef>
+        <a:fontRef idx="minor">
+          <a:schemeClr val="lt1"/>
+        </a:fontRef>
+      </dsp:style>
+    </dsp:sp>
+    <dsp:sp modelId="{79C5CA10-F5A9-4B45-A16E-10CDBEC08EBB}">
+      <dsp:nvSpPr>
+        <dsp:cNvPr id="0" name=""/>
+        <dsp:cNvSpPr/>
+      </dsp:nvSpPr>
+      <dsp:spPr>
+        <a:xfrm>
+          <a:off x="836323" y="3399"/>
+          <a:ext cx="9679276" cy="724089"/>
+        </a:xfrm>
+        <a:prstGeom prst="rect">
+          <a:avLst/>
+        </a:prstGeom>
+        <a:noFill/>
+        <a:ln>
+          <a:noFill/>
+        </a:ln>
+        <a:effectLst/>
+      </dsp:spPr>
+      <dsp:style>
+        <a:lnRef idx="0">
+          <a:scrgbClr r="0" g="0" b="0"/>
+        </a:lnRef>
+        <a:fillRef idx="0">
+          <a:scrgbClr r="0" g="0" b="0"/>
+        </a:fillRef>
+        <a:effectRef idx="0">
+          <a:scrgbClr r="0" g="0" b="0"/>
+        </a:effectRef>
+        <a:fontRef idx="minor"/>
+      </dsp:style>
+      <dsp:txBody>
+        <a:bodyPr spcFirstLastPara="0" vert="horz" wrap="square" lIns="76633" tIns="76633" rIns="76633" bIns="76633" numCol="1" spcCol="1270" anchor="ctr" anchorCtr="0">
+          <a:noAutofit/>
+        </a:bodyPr>
+        <a:lstStyle/>
+        <a:p>
+          <a:pPr marL="0" lvl="0" indent="0" algn="l" defTabSz="844550">
+            <a:lnSpc>
+              <a:spcPct val="100000"/>
+            </a:lnSpc>
+            <a:spcBef>
+              <a:spcPct val="0"/>
+            </a:spcBef>
+            <a:spcAft>
+              <a:spcPct val="35000"/>
+            </a:spcAft>
+            <a:buNone/>
+          </a:pPr>
+          <a:r>
+            <a:rPr lang="tr-TR" sz="1900" kern="1200"/>
+            <a:t>Calculate and plot 1830 days (5 years) MHI </a:t>
+          </a:r>
+          <a:endParaRPr lang="en-US" sz="1900" kern="1200"/>
+        </a:p>
+      </dsp:txBody>
+      <dsp:txXfrm>
+        <a:off x="836323" y="3399"/>
+        <a:ext cx="9679276" cy="724089"/>
+      </dsp:txXfrm>
+    </dsp:sp>
+    <dsp:sp modelId="{96C3E9EB-2086-4F78-8CC1-FBA12869ACEF}">
+      <dsp:nvSpPr>
+        <dsp:cNvPr id="0" name=""/>
+        <dsp:cNvSpPr/>
+      </dsp:nvSpPr>
+      <dsp:spPr>
+        <a:xfrm>
+          <a:off x="0" y="908511"/>
+          <a:ext cx="10515600" cy="724089"/>
+        </a:xfrm>
+        <a:prstGeom prst="roundRect">
+          <a:avLst>
+            <a:gd name="adj" fmla="val 10000"/>
+          </a:avLst>
+        </a:prstGeom>
+        <a:solidFill>
+          <a:schemeClr val="accent1">
+            <a:tint val="40000"/>
+            <a:hueOff val="0"/>
+            <a:satOff val="0"/>
+            <a:lumOff val="0"/>
+            <a:alphaOff val="0"/>
+          </a:schemeClr>
+        </a:solidFill>
+        <a:ln>
+          <a:noFill/>
+        </a:ln>
+        <a:effectLst/>
+      </dsp:spPr>
+      <dsp:style>
+        <a:lnRef idx="0">
+          <a:scrgbClr r="0" g="0" b="0"/>
+        </a:lnRef>
+        <a:fillRef idx="1">
+          <a:scrgbClr r="0" g="0" b="0"/>
+        </a:fillRef>
+        <a:effectRef idx="0">
+          <a:scrgbClr r="0" g="0" b="0"/>
+        </a:effectRef>
+        <a:fontRef idx="minor"/>
+      </dsp:style>
+    </dsp:sp>
+    <dsp:sp modelId="{73E8C9B7-E932-4932-9FC0-15E786BE9121}">
+      <dsp:nvSpPr>
+        <dsp:cNvPr id="0" name=""/>
+        <dsp:cNvSpPr/>
+      </dsp:nvSpPr>
+      <dsp:spPr>
+        <a:xfrm>
+          <a:off x="219037" y="1071431"/>
+          <a:ext cx="398249" cy="398249"/>
+        </a:xfrm>
+        <a:prstGeom prst="rect">
+          <a:avLst/>
+        </a:prstGeom>
+        <a:blipFill>
+          <a:blip xmlns:r="http://schemas.openxmlformats.org/officeDocument/2006/relationships" r:embed="rId3">
+            <a:extLst>
+              <a:ext uri="{28A0092B-C50C-407E-A947-70E740481C1C}">
+                <a14:useLocalDpi xmlns:a14="http://schemas.microsoft.com/office/drawing/2010/main" val="0"/>
+              </a:ext>
+              <a:ext uri="{96DAC541-7B7A-43D3-8B79-37D633B846F1}">
+                <asvg:svgBlip xmlns:asvg="http://schemas.microsoft.com/office/drawing/2016/SVG/main" r:embed="rId4"/>
+              </a:ext>
+            </a:extLst>
+          </a:blip>
+          <a:stretch>
+            <a:fillRect/>
+          </a:stretch>
+        </a:blipFill>
+        <a:ln w="12700" cap="flat" cmpd="sng" algn="ctr">
+          <a:solidFill>
+            <a:schemeClr val="lt1">
+              <a:hueOff val="0"/>
+              <a:satOff val="0"/>
+              <a:lumOff val="0"/>
+              <a:alphaOff val="0"/>
+            </a:schemeClr>
+          </a:solidFill>
+          <a:prstDash val="solid"/>
+          <a:miter lim="800000"/>
+        </a:ln>
+        <a:effectLst/>
+      </dsp:spPr>
+      <dsp:style>
+        <a:lnRef idx="2">
+          <a:scrgbClr r="0" g="0" b="0"/>
+        </a:lnRef>
+        <a:fillRef idx="1">
+          <a:scrgbClr r="0" g="0" b="0"/>
+        </a:fillRef>
+        <a:effectRef idx="0">
+          <a:scrgbClr r="0" g="0" b="0"/>
+        </a:effectRef>
+        <a:fontRef idx="minor">
+          <a:schemeClr val="lt1"/>
+        </a:fontRef>
+      </dsp:style>
+    </dsp:sp>
+    <dsp:sp modelId="{5CBCC387-89B5-4835-B1A0-7918164E7C06}">
+      <dsp:nvSpPr>
+        <dsp:cNvPr id="0" name=""/>
+        <dsp:cNvSpPr/>
+      </dsp:nvSpPr>
+      <dsp:spPr>
+        <a:xfrm>
+          <a:off x="836323" y="908511"/>
+          <a:ext cx="9679276" cy="724089"/>
+        </a:xfrm>
+        <a:prstGeom prst="rect">
+          <a:avLst/>
+        </a:prstGeom>
+        <a:noFill/>
+        <a:ln>
+          <a:noFill/>
+        </a:ln>
+        <a:effectLst/>
+      </dsp:spPr>
+      <dsp:style>
+        <a:lnRef idx="0">
+          <a:scrgbClr r="0" g="0" b="0"/>
+        </a:lnRef>
+        <a:fillRef idx="0">
+          <a:scrgbClr r="0" g="0" b="0"/>
+        </a:fillRef>
+        <a:effectRef idx="0">
+          <a:scrgbClr r="0" g="0" b="0"/>
+        </a:effectRef>
+        <a:fontRef idx="minor"/>
+      </dsp:style>
+      <dsp:txBody>
+        <a:bodyPr spcFirstLastPara="0" vert="horz" wrap="square" lIns="76633" tIns="76633" rIns="76633" bIns="76633" numCol="1" spcCol="1270" anchor="ctr" anchorCtr="0">
+          <a:noAutofit/>
+        </a:bodyPr>
+        <a:lstStyle/>
+        <a:p>
+          <a:pPr marL="0" lvl="0" indent="0" algn="l" defTabSz="844550">
+            <a:lnSpc>
+              <a:spcPct val="100000"/>
+            </a:lnSpc>
+            <a:spcBef>
+              <a:spcPct val="0"/>
+            </a:spcBef>
+            <a:spcAft>
+              <a:spcPct val="35000"/>
+            </a:spcAft>
+            <a:buNone/>
+          </a:pPr>
+          <a:r>
+            <a:rPr lang="tr-TR" sz="1900" kern="1200"/>
+            <a:t>Detect peaks (MHI &gt; 4) and valleys (MHI &lt; -2)</a:t>
+          </a:r>
+          <a:endParaRPr lang="en-US" sz="1900" kern="1200"/>
+        </a:p>
+      </dsp:txBody>
+      <dsp:txXfrm>
+        <a:off x="836323" y="908511"/>
+        <a:ext cx="9679276" cy="724089"/>
+      </dsp:txXfrm>
+    </dsp:sp>
+    <dsp:sp modelId="{A9A7903F-3195-4EB5-B3BC-4564056CFDE3}">
+      <dsp:nvSpPr>
+        <dsp:cNvPr id="0" name=""/>
+        <dsp:cNvSpPr/>
+      </dsp:nvSpPr>
+      <dsp:spPr>
+        <a:xfrm>
+          <a:off x="0" y="1813624"/>
+          <a:ext cx="10515600" cy="724089"/>
+        </a:xfrm>
+        <a:prstGeom prst="roundRect">
+          <a:avLst>
+            <a:gd name="adj" fmla="val 10000"/>
+          </a:avLst>
+        </a:prstGeom>
+        <a:solidFill>
+          <a:schemeClr val="accent1">
+            <a:tint val="40000"/>
+            <a:hueOff val="0"/>
+            <a:satOff val="0"/>
+            <a:lumOff val="0"/>
+            <a:alphaOff val="0"/>
+          </a:schemeClr>
+        </a:solidFill>
+        <a:ln>
+          <a:noFill/>
+        </a:ln>
+        <a:effectLst/>
+      </dsp:spPr>
+      <dsp:style>
+        <a:lnRef idx="0">
+          <a:scrgbClr r="0" g="0" b="0"/>
+        </a:lnRef>
+        <a:fillRef idx="1">
+          <a:scrgbClr r="0" g="0" b="0"/>
+        </a:fillRef>
+        <a:effectRef idx="0">
+          <a:scrgbClr r="0" g="0" b="0"/>
+        </a:effectRef>
+        <a:fontRef idx="minor"/>
+      </dsp:style>
+    </dsp:sp>
+    <dsp:sp modelId="{E32DCCEF-D240-4DFF-AD3F-D904D3EA577F}">
+      <dsp:nvSpPr>
+        <dsp:cNvPr id="0" name=""/>
+        <dsp:cNvSpPr/>
+      </dsp:nvSpPr>
+      <dsp:spPr>
+        <a:xfrm>
+          <a:off x="219037" y="1976544"/>
+          <a:ext cx="398249" cy="398249"/>
+        </a:xfrm>
+        <a:prstGeom prst="rect">
+          <a:avLst/>
+        </a:prstGeom>
+        <a:blipFill>
+          <a:blip xmlns:r="http://schemas.openxmlformats.org/officeDocument/2006/relationships" r:embed="rId5">
+            <a:extLst>
+              <a:ext uri="{28A0092B-C50C-407E-A947-70E740481C1C}">
+                <a14:useLocalDpi xmlns:a14="http://schemas.microsoft.com/office/drawing/2010/main" val="0"/>
+              </a:ext>
+              <a:ext uri="{96DAC541-7B7A-43D3-8B79-37D633B846F1}">
+                <asvg:svgBlip xmlns:asvg="http://schemas.microsoft.com/office/drawing/2016/SVG/main" r:embed="rId6"/>
+              </a:ext>
+            </a:extLst>
+          </a:blip>
+          <a:stretch>
+            <a:fillRect/>
+          </a:stretch>
+        </a:blipFill>
+        <a:ln w="12700" cap="flat" cmpd="sng" algn="ctr">
+          <a:solidFill>
+            <a:schemeClr val="lt1">
+              <a:hueOff val="0"/>
+              <a:satOff val="0"/>
+              <a:lumOff val="0"/>
+              <a:alphaOff val="0"/>
+            </a:schemeClr>
+          </a:solidFill>
+          <a:prstDash val="solid"/>
+          <a:miter lim="800000"/>
+        </a:ln>
+        <a:effectLst/>
+      </dsp:spPr>
+      <dsp:style>
+        <a:lnRef idx="2">
+          <a:scrgbClr r="0" g="0" b="0"/>
+        </a:lnRef>
+        <a:fillRef idx="1">
+          <a:scrgbClr r="0" g="0" b="0"/>
+        </a:fillRef>
+        <a:effectRef idx="0">
+          <a:scrgbClr r="0" g="0" b="0"/>
+        </a:effectRef>
+        <a:fontRef idx="minor">
+          <a:schemeClr val="lt1"/>
+        </a:fontRef>
+      </dsp:style>
+    </dsp:sp>
+    <dsp:sp modelId="{4DCE4244-0F34-48A9-B79F-2A1C05FD0B46}">
+      <dsp:nvSpPr>
+        <dsp:cNvPr id="0" name=""/>
+        <dsp:cNvSpPr/>
+      </dsp:nvSpPr>
+      <dsp:spPr>
+        <a:xfrm>
+          <a:off x="836323" y="1813624"/>
+          <a:ext cx="9679276" cy="724089"/>
+        </a:xfrm>
+        <a:prstGeom prst="rect">
+          <a:avLst/>
+        </a:prstGeom>
+        <a:noFill/>
+        <a:ln>
+          <a:noFill/>
+        </a:ln>
+        <a:effectLst/>
+      </dsp:spPr>
+      <dsp:style>
+        <a:lnRef idx="0">
+          <a:scrgbClr r="0" g="0" b="0"/>
+        </a:lnRef>
+        <a:fillRef idx="0">
+          <a:scrgbClr r="0" g="0" b="0"/>
+        </a:fillRef>
+        <a:effectRef idx="0">
+          <a:scrgbClr r="0" g="0" b="0"/>
+        </a:effectRef>
+        <a:fontRef idx="minor"/>
+      </dsp:style>
+      <dsp:txBody>
+        <a:bodyPr spcFirstLastPara="0" vert="horz" wrap="square" lIns="76633" tIns="76633" rIns="76633" bIns="76633" numCol="1" spcCol="1270" anchor="ctr" anchorCtr="0">
+          <a:noAutofit/>
+        </a:bodyPr>
+        <a:lstStyle/>
+        <a:p>
+          <a:pPr marL="0" lvl="0" indent="0" algn="l" defTabSz="844550">
+            <a:lnSpc>
+              <a:spcPct val="100000"/>
+            </a:lnSpc>
+            <a:spcBef>
+              <a:spcPct val="0"/>
+            </a:spcBef>
+            <a:spcAft>
+              <a:spcPct val="35000"/>
+            </a:spcAft>
+            <a:buNone/>
+          </a:pPr>
+          <a:r>
+            <a:rPr lang="tr-TR" sz="1900" kern="1200"/>
+            <a:t>Apply Correlation filter</a:t>
+          </a:r>
+          <a:endParaRPr lang="en-US" sz="1900" kern="1200"/>
+        </a:p>
+      </dsp:txBody>
+      <dsp:txXfrm>
+        <a:off x="836323" y="1813624"/>
+        <a:ext cx="9679276" cy="724089"/>
+      </dsp:txXfrm>
+    </dsp:sp>
+    <dsp:sp modelId="{F915A808-2BF8-4B2C-BADA-85C474E3B95F}">
+      <dsp:nvSpPr>
+        <dsp:cNvPr id="0" name=""/>
+        <dsp:cNvSpPr/>
+      </dsp:nvSpPr>
+      <dsp:spPr>
+        <a:xfrm>
+          <a:off x="0" y="2718736"/>
+          <a:ext cx="10515600" cy="724089"/>
+        </a:xfrm>
+        <a:prstGeom prst="roundRect">
+          <a:avLst>
+            <a:gd name="adj" fmla="val 10000"/>
+          </a:avLst>
+        </a:prstGeom>
+        <a:solidFill>
+          <a:schemeClr val="accent1">
+            <a:tint val="40000"/>
+            <a:hueOff val="0"/>
+            <a:satOff val="0"/>
+            <a:lumOff val="0"/>
+            <a:alphaOff val="0"/>
+          </a:schemeClr>
+        </a:solidFill>
+        <a:ln>
+          <a:noFill/>
+        </a:ln>
+        <a:effectLst/>
+      </dsp:spPr>
+      <dsp:style>
+        <a:lnRef idx="0">
+          <a:scrgbClr r="0" g="0" b="0"/>
+        </a:lnRef>
+        <a:fillRef idx="1">
+          <a:scrgbClr r="0" g="0" b="0"/>
+        </a:fillRef>
+        <a:effectRef idx="0">
+          <a:scrgbClr r="0" g="0" b="0"/>
+        </a:effectRef>
+        <a:fontRef idx="minor"/>
+      </dsp:style>
+    </dsp:sp>
+    <dsp:sp modelId="{68252140-3AE6-4D1C-9C1D-CB02362336E2}">
+      <dsp:nvSpPr>
+        <dsp:cNvPr id="0" name=""/>
+        <dsp:cNvSpPr/>
+      </dsp:nvSpPr>
+      <dsp:spPr>
+        <a:xfrm>
+          <a:off x="219037" y="2881656"/>
+          <a:ext cx="398249" cy="398249"/>
+        </a:xfrm>
+        <a:prstGeom prst="rect">
+          <a:avLst/>
+        </a:prstGeom>
+        <a:blipFill>
+          <a:blip xmlns:r="http://schemas.openxmlformats.org/officeDocument/2006/relationships" r:embed="rId7">
+            <a:extLst>
+              <a:ext uri="{28A0092B-C50C-407E-A947-70E740481C1C}">
+                <a14:useLocalDpi xmlns:a14="http://schemas.microsoft.com/office/drawing/2010/main" val="0"/>
+              </a:ext>
+              <a:ext uri="{96DAC541-7B7A-43D3-8B79-37D633B846F1}">
+                <asvg:svgBlip xmlns:asvg="http://schemas.microsoft.com/office/drawing/2016/SVG/main" r:embed="rId8"/>
+              </a:ext>
+            </a:extLst>
+          </a:blip>
+          <a:stretch>
+            <a:fillRect/>
+          </a:stretch>
+        </a:blipFill>
+        <a:ln w="12700" cap="flat" cmpd="sng" algn="ctr">
+          <a:solidFill>
+            <a:schemeClr val="lt1">
+              <a:hueOff val="0"/>
+              <a:satOff val="0"/>
+              <a:lumOff val="0"/>
+              <a:alphaOff val="0"/>
+            </a:schemeClr>
+          </a:solidFill>
+          <a:prstDash val="solid"/>
+          <a:miter lim="800000"/>
+        </a:ln>
+        <a:effectLst/>
+      </dsp:spPr>
+      <dsp:style>
+        <a:lnRef idx="2">
+          <a:scrgbClr r="0" g="0" b="0"/>
+        </a:lnRef>
+        <a:fillRef idx="1">
+          <a:scrgbClr r="0" g="0" b="0"/>
+        </a:fillRef>
+        <a:effectRef idx="0">
+          <a:scrgbClr r="0" g="0" b="0"/>
+        </a:effectRef>
+        <a:fontRef idx="minor">
+          <a:schemeClr val="lt1"/>
+        </a:fontRef>
+      </dsp:style>
+    </dsp:sp>
+    <dsp:sp modelId="{06906906-E89E-40EA-B57B-185F5B5085FC}">
+      <dsp:nvSpPr>
+        <dsp:cNvPr id="0" name=""/>
+        <dsp:cNvSpPr/>
+      </dsp:nvSpPr>
+      <dsp:spPr>
+        <a:xfrm>
+          <a:off x="836323" y="2718736"/>
+          <a:ext cx="9679276" cy="724089"/>
+        </a:xfrm>
+        <a:prstGeom prst="rect">
+          <a:avLst/>
+        </a:prstGeom>
+        <a:noFill/>
+        <a:ln>
+          <a:noFill/>
+        </a:ln>
+        <a:effectLst/>
+      </dsp:spPr>
+      <dsp:style>
+        <a:lnRef idx="0">
+          <a:scrgbClr r="0" g="0" b="0"/>
+        </a:lnRef>
+        <a:fillRef idx="0">
+          <a:scrgbClr r="0" g="0" b="0"/>
+        </a:fillRef>
+        <a:effectRef idx="0">
+          <a:scrgbClr r="0" g="0" b="0"/>
+        </a:effectRef>
+        <a:fontRef idx="minor"/>
+      </dsp:style>
+      <dsp:txBody>
+        <a:bodyPr spcFirstLastPara="0" vert="horz" wrap="square" lIns="76633" tIns="76633" rIns="76633" bIns="76633" numCol="1" spcCol="1270" anchor="ctr" anchorCtr="0">
+          <a:noAutofit/>
+        </a:bodyPr>
+        <a:lstStyle/>
+        <a:p>
+          <a:pPr marL="0" lvl="0" indent="0" algn="l" defTabSz="844550">
+            <a:lnSpc>
+              <a:spcPct val="100000"/>
+            </a:lnSpc>
+            <a:spcBef>
+              <a:spcPct val="0"/>
+            </a:spcBef>
+            <a:spcAft>
+              <a:spcPct val="35000"/>
+            </a:spcAft>
+            <a:buNone/>
+          </a:pPr>
+          <a:r>
+            <a:rPr lang="tr-TR" sz="1900" kern="1200"/>
+            <a:t>At the valleys, starting from latest peak calculate portfolio and enter that portfolio.</a:t>
+          </a:r>
+          <a:endParaRPr lang="en-US" sz="1900" kern="1200"/>
+        </a:p>
+      </dsp:txBody>
+      <dsp:txXfrm>
+        <a:off x="836323" y="2718736"/>
+        <a:ext cx="9679276" cy="724089"/>
+      </dsp:txXfrm>
+    </dsp:sp>
+    <dsp:sp modelId="{AB3BB3CC-6548-43AA-B1B6-4E370BCDF10C}">
+      <dsp:nvSpPr>
+        <dsp:cNvPr id="0" name=""/>
+        <dsp:cNvSpPr/>
+      </dsp:nvSpPr>
+      <dsp:spPr>
+        <a:xfrm>
+          <a:off x="0" y="3623848"/>
+          <a:ext cx="10515600" cy="724089"/>
+        </a:xfrm>
+        <a:prstGeom prst="roundRect">
+          <a:avLst>
+            <a:gd name="adj" fmla="val 10000"/>
+          </a:avLst>
+        </a:prstGeom>
+        <a:solidFill>
+          <a:schemeClr val="accent1">
+            <a:tint val="40000"/>
+            <a:hueOff val="0"/>
+            <a:satOff val="0"/>
+            <a:lumOff val="0"/>
+            <a:alphaOff val="0"/>
+          </a:schemeClr>
+        </a:solidFill>
+        <a:ln>
+          <a:noFill/>
+        </a:ln>
+        <a:effectLst/>
+      </dsp:spPr>
+      <dsp:style>
+        <a:lnRef idx="0">
+          <a:scrgbClr r="0" g="0" b="0"/>
+        </a:lnRef>
+        <a:fillRef idx="1">
+          <a:scrgbClr r="0" g="0" b="0"/>
+        </a:fillRef>
+        <a:effectRef idx="0">
+          <a:scrgbClr r="0" g="0" b="0"/>
+        </a:effectRef>
+        <a:fontRef idx="minor"/>
+      </dsp:style>
+    </dsp:sp>
+    <dsp:sp modelId="{50E9F7A4-69F8-4CE0-B9DF-12905AC3836E}">
+      <dsp:nvSpPr>
+        <dsp:cNvPr id="0" name=""/>
+        <dsp:cNvSpPr/>
+      </dsp:nvSpPr>
+      <dsp:spPr>
+        <a:xfrm>
+          <a:off x="219037" y="3786768"/>
+          <a:ext cx="398249" cy="398249"/>
+        </a:xfrm>
+        <a:prstGeom prst="rect">
+          <a:avLst/>
+        </a:prstGeom>
+        <a:blipFill>
+          <a:blip xmlns:r="http://schemas.openxmlformats.org/officeDocument/2006/relationships" r:embed="rId9">
+            <a:extLst>
+              <a:ext uri="{28A0092B-C50C-407E-A947-70E740481C1C}">
+                <a14:useLocalDpi xmlns:a14="http://schemas.microsoft.com/office/drawing/2010/main" val="0"/>
+              </a:ext>
+              <a:ext uri="{96DAC541-7B7A-43D3-8B79-37D633B846F1}">
+                <asvg:svgBlip xmlns:asvg="http://schemas.microsoft.com/office/drawing/2016/SVG/main" r:embed="rId10"/>
+              </a:ext>
+            </a:extLst>
+          </a:blip>
+          <a:stretch>
+            <a:fillRect/>
+          </a:stretch>
+        </a:blipFill>
+        <a:ln w="12700" cap="flat" cmpd="sng" algn="ctr">
+          <a:solidFill>
+            <a:schemeClr val="lt1">
+              <a:hueOff val="0"/>
+              <a:satOff val="0"/>
+              <a:lumOff val="0"/>
+              <a:alphaOff val="0"/>
+            </a:schemeClr>
+          </a:solidFill>
+          <a:prstDash val="solid"/>
+          <a:miter lim="800000"/>
+        </a:ln>
+        <a:effectLst/>
+      </dsp:spPr>
+      <dsp:style>
+        <a:lnRef idx="2">
+          <a:scrgbClr r="0" g="0" b="0"/>
+        </a:lnRef>
+        <a:fillRef idx="1">
+          <a:scrgbClr r="0" g="0" b="0"/>
+        </a:fillRef>
+        <a:effectRef idx="0">
+          <a:scrgbClr r="0" g="0" b="0"/>
+        </a:effectRef>
+        <a:fontRef idx="minor">
+          <a:schemeClr val="lt1"/>
+        </a:fontRef>
+      </dsp:style>
+    </dsp:sp>
+    <dsp:sp modelId="{54CC2495-590E-49D1-90FF-1756C667DA96}">
+      <dsp:nvSpPr>
+        <dsp:cNvPr id="0" name=""/>
+        <dsp:cNvSpPr/>
+      </dsp:nvSpPr>
+      <dsp:spPr>
+        <a:xfrm>
+          <a:off x="836323" y="3623848"/>
+          <a:ext cx="9679276" cy="724089"/>
+        </a:xfrm>
+        <a:prstGeom prst="rect">
+          <a:avLst/>
+        </a:prstGeom>
+        <a:noFill/>
+        <a:ln>
+          <a:noFill/>
+        </a:ln>
+        <a:effectLst/>
+      </dsp:spPr>
+      <dsp:style>
+        <a:lnRef idx="0">
+          <a:scrgbClr r="0" g="0" b="0"/>
+        </a:lnRef>
+        <a:fillRef idx="0">
+          <a:scrgbClr r="0" g="0" b="0"/>
+        </a:fillRef>
+        <a:effectRef idx="0">
+          <a:scrgbClr r="0" g="0" b="0"/>
+        </a:effectRef>
+        <a:fontRef idx="minor"/>
+      </dsp:style>
+      <dsp:txBody>
+        <a:bodyPr spcFirstLastPara="0" vert="horz" wrap="square" lIns="76633" tIns="76633" rIns="76633" bIns="76633" numCol="1" spcCol="1270" anchor="ctr" anchorCtr="0">
+          <a:noAutofit/>
+        </a:bodyPr>
+        <a:lstStyle/>
+        <a:p>
+          <a:pPr marL="0" lvl="0" indent="0" algn="l" defTabSz="844550">
+            <a:lnSpc>
+              <a:spcPct val="100000"/>
+            </a:lnSpc>
+            <a:spcBef>
+              <a:spcPct val="0"/>
+            </a:spcBef>
+            <a:spcAft>
+              <a:spcPct val="35000"/>
+            </a:spcAft>
+            <a:buNone/>
+          </a:pPr>
+          <a:r>
+            <a:rPr lang="tr-TR" sz="1900" kern="1200"/>
+            <a:t>At the first peak, sell the portfolio.</a:t>
+          </a:r>
+          <a:endParaRPr lang="en-US" sz="1900" kern="1200"/>
+        </a:p>
+      </dsp:txBody>
+      <dsp:txXfrm>
+        <a:off x="836323" y="3623848"/>
+        <a:ext cx="9679276" cy="724089"/>
+      </dsp:txXfrm>
+    </dsp:sp>
+  </dsp:spTree>
+</dsp:drawing>
+</file>
+
+<file path=ppt/diagrams/layout1.xml><?xml version="1.0" encoding="utf-8"?>
+<dgm:layoutDef xmlns:dgm="http://schemas.openxmlformats.org/drawingml/2006/diagram" xmlns:a="http://schemas.openxmlformats.org/drawingml/2006/main" uniqueId="urn:microsoft.com/office/officeart/2018/2/layout/IconVerticalSolidList">
+  <dgm:title val="Icon Vertical Solid List"/>
+  <dgm:desc val="Use to show a series of visuals from top to bottom with Level 1 or Level 1 and Level 2 text grouped in a shape. Works best with icons or small pictures with lengthier descriptions."/>
+  <dgm:catLst>
+    <dgm:cat type="icon" pri="500"/>
+  </dgm:catLst>
+  <dgm:sampData useDef="1">
+    <dgm:dataModel>
+      <dgm:ptLst/>
+      <dgm:bg/>
+      <dgm:whole/>
+    </dgm:dataModel>
+  </dgm:sampData>
+  <dgm:styleData useDef="1">
+    <dgm:dataModel>
+      <dgm:ptLst/>
+      <dgm:bg/>
+      <dgm:whole/>
+    </dgm:dataModel>
+  </dgm:styleData>
+  <dgm:clrData useDef="1">
+    <dgm:dataModel>
+      <dgm:ptLst/>
+      <dgm:bg/>
+      <dgm:whole/>
+    </dgm:dataModel>
+  </dgm:clrData>
+  <dgm:layoutNode name="root">
+    <dgm:varLst>
+      <dgm:dir/>
+      <dgm:resizeHandles val="exact"/>
+    </dgm:varLst>
+    <dgm:choose name="Name0">
+      <dgm:if name="Name1" axis="self" func="var" arg="dir" op="equ" val="norm">
+        <dgm:alg type="lin">
+          <dgm:param type="linDir" val="fromT"/>
+          <dgm:param type="nodeHorzAlign" val="l"/>
+        </dgm:alg>
+      </dgm:if>
+      <dgm:else name="Name2">
+        <dgm:alg type="lin">
+          <dgm:param type="linDir" val="fromT"/>
+          <dgm:param type="nodeHorzAlign" val="r"/>
+        </dgm:alg>
+      </dgm:else>
+    </dgm:choose>
+    <dgm:shape xmlns:r="http://schemas.openxmlformats.org/officeDocument/2006/relationships" r:blip="">
+      <dgm:adjLst/>
+    </dgm:shape>
+    <dgm:presOf/>
+    <dgm:choose name="Name3">
+      <dgm:if name="Name4" axis="ch" ptType="node" func="cnt" op="lte" val="3">
+        <dgm:constrLst>
+          <dgm:constr type="h" for="ch" forName="compNode" refType="h" fact="0.3"/>
+          <dgm:constr type="w" for="ch" forName="compNode" refType="w"/>
+          <dgm:constr type="h" for="ch" forName="sibTrans" refType="h" refFor="ch" refForName="compNode" fact="0.25"/>
+          <dgm:constr type="primFontSz" for="des" forName="parTx" val="25"/>
+          <dgm:constr type="primFontSz" for="des" forName="desTx" refType="primFontSz" refFor="des" refForName="parTx" op="lte" fact="0.75"/>
+          <dgm:constr type="h" for="des" forName="compNode" op="equ"/>
+          <dgm:constr type="h" for="des" forName="bgRect" op="equ"/>
+          <dgm:constr type="h" for="des" forName="iconRect" op="equ"/>
+          <dgm:constr type="w" for="des" forName="iconRect" op="equ"/>
+          <dgm:constr type="h" for="des" forName="spaceRect" op="equ"/>
+          <dgm:constr type="h" for="des" forName="parTx" op="equ"/>
+          <dgm:constr type="h" for="des" forName="desTx" op="equ"/>
+        </dgm:constrLst>
+      </dgm:if>
+      <dgm:if name="Name5" axis="ch" ptType="node" func="cnt" op="lte" val="4">
+        <dgm:constrLst>
+          <dgm:constr type="h" for="ch" forName="compNode" refType="h" fact="0.3"/>
+          <dgm:constr type="w" for="ch" forName="compNode" refType="w"/>
+          <dgm:constr type="h" for="ch" forName="sibTrans" refType="h" refFor="ch" refForName="compNode" fact="0.25"/>
+          <dgm:constr type="primFontSz" for="des" forName="parTx" val="22"/>
+          <dgm:constr type="primFontSz" for="des" forName="desTx" refType="primFontSz" refFor="des" refForName="parTx" op="lte" fact="0.75"/>
+          <dgm:constr type="h" for="des" forName="compNode" op="equ"/>
+          <dgm:constr type="h" for="des" forName="bgRect" op="equ"/>
+          <dgm:constr type="h" for="des" forName="iconRect" op="equ"/>
+          <dgm:constr type="w" for="des" forName="iconRect" op="equ"/>
+          <dgm:constr type="h" for="des" forName="spaceRect" op="equ"/>
+          <dgm:constr type="h" for="des" forName="parTx" op="equ"/>
+          <dgm:constr type="h" for="des" forName="desTx" op="equ"/>
+        </dgm:constrLst>
+      </dgm:if>
+      <dgm:if name="Name6" axis="ch" ptType="node" func="cnt" op="lte" val="6">
+        <dgm:constrLst>
+          <dgm:constr type="h" for="ch" forName="compNode" refType="h" fact="0.3"/>
+          <dgm:constr type="w" for="ch" forName="compNode" refType="w"/>
+          <dgm:constr type="h" for="ch" forName="sibTrans" refType="h" refFor="ch" refForName="compNode" fact="0.25"/>
+          <dgm:constr type="primFontSz" for="des" forName="parTx" val="19"/>
+          <dgm:constr type="primFontSz" for="des" forName="desTx" refType="primFontSz" refFor="des" refForName="parTx" op="lte" fact="0.75"/>
+          <dgm:constr type="h" for="des" forName="compNode" op="equ"/>
+          <dgm:constr type="h" for="des" forName="bgRect" op="equ"/>
+          <dgm:constr type="h" for="des" forName="iconRect" op="equ"/>
+          <dgm:constr type="w" for="des" forName="iconRect" op="equ"/>
+          <dgm:constr type="h" for="des" forName="spaceRect" op="equ"/>
+          <dgm:constr type="h" for="des" forName="parTx" op="equ"/>
+          <dgm:constr type="h" for="des" forName="desTx" op="equ"/>
+        </dgm:constrLst>
+      </dgm:if>
+      <dgm:else name="Name7">
+        <dgm:constrLst>
+          <dgm:constr type="h" for="ch" forName="compNode" refType="h" fact="0.3"/>
+          <dgm:constr type="w" for="ch" forName="compNode" refType="w"/>
+          <dgm:constr type="h" for="ch" forName="sibTrans" refType="h" refFor="ch" refForName="compNode" fact="0.25"/>
+          <dgm:constr type="primFontSz" for="des" forName="parTx" val="16"/>
+          <dgm:constr type="primFontSz" for="des" forName="desTx" refType="primFontSz" refFor="des" refForName="parTx" op="lte" fact="0.75"/>
+          <dgm:constr type="h" for="des" forName="compNode" op="equ"/>
+          <dgm:constr type="h" for="des" forName="bgRect" op="equ"/>
+          <dgm:constr type="h" for="des" forName="iconRect" op="equ"/>
+          <dgm:constr type="w" for="des" forName="iconRect" op="equ"/>
+          <dgm:constr type="h" for="des" forName="spaceRect" op="equ"/>
+          <dgm:constr type="h" for="des" forName="parTx" op="equ"/>
+          <dgm:constr type="h" for="des" forName="desTx" op="equ"/>
+        </dgm:constrLst>
+      </dgm:else>
+    </dgm:choose>
+    <dgm:ruleLst>
+      <dgm:rule type="h" for="ch" forName="compNode" val="0" fact="NaN" max="NaN"/>
+    </dgm:ruleLst>
+    <dgm:forEach name="Name8" axis="ch" ptType="node">
+      <dgm:layoutNode name="compNode">
+        <dgm:alg type="composite"/>
+        <dgm:shape xmlns:r="http://schemas.openxmlformats.org/officeDocument/2006/relationships" r:blip="">
+          <dgm:adjLst/>
+        </dgm:shape>
+        <dgm:presOf axis="self"/>
+        <dgm:choose name="Name9">
+          <dgm:if name="Name10" axis="ch" ptType="node" func="cnt" op="gte" val="1">
+            <dgm:constrLst>
+              <dgm:constr type="w" for="ch" forName="bgRect" refType="w"/>
+              <dgm:constr type="h" for="ch" forName="bgRect" refType="h"/>
+              <dgm:constr type="l" for="ch" forName="bgRect"/>
+              <dgm:constr type="t" for="ch" forName="bgRect"/>
+              <dgm:constr type="h" for="ch" forName="iconRect" refType="h" fact="0.55"/>
+              <dgm:constr type="w" for="ch" forName="iconRect" refType="h" refFor="ch" refForName="iconRect"/>
+              <dgm:constr type="l" for="ch" forName="iconRect" refType="h" refFor="ch" refForName="iconRect" fact="0.55"/>
+              <dgm:constr type="ctrY" for="ch" forName="iconRect" refType="ctrY" refFor="ch" refForName="bgRect"/>
+              <dgm:constr type="w" for="ch" forName="spaceRect" refType="l" refFor="ch" refForName="iconRect"/>
+              <dgm:constr type="h" for="ch" forName="spaceRect" refType="h"/>
+              <dgm:constr type="l" for="ch" forName="spaceRect" refType="r" refFor="ch" refForName="iconRect"/>
+              <dgm:constr type="t" for="ch" forName="spaceRect"/>
+              <dgm:constr type="w" for="ch" forName="parTx" refType="w" fact="0.45"/>
+              <dgm:constr type="h" for="ch" forName="parTx" refType="h"/>
+              <dgm:constr type="l" for="ch" forName="parTx" refType="r" refFor="ch" refForName="spaceRect"/>
+              <dgm:constr type="t" for="ch" forName="parTx"/>
+              <dgm:constr type="h" for="ch" forName="desTx" refType="h"/>
+              <dgm:constr type="l" for="ch" forName="desTx" refType="r" refFor="ch" refForName="parTx"/>
+              <dgm:constr type="t" for="ch" forName="desTx"/>
+            </dgm:constrLst>
+          </dgm:if>
+          <dgm:else name="Name11">
+            <dgm:constrLst>
+              <dgm:constr type="w" for="ch" forName="bgRect" refType="w"/>
+              <dgm:constr type="h" for="ch" forName="bgRect" refType="h"/>
+              <dgm:constr type="l" for="ch" forName="bgRect"/>
+              <dgm:constr type="t" for="ch" forName="bgRect"/>
+              <dgm:constr type="h" for="ch" forName="iconRect" refType="h" fact="0.55"/>
+              <dgm:constr type="w" for="ch" forName="iconRect" refType="h" refFor="ch" refForName="iconRect"/>
+              <dgm:constr type="l" for="ch" forName="iconRect" refType="h" refFor="ch" refForName="iconRect" fact="0.55"/>
+              <dgm:constr type="ctrY" for="ch" forName="iconRect" refType="ctrY" refFor="ch" refForName="bgRect"/>
+              <dgm:constr type="w" for="ch" forName="spaceRect" refType="l" refFor="ch" refForName="iconRect"/>
+              <dgm:constr type="h" for="ch" forName="spaceRect" refType="h"/>
+              <dgm:constr type="l" for="ch" forName="spaceRect" refType="r" refFor="ch" refForName="iconRect"/>
+              <dgm:constr type="t" for="ch" forName="spaceRect"/>
+              <dgm:constr type="h" for="ch" forName="parTx" refType="h"/>
+              <dgm:constr type="l" for="ch" forName="parTx" refType="r" refFor="ch" refForName="spaceRect"/>
+              <dgm:constr type="t" for="ch" forName="parTx"/>
+            </dgm:constrLst>
+          </dgm:else>
+        </dgm:choose>
+        <dgm:ruleLst>
+          <dgm:rule type="h" val="INF" fact="NaN" max="NaN"/>
+        </dgm:ruleLst>
+        <dgm:layoutNode name="bgRect" styleLbl="bgShp">
+          <dgm:alg type="sp"/>
+          <dgm:shape xmlns:r="http://schemas.openxmlformats.org/officeDocument/2006/relationships" type="roundRect" r:blip="">
+            <dgm:adjLst>
+              <dgm:adj idx="1" val="0.1"/>
+            </dgm:adjLst>
+          </dgm:shape>
+          <dgm:presOf/>
+          <dgm:constrLst/>
+          <dgm:ruleLst/>
+        </dgm:layoutNode>
+        <dgm:layoutNode name="iconRect" styleLbl="node1">
+          <dgm:alg type="sp"/>
+          <dgm:shape xmlns:r="http://schemas.openxmlformats.org/officeDocument/2006/relationships" type="rect" r:blip="" blipPhldr="1">
+            <dgm:adjLst/>
+          </dgm:shape>
+          <dgm:presOf/>
+          <dgm:constrLst/>
+          <dgm:ruleLst/>
+        </dgm:layoutNode>
+        <dgm:layoutNode name="spaceRect">
+          <dgm:alg type="sp"/>
+          <dgm:shape xmlns:r="http://schemas.openxmlformats.org/officeDocument/2006/relationships" r:blip="">
+            <dgm:adjLst/>
+          </dgm:shape>
+          <dgm:presOf/>
+          <dgm:constrLst/>
+          <dgm:ruleLst/>
+        </dgm:layoutNode>
+        <dgm:layoutNode name="parTx" styleLbl="revTx">
+          <dgm:varLst>
+            <dgm:chMax val="0"/>
+            <dgm:chPref val="0"/>
+          </dgm:varLst>
+          <dgm:alg type="tx">
+            <dgm:param type="txAnchorVert" val="mid"/>
+            <dgm:param type="parTxLTRAlign" val="l"/>
+            <dgm:param type="shpTxLTRAlignCh" val="l"/>
+            <dgm:param type="parTxRTLAlign" val="r"/>
+            <dgm:param type="shpTxRTLAlignCh" val="r"/>
+          </dgm:alg>
+          <dgm:shape xmlns:r="http://schemas.openxmlformats.org/officeDocument/2006/relationships" type="rect" r:blip="">
+            <dgm:adjLst/>
+          </dgm:shape>
+          <dgm:presOf axis="self" ptType="node"/>
+          <dgm:constrLst>
+            <dgm:constr type="lMarg" refType="h" fact="0.3"/>
+            <dgm:constr type="rMarg" refType="h" fact="0.3"/>
+            <dgm:constr type="tMarg" refType="h" fact="0.3"/>
+            <dgm:constr type="bMarg" refType="h" fact="0.3"/>
+          </dgm:constrLst>
+          <dgm:ruleLst>
+            <dgm:rule type="primFontSz" val="14" fact="NaN" max="NaN"/>
+            <dgm:rule type="h" val="INF" fact="NaN" max="NaN"/>
+          </dgm:ruleLst>
+        </dgm:layoutNode>
+        <dgm:choose name="Name12">
+          <dgm:if name="Name13" axis="ch" ptType="node" func="cnt" op="gte" val="1">
+            <dgm:layoutNode name="desTx" styleLbl="revTx">
+              <dgm:varLst/>
+              <dgm:alg type="tx">
+                <dgm:param type="txAnchorVertCh" val="mid"/>
+                <dgm:param type="parTxLTRAlign" val="l"/>
+                <dgm:param type="shpTxLTRAlignCh" val="l"/>
+                <dgm:param type="parTxRTLAlign" val="r"/>
+                <dgm:param type="shpTxRTLAlignCh" val="r"/>
+                <dgm:param type="stBulletLvl" val="0"/>
+              </dgm:alg>
+              <dgm:shape xmlns:r="http://schemas.openxmlformats.org/officeDocument/2006/relationships" type="rect" r:blip="">
+                <dgm:adjLst/>
+              </dgm:shape>
+              <dgm:presOf axis="des" ptType="node"/>
+              <dgm:constrLst>
+                <dgm:constr type="primFontSz" val="18"/>
+                <dgm:constr type="secFontSz" refType="primFontSz"/>
+                <dgm:constr type="lMarg" refType="h" fact="0.3"/>
+                <dgm:constr type="rMarg" refType="h" fact="0.3"/>
+                <dgm:constr type="tMarg" refType="h" fact="0.3"/>
+                <dgm:constr type="bMarg" refType="h" fact="0.3"/>
+              </dgm:constrLst>
+              <dgm:ruleLst>
+                <dgm:rule type="primFontSz" val="11" fact="NaN" max="NaN"/>
+              </dgm:ruleLst>
+            </dgm:layoutNode>
+          </dgm:if>
+          <dgm:else name="Name14"/>
+        </dgm:choose>
+      </dgm:layoutNode>
+      <dgm:forEach name="Name15" axis="followSib" ptType="sibTrans" cnt="1">
+        <dgm:layoutNode name="sibTrans">
+          <dgm:alg type="sp"/>
+          <dgm:shape xmlns:r="http://schemas.openxmlformats.org/officeDocument/2006/relationships" r:blip="">
+            <dgm:adjLst/>
+          </dgm:shape>
+          <dgm:presOf axis="self"/>
+          <dgm:constrLst/>
+          <dgm:ruleLst/>
+        </dgm:layoutNode>
+      </dgm:forEach>
+    </dgm:forEach>
+  </dgm:layoutNode>
+  <dgm:extLst>
+    <a:ext uri="{68A01E43-0DF5-4B5B-8FA6-DAF915123BFB}">
+      <dgm1612:lstStyle xmlns:dgm1612="http://schemas.microsoft.com/office/drawing/2016/12/diagram">
+        <a:lvl1pPr>
+          <a:lnSpc>
+            <a:spcPct val="100000"/>
+          </a:lnSpc>
+        </a:lvl1pPr>
+        <a:lvl2pPr>
+          <a:lnSpc>
+            <a:spcPct val="100000"/>
+          </a:lnSpc>
+        </a:lvl2pPr>
+      </dgm1612:lstStyle>
+    </a:ext>
+  </dgm:extLst>
+</dgm:layoutDef>
+</file>
+
+<file path=ppt/diagrams/quickStyle1.xml><?xml version="1.0" encoding="utf-8"?>
+<dgm:styleDef xmlns:dgm="http://schemas.openxmlformats.org/drawingml/2006/diagram" xmlns:a="http://schemas.openxmlformats.org/drawingml/2006/main" uniqueId="urn:microsoft.com/office/officeart/2005/8/quickstyle/simple1">
+  <dgm:title val=""/>
+  <dgm:desc val=""/>
+  <dgm:catLst>
+    <dgm:cat type="simple" pri="10100"/>
+  </dgm:catLst>
+  <dgm:scene3d>
+    <a:camera prst="orthographicFront"/>
+    <a:lightRig rig="threePt" dir="t"/>
+  </dgm:scene3d>
+  <dgm:styleLbl name="node0">
+    <dgm:scene3d>
+      <a:camera prst="orthographicFront"/>
+      <a:lightRig rig="threePt" dir="t"/>
+    </dgm:scene3d>
+    <dgm:sp3d/>
+    <dgm:txPr/>
+    <dgm:style>
+      <a:lnRef idx="2">
+        <a:scrgbClr r="0" g="0" b="0"/>
+      </a:lnRef>
+      <a:fillRef idx="1">
+        <a:scrgbClr r="0" g="0" b="0"/>
+      </a:fillRef>
+      <a:effectRef idx="0">
+        <a:scrgbClr r="0" g="0" b="0"/>
+      </a:effectRef>
+      <a:fontRef idx="minor">
+        <a:schemeClr val="lt1"/>
+      </a:fontRef>
+    </dgm:style>
+  </dgm:styleLbl>
+  <dgm:styleLbl name="lnNode1">
+    <dgm:scene3d>
+      <a:camera prst="orthographicFront"/>
+      <a:lightRig rig="threePt" dir="t"/>
+    </dgm:scene3d>
+    <dgm:sp3d/>
+    <dgm:txPr/>
+    <dgm:style>
+      <a:lnRef idx="2">
+        <a:scrgbClr r="0" g="0" b="0"/>
+      </a:lnRef>
+      <a:fillRef idx="1">
+        <a:scrgbClr r="0" g="0" b="0"/>
+      </a:fillRef>
+      <a:effectRef idx="0">
+        <a:scrgbClr r="0" g="0" b="0"/>
+      </a:effectRef>
+      <a:fontRef idx="minor">
+        <a:schemeClr val="lt1"/>
+      </a:fontRef>
+    </dgm:style>
+  </dgm:styleLbl>
+  <dgm:styleLbl name="vennNode1">
+    <dgm:scene3d>
+      <a:camera prst="orthographicFront"/>
+      <a:lightRig rig="threePt" dir="t"/>
+    </dgm:scene3d>
+    <dgm:sp3d/>
+    <dgm:txPr/>
+    <dgm:style>
+      <a:lnRef idx="2">
+        <a:scrgbClr r="0" g="0" b="0"/>
+      </a:lnRef>
+      <a:fillRef idx="1">
+        <a:scrgbClr r="0" g="0" b="0"/>
+      </a:fillRef>
+      <a:effectRef idx="0">
+        <a:scrgbClr r="0" g="0" b="0"/>
+      </a:effectRef>
+      <a:fontRef idx="minor">
+        <a:schemeClr val="tx1"/>
+      </a:fontRef>
+    </dgm:style>
+  </dgm:styleLbl>
+  <dgm:styleLbl name="alignNode1">
+    <dgm:scene3d>
+      <a:camera prst="orthographicFront"/>
+      <a:lightRig rig="threePt" dir="t"/>
+    </dgm:scene3d>
+    <dgm:sp3d/>
+    <dgm:txPr/>
+    <dgm:style>
+      <a:lnRef idx="2">
+        <a:scrgbClr r="0" g="0" b="0"/>
+      </a:lnRef>
+      <a:fillRef idx="1">
+        <a:scrgbClr r="0" g="0" b="0"/>
+      </a:fillRef>
+      <a:effectRef idx="0">
+        <a:scrgbClr r="0" g="0" b="0"/>
+      </a:effectRef>
+      <a:fontRef idx="minor">
+        <a:schemeClr val="lt1"/>
+      </a:fontRef>
+    </dgm:style>
+  </dgm:styleLbl>
+  <dgm:styleLbl name="node1">
+    <dgm:scene3d>
+      <a:camera prst="orthographicFront"/>
+      <a:lightRig rig="threePt" dir="t"/>
+    </dgm:scene3d>
+    <dgm:sp3d/>
+    <dgm:txPr/>
+    <dgm:style>
+      <a:lnRef idx="2">
+        <a:scrgbClr r="0" g="0" b="0"/>
+      </a:lnRef>
+      <a:fillRef idx="1">
+        <a:scrgbClr r="0" g="0" b="0"/>
+      </a:fillRef>
+      <a:effectRef idx="0">
+        <a:scrgbClr r="0" g="0" b="0"/>
+      </a:effectRef>
+      <a:fontRef idx="minor">
+        <a:schemeClr val="lt1"/>
+      </a:fontRef>
+    </dgm:style>
+  </dgm:styleLbl>
+  <dgm:styleLbl name="node2">
+    <dgm:scene3d>
+      <a:camera prst="orthographicFront"/>
+      <a:lightRig rig="threePt" dir="t"/>
+    </dgm:scene3d>
+    <dgm:sp3d/>
+    <dgm:txPr/>
+    <dgm:style>
+      <a:lnRef idx="2">
+        <a:scrgbClr r="0" g="0" b="0"/>
+      </a:lnRef>
+      <a:fillRef idx="1">
+        <a:scrgbClr r="0" g="0" b="0"/>
+      </a:fillRef>
+      <a:effectRef idx="0">
+        <a:scrgbClr r="0" g="0" b="0"/>
+      </a:effectRef>
+      <a:fontRef idx="minor">
+        <a:schemeClr val="lt1"/>
+      </a:fontRef>
+    </dgm:style>
+  </dgm:styleLbl>
+  <dgm:styleLbl name="node3">
+    <dgm:scene3d>
+      <a:camera prst="orthographicFront"/>
+      <a:lightRig rig="threePt" dir="t"/>
+    </dgm:scene3d>
+    <dgm:sp3d/>
+    <dgm:txPr/>
+    <dgm:style>
+      <a:lnRef idx="2">
+        <a:scrgbClr r="0" g="0" b="0"/>
+      </a:lnRef>
+      <a:fillRef idx="1">
+        <a:scrgbClr r="0" g="0" b="0"/>
+      </a:fillRef>
+      <a:effectRef idx="0">
+        <a:scrgbClr r="0" g="0" b="0"/>
+      </a:effectRef>
+      <a:fontRef idx="minor">
+        <a:schemeClr val="lt1"/>
+      </a:fontRef>
+    </dgm:style>
+  </dgm:styleLbl>
+  <dgm:styleLbl name="node4">
+    <dgm:scene3d>
+      <a:camera prst="orthographicFront"/>
+      <a:lightRig rig="threePt" dir="t"/>
+    </dgm:scene3d>
+    <dgm:sp3d/>
+    <dgm:txPr/>
+    <dgm:style>
+      <a:lnRef idx="2">
+        <a:scrgbClr r="0" g="0" b="0"/>
+      </a:lnRef>
+      <a:fillRef idx="1">
+        <a:scrgbClr r="0" g="0" b="0"/>
+      </a:fillRef>
+      <a:effectRef idx="0">
+        <a:scrgbClr r="0" g="0" b="0"/>
+      </a:effectRef>
+      <a:fontRef idx="minor">
+        <a:schemeClr val="lt1"/>
+      </a:fontRef>
+    </dgm:style>
+  </dgm:styleLbl>
+  <dgm:styleLbl name="fgImgPlace1">
+    <dgm:scene3d>
+      <a:camera prst="orthographicFront"/>
+      <a:lightRig rig="threePt" dir="t"/>
+    </dgm:scene3d>
+    <dgm:sp3d/>
+    <dgm:txPr/>
+    <dgm:style>
+      <a:lnRef idx="2">
+        <a:scrgbClr r="0" g="0" b="0"/>
+      </a:lnRef>
+      <a:fillRef idx="1">
+        <a:scrgbClr r="0" g="0" b="0"/>
+      </a:fillRef>
+      <a:effectRef idx="0">
+        <a:scrgbClr r="0" g="0" b="0"/>
+      </a:effectRef>
+      <a:fontRef idx="minor"/>
+    </dgm:style>
+  </dgm:styleLbl>
+  <dgm:styleLbl name="alignImgPlace1">
+    <dgm:scene3d>
+      <a:camera prst="orthographicFront"/>
+      <a:lightRig rig="threePt" dir="t"/>
+    </dgm:scene3d>
+    <dgm:sp3d/>
+    <dgm:txPr/>
+    <dgm:style>
+      <a:lnRef idx="2">
+        <a:scrgbClr r="0" g="0" b="0"/>
+      </a:lnRef>
+      <a:fillRef idx="1">
+        <a:scrgbClr r="0" g="0" b="0"/>
+      </a:fillRef>
+      <a:effectRef idx="0">
+        <a:scrgbClr r="0" g="0" b="0"/>
+      </a:effectRef>
+      <a:fontRef idx="minor"/>
+    </dgm:style>
+  </dgm:styleLbl>
+  <dgm:styleLbl name="bgImgPlace1">
+    <dgm:scene3d>
+      <a:camera prst="orthographicFront"/>
+      <a:lightRig rig="threePt" dir="t"/>
+    </dgm:scene3d>
+    <dgm:sp3d/>
+    <dgm:txPr/>
+    <dgm:style>
+      <a:lnRef idx="2">
+        <a:scrgbClr r="0" g="0" b="0"/>
+      </a:lnRef>
+      <a:fillRef idx="1">
+        <a:scrgbClr r="0" g="0" b="0"/>
+      </a:fillRef>
+      <a:effectRef idx="0">
+        <a:scrgbClr r="0" g="0" b="0"/>
+      </a:effectRef>
+      <a:fontRef idx="minor"/>
+    </dgm:style>
+  </dgm:styleLbl>
+  <dgm:styleLbl name="sibTrans2D1">
+    <dgm:scene3d>
+      <a:camera prst="orthographicFront"/>
+      <a:lightRig rig="threePt" dir="t"/>
+    </dgm:scene3d>
+    <dgm:sp3d/>
+    <dgm:txPr/>
+    <dgm:style>
+      <a:lnRef idx="0">
+        <a:scrgbClr r="0" g="0" b="0"/>
+      </a:lnRef>
+      <a:fillRef idx="1">
+        <a:scrgbClr r="0" g="0" b="0"/>
+      </a:fillRef>
+      <a:effectRef idx="0">
+        <a:scrgbClr r="0" g="0" b="0"/>
+      </a:effectRef>
+      <a:fontRef idx="minor">
+        <a:schemeClr val="lt1"/>
+      </a:fontRef>
+    </dgm:style>
+  </dgm:styleLbl>
+  <dgm:styleLbl name="fgSibTrans2D1">
+    <dgm:scene3d>
+      <a:camera prst="orthographicFront"/>
+      <a:lightRig rig="threePt" dir="t"/>
+    </dgm:scene3d>
+    <dgm:sp3d/>
+    <dgm:txPr/>
+    <dgm:style>
+      <a:lnRef idx="0">
+        <a:scrgbClr r="0" g="0" b="0"/>
+      </a:lnRef>
+      <a:fillRef idx="1">
+        <a:scrgbClr r="0" g="0" b="0"/>
+      </a:fillRef>
+      <a:effectRef idx="0">
+        <a:scrgbClr r="0" g="0" b="0"/>
+      </a:effectRef>
+      <a:fontRef idx="minor">
+        <a:schemeClr val="lt1"/>
+      </a:fontRef>
+    </dgm:style>
+  </dgm:styleLbl>
+  <dgm:styleLbl name="bgSibTrans2D1">
+    <dgm:scene3d>
+      <a:camera prst="orthographicFront"/>
+      <a:lightRig rig="threePt" dir="t"/>
+    </dgm:scene3d>
+    <dgm:sp3d/>
+    <dgm:txPr/>
+    <dgm:style>
+      <a:lnRef idx="0">
+        <a:scrgbClr r="0" g="0" b="0"/>
+      </a:lnRef>
+      <a:fillRef idx="1">
+        <a:scrgbClr r="0" g="0" b="0"/>
+      </a:fillRef>
+      <a:effectRef idx="0">
+        <a:scrgbClr r="0" g="0" b="0"/>
+      </a:effectRef>
+      <a:fontRef idx="minor">
+        <a:schemeClr val="lt1"/>
+      </a:fontRef>
+    </dgm:style>
+  </dgm:styleLbl>
+  <dgm:styleLbl name="sibTrans1D1">
+    <dgm:scene3d>
+      <a:camera prst="orthographicFront"/>
+      <a:lightRig rig="threePt" dir="t"/>
+    </dgm:scene3d>
+    <dgm:sp3d/>
+    <dgm:txPr/>
+    <dgm:style>
+      <a:lnRef idx="1">
+        <a:scrgbClr r="0" g="0" b="0"/>
+      </a:lnRef>
+      <a:fillRef idx="0">
+        <a:scrgbClr r="0" g="0" b="0"/>
+      </a:fillRef>
+      <a:effectRef idx="0">
+        <a:scrgbClr r="0" g="0" b="0"/>
+      </a:effectRef>
+      <a:fontRef idx="minor"/>
+    </dgm:style>
+  </dgm:styleLbl>
+  <dgm:styleLbl name="callout">
+    <dgm:scene3d>
+      <a:camera prst="orthographicFront"/>
+      <a:lightRig rig="threePt" dir="t"/>
+    </dgm:scene3d>
+    <dgm:sp3d/>
+    <dgm:txPr/>
+    <dgm:style>
+      <a:lnRef idx="2">
+        <a:scrgbClr r="0" g="0" b="0"/>
+      </a:lnRef>
+      <a:fillRef idx="1">
+        <a:scrgbClr r="0" g="0" b="0"/>
+      </a:fillRef>
+      <a:effectRef idx="0">
+        <a:scrgbClr r="0" g="0" b="0"/>
+      </a:effectRef>
+      <a:fontRef idx="minor"/>
+    </dgm:style>
+  </dgm:styleLbl>
+  <dgm:styleLbl name="asst0">
+    <dgm:scene3d>
+      <a:camera prst="orthographicFront"/>
+      <a:lightRig rig="threePt" dir="t"/>
+    </dgm:scene3d>
+    <dgm:sp3d/>
+    <dgm:txPr/>
+    <dgm:style>
+      <a:lnRef idx="2">
+        <a:scrgbClr r="0" g="0" b="0"/>
+      </a:lnRef>
+      <a:fillRef idx="1">
+        <a:scrgbClr r="0" g="0" b="0"/>
+      </a:fillRef>
+      <a:effectRef idx="0">
+        <a:scrgbClr r="0" g="0" b="0"/>
+      </a:effectRef>
+      <a:fontRef idx="minor">
+        <a:schemeClr val="lt1"/>
+      </a:fontRef>
+    </dgm:style>
+  </dgm:styleLbl>
+  <dgm:styleLbl name="asst1">
+    <dgm:scene3d>
+      <a:camera prst="orthographicFront"/>
+      <a:lightRig rig="threePt" dir="t"/>
+    </dgm:scene3d>
+    <dgm:sp3d/>
+    <dgm:txPr/>
+    <dgm:style>
+      <a:lnRef idx="2">
+        <a:scrgbClr r="0" g="0" b="0"/>
+      </a:lnRef>
+      <a:fillRef idx="1">
+        <a:scrgbClr r="0" g="0" b="0"/>
+      </a:fillRef>
+      <a:effectRef idx="0">
+        <a:scrgbClr r="0" g="0" b="0"/>
+      </a:effectRef>
+      <a:fontRef idx="minor">
+        <a:schemeClr val="lt1"/>
+      </a:fontRef>
+    </dgm:style>
+  </dgm:styleLbl>
+  <dgm:styleLbl name="asst2">
+    <dgm:scene3d>
+      <a:camera prst="orthographicFront"/>
+      <a:lightRig rig="threePt" dir="t"/>
+    </dgm:scene3d>
+    <dgm:sp3d/>
+    <dgm:txPr/>
+    <dgm:style>
+      <a:lnRef idx="2">
+        <a:scrgbClr r="0" g="0" b="0"/>
+      </a:lnRef>
+      <a:fillRef idx="1">
+        <a:scrgbClr r="0" g="0" b="0"/>
+      </a:fillRef>
+      <a:effectRef idx="0">
+        <a:scrgbClr r="0" g="0" b="0"/>
+      </a:effectRef>
+      <a:fontRef idx="minor">
+        <a:schemeClr val="lt1"/>
+      </a:fontRef>
+    </dgm:style>
+  </dgm:styleLbl>
+  <dgm:styleLbl name="asst3">
+    <dgm:scene3d>
+      <a:camera prst="orthographicFront"/>
+      <a:lightRig rig="threePt" dir="t"/>
+    </dgm:scene3d>
+    <dgm:sp3d/>
+    <dgm:txPr/>
+    <dgm:style>
+      <a:lnRef idx="2">
+        <a:scrgbClr r="0" g="0" b="0"/>
+      </a:lnRef>
+      <a:fillRef idx="1">
+        <a:scrgbClr r="0" g="0" b="0"/>
+      </a:fillRef>
+      <a:effectRef idx="0">
+        <a:scrgbClr r="0" g="0" b="0"/>
+      </a:effectRef>
+      <a:fontRef idx="minor">
+        <a:schemeClr val="lt1"/>
+      </a:fontRef>
+    </dgm:style>
+  </dgm:styleLbl>
+  <dgm:styleLbl name="asst4">
+    <dgm:scene3d>
+      <a:camera prst="orthographicFront"/>
+      <a:lightRig rig="threePt" dir="t"/>
+    </dgm:scene3d>
+    <dgm:sp3d/>
+    <dgm:txPr/>
+    <dgm:style>
+      <a:lnRef idx="2">
+        <a:scrgbClr r="0" g="0" b="0"/>
+      </a:lnRef>
+      <a:fillRef idx="1">
+        <a:scrgbClr r="0" g="0" b="0"/>
+      </a:fillRef>
+      <a:effectRef idx="0">
+        <a:scrgbClr r="0" g="0" b="0"/>
+      </a:effectRef>
+      <a:fontRef idx="minor">
+        <a:schemeClr val="lt1"/>
+      </a:fontRef>
+    </dgm:style>
+  </dgm:styleLbl>
+  <dgm:styleLbl name="parChTrans2D1">
+    <dgm:scene3d>
+      <a:camera prst="orthographicFront"/>
+      <a:lightRig rig="threePt" dir="t"/>
+    </dgm:scene3d>
+    <dgm:sp3d/>
+    <dgm:txPr/>
+    <dgm:style>
+      <a:lnRef idx="2">
+        <a:scrgbClr r="0" g="0" b="0"/>
+      </a:lnRef>
+      <a:fillRef idx="1">
+        <a:scrgbClr r="0" g="0" b="0"/>
+      </a:fillRef>
+      <a:effectRef idx="0">
+        <a:scrgbClr r="0" g="0" b="0"/>
+      </a:effectRef>
+      <a:fontRef idx="minor">
+        <a:schemeClr val="lt1"/>
+      </a:fontRef>
+    </dgm:style>
+  </dgm:styleLbl>
+  <dgm:styleLbl name="parChTrans2D2">
+    <dgm:scene3d>
+      <a:camera prst="orthographicFront"/>
+      <a:lightRig rig="threePt" dir="t"/>
+    </dgm:scene3d>
+    <dgm:sp3d/>
+    <dgm:txPr/>
+    <dgm:style>
+      <a:lnRef idx="2">
+        <a:scrgbClr r="0" g="0" b="0"/>
+      </a:lnRef>
+      <a:fillRef idx="1">
+        <a:scrgbClr r="0" g="0" b="0"/>
+      </a:fillRef>
+      <a:effectRef idx="0">
+        <a:scrgbClr r="0" g="0" b="0"/>
+      </a:effectRef>
+      <a:fontRef idx="minor">
+        <a:schemeClr val="lt1"/>
+      </a:fontRef>
+    </dgm:style>
+  </dgm:styleLbl>
+  <dgm:styleLbl name="parChTrans2D3">
+    <dgm:scene3d>
+      <a:camera prst="orthographicFront"/>
+      <a:lightRig rig="threePt" dir="t"/>
+    </dgm:scene3d>
+    <dgm:sp3d/>
+    <dgm:txPr/>
+    <dgm:style>
+      <a:lnRef idx="2">
+        <a:scrgbClr r="0" g="0" b="0"/>
+      </a:lnRef>
+      <a:fillRef idx="1">
+        <a:scrgbClr r="0" g="0" b="0"/>
+      </a:fillRef>
+      <a:effectRef idx="0">
+        <a:scrgbClr r="0" g="0" b="0"/>
+      </a:effectRef>
+      <a:fontRef idx="minor">
+        <a:schemeClr val="lt1"/>
+      </a:fontRef>
+    </dgm:style>
+  </dgm:styleLbl>
+  <dgm:styleLbl name="parChTrans2D4">
+    <dgm:scene3d>
+      <a:camera prst="orthographicFront"/>
+      <a:lightRig rig="threePt" dir="t"/>
+    </dgm:scene3d>
+    <dgm:sp3d/>
+    <dgm:txPr/>
+    <dgm:style>
+      <a:lnRef idx="2">
+        <a:scrgbClr r="0" g="0" b="0"/>
+      </a:lnRef>
+      <a:fillRef idx="1">
+        <a:scrgbClr r="0" g="0" b="0"/>
+      </a:fillRef>
+      <a:effectRef idx="0">
+        <a:scrgbClr r="0" g="0" b="0"/>
+      </a:effectRef>
+      <a:fontRef idx="minor">
+        <a:schemeClr val="lt1"/>
+      </a:fontRef>
+    </dgm:style>
+  </dgm:styleLbl>
+  <dgm:styleLbl name="parChTrans1D1">
+    <dgm:scene3d>
+      <a:camera prst="orthographicFront"/>
+      <a:lightRig rig="threePt" dir="t"/>
+    </dgm:scene3d>
+    <dgm:sp3d/>
+    <dgm:txPr/>
+    <dgm:style>
+      <a:lnRef idx="2">
+        <a:scrgbClr r="0" g="0" b="0"/>
+      </a:lnRef>
+      <a:fillRef idx="0">
+        <a:scrgbClr r="0" g="0" b="0"/>
+      </a:fillRef>
+      <a:effectRef idx="0">
+        <a:scrgbClr r="0" g="0" b="0"/>
+      </a:effectRef>
+      <a:fontRef idx="minor"/>
+    </dgm:style>
+  </dgm:styleLbl>
+  <dgm:styleLbl name="parChTrans1D2">
+    <dgm:scene3d>
+      <a:camera prst="orthographicFront"/>
+      <a:lightRig rig="threePt" dir="t"/>
+    </dgm:scene3d>
+    <dgm:sp3d/>
+    <dgm:txPr/>
+    <dgm:style>
+      <a:lnRef idx="2">
+        <a:scrgbClr r="0" g="0" b="0"/>
+      </a:lnRef>
+      <a:fillRef idx="0">
+        <a:scrgbClr r="0" g="0" b="0"/>
+      </a:fillRef>
+      <a:effectRef idx="0">
+        <a:scrgbClr r="0" g="0" b="0"/>
+      </a:effectRef>
+      <a:fontRef idx="minor"/>
+    </dgm:style>
+  </dgm:styleLbl>
+  <dgm:styleLbl name="parChTrans1D3">
+    <dgm:scene3d>
+      <a:camera prst="orthographicFront"/>
+      <a:lightRig rig="threePt" dir="t"/>
+    </dgm:scene3d>
+    <dgm:sp3d/>
+    <dgm:txPr/>
+    <dgm:style>
+      <a:lnRef idx="2">
+        <a:scrgbClr r="0" g="0" b="0"/>
+      </a:lnRef>
+      <a:fillRef idx="0">
+        <a:scrgbClr r="0" g="0" b="0"/>
+      </a:fillRef>
+      <a:effectRef idx="0">
+        <a:scrgbClr r="0" g="0" b="0"/>
+      </a:effectRef>
+      <a:fontRef idx="minor"/>
+    </dgm:style>
+  </dgm:styleLbl>
+  <dgm:styleLbl name="parChTrans1D4">
+    <dgm:scene3d>
+      <a:camera prst="orthographicFront"/>
+      <a:lightRig rig="threePt" dir="t"/>
+    </dgm:scene3d>
+    <dgm:sp3d/>
+    <dgm:txPr/>
+    <dgm:style>
+      <a:lnRef idx="2">
+        <a:scrgbClr r="0" g="0" b="0"/>
+      </a:lnRef>
+      <a:fillRef idx="0">
+        <a:scrgbClr r="0" g="0" b="0"/>
+      </a:fillRef>
+      <a:effectRef idx="0">
+        <a:scrgbClr r="0" g="0" b="0"/>
+      </a:effectRef>
+      <a:fontRef idx="minor"/>
+    </dgm:style>
+  </dgm:styleLbl>
+  <dgm:styleLbl name="fgAcc1">
+    <dgm:scene3d>
+      <a:camera prst="orthographicFront"/>
+      <a:lightRig rig="threePt" dir="t"/>
+    </dgm:scene3d>
+    <dgm:sp3d/>
+    <dgm:txPr/>
+    <dgm:style>
+      <a:lnRef idx="2">
+        <a:scrgbClr r="0" g="0" b="0"/>
+      </a:lnRef>
+      <a:fillRef idx="1">
+        <a:scrgbClr r="0" g="0" b="0"/>
+      </a:fillRef>
+      <a:effectRef idx="0">
+        <a:scrgbClr r="0" g="0" b="0"/>
+      </a:effectRef>
+      <a:fontRef idx="minor"/>
+    </dgm:style>
+  </dgm:styleLbl>
+  <dgm:styleLbl name="conFgAcc1">
+    <dgm:scene3d>
+      <a:camera prst="orthographicFront"/>
+      <a:lightRig rig="threePt" dir="t"/>
+    </dgm:scene3d>
+    <dgm:sp3d/>
+    <dgm:txPr/>
+    <dgm:style>
+      <a:lnRef idx="2">
+        <a:scrgbClr r="0" g="0" b="0"/>
+      </a:lnRef>
+      <a:fillRef idx="1">
+        <a:scrgbClr r="0" g="0" b="0"/>
+      </a:fillRef>
+      <a:effectRef idx="0">
+        <a:scrgbClr r="0" g="0" b="0"/>
+      </a:effectRef>
+      <a:fontRef idx="minor"/>
+    </dgm:style>
+  </dgm:styleLbl>
+  <dgm:styleLbl name="alignAcc1">
+    <dgm:scene3d>
+      <a:camera prst="orthographicFront"/>
+      <a:lightRig rig="threePt" dir="t"/>
+    </dgm:scene3d>
+    <dgm:sp3d/>
+    <dgm:txPr/>
+    <dgm:style>
+      <a:lnRef idx="2">
+        <a:scrgbClr r="0" g="0" b="0"/>
+      </a:lnRef>
+      <a:fillRef idx="1">
+        <a:scrgbClr r="0" g="0" b="0"/>
+      </a:fillRef>
+      <a:effectRef idx="0">
+        <a:scrgbClr r="0" g="0" b="0"/>
+      </a:effectRef>
+      <a:fontRef idx="minor"/>
+    </dgm:style>
+  </dgm:styleLbl>
+  <dgm:styleLbl name="trAlignAcc1">
+    <dgm:scene3d>
+      <a:camera prst="orthographicFront"/>
+      <a:lightRig rig="threePt" dir="t"/>
+    </dgm:scene3d>
+    <dgm:sp3d/>
+    <dgm:txPr/>
+    <dgm:style>
+      <a:lnRef idx="1">
+        <a:scrgbClr r="0" g="0" b="0"/>
+      </a:lnRef>
+      <a:fillRef idx="1">
+        <a:scrgbClr r="0" g="0" b="0"/>
+      </a:fillRef>
+      <a:effectRef idx="0">
+        <a:scrgbClr r="0" g="0" b="0"/>
+      </a:effectRef>
+      <a:fontRef idx="minor"/>
+    </dgm:style>
+  </dgm:styleLbl>
+  <dgm:styleLbl name="bgAcc1">
+    <dgm:scene3d>
+      <a:camera prst="orthographicFront"/>
+      <a:lightRig rig="threePt" dir="t"/>
+    </dgm:scene3d>
+    <dgm:sp3d/>
+    <dgm:txPr/>
+    <dgm:style>
+      <a:lnRef idx="2">
+        <a:scrgbClr r="0" g="0" b="0"/>
+      </a:lnRef>
+      <a:fillRef idx="1">
+        <a:scrgbClr r="0" g="0" b="0"/>
+      </a:fillRef>
+      <a:effectRef idx="0">
+        <a:scrgbClr r="0" g="0" b="0"/>
+      </a:effectRef>
+      <a:fontRef idx="minor"/>
+    </dgm:style>
+  </dgm:styleLbl>
+  <dgm:styleLbl name="solidFgAcc1">
+    <dgm:scene3d>
+      <a:camera prst="orthographicFront"/>
+      <a:lightRig rig="threePt" dir="t"/>
+    </dgm:scene3d>
+    <dgm:sp3d/>
+    <dgm:txPr/>
+    <dgm:style>
+      <a:lnRef idx="2">
+        <a:scrgbClr r="0" g="0" b="0"/>
+      </a:lnRef>
+      <a:fillRef idx="1">
+        <a:scrgbClr r="0" g="0" b="0"/>
+      </a:fillRef>
+      <a:effectRef idx="0">
+        <a:scrgbClr r="0" g="0" b="0"/>
+      </a:effectRef>
+      <a:fontRef idx="minor"/>
+    </dgm:style>
+  </dgm:styleLbl>
+  <dgm:styleLbl name="solidAlignAcc1">
+    <dgm:scene3d>
+      <a:camera prst="orthographicFront"/>
+      <a:lightRig rig="threePt" dir="t"/>
+    </dgm:scene3d>
+    <dgm:sp3d/>
+    <dgm:txPr/>
+    <dgm:style>
+      <a:lnRef idx="2">
+        <a:scrgbClr r="0" g="0" b="0"/>
+      </a:lnRef>
+      <a:fillRef idx="1">
+        <a:scrgbClr r="0" g="0" b="0"/>
+      </a:fillRef>
+      <a:effectRef idx="0">
+        <a:scrgbClr r="0" g="0" b="0"/>
+      </a:effectRef>
+      <a:fontRef idx="minor"/>
+    </dgm:style>
+  </dgm:styleLbl>
+  <dgm:styleLbl name="solidBgAcc1">
+    <dgm:scene3d>
+      <a:camera prst="orthographicFront"/>
+      <a:lightRig rig="threePt" dir="t"/>
+    </dgm:scene3d>
+    <dgm:sp3d/>
+    <dgm:txPr/>
+    <dgm:style>
+      <a:lnRef idx="2">
+        <a:scrgbClr r="0" g="0" b="0"/>
+      </a:lnRef>
+      <a:fillRef idx="1">
+        <a:scrgbClr r="0" g="0" b="0"/>
+      </a:fillRef>
+      <a:effectRef idx="0">
+        <a:scrgbClr r="0" g="0" b="0"/>
+      </a:effectRef>
+      <a:fontRef idx="minor"/>
+    </dgm:style>
+  </dgm:styleLbl>
+  <dgm:styleLbl name="fgAccFollowNode1">
+    <dgm:scene3d>
+      <a:camera prst="orthographicFront"/>
+      <a:lightRig rig="threePt" dir="t"/>
+    </dgm:scene3d>
+    <dgm:sp3d/>
+    <dgm:txPr/>
+    <dgm:style>
+      <a:lnRef idx="2">
+        <a:scrgbClr r="0" g="0" b="0"/>
+      </a:lnRef>
+      <a:fillRef idx="1">
+        <a:scrgbClr r="0" g="0" b="0"/>
+      </a:fillRef>
+      <a:effectRef idx="0">
+        <a:scrgbClr r="0" g="0" b="0"/>
+      </a:effectRef>
+      <a:fontRef idx="minor"/>
+    </dgm:style>
+  </dgm:styleLbl>
+  <dgm:styleLbl name="alignAccFollowNode1">
+    <dgm:scene3d>
+      <a:camera prst="orthographicFront"/>
+      <a:lightRig rig="threePt" dir="t"/>
+    </dgm:scene3d>
+    <dgm:sp3d/>
+    <dgm:txPr/>
+    <dgm:style>
+      <a:lnRef idx="2">
+        <a:scrgbClr r="0" g="0" b="0"/>
+      </a:lnRef>
+      <a:fillRef idx="1">
+        <a:scrgbClr r="0" g="0" b="0"/>
+      </a:fillRef>
+      <a:effectRef idx="0">
+        <a:scrgbClr r="0" g="0" b="0"/>
+      </a:effectRef>
+      <a:fontRef idx="minor"/>
+    </dgm:style>
+  </dgm:styleLbl>
+  <dgm:styleLbl name="bgAccFollowNode1">
+    <dgm:scene3d>
+      <a:camera prst="orthographicFront"/>
+      <a:lightRig rig="threePt" dir="t"/>
+    </dgm:scene3d>
+    <dgm:sp3d/>
+    <dgm:txPr/>
+    <dgm:style>
+      <a:lnRef idx="2">
+        <a:scrgbClr r="0" g="0" b="0"/>
+      </a:lnRef>
+      <a:fillRef idx="1">
+        <a:scrgbClr r="0" g="0" b="0"/>
+      </a:fillRef>
+      <a:effectRef idx="0">
+        <a:scrgbClr r="0" g="0" b="0"/>
+      </a:effectRef>
+      <a:fontRef idx="minor"/>
+    </dgm:style>
+  </dgm:styleLbl>
+  <dgm:styleLbl name="fgAcc0">
+    <dgm:scene3d>
+      <a:camera prst="orthographicFront"/>
+      <a:lightRig rig="threePt" dir="t"/>
+    </dgm:scene3d>
+    <dgm:sp3d/>
+    <dgm:txPr/>
+    <dgm:style>
+      <a:lnRef idx="2">
+        <a:scrgbClr r="0" g="0" b="0"/>
+      </a:lnRef>
+      <a:fillRef idx="1">
+        <a:scrgbClr r="0" g="0" b="0"/>
+      </a:fillRef>
+      <a:effectRef idx="0">
+        <a:scrgbClr r="0" g="0" b="0"/>
+      </a:effectRef>
+      <a:fontRef idx="minor"/>
+    </dgm:style>
+  </dgm:styleLbl>
+  <dgm:styleLbl name="fgAcc2">
+    <dgm:scene3d>
+      <a:camera prst="orthographicFront"/>
+      <a:lightRig rig="threePt" dir="t"/>
+    </dgm:scene3d>
+    <dgm:sp3d/>
+    <dgm:txPr/>
+    <dgm:style>
+      <a:lnRef idx="2">
+        <a:scrgbClr r="0" g="0" b="0"/>
+      </a:lnRef>
+      <a:fillRef idx="1">
+        <a:scrgbClr r="0" g="0" b="0"/>
+      </a:fillRef>
+      <a:effectRef idx="0">
+        <a:scrgbClr r="0" g="0" b="0"/>
+      </a:effectRef>
+      <a:fontRef idx="minor"/>
+    </dgm:style>
+  </dgm:styleLbl>
+  <dgm:styleLbl name="fgAcc3">
+    <dgm:scene3d>
+      <a:camera prst="orthographicFront"/>
+      <a:lightRig rig="threePt" dir="t"/>
+    </dgm:scene3d>
+    <dgm:sp3d/>
+    <dgm:txPr/>
+    <dgm:style>
+      <a:lnRef idx="2">
+        <a:scrgbClr r="0" g="0" b="0"/>
+      </a:lnRef>
+      <a:fillRef idx="1">
+        <a:scrgbClr r="0" g="0" b="0"/>
+      </a:fillRef>
+      <a:effectRef idx="0">
+        <a:scrgbClr r="0" g="0" b="0"/>
+      </a:effectRef>
+      <a:fontRef idx="minor"/>
+    </dgm:style>
+  </dgm:styleLbl>
+  <dgm:styleLbl name="fgAcc4">
+    <dgm:scene3d>
+      <a:camera prst="orthographicFront"/>
+      <a:lightRig rig="threePt" dir="t"/>
+    </dgm:scene3d>
+    <dgm:sp3d/>
+    <dgm:txPr/>
+    <dgm:style>
+      <a:lnRef idx="2">
+        <a:scrgbClr r="0" g="0" b="0"/>
+      </a:lnRef>
+      <a:fillRef idx="1">
+        <a:scrgbClr r="0" g="0" b="0"/>
+      </a:fillRef>
+      <a:effectRef idx="0">
+        <a:scrgbClr r="0" g="0" b="0"/>
+      </a:effectRef>
+      <a:fontRef idx="minor"/>
+    </dgm:style>
+  </dgm:styleLbl>
+  <dgm:styleLbl name="bgShp">
+    <dgm:scene3d>
+      <a:camera prst="orthographicFront"/>
+      <a:lightRig rig="threePt" dir="t"/>
+    </dgm:scene3d>
+    <dgm:sp3d/>
+    <dgm:txPr/>
+    <dgm:style>
+      <a:lnRef idx="0">
+        <a:scrgbClr r="0" g="0" b="0"/>
+      </a:lnRef>
+      <a:fillRef idx="1">
+        <a:scrgbClr r="0" g="0" b="0"/>
+      </a:fillRef>
+      <a:effectRef idx="0">
+        <a:scrgbClr r="0" g="0" b="0"/>
+      </a:effectRef>
+      <a:fontRef idx="minor"/>
+    </dgm:style>
+  </dgm:styleLbl>
+  <dgm:styleLbl name="dkBgShp">
+    <dgm:scene3d>
+      <a:camera prst="orthographicFront"/>
+      <a:lightRig rig="threePt" dir="t"/>
+    </dgm:scene3d>
+    <dgm:sp3d/>
+    <dgm:txPr/>
+    <dgm:style>
+      <a:lnRef idx="0">
+        <a:scrgbClr r="0" g="0" b="0"/>
+      </a:lnRef>
+      <a:fillRef idx="1">
+        <a:scrgbClr r="0" g="0" b="0"/>
+      </a:fillRef>
+      <a:effectRef idx="0">
+        <a:scrgbClr r="0" g="0" b="0"/>
+      </a:effectRef>
+      <a:fontRef idx="minor"/>
+    </dgm:style>
+  </dgm:styleLbl>
+  <dgm:styleLbl name="trBgShp">
+    <dgm:scene3d>
+      <a:camera prst="orthographicFront"/>
+      <a:lightRig rig="threePt" dir="t"/>
+    </dgm:scene3d>
+    <dgm:sp3d/>
+    <dgm:txPr/>
+    <dgm:style>
+      <a:lnRef idx="0">
+        <a:scrgbClr r="0" g="0" b="0"/>
+      </a:lnRef>
+      <a:fillRef idx="1">
+        <a:scrgbClr r="0" g="0" b="0"/>
+      </a:fillRef>
+      <a:effectRef idx="0">
+        <a:scrgbClr r="0" g="0" b="0"/>
+      </a:effectRef>
+      <a:fontRef idx="minor"/>
+    </dgm:style>
+  </dgm:styleLbl>
+  <dgm:styleLbl name="fgShp">
+    <dgm:scene3d>
+      <a:camera prst="orthographicFront"/>
+      <a:lightRig rig="threePt" dir="t"/>
+    </dgm:scene3d>
+    <dgm:sp3d/>
+    <dgm:txPr/>
+    <dgm:style>
+      <a:lnRef idx="2">
+        <a:scrgbClr r="0" g="0" b="0"/>
+      </a:lnRef>
+      <a:fillRef idx="1">
+        <a:scrgbClr r="0" g="0" b="0"/>
+      </a:fillRef>
+      <a:effectRef idx="0">
+        <a:scrgbClr r="0" g="0" b="0"/>
+      </a:effectRef>
+      <a:fontRef idx="minor"/>
+    </dgm:style>
+  </dgm:styleLbl>
+  <dgm:styleLbl name="revTx">
+    <dgm:scene3d>
+      <a:camera prst="orthographicFront"/>
+      <a:lightRig rig="threePt" dir="t"/>
+    </dgm:scene3d>
+    <dgm:sp3d/>
+    <dgm:txPr/>
+    <dgm:style>
+      <a:lnRef idx="0">
+        <a:scrgbClr r="0" g="0" b="0"/>
+      </a:lnRef>
+      <a:fillRef idx="0">
+        <a:scrgbClr r="0" g="0" b="0"/>
+      </a:fillRef>
+      <a:effectRef idx="0">
+        <a:scrgbClr r="0" g="0" b="0"/>
+      </a:effectRef>
+      <a:fontRef idx="minor"/>
+    </dgm:style>
+  </dgm:styleLbl>
+</dgm:styleDef>
 </file>
 
 <file path=ppt/slideLayouts/slideLayout1.xml><?xml version="1.0" encoding="utf-8"?>
@@ -3658,8 +7084,8 @@
         </p:nvSpPr>
         <p:spPr>
           <a:xfrm>
-            <a:off x="699713" y="248038"/>
-            <a:ext cx="10756166" cy="1159200"/>
+            <a:off x="205046" y="164682"/>
+            <a:ext cx="10756166" cy="1200228"/>
           </a:xfrm>
         </p:spPr>
         <p:txBody>
@@ -3820,10 +7246,10 @@
       </p:sp>
       <p:pic>
         <p:nvPicPr>
-          <p:cNvPr id="5" name="Resim 4">
-            <a:extLst>
-              <a:ext uri="{FF2B5EF4-FFF2-40B4-BE49-F238E27FC236}">
-                <a16:creationId xmlns:a16="http://schemas.microsoft.com/office/drawing/2014/main" id="{46B4CAC4-2E37-4C83-FA3A-35B8552CBDF1}"/>
+          <p:cNvPr id="10" name="Resim 9">
+            <a:extLst>
+              <a:ext uri="{FF2B5EF4-FFF2-40B4-BE49-F238E27FC236}">
+                <a16:creationId xmlns:a16="http://schemas.microsoft.com/office/drawing/2014/main" id="{32526E6F-A4E5-6D3D-5ECF-0FFAD2237A94}"/>
               </a:ext>
             </a:extLst>
           </p:cNvPr>
@@ -3840,651 +7266,561 @@
         </p:blipFill>
         <p:spPr>
           <a:xfrm>
-            <a:off x="2207649" y="1966293"/>
-            <a:ext cx="7776700" cy="4452160"/>
+            <a:off x="9343713" y="164682"/>
+            <a:ext cx="2684822" cy="990827"/>
           </a:xfrm>
           <a:prstGeom prst="rect">
             <a:avLst/>
           </a:prstGeom>
         </p:spPr>
       </p:pic>
-      <p:sp>
-        <p:nvSpPr>
-          <p:cNvPr id="6" name="Ok: Aşağı 5">
-            <a:extLst>
-              <a:ext uri="{FF2B5EF4-FFF2-40B4-BE49-F238E27FC236}">
-                <a16:creationId xmlns:a16="http://schemas.microsoft.com/office/drawing/2014/main" id="{8A414B74-44CA-ABEC-7A78-C59A2DFA908E}"/>
-              </a:ext>
-            </a:extLst>
-          </p:cNvPr>
-          <p:cNvSpPr/>
+      <p:grpSp>
+        <p:nvGrpSpPr>
+          <p:cNvPr id="53" name="Grup 52">
+            <a:extLst>
+              <a:ext uri="{FF2B5EF4-FFF2-40B4-BE49-F238E27FC236}">
+                <a16:creationId xmlns:a16="http://schemas.microsoft.com/office/drawing/2014/main" id="{6D0A2391-88F4-A015-F9E2-4B2B90937A1E}"/>
+              </a:ext>
+            </a:extLst>
+          </p:cNvPr>
+          <p:cNvGrpSpPr/>
           <p:nvPr/>
-        </p:nvSpPr>
-        <p:spPr>
-          <a:xfrm rot="10800000">
-            <a:off x="6308785" y="5975880"/>
-            <a:ext cx="155276" cy="282497"/>
+        </p:nvGrpSpPr>
+        <p:grpSpPr>
+          <a:xfrm>
+            <a:off x="95005" y="3113507"/>
+            <a:ext cx="3855893" cy="1569660"/>
+            <a:chOff x="95005" y="1942165"/>
+            <a:chExt cx="3664185" cy="1569660"/>
           </a:xfrm>
-          <a:prstGeom prst="downArrow">
-            <a:avLst/>
-          </a:prstGeom>
-          <a:solidFill>
-            <a:schemeClr val="accent1"/>
-          </a:solidFill>
-        </p:spPr>
-        <p:style>
-          <a:lnRef idx="2">
-            <a:schemeClr val="accent1">
-              <a:shade val="15000"/>
-            </a:schemeClr>
-          </a:lnRef>
-          <a:fillRef idx="1">
-            <a:schemeClr val="accent1"/>
-          </a:fillRef>
-          <a:effectRef idx="0">
-            <a:schemeClr val="accent1"/>
-          </a:effectRef>
-          <a:fontRef idx="minor">
-            <a:schemeClr val="lt1"/>
-          </a:fontRef>
-        </p:style>
-        <p:txBody>
-          <a:bodyPr rtlCol="0" anchor="ctr"/>
-          <a:lstStyle/>
-          <a:p>
-            <a:pPr algn="ctr"/>
-            <a:endParaRPr lang="tr-TR"/>
-          </a:p>
-        </p:txBody>
-      </p:sp>
-      <p:sp>
-        <p:nvSpPr>
-          <p:cNvPr id="7" name="Ok: Aşağı 6">
-            <a:extLst>
-              <a:ext uri="{FF2B5EF4-FFF2-40B4-BE49-F238E27FC236}">
-                <a16:creationId xmlns:a16="http://schemas.microsoft.com/office/drawing/2014/main" id="{977C3D4B-FC71-BAE5-9D14-201E7BF273F3}"/>
-              </a:ext>
-            </a:extLst>
-          </p:cNvPr>
-          <p:cNvSpPr/>
+        </p:grpSpPr>
+        <p:sp>
+          <p:nvSpPr>
+            <p:cNvPr id="49" name="Metin kutusu 48">
+              <a:extLst>
+                <a:ext uri="{FF2B5EF4-FFF2-40B4-BE49-F238E27FC236}">
+                  <a16:creationId xmlns:a16="http://schemas.microsoft.com/office/drawing/2014/main" id="{EC52E6F4-FA46-4967-B7E1-CB778B18BC66}"/>
+                </a:ext>
+              </a:extLst>
+            </p:cNvPr>
+            <p:cNvSpPr txBox="1"/>
+            <p:nvPr/>
+          </p:nvSpPr>
+          <p:spPr>
+            <a:xfrm>
+              <a:off x="95005" y="1942165"/>
+              <a:ext cx="3664185" cy="1569660"/>
+            </a:xfrm>
+            <a:prstGeom prst="rect">
+              <a:avLst/>
+            </a:prstGeom>
+            <a:noFill/>
+          </p:spPr>
+          <p:txBody>
+            <a:bodyPr wrap="square" rtlCol="0">
+              <a:spAutoFit/>
+            </a:bodyPr>
+            <a:lstStyle/>
+            <a:p>
+              <a:r>
+                <a:rPr lang="tr-TR" sz="1200" b="1" dirty="0" err="1"/>
+                <a:t>Downtrend</a:t>
+              </a:r>
+              <a:r>
+                <a:rPr lang="tr-TR" sz="1200" b="1" dirty="0"/>
+                <a:t>	           	</a:t>
+              </a:r>
+              <a:r>
+                <a:rPr lang="tr-TR" sz="1200" b="1" dirty="0" err="1"/>
+                <a:t>Uptrend</a:t>
+              </a:r>
+              <a:endParaRPr lang="tr-TR" sz="1200" b="1" dirty="0"/>
+            </a:p>
+            <a:p>
+              <a:endParaRPr lang="tr-TR" sz="1200" dirty="0"/>
+            </a:p>
+            <a:p>
+              <a:r>
+                <a:rPr lang="tr-TR" sz="1200" dirty="0"/>
+                <a:t>PREV DOWNTREND		</a:t>
+              </a:r>
+            </a:p>
+            <a:p>
+              <a:r>
+                <a:rPr lang="tr-TR" sz="1200" dirty="0"/>
+                <a:t>23.08.2021 – 21.09.2022 	21.09.2021 – 16.12.2021 (I)</a:t>
+              </a:r>
+            </a:p>
+            <a:p>
+              <a:r>
+                <a:rPr lang="tr-TR" sz="1200" dirty="0"/>
+                <a:t>16.12.2021 – 24.02.2022 	24.02.2022 – 07.06.2022 (II)</a:t>
+              </a:r>
+            </a:p>
+            <a:p>
+              <a:r>
+                <a:rPr lang="tr-TR" sz="1200" dirty="0"/>
+                <a:t>07.06.2022 – 16.08.2022	16.08.2022 – 27.12.2022 (III)</a:t>
+              </a:r>
+            </a:p>
+            <a:p>
+              <a:r>
+                <a:rPr lang="tr-TR" sz="1200" dirty="0"/>
+                <a:t>27.12.2022 – 09.05.2023	09.05.2023 – 11.09.2023 (IV)</a:t>
+              </a:r>
+            </a:p>
+            <a:p>
+              <a:r>
+                <a:rPr lang="tr-TR" sz="1200" dirty="0"/>
+                <a:t>11.09.2023 – 26.11.2023 	NEXT UPTREND</a:t>
+              </a:r>
+            </a:p>
+          </p:txBody>
+        </p:sp>
+        <p:sp>
+          <p:nvSpPr>
+            <p:cNvPr id="50" name="Ok: Aşağı 49">
+              <a:extLst>
+                <a:ext uri="{FF2B5EF4-FFF2-40B4-BE49-F238E27FC236}">
+                  <a16:creationId xmlns:a16="http://schemas.microsoft.com/office/drawing/2014/main" id="{5C63512D-03EF-009E-D95F-5539EAB11875}"/>
+                </a:ext>
+              </a:extLst>
+            </p:cNvPr>
+            <p:cNvSpPr/>
+            <p:nvPr/>
+          </p:nvSpPr>
+          <p:spPr>
+            <a:xfrm>
+              <a:off x="966929" y="1942165"/>
+              <a:ext cx="155276" cy="282497"/>
+            </a:xfrm>
+            <a:prstGeom prst="downArrow">
+              <a:avLst/>
+            </a:prstGeom>
+            <a:solidFill>
+              <a:srgbClr val="FF0000"/>
+            </a:solidFill>
+          </p:spPr>
+          <p:style>
+            <a:lnRef idx="2">
+              <a:schemeClr val="accent1">
+                <a:shade val="15000"/>
+              </a:schemeClr>
+            </a:lnRef>
+            <a:fillRef idx="1">
+              <a:schemeClr val="accent1"/>
+            </a:fillRef>
+            <a:effectRef idx="0">
+              <a:schemeClr val="accent1"/>
+            </a:effectRef>
+            <a:fontRef idx="minor">
+              <a:schemeClr val="lt1"/>
+            </a:fontRef>
+          </p:style>
+          <p:txBody>
+            <a:bodyPr rtlCol="0" anchor="ctr"/>
+            <a:lstStyle/>
+            <a:p>
+              <a:pPr algn="ctr"/>
+              <a:endParaRPr lang="tr-TR"/>
+            </a:p>
+          </p:txBody>
+        </p:sp>
+        <p:sp>
+          <p:nvSpPr>
+            <p:cNvPr id="51" name="Ok: Aşağı 50">
+              <a:extLst>
+                <a:ext uri="{FF2B5EF4-FFF2-40B4-BE49-F238E27FC236}">
+                  <a16:creationId xmlns:a16="http://schemas.microsoft.com/office/drawing/2014/main" id="{A7E286C3-BF39-7F9B-2EED-90976010DFD7}"/>
+                </a:ext>
+              </a:extLst>
+            </p:cNvPr>
+            <p:cNvSpPr/>
+            <p:nvPr/>
+          </p:nvSpPr>
+          <p:spPr>
+            <a:xfrm rot="10800000">
+              <a:off x="2623303" y="1942165"/>
+              <a:ext cx="155276" cy="282497"/>
+            </a:xfrm>
+            <a:prstGeom prst="downArrow">
+              <a:avLst/>
+            </a:prstGeom>
+            <a:solidFill>
+              <a:srgbClr val="0070C0"/>
+            </a:solidFill>
+          </p:spPr>
+          <p:style>
+            <a:lnRef idx="2">
+              <a:schemeClr val="accent1">
+                <a:shade val="15000"/>
+              </a:schemeClr>
+            </a:lnRef>
+            <a:fillRef idx="1">
+              <a:schemeClr val="accent1"/>
+            </a:fillRef>
+            <a:effectRef idx="0">
+              <a:schemeClr val="accent1"/>
+            </a:effectRef>
+            <a:fontRef idx="minor">
+              <a:schemeClr val="lt1"/>
+            </a:fontRef>
+          </p:style>
+          <p:txBody>
+            <a:bodyPr rtlCol="0" anchor="ctr"/>
+            <a:lstStyle/>
+            <a:p>
+              <a:pPr algn="ctr"/>
+              <a:endParaRPr lang="tr-TR"/>
+            </a:p>
+          </p:txBody>
+        </p:sp>
+      </p:grpSp>
+      <p:grpSp>
+        <p:nvGrpSpPr>
+          <p:cNvPr id="52" name="Grup 51">
+            <a:extLst>
+              <a:ext uri="{FF2B5EF4-FFF2-40B4-BE49-F238E27FC236}">
+                <a16:creationId xmlns:a16="http://schemas.microsoft.com/office/drawing/2014/main" id="{9C87116A-3508-734E-8085-C3EF8BC06114}"/>
+              </a:ext>
+            </a:extLst>
+          </p:cNvPr>
+          <p:cNvGrpSpPr/>
           <p:nvPr/>
-        </p:nvSpPr>
-        <p:spPr>
+        </p:nvGrpSpPr>
+        <p:grpSpPr>
           <a:xfrm>
-            <a:off x="6593457" y="2740975"/>
-            <a:ext cx="155276" cy="282497"/>
+            <a:off x="3854195" y="1705360"/>
+            <a:ext cx="8006353" cy="4884690"/>
+            <a:chOff x="3759190" y="1942165"/>
+            <a:chExt cx="7177169" cy="4206229"/>
           </a:xfrm>
-          <a:prstGeom prst="downArrow">
-            <a:avLst/>
-          </a:prstGeom>
-          <a:solidFill>
-            <a:srgbClr val="FF0000"/>
-          </a:solidFill>
-        </p:spPr>
-        <p:style>
-          <a:lnRef idx="2">
-            <a:schemeClr val="accent1">
-              <a:shade val="15000"/>
-            </a:schemeClr>
-          </a:lnRef>
-          <a:fillRef idx="1">
-            <a:schemeClr val="accent1"/>
-          </a:fillRef>
-          <a:effectRef idx="0">
-            <a:schemeClr val="accent1"/>
-          </a:effectRef>
-          <a:fontRef idx="minor">
-            <a:schemeClr val="lt1"/>
-          </a:fontRef>
-        </p:style>
-        <p:txBody>
-          <a:bodyPr rtlCol="0" anchor="ctr"/>
-          <a:lstStyle/>
-          <a:p>
-            <a:pPr algn="ctr"/>
-            <a:endParaRPr lang="tr-TR"/>
-          </a:p>
-        </p:txBody>
-      </p:sp>
-      <p:sp>
-        <p:nvSpPr>
-          <p:cNvPr id="8" name="Ok: Aşağı 7">
-            <a:extLst>
-              <a:ext uri="{FF2B5EF4-FFF2-40B4-BE49-F238E27FC236}">
-                <a16:creationId xmlns:a16="http://schemas.microsoft.com/office/drawing/2014/main" id="{34B54469-F9DF-3299-103F-181C51A074D8}"/>
-              </a:ext>
-            </a:extLst>
-          </p:cNvPr>
-          <p:cNvSpPr/>
-          <p:nvPr/>
-        </p:nvSpPr>
-        <p:spPr>
-          <a:xfrm rot="10800000">
-            <a:off x="7599872" y="4730801"/>
-            <a:ext cx="155276" cy="282497"/>
-          </a:xfrm>
-          <a:prstGeom prst="downArrow">
-            <a:avLst/>
-          </a:prstGeom>
-          <a:solidFill>
-            <a:schemeClr val="accent1"/>
-          </a:solidFill>
-        </p:spPr>
-        <p:style>
-          <a:lnRef idx="2">
-            <a:schemeClr val="accent1">
-              <a:shade val="15000"/>
-            </a:schemeClr>
-          </a:lnRef>
-          <a:fillRef idx="1">
-            <a:schemeClr val="accent1"/>
-          </a:fillRef>
-          <a:effectRef idx="0">
-            <a:schemeClr val="accent1"/>
-          </a:effectRef>
-          <a:fontRef idx="minor">
-            <a:schemeClr val="lt1"/>
-          </a:fontRef>
-        </p:style>
-        <p:txBody>
-          <a:bodyPr rtlCol="0" anchor="ctr"/>
-          <a:lstStyle/>
-          <a:p>
-            <a:pPr algn="ctr"/>
-            <a:endParaRPr lang="tr-TR"/>
-          </a:p>
-        </p:txBody>
-      </p:sp>
-      <p:sp>
-        <p:nvSpPr>
-          <p:cNvPr id="9" name="Ok: Aşağı 8">
-            <a:extLst>
-              <a:ext uri="{FF2B5EF4-FFF2-40B4-BE49-F238E27FC236}">
-                <a16:creationId xmlns:a16="http://schemas.microsoft.com/office/drawing/2014/main" id="{965547FB-6F74-9F90-154A-3F68CB716567}"/>
-              </a:ext>
-            </a:extLst>
-          </p:cNvPr>
-          <p:cNvSpPr/>
-          <p:nvPr/>
-        </p:nvSpPr>
-        <p:spPr>
-          <a:xfrm rot="10800000">
-            <a:off x="4132053" y="5515804"/>
-            <a:ext cx="155276" cy="282497"/>
-          </a:xfrm>
-          <a:prstGeom prst="downArrow">
-            <a:avLst/>
-          </a:prstGeom>
-          <a:solidFill>
-            <a:schemeClr val="accent1"/>
-          </a:solidFill>
-        </p:spPr>
-        <p:style>
-          <a:lnRef idx="2">
-            <a:schemeClr val="accent1">
-              <a:shade val="15000"/>
-            </a:schemeClr>
-          </a:lnRef>
-          <a:fillRef idx="1">
-            <a:schemeClr val="accent1"/>
-          </a:fillRef>
-          <a:effectRef idx="0">
-            <a:schemeClr val="accent1"/>
-          </a:effectRef>
-          <a:fontRef idx="minor">
-            <a:schemeClr val="lt1"/>
-          </a:fontRef>
-        </p:style>
-        <p:txBody>
-          <a:bodyPr rtlCol="0" anchor="ctr"/>
-          <a:lstStyle/>
-          <a:p>
-            <a:pPr algn="ctr"/>
-            <a:endParaRPr lang="tr-TR"/>
-          </a:p>
-        </p:txBody>
-      </p:sp>
-      <p:sp>
-        <p:nvSpPr>
-          <p:cNvPr id="11" name="Ok: Aşağı 10">
-            <a:extLst>
-              <a:ext uri="{FF2B5EF4-FFF2-40B4-BE49-F238E27FC236}">
-                <a16:creationId xmlns:a16="http://schemas.microsoft.com/office/drawing/2014/main" id="{78049C00-4287-BF08-8CCB-1BBED1BF7D82}"/>
-              </a:ext>
-            </a:extLst>
-          </p:cNvPr>
-          <p:cNvSpPr/>
-          <p:nvPr/>
-        </p:nvSpPr>
-        <p:spPr>
-          <a:xfrm rot="10800000">
-            <a:off x="5072332" y="5300144"/>
-            <a:ext cx="155276" cy="282497"/>
-          </a:xfrm>
-          <a:prstGeom prst="downArrow">
-            <a:avLst/>
-          </a:prstGeom>
-          <a:solidFill>
-            <a:schemeClr val="accent1"/>
-          </a:solidFill>
-        </p:spPr>
-        <p:style>
-          <a:lnRef idx="2">
-            <a:schemeClr val="accent1">
-              <a:shade val="15000"/>
-            </a:schemeClr>
-          </a:lnRef>
-          <a:fillRef idx="1">
-            <a:schemeClr val="accent1"/>
-          </a:fillRef>
-          <a:effectRef idx="0">
-            <a:schemeClr val="accent1"/>
-          </a:effectRef>
-          <a:fontRef idx="minor">
-            <a:schemeClr val="lt1"/>
-          </a:fontRef>
-        </p:style>
-        <p:txBody>
-          <a:bodyPr rtlCol="0" anchor="ctr"/>
-          <a:lstStyle/>
-          <a:p>
-            <a:pPr algn="ctr"/>
-            <a:endParaRPr lang="tr-TR"/>
-          </a:p>
-        </p:txBody>
-      </p:sp>
-      <p:sp>
-        <p:nvSpPr>
-          <p:cNvPr id="13" name="Ok: Aşağı 12">
-            <a:extLst>
-              <a:ext uri="{FF2B5EF4-FFF2-40B4-BE49-F238E27FC236}">
-                <a16:creationId xmlns:a16="http://schemas.microsoft.com/office/drawing/2014/main" id="{60E57A18-AAB3-FFCA-476B-ACBA470D5507}"/>
-              </a:ext>
-            </a:extLst>
-          </p:cNvPr>
-          <p:cNvSpPr/>
-          <p:nvPr/>
-        </p:nvSpPr>
-        <p:spPr>
-          <a:xfrm rot="10800000">
-            <a:off x="2849948" y="5595495"/>
-            <a:ext cx="155276" cy="282497"/>
-          </a:xfrm>
-          <a:prstGeom prst="downArrow">
-            <a:avLst/>
-          </a:prstGeom>
-          <a:solidFill>
-            <a:schemeClr val="accent1"/>
-          </a:solidFill>
-        </p:spPr>
-        <p:style>
-          <a:lnRef idx="2">
-            <a:schemeClr val="accent1">
-              <a:shade val="15000"/>
-            </a:schemeClr>
-          </a:lnRef>
-          <a:fillRef idx="1">
-            <a:schemeClr val="accent1"/>
-          </a:fillRef>
-          <a:effectRef idx="0">
-            <a:schemeClr val="accent1"/>
-          </a:effectRef>
-          <a:fontRef idx="minor">
-            <a:schemeClr val="lt1"/>
-          </a:fontRef>
-        </p:style>
-        <p:txBody>
-          <a:bodyPr rtlCol="0" anchor="ctr"/>
-          <a:lstStyle/>
-          <a:p>
-            <a:pPr algn="ctr"/>
-            <a:endParaRPr lang="tr-TR"/>
-          </a:p>
-        </p:txBody>
-      </p:sp>
-      <p:sp>
-        <p:nvSpPr>
-          <p:cNvPr id="17" name="Ok: Aşağı 16">
-            <a:extLst>
-              <a:ext uri="{FF2B5EF4-FFF2-40B4-BE49-F238E27FC236}">
-                <a16:creationId xmlns:a16="http://schemas.microsoft.com/office/drawing/2014/main" id="{11E31067-FD13-F749-CBB0-2190520647CB}"/>
-              </a:ext>
-            </a:extLst>
-          </p:cNvPr>
-          <p:cNvSpPr/>
-          <p:nvPr/>
-        </p:nvSpPr>
-        <p:spPr>
-          <a:xfrm rot="10800000">
-            <a:off x="8540151" y="5374556"/>
-            <a:ext cx="155276" cy="282497"/>
-          </a:xfrm>
-          <a:prstGeom prst="downArrow">
-            <a:avLst/>
-          </a:prstGeom>
-          <a:solidFill>
-            <a:schemeClr val="accent1"/>
-          </a:solidFill>
-        </p:spPr>
-        <p:style>
-          <a:lnRef idx="2">
-            <a:schemeClr val="accent1">
-              <a:shade val="15000"/>
-            </a:schemeClr>
-          </a:lnRef>
-          <a:fillRef idx="1">
-            <a:schemeClr val="accent1"/>
-          </a:fillRef>
-          <a:effectRef idx="0">
-            <a:schemeClr val="accent1"/>
-          </a:effectRef>
-          <a:fontRef idx="minor">
-            <a:schemeClr val="lt1"/>
-          </a:fontRef>
-        </p:style>
-        <p:txBody>
-          <a:bodyPr rtlCol="0" anchor="ctr"/>
-          <a:lstStyle/>
-          <a:p>
-            <a:pPr algn="ctr"/>
-            <a:endParaRPr lang="tr-TR"/>
-          </a:p>
-        </p:txBody>
-      </p:sp>
-      <p:sp>
-        <p:nvSpPr>
-          <p:cNvPr id="19" name="Ok: Aşağı 18">
-            <a:extLst>
-              <a:ext uri="{FF2B5EF4-FFF2-40B4-BE49-F238E27FC236}">
-                <a16:creationId xmlns:a16="http://schemas.microsoft.com/office/drawing/2014/main" id="{361096EE-4DA3-04A2-9397-4857E6B84163}"/>
-              </a:ext>
-            </a:extLst>
-          </p:cNvPr>
-          <p:cNvSpPr/>
-          <p:nvPr/>
-        </p:nvSpPr>
-        <p:spPr>
-          <a:xfrm rot="10800000">
-            <a:off x="9480430" y="5877992"/>
-            <a:ext cx="155276" cy="282497"/>
-          </a:xfrm>
-          <a:prstGeom prst="downArrow">
-            <a:avLst/>
-          </a:prstGeom>
-          <a:solidFill>
-            <a:schemeClr val="accent1"/>
-          </a:solidFill>
-        </p:spPr>
-        <p:style>
-          <a:lnRef idx="2">
-            <a:schemeClr val="accent1">
-              <a:shade val="15000"/>
-            </a:schemeClr>
-          </a:lnRef>
-          <a:fillRef idx="1">
-            <a:schemeClr val="accent1"/>
-          </a:fillRef>
-          <a:effectRef idx="0">
-            <a:schemeClr val="accent1"/>
-          </a:effectRef>
-          <a:fontRef idx="minor">
-            <a:schemeClr val="lt1"/>
-          </a:fontRef>
-        </p:style>
-        <p:txBody>
-          <a:bodyPr rtlCol="0" anchor="ctr"/>
-          <a:lstStyle/>
-          <a:p>
-            <a:pPr algn="ctr"/>
-            <a:endParaRPr lang="tr-TR"/>
-          </a:p>
-        </p:txBody>
-      </p:sp>
-      <p:sp>
-        <p:nvSpPr>
-          <p:cNvPr id="23" name="Ok: Aşağı 22">
-            <a:extLst>
-              <a:ext uri="{FF2B5EF4-FFF2-40B4-BE49-F238E27FC236}">
-                <a16:creationId xmlns:a16="http://schemas.microsoft.com/office/drawing/2014/main" id="{2B12422A-2053-6CD7-8273-A046A5FDF493}"/>
-              </a:ext>
-            </a:extLst>
-          </p:cNvPr>
-          <p:cNvSpPr/>
-          <p:nvPr/>
-        </p:nvSpPr>
-        <p:spPr>
-          <a:xfrm>
-            <a:off x="5434642" y="2332658"/>
-            <a:ext cx="155276" cy="282497"/>
-          </a:xfrm>
-          <a:prstGeom prst="downArrow">
-            <a:avLst/>
-          </a:prstGeom>
-          <a:solidFill>
-            <a:srgbClr val="FF0000"/>
-          </a:solidFill>
-        </p:spPr>
-        <p:style>
-          <a:lnRef idx="2">
-            <a:schemeClr val="accent1">
-              <a:shade val="15000"/>
-            </a:schemeClr>
-          </a:lnRef>
-          <a:fillRef idx="1">
-            <a:schemeClr val="accent1"/>
-          </a:fillRef>
-          <a:effectRef idx="0">
-            <a:schemeClr val="accent1"/>
-          </a:effectRef>
-          <a:fontRef idx="minor">
-            <a:schemeClr val="lt1"/>
-          </a:fontRef>
-        </p:style>
-        <p:txBody>
-          <a:bodyPr rtlCol="0" anchor="ctr"/>
-          <a:lstStyle/>
-          <a:p>
-            <a:pPr algn="ctr"/>
-            <a:endParaRPr lang="tr-TR"/>
-          </a:p>
-        </p:txBody>
-      </p:sp>
-      <p:sp>
-        <p:nvSpPr>
-          <p:cNvPr id="24" name="Ok: Aşağı 23">
-            <a:extLst>
-              <a:ext uri="{FF2B5EF4-FFF2-40B4-BE49-F238E27FC236}">
-                <a16:creationId xmlns:a16="http://schemas.microsoft.com/office/drawing/2014/main" id="{A2AE85BA-17F7-CCDF-7B34-FB0BBB8BA8D6}"/>
-              </a:ext>
-            </a:extLst>
-          </p:cNvPr>
-          <p:cNvSpPr/>
-          <p:nvPr/>
-        </p:nvSpPr>
-        <p:spPr>
-          <a:xfrm>
-            <a:off x="4632385" y="2615155"/>
-            <a:ext cx="155276" cy="282497"/>
-          </a:xfrm>
-          <a:prstGeom prst="downArrow">
-            <a:avLst/>
-          </a:prstGeom>
-          <a:solidFill>
-            <a:srgbClr val="FF0000"/>
-          </a:solidFill>
-        </p:spPr>
-        <p:style>
-          <a:lnRef idx="2">
-            <a:schemeClr val="accent1">
-              <a:shade val="15000"/>
-            </a:schemeClr>
-          </a:lnRef>
-          <a:fillRef idx="1">
-            <a:schemeClr val="accent1"/>
-          </a:fillRef>
-          <a:effectRef idx="0">
-            <a:schemeClr val="accent1"/>
-          </a:effectRef>
-          <a:fontRef idx="minor">
-            <a:schemeClr val="lt1"/>
-          </a:fontRef>
-        </p:style>
-        <p:txBody>
-          <a:bodyPr rtlCol="0" anchor="ctr"/>
-          <a:lstStyle/>
-          <a:p>
-            <a:pPr algn="ctr"/>
-            <a:endParaRPr lang="tr-TR"/>
-          </a:p>
-        </p:txBody>
-      </p:sp>
-      <p:sp>
-        <p:nvSpPr>
-          <p:cNvPr id="25" name="Ok: Aşağı 24">
-            <a:extLst>
-              <a:ext uri="{FF2B5EF4-FFF2-40B4-BE49-F238E27FC236}">
-                <a16:creationId xmlns:a16="http://schemas.microsoft.com/office/drawing/2014/main" id="{C2334B89-BA5C-5EEC-C8D4-AD2B03DCDDEA}"/>
-              </a:ext>
-            </a:extLst>
-          </p:cNvPr>
-          <p:cNvSpPr/>
-          <p:nvPr/>
-        </p:nvSpPr>
-        <p:spPr>
-          <a:xfrm>
-            <a:off x="3338423" y="2191409"/>
-            <a:ext cx="155276" cy="282497"/>
-          </a:xfrm>
-          <a:prstGeom prst="downArrow">
-            <a:avLst/>
-          </a:prstGeom>
-          <a:solidFill>
-            <a:srgbClr val="FF0000"/>
-          </a:solidFill>
-        </p:spPr>
-        <p:style>
-          <a:lnRef idx="2">
-            <a:schemeClr val="accent1">
-              <a:shade val="15000"/>
-            </a:schemeClr>
-          </a:lnRef>
-          <a:fillRef idx="1">
-            <a:schemeClr val="accent1"/>
-          </a:fillRef>
-          <a:effectRef idx="0">
-            <a:schemeClr val="accent1"/>
-          </a:effectRef>
-          <a:fontRef idx="minor">
-            <a:schemeClr val="lt1"/>
-          </a:fontRef>
-        </p:style>
-        <p:txBody>
-          <a:bodyPr rtlCol="0" anchor="ctr"/>
-          <a:lstStyle/>
-          <a:p>
-            <a:pPr algn="ctr"/>
-            <a:endParaRPr lang="tr-TR"/>
-          </a:p>
-        </p:txBody>
-      </p:sp>
-      <p:sp>
-        <p:nvSpPr>
-          <p:cNvPr id="26" name="Ok: Aşağı 25">
-            <a:extLst>
-              <a:ext uri="{FF2B5EF4-FFF2-40B4-BE49-F238E27FC236}">
-                <a16:creationId xmlns:a16="http://schemas.microsoft.com/office/drawing/2014/main" id="{97F4852D-E04B-FDDD-45BD-7FC9F7868B24}"/>
-              </a:ext>
-            </a:extLst>
-          </p:cNvPr>
-          <p:cNvSpPr/>
-          <p:nvPr/>
-        </p:nvSpPr>
-        <p:spPr>
-          <a:xfrm>
-            <a:off x="8051218" y="1908912"/>
-            <a:ext cx="155276" cy="282497"/>
-          </a:xfrm>
-          <a:prstGeom prst="downArrow">
-            <a:avLst/>
-          </a:prstGeom>
-          <a:solidFill>
-            <a:srgbClr val="FF0000"/>
-          </a:solidFill>
-        </p:spPr>
-        <p:style>
-          <a:lnRef idx="2">
-            <a:schemeClr val="accent1">
-              <a:shade val="15000"/>
-            </a:schemeClr>
-          </a:lnRef>
-          <a:fillRef idx="1">
-            <a:schemeClr val="accent1"/>
-          </a:fillRef>
-          <a:effectRef idx="0">
-            <a:schemeClr val="accent1"/>
-          </a:effectRef>
-          <a:fontRef idx="minor">
-            <a:schemeClr val="lt1"/>
-          </a:fontRef>
-        </p:style>
-        <p:txBody>
-          <a:bodyPr rtlCol="0" anchor="ctr"/>
-          <a:lstStyle/>
-          <a:p>
-            <a:pPr algn="ctr"/>
-            <a:endParaRPr lang="tr-TR"/>
-          </a:p>
-        </p:txBody>
-      </p:sp>
-      <p:sp>
-        <p:nvSpPr>
-          <p:cNvPr id="27" name="Ok: Aşağı 26">
-            <a:extLst>
-              <a:ext uri="{FF2B5EF4-FFF2-40B4-BE49-F238E27FC236}">
-                <a16:creationId xmlns:a16="http://schemas.microsoft.com/office/drawing/2014/main" id="{538BE53C-4507-4DB5-F3CA-7A19A3FDC31D}"/>
-              </a:ext>
-            </a:extLst>
-          </p:cNvPr>
-          <p:cNvSpPr/>
-          <p:nvPr/>
-        </p:nvSpPr>
-        <p:spPr>
-          <a:xfrm>
-            <a:off x="9018193" y="2897652"/>
-            <a:ext cx="155276" cy="282497"/>
-          </a:xfrm>
-          <a:prstGeom prst="downArrow">
-            <a:avLst/>
-          </a:prstGeom>
-          <a:solidFill>
-            <a:srgbClr val="FF0000"/>
-          </a:solidFill>
-        </p:spPr>
-        <p:style>
-          <a:lnRef idx="2">
-            <a:schemeClr val="accent1">
-              <a:shade val="15000"/>
-            </a:schemeClr>
-          </a:lnRef>
-          <a:fillRef idx="1">
-            <a:schemeClr val="accent1"/>
-          </a:fillRef>
-          <a:effectRef idx="0">
-            <a:schemeClr val="accent1"/>
-          </a:effectRef>
-          <a:fontRef idx="minor">
-            <a:schemeClr val="lt1"/>
-          </a:fontRef>
-        </p:style>
-        <p:txBody>
-          <a:bodyPr rtlCol="0" anchor="ctr"/>
-          <a:lstStyle/>
-          <a:p>
-            <a:pPr algn="ctr"/>
-            <a:endParaRPr lang="tr-TR"/>
-          </a:p>
-        </p:txBody>
-      </p:sp>
+        </p:grpSpPr>
+        <p:pic>
+          <p:nvPicPr>
+            <p:cNvPr id="48" name="Resim 47">
+              <a:extLst>
+                <a:ext uri="{FF2B5EF4-FFF2-40B4-BE49-F238E27FC236}">
+                  <a16:creationId xmlns:a16="http://schemas.microsoft.com/office/drawing/2014/main" id="{D904A0A8-4261-7AE5-A581-08E395C2DFC9}"/>
+                </a:ext>
+              </a:extLst>
+            </p:cNvPr>
+            <p:cNvPicPr>
+              <a:picLocks noChangeAspect="1"/>
+            </p:cNvPicPr>
+            <p:nvPr/>
+          </p:nvPicPr>
+          <p:blipFill>
+            <a:blip r:embed="rId3"/>
+            <a:stretch>
+              <a:fillRect/>
+            </a:stretch>
+          </p:blipFill>
+          <p:spPr>
+            <a:xfrm>
+              <a:off x="3759190" y="1997673"/>
+              <a:ext cx="7177169" cy="4150721"/>
+            </a:xfrm>
+            <a:prstGeom prst="rect">
+              <a:avLst/>
+            </a:prstGeom>
+          </p:spPr>
+        </p:pic>
+        <p:sp>
+          <p:nvSpPr>
+            <p:cNvPr id="32" name="Ok: Aşağı 31">
+              <a:extLst>
+                <a:ext uri="{FF2B5EF4-FFF2-40B4-BE49-F238E27FC236}">
+                  <a16:creationId xmlns:a16="http://schemas.microsoft.com/office/drawing/2014/main" id="{97F252EF-CEBD-51AB-05C8-960CE72849A3}"/>
+                </a:ext>
+              </a:extLst>
+            </p:cNvPr>
+            <p:cNvSpPr/>
+            <p:nvPr/>
+          </p:nvSpPr>
+          <p:spPr>
+            <a:xfrm>
+              <a:off x="10130163" y="2924388"/>
+              <a:ext cx="155276" cy="282497"/>
+            </a:xfrm>
+            <a:prstGeom prst="downArrow">
+              <a:avLst/>
+            </a:prstGeom>
+            <a:solidFill>
+              <a:srgbClr val="FF0000"/>
+            </a:solidFill>
+          </p:spPr>
+          <p:style>
+            <a:lnRef idx="2">
+              <a:schemeClr val="accent1">
+                <a:shade val="15000"/>
+              </a:schemeClr>
+            </a:lnRef>
+            <a:fillRef idx="1">
+              <a:schemeClr val="accent1"/>
+            </a:fillRef>
+            <a:effectRef idx="0">
+              <a:schemeClr val="accent1"/>
+            </a:effectRef>
+            <a:fontRef idx="minor">
+              <a:schemeClr val="lt1"/>
+            </a:fontRef>
+          </p:style>
+          <p:txBody>
+            <a:bodyPr rtlCol="0" anchor="ctr"/>
+            <a:lstStyle/>
+            <a:p>
+              <a:pPr algn="ctr"/>
+              <a:endParaRPr lang="tr-TR"/>
+            </a:p>
+          </p:txBody>
+        </p:sp>
+        <p:sp>
+          <p:nvSpPr>
+            <p:cNvPr id="39" name="Ok: Aşağı 38">
+              <a:extLst>
+                <a:ext uri="{FF2B5EF4-FFF2-40B4-BE49-F238E27FC236}">
+                  <a16:creationId xmlns:a16="http://schemas.microsoft.com/office/drawing/2014/main" id="{EEF47DD0-196B-7129-8F63-601D9B4AA969}"/>
+                </a:ext>
+              </a:extLst>
+            </p:cNvPr>
+            <p:cNvSpPr/>
+            <p:nvPr/>
+          </p:nvSpPr>
+          <p:spPr>
+            <a:xfrm rot="10800000">
+              <a:off x="10513596" y="5643747"/>
+              <a:ext cx="155276" cy="282497"/>
+            </a:xfrm>
+            <a:prstGeom prst="downArrow">
+              <a:avLst/>
+            </a:prstGeom>
+            <a:solidFill>
+              <a:srgbClr val="0070C0"/>
+            </a:solidFill>
+          </p:spPr>
+          <p:style>
+            <a:lnRef idx="2">
+              <a:schemeClr val="accent1">
+                <a:shade val="15000"/>
+              </a:schemeClr>
+            </a:lnRef>
+            <a:fillRef idx="1">
+              <a:schemeClr val="accent1"/>
+            </a:fillRef>
+            <a:effectRef idx="0">
+              <a:schemeClr val="accent1"/>
+            </a:effectRef>
+            <a:fontRef idx="minor">
+              <a:schemeClr val="lt1"/>
+            </a:fontRef>
+          </p:style>
+          <p:txBody>
+            <a:bodyPr rtlCol="0" anchor="ctr"/>
+            <a:lstStyle/>
+            <a:p>
+              <a:pPr algn="ctr"/>
+              <a:endParaRPr lang="tr-TR"/>
+            </a:p>
+          </p:txBody>
+        </p:sp>
+        <p:sp>
+          <p:nvSpPr>
+            <p:cNvPr id="42" name="Ok: Aşağı 41">
+              <a:extLst>
+                <a:ext uri="{FF2B5EF4-FFF2-40B4-BE49-F238E27FC236}">
+                  <a16:creationId xmlns:a16="http://schemas.microsoft.com/office/drawing/2014/main" id="{0CE5DA23-12FE-4A23-2930-EDD35D8601B1}"/>
+                </a:ext>
+              </a:extLst>
+            </p:cNvPr>
+            <p:cNvSpPr/>
+            <p:nvPr/>
+          </p:nvSpPr>
+          <p:spPr>
+            <a:xfrm>
+              <a:off x="9188437" y="1942165"/>
+              <a:ext cx="155276" cy="282497"/>
+            </a:xfrm>
+            <a:prstGeom prst="downArrow">
+              <a:avLst/>
+            </a:prstGeom>
+            <a:solidFill>
+              <a:srgbClr val="FF0000"/>
+            </a:solidFill>
+          </p:spPr>
+          <p:style>
+            <a:lnRef idx="2">
+              <a:schemeClr val="accent1">
+                <a:shade val="15000"/>
+              </a:schemeClr>
+            </a:lnRef>
+            <a:fillRef idx="1">
+              <a:schemeClr val="accent1"/>
+            </a:fillRef>
+            <a:effectRef idx="0">
+              <a:schemeClr val="accent1"/>
+            </a:effectRef>
+            <a:fontRef idx="minor">
+              <a:schemeClr val="lt1"/>
+            </a:fontRef>
+          </p:style>
+          <p:txBody>
+            <a:bodyPr rtlCol="0" anchor="ctr"/>
+            <a:lstStyle/>
+            <a:p>
+              <a:pPr algn="ctr"/>
+              <a:endParaRPr lang="tr-TR"/>
+            </a:p>
+          </p:txBody>
+        </p:sp>
+        <p:sp>
+          <p:nvSpPr>
+            <p:cNvPr id="43" name="Ok: Aşağı 42">
+              <a:extLst>
+                <a:ext uri="{FF2B5EF4-FFF2-40B4-BE49-F238E27FC236}">
+                  <a16:creationId xmlns:a16="http://schemas.microsoft.com/office/drawing/2014/main" id="{90C53E39-EF54-6476-678D-181C1CB0709F}"/>
+                </a:ext>
+              </a:extLst>
+            </p:cNvPr>
+            <p:cNvSpPr/>
+            <p:nvPr/>
+          </p:nvSpPr>
+          <p:spPr>
+            <a:xfrm>
+              <a:off x="8509075" y="2760207"/>
+              <a:ext cx="155276" cy="282497"/>
+            </a:xfrm>
+            <a:prstGeom prst="downArrow">
+              <a:avLst/>
+            </a:prstGeom>
+            <a:solidFill>
+              <a:srgbClr val="FF0000"/>
+            </a:solidFill>
+          </p:spPr>
+          <p:style>
+            <a:lnRef idx="2">
+              <a:schemeClr val="accent1">
+                <a:shade val="15000"/>
+              </a:schemeClr>
+            </a:lnRef>
+            <a:fillRef idx="1">
+              <a:schemeClr val="accent1"/>
+            </a:fillRef>
+            <a:effectRef idx="0">
+              <a:schemeClr val="accent1"/>
+            </a:effectRef>
+            <a:fontRef idx="minor">
+              <a:schemeClr val="lt1"/>
+            </a:fontRef>
+          </p:style>
+          <p:txBody>
+            <a:bodyPr rtlCol="0" anchor="ctr"/>
+            <a:lstStyle/>
+            <a:p>
+              <a:pPr algn="ctr"/>
+              <a:endParaRPr lang="tr-TR"/>
+            </a:p>
+          </p:txBody>
+        </p:sp>
+        <p:sp>
+          <p:nvSpPr>
+            <p:cNvPr id="44" name="Ok: Aşağı 43">
+              <a:extLst>
+                <a:ext uri="{FF2B5EF4-FFF2-40B4-BE49-F238E27FC236}">
+                  <a16:creationId xmlns:a16="http://schemas.microsoft.com/office/drawing/2014/main" id="{926763B3-756A-95AF-E2E0-F0269142AF5D}"/>
+                </a:ext>
+              </a:extLst>
+            </p:cNvPr>
+            <p:cNvSpPr/>
+            <p:nvPr/>
+          </p:nvSpPr>
+          <p:spPr>
+            <a:xfrm rot="10800000">
+              <a:off x="9648081" y="5209552"/>
+              <a:ext cx="155276" cy="282497"/>
+            </a:xfrm>
+            <a:prstGeom prst="downArrow">
+              <a:avLst/>
+            </a:prstGeom>
+            <a:solidFill>
+              <a:srgbClr val="0070C0"/>
+            </a:solidFill>
+          </p:spPr>
+          <p:style>
+            <a:lnRef idx="2">
+              <a:schemeClr val="accent1">
+                <a:shade val="15000"/>
+              </a:schemeClr>
+            </a:lnRef>
+            <a:fillRef idx="1">
+              <a:schemeClr val="accent1"/>
+            </a:fillRef>
+            <a:effectRef idx="0">
+              <a:schemeClr val="accent1"/>
+            </a:effectRef>
+            <a:fontRef idx="minor">
+              <a:schemeClr val="lt1"/>
+            </a:fontRef>
+          </p:style>
+          <p:txBody>
+            <a:bodyPr rtlCol="0" anchor="ctr"/>
+            <a:lstStyle/>
+            <a:p>
+              <a:pPr algn="ctr"/>
+              <a:endParaRPr lang="tr-TR"/>
+            </a:p>
+          </p:txBody>
+        </p:sp>
+        <p:sp>
+          <p:nvSpPr>
+            <p:cNvPr id="45" name="Ok: Aşağı 44">
+              <a:extLst>
+                <a:ext uri="{FF2B5EF4-FFF2-40B4-BE49-F238E27FC236}">
+                  <a16:creationId xmlns:a16="http://schemas.microsoft.com/office/drawing/2014/main" id="{F182F84B-9764-552C-317A-FDE37A8B01BA}"/>
+                </a:ext>
+              </a:extLst>
+            </p:cNvPr>
+            <p:cNvSpPr/>
+            <p:nvPr/>
+          </p:nvSpPr>
+          <p:spPr>
+            <a:xfrm rot="10800000">
+              <a:off x="8776813" y="4605701"/>
+              <a:ext cx="155276" cy="282497"/>
+            </a:xfrm>
+            <a:prstGeom prst="downArrow">
+              <a:avLst/>
+            </a:prstGeom>
+            <a:solidFill>
+              <a:srgbClr val="0070C0"/>
+            </a:solidFill>
+          </p:spPr>
+          <p:style>
+            <a:lnRef idx="2">
+              <a:schemeClr val="accent1">
+                <a:shade val="15000"/>
+              </a:schemeClr>
+            </a:lnRef>
+            <a:fillRef idx="1">
+              <a:schemeClr val="accent1"/>
+            </a:fillRef>
+            <a:effectRef idx="0">
+              <a:schemeClr val="accent1"/>
+            </a:effectRef>
+            <a:fontRef idx="minor">
+              <a:schemeClr val="lt1"/>
+            </a:fontRef>
+          </p:style>
+          <p:txBody>
+            <a:bodyPr rtlCol="0" anchor="ctr"/>
+            <a:lstStyle/>
+            <a:p>
+              <a:pPr algn="ctr"/>
+              <a:endParaRPr lang="tr-TR"/>
+            </a:p>
+          </p:txBody>
+        </p:sp>
+      </p:grpSp>
       <p:sp>
         <p:nvSpPr>
           <p:cNvPr id="29" name="Metin kutusu 28">
@@ -4499,8 +7835,8 @@
         </p:nvSpPr>
         <p:spPr>
           <a:xfrm>
-            <a:off x="9984349" y="6049121"/>
-            <a:ext cx="1834552" cy="369332"/>
+            <a:off x="4064428" y="6332068"/>
+            <a:ext cx="1031522" cy="276999"/>
           </a:xfrm>
           <a:prstGeom prst="rect">
             <a:avLst/>
@@ -4514,7 +7850,7 @@
           <a:lstStyle/>
           <a:p>
             <a:r>
-              <a:rPr lang="tr-TR" sz="1800" kern="1200" dirty="0">
+              <a:rPr lang="tr-TR" sz="1200" kern="1200" dirty="0">
                 <a:solidFill>
                   <a:srgbClr val="FF0000"/>
                 </a:solidFill>
@@ -4525,7 +7861,7 @@
               <a:t>(</a:t>
             </a:r>
             <a:r>
-              <a:rPr lang="tr-TR" sz="1800" kern="1200" dirty="0" err="1">
+              <a:rPr lang="tr-TR" sz="1200" kern="1200" dirty="0" err="1">
                 <a:solidFill>
                   <a:srgbClr val="FF0000"/>
                 </a:solidFill>
@@ -4536,7 +7872,7 @@
               <a:t>Last</a:t>
             </a:r>
             <a:r>
-              <a:rPr lang="tr-TR" sz="1800" kern="1200" dirty="0">
+              <a:rPr lang="tr-TR" sz="1200" kern="1200" dirty="0">
                 <a:solidFill>
                   <a:srgbClr val="FF0000"/>
                 </a:solidFill>
@@ -4544,10 +7880,10 @@
                 <a:ea typeface="+mj-ea"/>
                 <a:cs typeface="+mj-cs"/>
               </a:rPr>
-              <a:t> 1835 </a:t>
-            </a:r>
-            <a:r>
-              <a:rPr lang="tr-TR" sz="1800" kern="1200" dirty="0" err="1">
+              <a:t> 5 </a:t>
+            </a:r>
+            <a:r>
+              <a:rPr lang="tr-TR" sz="1200" kern="1200" dirty="0" err="1">
                 <a:solidFill>
                   <a:srgbClr val="FF0000"/>
                 </a:solidFill>
@@ -4555,10 +7891,10 @@
                 <a:ea typeface="+mj-ea"/>
                 <a:cs typeface="+mj-cs"/>
               </a:rPr>
-              <a:t>days</a:t>
-            </a:r>
-            <a:r>
-              <a:rPr lang="tr-TR" sz="1800" kern="1200" dirty="0">
+              <a:t>years</a:t>
+            </a:r>
+            <a:r>
+              <a:rPr lang="tr-TR" sz="1200" kern="1200" dirty="0">
                 <a:solidFill>
                   <a:srgbClr val="FF0000"/>
                 </a:solidFill>
@@ -4568,99 +7904,11 @@
               </a:rPr>
               <a:t>)</a:t>
             </a:r>
-            <a:endParaRPr lang="tr-TR" dirty="0">
+            <a:endParaRPr lang="tr-TR" sz="1200" dirty="0">
               <a:solidFill>
                 <a:srgbClr val="FF0000"/>
               </a:solidFill>
             </a:endParaRPr>
-          </a:p>
-        </p:txBody>
-      </p:sp>
-      <p:sp>
-        <p:nvSpPr>
-          <p:cNvPr id="3" name="Metin kutusu 2">
-            <a:extLst>
-              <a:ext uri="{FF2B5EF4-FFF2-40B4-BE49-F238E27FC236}">
-                <a16:creationId xmlns:a16="http://schemas.microsoft.com/office/drawing/2014/main" id="{BED03707-8E99-E435-1728-D4EB6B12123B}"/>
-              </a:ext>
-            </a:extLst>
-          </p:cNvPr>
-          <p:cNvSpPr txBox="1"/>
-          <p:nvPr/>
-        </p:nvSpPr>
-        <p:spPr>
-          <a:xfrm>
-            <a:off x="288090" y="2604403"/>
-            <a:ext cx="1754396" cy="2585323"/>
-          </a:xfrm>
-          <a:prstGeom prst="rect">
-            <a:avLst/>
-          </a:prstGeom>
-          <a:noFill/>
-        </p:spPr>
-        <p:txBody>
-          <a:bodyPr wrap="square" rtlCol="0">
-            <a:spAutoFit/>
-          </a:bodyPr>
-          <a:lstStyle/>
-          <a:p>
-            <a:r>
-              <a:rPr lang="tr-TR" dirty="0" err="1"/>
-              <a:t>Peaks</a:t>
-            </a:r>
-            <a:r>
-              <a:rPr lang="tr-TR" dirty="0"/>
-              <a:t>:</a:t>
-            </a:r>
-          </a:p>
-          <a:p>
-            <a:r>
-              <a:rPr lang="tr-TR" dirty="0"/>
-              <a:t>11.09.2023</a:t>
-            </a:r>
-          </a:p>
-          <a:p>
-            <a:r>
-              <a:rPr lang="tr-TR" dirty="0"/>
-              <a:t>27.12.2022</a:t>
-            </a:r>
-          </a:p>
-          <a:p>
-            <a:r>
-              <a:rPr lang="tr-TR" dirty="0"/>
-              <a:t>7.06.2022</a:t>
-            </a:r>
-          </a:p>
-          <a:p>
-            <a:endParaRPr lang="tr-TR" dirty="0"/>
-          </a:p>
-          <a:p>
-            <a:r>
-              <a:rPr lang="tr-TR" dirty="0" err="1"/>
-              <a:t>Valleys</a:t>
-            </a:r>
-            <a:r>
-              <a:rPr lang="tr-TR" dirty="0"/>
-              <a:t>:</a:t>
-            </a:r>
-          </a:p>
-          <a:p>
-            <a:r>
-              <a:rPr lang="tr-TR" dirty="0"/>
-              <a:t>26.12.2023</a:t>
-            </a:r>
-          </a:p>
-          <a:p>
-            <a:r>
-              <a:rPr lang="tr-TR" dirty="0"/>
-              <a:t>9.05.2023</a:t>
-            </a:r>
-          </a:p>
-          <a:p>
-            <a:r>
-              <a:rPr lang="tr-TR" dirty="0"/>
-              <a:t>16.08.2023</a:t>
-            </a:r>
           </a:p>
         </p:txBody>
       </p:sp>
@@ -4668,6 +7916,300 @@
     <p:extLst>
       <p:ext uri="{BB962C8B-B14F-4D97-AF65-F5344CB8AC3E}">
         <p14:creationId xmlns:p14="http://schemas.microsoft.com/office/powerpoint/2010/main" val="3428296617"/>
+      </p:ext>
+    </p:extLst>
+  </p:cSld>
+  <p:clrMapOvr>
+    <a:masterClrMapping/>
+  </p:clrMapOvr>
+</p:sld>
+</file>
+
+<file path=ppt/slides/slide10.xml><?xml version="1.0" encoding="utf-8"?>
+<p:sld xmlns:a="http://schemas.openxmlformats.org/drawingml/2006/main" xmlns:r="http://schemas.openxmlformats.org/officeDocument/2006/relationships" xmlns:p="http://schemas.openxmlformats.org/presentationml/2006/main">
+  <p:cSld>
+    <p:spTree>
+      <p:nvGrpSpPr>
+        <p:cNvPr id="1" name=""/>
+        <p:cNvGrpSpPr/>
+        <p:nvPr/>
+      </p:nvGrpSpPr>
+      <p:grpSpPr>
+        <a:xfrm>
+          <a:off x="0" y="0"/>
+          <a:ext cx="0" cy="0"/>
+          <a:chOff x="0" y="0"/>
+          <a:chExt cx="0" cy="0"/>
+        </a:xfrm>
+      </p:grpSpPr>
+      <p:sp>
+        <p:nvSpPr>
+          <p:cNvPr id="2" name="Başlık 1">
+            <a:extLst>
+              <a:ext uri="{FF2B5EF4-FFF2-40B4-BE49-F238E27FC236}">
+                <a16:creationId xmlns:a16="http://schemas.microsoft.com/office/drawing/2014/main" id="{384DA1AB-64AE-71E2-B3E7-F2F08EEA174E}"/>
+              </a:ext>
+            </a:extLst>
+          </p:cNvPr>
+          <p:cNvSpPr>
+            <a:spLocks noGrp="1"/>
+          </p:cNvSpPr>
+          <p:nvPr>
+            <p:ph type="title"/>
+          </p:nvPr>
+        </p:nvSpPr>
+        <p:spPr>
+          <a:xfrm>
+            <a:off x="838200" y="217080"/>
+            <a:ext cx="10515600" cy="1325563"/>
+          </a:xfrm>
+        </p:spPr>
+        <p:txBody>
+          <a:bodyPr/>
+          <a:lstStyle/>
+          <a:p>
+            <a:r>
+              <a:rPr lang="tr-TR" b="1" dirty="0" err="1"/>
+              <a:t>Filter</a:t>
+            </a:r>
+            <a:r>
+              <a:rPr lang="tr-TR" b="1" dirty="0"/>
+              <a:t> </a:t>
+            </a:r>
+            <a:r>
+              <a:rPr lang="tr-TR" b="1" dirty="0" err="1"/>
+              <a:t>for</a:t>
+            </a:r>
+            <a:r>
+              <a:rPr lang="tr-TR" b="1" dirty="0"/>
+              <a:t> </a:t>
+            </a:r>
+            <a:r>
+              <a:rPr lang="tr-TR" b="1" dirty="0" err="1"/>
+              <a:t>Volatility</a:t>
+            </a:r>
+            <a:endParaRPr lang="tr-TR" b="1" dirty="0"/>
+          </a:p>
+        </p:txBody>
+      </p:sp>
+      <p:pic>
+        <p:nvPicPr>
+          <p:cNvPr id="4" name="Resim 3">
+            <a:extLst>
+              <a:ext uri="{FF2B5EF4-FFF2-40B4-BE49-F238E27FC236}">
+                <a16:creationId xmlns:a16="http://schemas.microsoft.com/office/drawing/2014/main" id="{8E31C6B4-2032-7942-3687-C1FF043B23C0}"/>
+              </a:ext>
+            </a:extLst>
+          </p:cNvPr>
+          <p:cNvPicPr>
+            <a:picLocks noChangeAspect="1"/>
+          </p:cNvPicPr>
+          <p:nvPr/>
+        </p:nvPicPr>
+        <p:blipFill>
+          <a:blip r:embed="rId2"/>
+          <a:stretch>
+            <a:fillRect/>
+          </a:stretch>
+        </p:blipFill>
+        <p:spPr>
+          <a:xfrm>
+            <a:off x="3030583" y="1295168"/>
+            <a:ext cx="5281664" cy="5197707"/>
+          </a:xfrm>
+          <a:prstGeom prst="rect">
+            <a:avLst/>
+          </a:prstGeom>
+        </p:spPr>
+      </p:pic>
+      <p:pic>
+        <p:nvPicPr>
+          <p:cNvPr id="8" name="Resim 7">
+            <a:extLst>
+              <a:ext uri="{FF2B5EF4-FFF2-40B4-BE49-F238E27FC236}">
+                <a16:creationId xmlns:a16="http://schemas.microsoft.com/office/drawing/2014/main" id="{2D835ED3-DEA0-70DB-588F-3BCB246D4B3B}"/>
+              </a:ext>
+            </a:extLst>
+          </p:cNvPr>
+          <p:cNvPicPr>
+            <a:picLocks noChangeAspect="1"/>
+          </p:cNvPicPr>
+          <p:nvPr/>
+        </p:nvPicPr>
+        <p:blipFill>
+          <a:blip r:embed="rId3"/>
+          <a:stretch>
+            <a:fillRect/>
+          </a:stretch>
+        </p:blipFill>
+        <p:spPr>
+          <a:xfrm>
+            <a:off x="9343713" y="164682"/>
+            <a:ext cx="2684822" cy="990827"/>
+          </a:xfrm>
+          <a:prstGeom prst="rect">
+            <a:avLst/>
+          </a:prstGeom>
+        </p:spPr>
+      </p:pic>
+    </p:spTree>
+    <p:extLst>
+      <p:ext uri="{BB962C8B-B14F-4D97-AF65-F5344CB8AC3E}">
+        <p14:creationId xmlns:p14="http://schemas.microsoft.com/office/powerpoint/2010/main" val="3964868046"/>
+      </p:ext>
+    </p:extLst>
+  </p:cSld>
+  <p:clrMapOvr>
+    <a:masterClrMapping/>
+  </p:clrMapOvr>
+</p:sld>
+</file>
+
+<file path=ppt/slides/slide11.xml><?xml version="1.0" encoding="utf-8"?>
+<p:sld xmlns:a="http://schemas.openxmlformats.org/drawingml/2006/main" xmlns:r="http://schemas.openxmlformats.org/officeDocument/2006/relationships" xmlns:p="http://schemas.openxmlformats.org/presentationml/2006/main">
+  <p:cSld>
+    <p:spTree>
+      <p:nvGrpSpPr>
+        <p:cNvPr id="1" name=""/>
+        <p:cNvGrpSpPr/>
+        <p:nvPr/>
+      </p:nvGrpSpPr>
+      <p:grpSpPr>
+        <a:xfrm>
+          <a:off x="0" y="0"/>
+          <a:ext cx="0" cy="0"/>
+          <a:chOff x="0" y="0"/>
+          <a:chExt cx="0" cy="0"/>
+        </a:xfrm>
+      </p:grpSpPr>
+      <p:sp>
+        <p:nvSpPr>
+          <p:cNvPr id="2" name="Başlık 1">
+            <a:extLst>
+              <a:ext uri="{FF2B5EF4-FFF2-40B4-BE49-F238E27FC236}">
+                <a16:creationId xmlns:a16="http://schemas.microsoft.com/office/drawing/2014/main" id="{384DA1AB-64AE-71E2-B3E7-F2F08EEA174E}"/>
+              </a:ext>
+            </a:extLst>
+          </p:cNvPr>
+          <p:cNvSpPr>
+            <a:spLocks noGrp="1"/>
+          </p:cNvSpPr>
+          <p:nvPr>
+            <p:ph type="title"/>
+          </p:nvPr>
+        </p:nvSpPr>
+        <p:spPr>
+          <a:xfrm>
+            <a:off x="838200" y="217080"/>
+            <a:ext cx="10515600" cy="1325563"/>
+          </a:xfrm>
+        </p:spPr>
+        <p:txBody>
+          <a:bodyPr/>
+          <a:lstStyle/>
+          <a:p>
+            <a:r>
+              <a:rPr lang="tr-TR" b="1"/>
+              <a:t>Minimums-Maximums</a:t>
+            </a:r>
+            <a:endParaRPr lang="tr-TR" b="1" dirty="0"/>
+          </a:p>
+        </p:txBody>
+      </p:sp>
+      <p:pic>
+        <p:nvPicPr>
+          <p:cNvPr id="5" name="Resim 4">
+            <a:extLst>
+              <a:ext uri="{FF2B5EF4-FFF2-40B4-BE49-F238E27FC236}">
+                <a16:creationId xmlns:a16="http://schemas.microsoft.com/office/drawing/2014/main" id="{574EAC3F-AD1C-E08A-6180-5C74E9D71E9F}"/>
+              </a:ext>
+            </a:extLst>
+          </p:cNvPr>
+          <p:cNvPicPr>
+            <a:picLocks noChangeAspect="1"/>
+          </p:cNvPicPr>
+          <p:nvPr/>
+        </p:nvPicPr>
+        <p:blipFill>
+          <a:blip r:embed="rId2"/>
+          <a:stretch>
+            <a:fillRect/>
+          </a:stretch>
+        </p:blipFill>
+        <p:spPr>
+          <a:xfrm>
+            <a:off x="2673377" y="1381629"/>
+            <a:ext cx="3296102" cy="2539805"/>
+          </a:xfrm>
+          <a:prstGeom prst="rect">
+            <a:avLst/>
+          </a:prstGeom>
+        </p:spPr>
+      </p:pic>
+      <p:pic>
+        <p:nvPicPr>
+          <p:cNvPr id="8" name="Resim 7">
+            <a:extLst>
+              <a:ext uri="{FF2B5EF4-FFF2-40B4-BE49-F238E27FC236}">
+                <a16:creationId xmlns:a16="http://schemas.microsoft.com/office/drawing/2014/main" id="{24D9B286-9A7C-26F4-6066-784A3D1E0F32}"/>
+              </a:ext>
+            </a:extLst>
+          </p:cNvPr>
+          <p:cNvPicPr>
+            <a:picLocks noChangeAspect="1"/>
+          </p:cNvPicPr>
+          <p:nvPr/>
+        </p:nvPicPr>
+        <p:blipFill>
+          <a:blip r:embed="rId3"/>
+          <a:stretch>
+            <a:fillRect/>
+          </a:stretch>
+        </p:blipFill>
+        <p:spPr>
+          <a:xfrm>
+            <a:off x="626758" y="1381629"/>
+            <a:ext cx="1664065" cy="4627269"/>
+          </a:xfrm>
+          <a:prstGeom prst="rect">
+            <a:avLst/>
+          </a:prstGeom>
+        </p:spPr>
+      </p:pic>
+      <p:pic>
+        <p:nvPicPr>
+          <p:cNvPr id="9" name="Resim 8">
+            <a:extLst>
+              <a:ext uri="{FF2B5EF4-FFF2-40B4-BE49-F238E27FC236}">
+                <a16:creationId xmlns:a16="http://schemas.microsoft.com/office/drawing/2014/main" id="{F4FF5461-0B69-0E94-1BDB-F6B5FC2F77BE}"/>
+              </a:ext>
+            </a:extLst>
+          </p:cNvPr>
+          <p:cNvPicPr>
+            <a:picLocks noChangeAspect="1"/>
+          </p:cNvPicPr>
+          <p:nvPr/>
+        </p:nvPicPr>
+        <p:blipFill>
+          <a:blip r:embed="rId4"/>
+          <a:stretch>
+            <a:fillRect/>
+          </a:stretch>
+        </p:blipFill>
+        <p:spPr>
+          <a:xfrm>
+            <a:off x="9343713" y="164682"/>
+            <a:ext cx="2684822" cy="990827"/>
+          </a:xfrm>
+          <a:prstGeom prst="rect">
+            <a:avLst/>
+          </a:prstGeom>
+        </p:spPr>
+      </p:pic>
+    </p:spTree>
+    <p:extLst>
+      <p:ext uri="{BB962C8B-B14F-4D97-AF65-F5344CB8AC3E}">
+        <p14:creationId xmlns:p14="http://schemas.microsoft.com/office/powerpoint/2010/main" val="2163077702"/>
       </p:ext>
     </p:extLst>
   </p:cSld>
@@ -5112,6 +8654,36 @@
           <a:xfrm>
             <a:off x="2029773" y="1727344"/>
             <a:ext cx="8132450" cy="4755547"/>
+          </a:xfrm>
+          <a:prstGeom prst="rect">
+            <a:avLst/>
+          </a:prstGeom>
+        </p:spPr>
+      </p:pic>
+      <p:pic>
+        <p:nvPicPr>
+          <p:cNvPr id="5" name="Resim 4">
+            <a:extLst>
+              <a:ext uri="{FF2B5EF4-FFF2-40B4-BE49-F238E27FC236}">
+                <a16:creationId xmlns:a16="http://schemas.microsoft.com/office/drawing/2014/main" id="{4205578E-961C-FB5A-5B4A-323DE9E7DF5D}"/>
+              </a:ext>
+            </a:extLst>
+          </p:cNvPr>
+          <p:cNvPicPr>
+            <a:picLocks noChangeAspect="1"/>
+          </p:cNvPicPr>
+          <p:nvPr/>
+        </p:nvPicPr>
+        <p:blipFill>
+          <a:blip r:embed="rId3"/>
+          <a:stretch>
+            <a:fillRect/>
+          </a:stretch>
+        </p:blipFill>
+        <p:spPr>
+          <a:xfrm>
+            <a:off x="9343713" y="164682"/>
+            <a:ext cx="2684822" cy="990827"/>
           </a:xfrm>
           <a:prstGeom prst="rect">
             <a:avLst/>
@@ -5902,6 +9474,36 @@
           </a:p>
         </p:txBody>
       </p:sp>
+      <p:pic>
+        <p:nvPicPr>
+          <p:cNvPr id="3" name="Resim 2">
+            <a:extLst>
+              <a:ext uri="{FF2B5EF4-FFF2-40B4-BE49-F238E27FC236}">
+                <a16:creationId xmlns:a16="http://schemas.microsoft.com/office/drawing/2014/main" id="{D0AD336C-1AE1-5FA8-3ED4-A8811FFABA44}"/>
+              </a:ext>
+            </a:extLst>
+          </p:cNvPr>
+          <p:cNvPicPr>
+            <a:picLocks noChangeAspect="1"/>
+          </p:cNvPicPr>
+          <p:nvPr/>
+        </p:nvPicPr>
+        <p:blipFill>
+          <a:blip r:embed="rId3"/>
+          <a:stretch>
+            <a:fillRect/>
+          </a:stretch>
+        </p:blipFill>
+        <p:spPr>
+          <a:xfrm>
+            <a:off x="9343713" y="164682"/>
+            <a:ext cx="2684822" cy="990827"/>
+          </a:xfrm>
+          <a:prstGeom prst="rect">
+            <a:avLst/>
+          </a:prstGeom>
+        </p:spPr>
+      </p:pic>
     </p:spTree>
     <p:extLst>
       <p:ext uri="{BB962C8B-B14F-4D97-AF65-F5344CB8AC3E}">
@@ -6243,12 +9845,1960 @@
           </a:p>
         </p:txBody>
       </p:sp>
+      <p:sp>
+        <p:nvSpPr>
+          <p:cNvPr id="50" name="Metin kutusu 49">
+            <a:extLst>
+              <a:ext uri="{FF2B5EF4-FFF2-40B4-BE49-F238E27FC236}">
+                <a16:creationId xmlns:a16="http://schemas.microsoft.com/office/drawing/2014/main" id="{EE49DAA7-5989-86CD-D23F-3B5512C9B12C}"/>
+              </a:ext>
+            </a:extLst>
+          </p:cNvPr>
+          <p:cNvSpPr txBox="1"/>
+          <p:nvPr/>
+        </p:nvSpPr>
+        <p:spPr>
+          <a:xfrm>
+            <a:off x="1195902" y="54173"/>
+            <a:ext cx="10226912" cy="646331"/>
+          </a:xfrm>
+          <a:prstGeom prst="rect">
+            <a:avLst/>
+          </a:prstGeom>
+          <a:noFill/>
+        </p:spPr>
+        <p:txBody>
+          <a:bodyPr wrap="square">
+            <a:spAutoFit/>
+          </a:bodyPr>
+          <a:lstStyle/>
+          <a:p>
+            <a:r>
+              <a:rPr lang="tr-TR" sz="1800" kern="1200" dirty="0">
+                <a:solidFill>
+                  <a:srgbClr val="FFFFFF"/>
+                </a:solidFill>
+                <a:latin typeface="+mj-lt"/>
+                <a:ea typeface="+mj-ea"/>
+                <a:cs typeface="+mj-cs"/>
+              </a:rPr>
+              <a:t>   </a:t>
+            </a:r>
+            <a:r>
+              <a:rPr lang="tr-TR" sz="1800" kern="1200" dirty="0" err="1">
+                <a:solidFill>
+                  <a:srgbClr val="FFFFFF"/>
+                </a:solidFill>
+                <a:latin typeface="+mj-lt"/>
+                <a:ea typeface="+mj-ea"/>
+                <a:cs typeface="+mj-cs"/>
+              </a:rPr>
+              <a:t>Sharpe</a:t>
+            </a:r>
+            <a:r>
+              <a:rPr lang="tr-TR" sz="1800" kern="1200" dirty="0">
+                <a:solidFill>
+                  <a:srgbClr val="FFFFFF"/>
+                </a:solidFill>
+                <a:latin typeface="+mj-lt"/>
+                <a:ea typeface="+mj-ea"/>
+                <a:cs typeface="+mj-cs"/>
+              </a:rPr>
+              <a:t>                        </a:t>
+            </a:r>
+            <a:r>
+              <a:rPr lang="tr-TR" sz="1800" kern="1200" dirty="0" err="1">
+                <a:solidFill>
+                  <a:srgbClr val="FFFFFF"/>
+                </a:solidFill>
+                <a:latin typeface="+mj-lt"/>
+                <a:ea typeface="+mj-ea"/>
+                <a:cs typeface="+mj-cs"/>
+              </a:rPr>
+              <a:t>Inverse</a:t>
+            </a:r>
+            <a:r>
+              <a:rPr lang="tr-TR" sz="1800" kern="1200" dirty="0">
+                <a:solidFill>
+                  <a:srgbClr val="FFFFFF"/>
+                </a:solidFill>
+                <a:latin typeface="+mj-lt"/>
+                <a:ea typeface="+mj-ea"/>
+                <a:cs typeface="+mj-cs"/>
+              </a:rPr>
+              <a:t> </a:t>
+            </a:r>
+            <a:r>
+              <a:rPr lang="tr-TR" sz="1800" kern="1200" dirty="0" err="1">
+                <a:solidFill>
+                  <a:srgbClr val="FFFFFF"/>
+                </a:solidFill>
+                <a:latin typeface="+mj-lt"/>
+                <a:ea typeface="+mj-ea"/>
+                <a:cs typeface="+mj-cs"/>
+              </a:rPr>
+              <a:t>Sharpe</a:t>
+            </a:r>
+            <a:r>
+              <a:rPr lang="tr-TR" sz="1800" kern="1200" dirty="0">
+                <a:solidFill>
+                  <a:srgbClr val="FFFFFF"/>
+                </a:solidFill>
+                <a:latin typeface="+mj-lt"/>
+                <a:ea typeface="+mj-ea"/>
+                <a:cs typeface="+mj-cs"/>
+              </a:rPr>
+              <a:t>                          MDD                           </a:t>
+            </a:r>
+            <a:r>
+              <a:rPr lang="tr-TR" dirty="0">
+                <a:solidFill>
+                  <a:srgbClr val="FFFFFF"/>
+                </a:solidFill>
+                <a:latin typeface="+mj-lt"/>
+                <a:ea typeface="+mj-ea"/>
+                <a:cs typeface="+mj-cs"/>
+              </a:rPr>
+              <a:t>  </a:t>
+            </a:r>
+            <a:r>
+              <a:rPr lang="tr-TR" sz="1800" kern="1200" dirty="0" err="1">
+                <a:solidFill>
+                  <a:srgbClr val="FFFFFF"/>
+                </a:solidFill>
+                <a:latin typeface="+mj-lt"/>
+                <a:ea typeface="+mj-ea"/>
+                <a:cs typeface="+mj-cs"/>
+              </a:rPr>
+              <a:t>Inverse</a:t>
+            </a:r>
+            <a:r>
+              <a:rPr lang="tr-TR" sz="1800" kern="1200" dirty="0">
+                <a:solidFill>
+                  <a:srgbClr val="FFFFFF"/>
+                </a:solidFill>
+                <a:latin typeface="+mj-lt"/>
+                <a:ea typeface="+mj-ea"/>
+                <a:cs typeface="+mj-cs"/>
+              </a:rPr>
+              <a:t> MDD                         MINVAR</a:t>
+            </a:r>
+            <a:br>
+              <a:rPr lang="tr-TR" sz="1800" kern="1200" dirty="0">
+                <a:solidFill>
+                  <a:srgbClr val="FFFFFF"/>
+                </a:solidFill>
+                <a:latin typeface="+mj-lt"/>
+                <a:ea typeface="+mj-ea"/>
+                <a:cs typeface="+mj-cs"/>
+              </a:rPr>
+            </a:br>
+            <a:endParaRPr lang="tr-TR" dirty="0"/>
+          </a:p>
+        </p:txBody>
+      </p:sp>
+      <p:sp>
+        <p:nvSpPr>
+          <p:cNvPr id="51" name="Metin kutusu 50">
+            <a:extLst>
+              <a:ext uri="{FF2B5EF4-FFF2-40B4-BE49-F238E27FC236}">
+                <a16:creationId xmlns:a16="http://schemas.microsoft.com/office/drawing/2014/main" id="{A70B95CD-8DAF-9678-5271-CC7419A3BC45}"/>
+              </a:ext>
+            </a:extLst>
+          </p:cNvPr>
+          <p:cNvSpPr txBox="1"/>
+          <p:nvPr/>
+        </p:nvSpPr>
+        <p:spPr>
+          <a:xfrm>
+            <a:off x="584292" y="6194416"/>
+            <a:ext cx="1618793" cy="646331"/>
+          </a:xfrm>
+          <a:prstGeom prst="rect">
+            <a:avLst/>
+          </a:prstGeom>
+          <a:noFill/>
+        </p:spPr>
+        <p:txBody>
+          <a:bodyPr wrap="square" rtlCol="0">
+            <a:spAutoFit/>
+          </a:bodyPr>
+          <a:lstStyle/>
+          <a:p>
+            <a:r>
+              <a:rPr lang="tr-TR" sz="1200" dirty="0"/>
+              <a:t>Return: %56.6</a:t>
+            </a:r>
+          </a:p>
+          <a:p>
+            <a:r>
+              <a:rPr lang="tr-TR" sz="1200" dirty="0"/>
+              <a:t>SR: 2.75</a:t>
+            </a:r>
+          </a:p>
+          <a:p>
+            <a:r>
+              <a:rPr lang="tr-TR" sz="1200" dirty="0"/>
+              <a:t>MDD: %13.7</a:t>
+            </a:r>
+          </a:p>
+        </p:txBody>
+      </p:sp>
+      <p:sp>
+        <p:nvSpPr>
+          <p:cNvPr id="52" name="Metin kutusu 51">
+            <a:extLst>
+              <a:ext uri="{FF2B5EF4-FFF2-40B4-BE49-F238E27FC236}">
+                <a16:creationId xmlns:a16="http://schemas.microsoft.com/office/drawing/2014/main" id="{8CB66451-38B6-8CD7-C133-BF6BD30A2B00}"/>
+              </a:ext>
+            </a:extLst>
+          </p:cNvPr>
+          <p:cNvSpPr txBox="1"/>
+          <p:nvPr/>
+        </p:nvSpPr>
+        <p:spPr>
+          <a:xfrm>
+            <a:off x="2863225" y="6203042"/>
+            <a:ext cx="2175360" cy="646331"/>
+          </a:xfrm>
+          <a:prstGeom prst="rect">
+            <a:avLst/>
+          </a:prstGeom>
+          <a:noFill/>
+        </p:spPr>
+        <p:txBody>
+          <a:bodyPr wrap="square" rtlCol="0">
+            <a:spAutoFit/>
+          </a:bodyPr>
+          <a:lstStyle/>
+          <a:p>
+            <a:r>
+              <a:rPr lang="tr-TR" sz="1200" dirty="0"/>
+              <a:t>Return: %80.4</a:t>
+            </a:r>
+          </a:p>
+          <a:p>
+            <a:r>
+              <a:rPr lang="tr-TR" sz="1200" dirty="0"/>
+              <a:t>SR: 3.96</a:t>
+            </a:r>
+          </a:p>
+          <a:p>
+            <a:r>
+              <a:rPr lang="tr-TR" sz="1200" dirty="0"/>
+              <a:t>MDD: %16.1</a:t>
+            </a:r>
+          </a:p>
+        </p:txBody>
+      </p:sp>
+      <p:sp>
+        <p:nvSpPr>
+          <p:cNvPr id="53" name="Metin kutusu 52">
+            <a:extLst>
+              <a:ext uri="{FF2B5EF4-FFF2-40B4-BE49-F238E27FC236}">
+                <a16:creationId xmlns:a16="http://schemas.microsoft.com/office/drawing/2014/main" id="{62C3CF7E-303C-27BA-05F6-76E1DF411575}"/>
+              </a:ext>
+            </a:extLst>
+          </p:cNvPr>
+          <p:cNvSpPr txBox="1"/>
+          <p:nvPr/>
+        </p:nvSpPr>
+        <p:spPr>
+          <a:xfrm>
+            <a:off x="7415439" y="6203042"/>
+            <a:ext cx="1644246" cy="646331"/>
+          </a:xfrm>
+          <a:prstGeom prst="rect">
+            <a:avLst/>
+          </a:prstGeom>
+          <a:noFill/>
+        </p:spPr>
+        <p:txBody>
+          <a:bodyPr wrap="square" rtlCol="0">
+            <a:spAutoFit/>
+          </a:bodyPr>
+          <a:lstStyle/>
+          <a:p>
+            <a:r>
+              <a:rPr lang="tr-TR" sz="1200" dirty="0"/>
+              <a:t>Return: %65.6</a:t>
+            </a:r>
+          </a:p>
+          <a:p>
+            <a:r>
+              <a:rPr lang="tr-TR" sz="1200" dirty="0"/>
+              <a:t>SR: 3.39</a:t>
+            </a:r>
+          </a:p>
+          <a:p>
+            <a:r>
+              <a:rPr lang="tr-TR" sz="1200" dirty="0"/>
+              <a:t>MDD: %11.4</a:t>
+            </a:r>
+          </a:p>
+        </p:txBody>
+      </p:sp>
+      <p:sp>
+        <p:nvSpPr>
+          <p:cNvPr id="54" name="Metin kutusu 53">
+            <a:extLst>
+              <a:ext uri="{FF2B5EF4-FFF2-40B4-BE49-F238E27FC236}">
+                <a16:creationId xmlns:a16="http://schemas.microsoft.com/office/drawing/2014/main" id="{F94EBC21-360D-D5EE-A7D2-3531F334D746}"/>
+              </a:ext>
+            </a:extLst>
+          </p:cNvPr>
+          <p:cNvSpPr txBox="1"/>
+          <p:nvPr/>
+        </p:nvSpPr>
+        <p:spPr>
+          <a:xfrm>
+            <a:off x="9762256" y="6203165"/>
+            <a:ext cx="2175360" cy="646331"/>
+          </a:xfrm>
+          <a:prstGeom prst="rect">
+            <a:avLst/>
+          </a:prstGeom>
+          <a:noFill/>
+        </p:spPr>
+        <p:txBody>
+          <a:bodyPr wrap="square" rtlCol="0">
+            <a:spAutoFit/>
+          </a:bodyPr>
+          <a:lstStyle/>
+          <a:p>
+            <a:r>
+              <a:rPr lang="tr-TR" sz="1200" dirty="0"/>
+              <a:t>Return: %64.3</a:t>
+            </a:r>
+          </a:p>
+          <a:p>
+            <a:r>
+              <a:rPr lang="tr-TR" sz="1200" dirty="0"/>
+              <a:t>SR: 3.96</a:t>
+            </a:r>
+          </a:p>
+          <a:p>
+            <a:r>
+              <a:rPr lang="tr-TR" sz="1200" dirty="0"/>
+              <a:t>MDD: %17.8</a:t>
+            </a:r>
+          </a:p>
+        </p:txBody>
+      </p:sp>
+      <p:sp>
+        <p:nvSpPr>
+          <p:cNvPr id="55" name="Metin kutusu 54">
+            <a:extLst>
+              <a:ext uri="{FF2B5EF4-FFF2-40B4-BE49-F238E27FC236}">
+                <a16:creationId xmlns:a16="http://schemas.microsoft.com/office/drawing/2014/main" id="{3099ABFA-9BB9-91D3-8ACA-943BBF77E4C4}"/>
+              </a:ext>
+            </a:extLst>
+          </p:cNvPr>
+          <p:cNvSpPr txBox="1"/>
+          <p:nvPr/>
+        </p:nvSpPr>
+        <p:spPr>
+          <a:xfrm>
+            <a:off x="5141905" y="6211669"/>
+            <a:ext cx="1574731" cy="646331"/>
+          </a:xfrm>
+          <a:prstGeom prst="rect">
+            <a:avLst/>
+          </a:prstGeom>
+          <a:noFill/>
+        </p:spPr>
+        <p:txBody>
+          <a:bodyPr wrap="square" rtlCol="0">
+            <a:spAutoFit/>
+          </a:bodyPr>
+          <a:lstStyle/>
+          <a:p>
+            <a:r>
+              <a:rPr lang="tr-TR" sz="1200" dirty="0"/>
+              <a:t>Return: %92.3</a:t>
+            </a:r>
+          </a:p>
+          <a:p>
+            <a:r>
+              <a:rPr lang="tr-TR" sz="1200" dirty="0"/>
+              <a:t>SR: 4.82</a:t>
+            </a:r>
+          </a:p>
+          <a:p>
+            <a:r>
+              <a:rPr lang="tr-TR" sz="1200" dirty="0"/>
+              <a:t>MDD: %12.4</a:t>
+            </a:r>
+          </a:p>
+        </p:txBody>
+      </p:sp>
+      <p:sp>
+        <p:nvSpPr>
+          <p:cNvPr id="3" name="Metin kutusu 2">
+            <a:extLst>
+              <a:ext uri="{FF2B5EF4-FFF2-40B4-BE49-F238E27FC236}">
+                <a16:creationId xmlns:a16="http://schemas.microsoft.com/office/drawing/2014/main" id="{D6935863-5355-2563-D7D9-D2869C83D594}"/>
+              </a:ext>
+            </a:extLst>
+          </p:cNvPr>
+          <p:cNvSpPr txBox="1"/>
+          <p:nvPr/>
+        </p:nvSpPr>
+        <p:spPr>
+          <a:xfrm>
+            <a:off x="58075" y="3860777"/>
+            <a:ext cx="6094562" cy="369332"/>
+          </a:xfrm>
+          <a:prstGeom prst="rect">
+            <a:avLst/>
+          </a:prstGeom>
+          <a:noFill/>
+        </p:spPr>
+        <p:txBody>
+          <a:bodyPr wrap="square">
+            <a:spAutoFit/>
+          </a:bodyPr>
+          <a:lstStyle/>
+          <a:p>
+            <a:r>
+              <a:rPr lang="tr-TR" sz="1800" dirty="0"/>
+              <a:t>21.09.2021 – 16.12.2021 (I)</a:t>
+            </a:r>
+          </a:p>
+        </p:txBody>
+      </p:sp>
+    </p:spTree>
+    <p:extLst>
+      <p:ext uri="{BB962C8B-B14F-4D97-AF65-F5344CB8AC3E}">
+        <p14:creationId xmlns:p14="http://schemas.microsoft.com/office/powerpoint/2010/main" val="2712357801"/>
+      </p:ext>
+    </p:extLst>
+  </p:cSld>
+  <p:clrMapOvr>
+    <a:masterClrMapping/>
+  </p:clrMapOvr>
+</p:sld>
+</file>
+
+<file path=ppt/slides/slide5.xml><?xml version="1.0" encoding="utf-8"?>
+<p:sld xmlns:a="http://schemas.openxmlformats.org/drawingml/2006/main" xmlns:r="http://schemas.openxmlformats.org/officeDocument/2006/relationships" xmlns:p="http://schemas.openxmlformats.org/presentationml/2006/main">
+  <p:cSld>
+    <p:bg>
+      <p:bgPr>
+        <a:solidFill>
+          <a:schemeClr val="bg1"/>
+        </a:solidFill>
+        <a:effectLst/>
+      </p:bgPr>
+    </p:bg>
+    <p:spTree>
+      <p:nvGrpSpPr>
+        <p:cNvPr id="1" name=""/>
+        <p:cNvGrpSpPr/>
+        <p:nvPr/>
+      </p:nvGrpSpPr>
+      <p:grpSpPr>
+        <a:xfrm>
+          <a:off x="0" y="0"/>
+          <a:ext cx="0" cy="0"/>
+          <a:chOff x="0" y="0"/>
+          <a:chExt cx="0" cy="0"/>
+        </a:xfrm>
+      </p:grpSpPr>
+      <p:sp useBgFill="1">
+        <p:nvSpPr>
+          <p:cNvPr id="20" name="Rectangle 9">
+            <a:extLst>
+              <a:ext uri="{FF2B5EF4-FFF2-40B4-BE49-F238E27FC236}">
+                <a16:creationId xmlns:a16="http://schemas.microsoft.com/office/drawing/2014/main" id="{A8384FB5-9ADC-4DDC-881B-597D56F5B15D}"/>
+              </a:ext>
+              <a:ext uri="{C183D7F6-B498-43B3-948B-1728B52AA6E4}">
+                <adec:decorative xmlns:adec="http://schemas.microsoft.com/office/drawing/2017/decorative" val="1"/>
+              </a:ext>
+            </a:extLst>
+          </p:cNvPr>
+          <p:cNvSpPr>
+            <a:spLocks noGrp="1" noRot="1" noChangeAspect="1" noMove="1" noResize="1" noEditPoints="1" noAdjustHandles="1" noChangeArrowheads="1" noChangeShapeType="1" noTextEdit="1"/>
+          </p:cNvSpPr>
+          <p:nvPr>
+            <p:extLst>
+              <p:ext uri="{386F3935-93C4-4BCD-93E2-E3B085C9AB24}">
+                <p16:designElem xmlns:p16="http://schemas.microsoft.com/office/powerpoint/2015/main" val="1"/>
+              </p:ext>
+            </p:extLst>
+          </p:nvPr>
+        </p:nvSpPr>
+        <p:spPr>
+          <a:xfrm>
+            <a:off x="0" y="0"/>
+            <a:ext cx="12192000" cy="6858000"/>
+          </a:xfrm>
+          <a:prstGeom prst="rect">
+            <a:avLst/>
+          </a:prstGeom>
+          <a:ln w="12700" cap="flat" cmpd="sng" algn="ctr">
+            <a:noFill/>
+            <a:prstDash val="solid"/>
+            <a:miter lim="800000"/>
+          </a:ln>
+          <a:effectLst/>
+          <a:extLst>
+            <a:ext uri="{91240B29-F687-4F45-9708-019B960494DF}">
+              <a14:hiddenLine xmlns:a14="http://schemas.microsoft.com/office/drawing/2010/main" w="12700" cap="flat" cmpd="sng" algn="ctr">
+                <a:solidFill>
+                  <a:schemeClr val="accent1">
+                    <a:shade val="50000"/>
+                  </a:schemeClr>
+                </a:solidFill>
+                <a:prstDash val="solid"/>
+                <a:miter lim="800000"/>
+              </a14:hiddenLine>
+            </a:ext>
+          </a:extLst>
+        </p:spPr>
+        <p:style>
+          <a:lnRef idx="2">
+            <a:schemeClr val="accent1">
+              <a:shade val="50000"/>
+            </a:schemeClr>
+          </a:lnRef>
+          <a:fillRef idx="1">
+            <a:schemeClr val="accent1"/>
+          </a:fillRef>
+          <a:effectRef idx="0">
+            <a:schemeClr val="accent1"/>
+          </a:effectRef>
+          <a:fontRef idx="minor">
+            <a:schemeClr val="lt1"/>
+          </a:fontRef>
+        </p:style>
+        <p:txBody>
+          <a:bodyPr rtlCol="0" anchor="ctr"/>
+          <a:lstStyle/>
+          <a:p>
+            <a:pPr algn="ctr"/>
+            <a:endParaRPr lang="en-US"/>
+          </a:p>
+        </p:txBody>
+      </p:sp>
+      <p:sp>
+        <p:nvSpPr>
+          <p:cNvPr id="12" name="Rectangle 11">
+            <a:extLst>
+              <a:ext uri="{FF2B5EF4-FFF2-40B4-BE49-F238E27FC236}">
+                <a16:creationId xmlns:a16="http://schemas.microsoft.com/office/drawing/2014/main" id="{1199E1B1-A8C0-4FE8-A5A8-1CB41D69F857}"/>
+              </a:ext>
+              <a:ext uri="{C183D7F6-B498-43B3-948B-1728B52AA6E4}">
+                <adec:decorative xmlns:adec="http://schemas.microsoft.com/office/drawing/2017/decorative" val="1"/>
+              </a:ext>
+            </a:extLst>
+          </p:cNvPr>
+          <p:cNvSpPr>
+            <a:spLocks noGrp="1" noRot="1" noChangeAspect="1" noMove="1" noResize="1" noEditPoints="1" noAdjustHandles="1" noChangeArrowheads="1" noChangeShapeType="1" noTextEdit="1"/>
+          </p:cNvSpPr>
+          <p:nvPr>
+            <p:extLst>
+              <p:ext uri="{386F3935-93C4-4BCD-93E2-E3B085C9AB24}">
+                <p16:designElem xmlns:p16="http://schemas.microsoft.com/office/powerpoint/2015/main" val="1"/>
+              </p:ext>
+            </p:extLst>
+          </p:nvPr>
+        </p:nvSpPr>
+        <p:spPr>
+          <a:xfrm rot="10800000" flipH="1">
+            <a:off x="2" y="0"/>
+            <a:ext cx="12191998" cy="1575955"/>
+          </a:xfrm>
+          <a:prstGeom prst="rect">
+            <a:avLst/>
+          </a:prstGeom>
+          <a:gradFill>
+            <a:gsLst>
+              <a:gs pos="0">
+                <a:srgbClr val="000000">
+                  <a:alpha val="96000"/>
+                </a:srgbClr>
+              </a:gs>
+              <a:gs pos="100000">
+                <a:schemeClr val="accent1">
+                  <a:lumMod val="75000"/>
+                </a:schemeClr>
+              </a:gs>
+            </a:gsLst>
+            <a:lin ang="6000000" scaled="0"/>
+          </a:gradFill>
+          <a:ln>
+            <a:noFill/>
+          </a:ln>
+        </p:spPr>
+        <p:style>
+          <a:lnRef idx="2">
+            <a:schemeClr val="accent1">
+              <a:shade val="50000"/>
+            </a:schemeClr>
+          </a:lnRef>
+          <a:fillRef idx="1">
+            <a:schemeClr val="accent1"/>
+          </a:fillRef>
+          <a:effectRef idx="0">
+            <a:schemeClr val="accent1"/>
+          </a:effectRef>
+          <a:fontRef idx="minor">
+            <a:schemeClr val="lt1"/>
+          </a:fontRef>
+        </p:style>
+        <p:txBody>
+          <a:bodyPr rtlCol="0" anchor="ctr"/>
+          <a:lstStyle/>
+          <a:p>
+            <a:pPr algn="ctr"/>
+            <a:endParaRPr lang="en-US"/>
+          </a:p>
+        </p:txBody>
+      </p:sp>
+      <p:sp>
+        <p:nvSpPr>
+          <p:cNvPr id="21" name="Rectangle 13">
+            <a:extLst>
+              <a:ext uri="{FF2B5EF4-FFF2-40B4-BE49-F238E27FC236}">
+                <a16:creationId xmlns:a16="http://schemas.microsoft.com/office/drawing/2014/main" id="{84A8DE83-DE75-4B41-9DB4-A7EC0B0DEC0B}"/>
+              </a:ext>
+              <a:ext uri="{C183D7F6-B498-43B3-948B-1728B52AA6E4}">
+                <adec:decorative xmlns:adec="http://schemas.microsoft.com/office/drawing/2017/decorative" val="1"/>
+              </a:ext>
+            </a:extLst>
+          </p:cNvPr>
+          <p:cNvSpPr>
+            <a:spLocks noGrp="1" noRot="1" noChangeAspect="1" noMove="1" noResize="1" noEditPoints="1" noAdjustHandles="1" noChangeArrowheads="1" noChangeShapeType="1" noTextEdit="1"/>
+          </p:cNvSpPr>
+          <p:nvPr>
+            <p:extLst>
+              <p:ext uri="{386F3935-93C4-4BCD-93E2-E3B085C9AB24}">
+                <p16:designElem xmlns:p16="http://schemas.microsoft.com/office/powerpoint/2015/main" val="1"/>
+              </p:ext>
+            </p:extLst>
+          </p:nvPr>
+        </p:nvSpPr>
+        <p:spPr>
+          <a:xfrm>
+            <a:off x="0" y="0"/>
+            <a:ext cx="8128856" cy="1575461"/>
+          </a:xfrm>
+          <a:prstGeom prst="rect">
+            <a:avLst/>
+          </a:prstGeom>
+          <a:gradFill>
+            <a:gsLst>
+              <a:gs pos="0">
+                <a:schemeClr val="accent1">
+                  <a:alpha val="41000"/>
+                </a:schemeClr>
+              </a:gs>
+              <a:gs pos="74000">
+                <a:schemeClr val="accent1">
+                  <a:lumMod val="60000"/>
+                  <a:lumOff val="40000"/>
+                  <a:alpha val="0"/>
+                </a:schemeClr>
+              </a:gs>
+            </a:gsLst>
+            <a:lin ang="8400000" scaled="0"/>
+          </a:gradFill>
+          <a:ln>
+            <a:noFill/>
+          </a:ln>
+        </p:spPr>
+        <p:style>
+          <a:lnRef idx="2">
+            <a:schemeClr val="accent1">
+              <a:shade val="50000"/>
+            </a:schemeClr>
+          </a:lnRef>
+          <a:fillRef idx="1">
+            <a:schemeClr val="accent1"/>
+          </a:fillRef>
+          <a:effectRef idx="0">
+            <a:schemeClr val="accent1"/>
+          </a:effectRef>
+          <a:fontRef idx="minor">
+            <a:schemeClr val="lt1"/>
+          </a:fontRef>
+        </p:style>
+        <p:txBody>
+          <a:bodyPr rtlCol="0" anchor="ctr"/>
+          <a:lstStyle/>
+          <a:p>
+            <a:pPr algn="ctr"/>
+            <a:endParaRPr lang="en-US"/>
+          </a:p>
+        </p:txBody>
+      </p:sp>
+      <p:sp>
+        <p:nvSpPr>
+          <p:cNvPr id="22" name="Rectangle 15">
+            <a:extLst>
+              <a:ext uri="{FF2B5EF4-FFF2-40B4-BE49-F238E27FC236}">
+                <a16:creationId xmlns:a16="http://schemas.microsoft.com/office/drawing/2014/main" id="{A7009A0A-BEF5-4EAC-AF15-E4F9F002E239}"/>
+              </a:ext>
+              <a:ext uri="{C183D7F6-B498-43B3-948B-1728B52AA6E4}">
+                <adec:decorative xmlns:adec="http://schemas.microsoft.com/office/drawing/2017/decorative" val="1"/>
+              </a:ext>
+            </a:extLst>
+          </p:cNvPr>
+          <p:cNvSpPr>
+            <a:spLocks noGrp="1" noRot="1" noChangeAspect="1" noMove="1" noResize="1" noEditPoints="1" noAdjustHandles="1" noChangeArrowheads="1" noChangeShapeType="1" noTextEdit="1"/>
+          </p:cNvSpPr>
+          <p:nvPr>
+            <p:extLst>
+              <p:ext uri="{386F3935-93C4-4BCD-93E2-E3B085C9AB24}">
+                <p16:designElem xmlns:p16="http://schemas.microsoft.com/office/powerpoint/2015/main" val="1"/>
+              </p:ext>
+            </p:extLst>
+          </p:nvPr>
+        </p:nvSpPr>
+        <p:spPr>
+          <a:xfrm flipH="1">
+            <a:off x="-3" y="-1"/>
+            <a:ext cx="12192002" cy="1574311"/>
+          </a:xfrm>
+          <a:prstGeom prst="rect">
+            <a:avLst/>
+          </a:prstGeom>
+          <a:gradFill>
+            <a:gsLst>
+              <a:gs pos="0">
+                <a:srgbClr val="000000">
+                  <a:alpha val="63000"/>
+                </a:srgbClr>
+              </a:gs>
+              <a:gs pos="78000">
+                <a:schemeClr val="accent1">
+                  <a:alpha val="15000"/>
+                </a:schemeClr>
+              </a:gs>
+            </a:gsLst>
+            <a:lin ang="15600000" scaled="0"/>
+          </a:gradFill>
+          <a:ln>
+            <a:noFill/>
+          </a:ln>
+        </p:spPr>
+        <p:style>
+          <a:lnRef idx="2">
+            <a:schemeClr val="accent1">
+              <a:shade val="50000"/>
+            </a:schemeClr>
+          </a:lnRef>
+          <a:fillRef idx="1">
+            <a:schemeClr val="accent1"/>
+          </a:fillRef>
+          <a:effectRef idx="0">
+            <a:schemeClr val="accent1"/>
+          </a:effectRef>
+          <a:fontRef idx="minor">
+            <a:schemeClr val="lt1"/>
+          </a:fontRef>
+        </p:style>
+        <p:txBody>
+          <a:bodyPr rtlCol="0" anchor="ctr"/>
+          <a:lstStyle/>
+          <a:p>
+            <a:pPr algn="ctr"/>
+            <a:endParaRPr lang="en-US"/>
+          </a:p>
+        </p:txBody>
+      </p:sp>
+      <p:sp>
+        <p:nvSpPr>
+          <p:cNvPr id="50" name="Metin kutusu 49">
+            <a:extLst>
+              <a:ext uri="{FF2B5EF4-FFF2-40B4-BE49-F238E27FC236}">
+                <a16:creationId xmlns:a16="http://schemas.microsoft.com/office/drawing/2014/main" id="{EE49DAA7-5989-86CD-D23F-3B5512C9B12C}"/>
+              </a:ext>
+            </a:extLst>
+          </p:cNvPr>
+          <p:cNvSpPr txBox="1"/>
+          <p:nvPr/>
+        </p:nvSpPr>
+        <p:spPr>
+          <a:xfrm>
+            <a:off x="1195902" y="54173"/>
+            <a:ext cx="10226912" cy="646331"/>
+          </a:xfrm>
+          <a:prstGeom prst="rect">
+            <a:avLst/>
+          </a:prstGeom>
+          <a:noFill/>
+        </p:spPr>
+        <p:txBody>
+          <a:bodyPr wrap="square">
+            <a:spAutoFit/>
+          </a:bodyPr>
+          <a:lstStyle/>
+          <a:p>
+            <a:r>
+              <a:rPr lang="tr-TR" sz="1800" kern="1200" dirty="0">
+                <a:solidFill>
+                  <a:srgbClr val="FFFFFF"/>
+                </a:solidFill>
+                <a:latin typeface="+mj-lt"/>
+                <a:ea typeface="+mj-ea"/>
+                <a:cs typeface="+mj-cs"/>
+              </a:rPr>
+              <a:t>   </a:t>
+            </a:r>
+            <a:r>
+              <a:rPr lang="tr-TR" sz="1800" kern="1200" dirty="0" err="1">
+                <a:solidFill>
+                  <a:srgbClr val="FFFFFF"/>
+                </a:solidFill>
+                <a:latin typeface="+mj-lt"/>
+                <a:ea typeface="+mj-ea"/>
+                <a:cs typeface="+mj-cs"/>
+              </a:rPr>
+              <a:t>Sharpe</a:t>
+            </a:r>
+            <a:r>
+              <a:rPr lang="tr-TR" sz="1800" kern="1200" dirty="0">
+                <a:solidFill>
+                  <a:srgbClr val="FFFFFF"/>
+                </a:solidFill>
+                <a:latin typeface="+mj-lt"/>
+                <a:ea typeface="+mj-ea"/>
+                <a:cs typeface="+mj-cs"/>
+              </a:rPr>
+              <a:t>                        </a:t>
+            </a:r>
+            <a:r>
+              <a:rPr lang="tr-TR" sz="1800" kern="1200" dirty="0" err="1">
+                <a:solidFill>
+                  <a:srgbClr val="FFFFFF"/>
+                </a:solidFill>
+                <a:latin typeface="+mj-lt"/>
+                <a:ea typeface="+mj-ea"/>
+                <a:cs typeface="+mj-cs"/>
+              </a:rPr>
+              <a:t>Inverse</a:t>
+            </a:r>
+            <a:r>
+              <a:rPr lang="tr-TR" sz="1800" kern="1200" dirty="0">
+                <a:solidFill>
+                  <a:srgbClr val="FFFFFF"/>
+                </a:solidFill>
+                <a:latin typeface="+mj-lt"/>
+                <a:ea typeface="+mj-ea"/>
+                <a:cs typeface="+mj-cs"/>
+              </a:rPr>
+              <a:t> </a:t>
+            </a:r>
+            <a:r>
+              <a:rPr lang="tr-TR" sz="1800" kern="1200" dirty="0" err="1">
+                <a:solidFill>
+                  <a:srgbClr val="FFFFFF"/>
+                </a:solidFill>
+                <a:latin typeface="+mj-lt"/>
+                <a:ea typeface="+mj-ea"/>
+                <a:cs typeface="+mj-cs"/>
+              </a:rPr>
+              <a:t>Sharpe</a:t>
+            </a:r>
+            <a:r>
+              <a:rPr lang="tr-TR" sz="1800" kern="1200" dirty="0">
+                <a:solidFill>
+                  <a:srgbClr val="FFFFFF"/>
+                </a:solidFill>
+                <a:latin typeface="+mj-lt"/>
+                <a:ea typeface="+mj-ea"/>
+                <a:cs typeface="+mj-cs"/>
+              </a:rPr>
+              <a:t>                          MDD                           </a:t>
+            </a:r>
+            <a:r>
+              <a:rPr lang="tr-TR" dirty="0">
+                <a:solidFill>
+                  <a:srgbClr val="FFFFFF"/>
+                </a:solidFill>
+                <a:latin typeface="+mj-lt"/>
+                <a:ea typeface="+mj-ea"/>
+                <a:cs typeface="+mj-cs"/>
+              </a:rPr>
+              <a:t>  </a:t>
+            </a:r>
+            <a:r>
+              <a:rPr lang="tr-TR" sz="1800" kern="1200" dirty="0" err="1">
+                <a:solidFill>
+                  <a:srgbClr val="FFFFFF"/>
+                </a:solidFill>
+                <a:latin typeface="+mj-lt"/>
+                <a:ea typeface="+mj-ea"/>
+                <a:cs typeface="+mj-cs"/>
+              </a:rPr>
+              <a:t>Inverse</a:t>
+            </a:r>
+            <a:r>
+              <a:rPr lang="tr-TR" sz="1800" kern="1200" dirty="0">
+                <a:solidFill>
+                  <a:srgbClr val="FFFFFF"/>
+                </a:solidFill>
+                <a:latin typeface="+mj-lt"/>
+                <a:ea typeface="+mj-ea"/>
+                <a:cs typeface="+mj-cs"/>
+              </a:rPr>
+              <a:t> MDD                         MINVAR</a:t>
+            </a:r>
+            <a:br>
+              <a:rPr lang="tr-TR" sz="1800" kern="1200" dirty="0">
+                <a:solidFill>
+                  <a:srgbClr val="FFFFFF"/>
+                </a:solidFill>
+                <a:latin typeface="+mj-lt"/>
+                <a:ea typeface="+mj-ea"/>
+                <a:cs typeface="+mj-cs"/>
+              </a:rPr>
+            </a:br>
+            <a:endParaRPr lang="tr-TR" dirty="0"/>
+          </a:p>
+        </p:txBody>
+      </p:sp>
+      <p:sp>
+        <p:nvSpPr>
+          <p:cNvPr id="51" name="Metin kutusu 50">
+            <a:extLst>
+              <a:ext uri="{FF2B5EF4-FFF2-40B4-BE49-F238E27FC236}">
+                <a16:creationId xmlns:a16="http://schemas.microsoft.com/office/drawing/2014/main" id="{A70B95CD-8DAF-9678-5271-CC7419A3BC45}"/>
+              </a:ext>
+            </a:extLst>
+          </p:cNvPr>
+          <p:cNvSpPr txBox="1"/>
+          <p:nvPr/>
+        </p:nvSpPr>
+        <p:spPr>
+          <a:xfrm>
+            <a:off x="584292" y="6194416"/>
+            <a:ext cx="1618793" cy="646331"/>
+          </a:xfrm>
+          <a:prstGeom prst="rect">
+            <a:avLst/>
+          </a:prstGeom>
+          <a:noFill/>
+        </p:spPr>
+        <p:txBody>
+          <a:bodyPr wrap="square" rtlCol="0">
+            <a:spAutoFit/>
+          </a:bodyPr>
+          <a:lstStyle/>
+          <a:p>
+            <a:r>
+              <a:rPr lang="tr-TR" sz="1200" dirty="0"/>
+              <a:t>Return: %56.6</a:t>
+            </a:r>
+          </a:p>
+          <a:p>
+            <a:r>
+              <a:rPr lang="tr-TR" sz="1200" dirty="0"/>
+              <a:t>SR: 2.75</a:t>
+            </a:r>
+          </a:p>
+          <a:p>
+            <a:r>
+              <a:rPr lang="tr-TR" sz="1200" dirty="0"/>
+              <a:t>MDD: %13.7</a:t>
+            </a:r>
+          </a:p>
+        </p:txBody>
+      </p:sp>
+      <p:sp>
+        <p:nvSpPr>
+          <p:cNvPr id="52" name="Metin kutusu 51">
+            <a:extLst>
+              <a:ext uri="{FF2B5EF4-FFF2-40B4-BE49-F238E27FC236}">
+                <a16:creationId xmlns:a16="http://schemas.microsoft.com/office/drawing/2014/main" id="{8CB66451-38B6-8CD7-C133-BF6BD30A2B00}"/>
+              </a:ext>
+            </a:extLst>
+          </p:cNvPr>
+          <p:cNvSpPr txBox="1"/>
+          <p:nvPr/>
+        </p:nvSpPr>
+        <p:spPr>
+          <a:xfrm>
+            <a:off x="2863225" y="6203042"/>
+            <a:ext cx="2175360" cy="646331"/>
+          </a:xfrm>
+          <a:prstGeom prst="rect">
+            <a:avLst/>
+          </a:prstGeom>
+          <a:noFill/>
+        </p:spPr>
+        <p:txBody>
+          <a:bodyPr wrap="square" rtlCol="0">
+            <a:spAutoFit/>
+          </a:bodyPr>
+          <a:lstStyle/>
+          <a:p>
+            <a:r>
+              <a:rPr lang="tr-TR" sz="1200" dirty="0"/>
+              <a:t>Return: %80.4</a:t>
+            </a:r>
+          </a:p>
+          <a:p>
+            <a:r>
+              <a:rPr lang="tr-TR" sz="1200" dirty="0"/>
+              <a:t>SR: 3.96</a:t>
+            </a:r>
+          </a:p>
+          <a:p>
+            <a:r>
+              <a:rPr lang="tr-TR" sz="1200" dirty="0"/>
+              <a:t>MDD: %16.1</a:t>
+            </a:r>
+          </a:p>
+        </p:txBody>
+      </p:sp>
+      <p:sp>
+        <p:nvSpPr>
+          <p:cNvPr id="53" name="Metin kutusu 52">
+            <a:extLst>
+              <a:ext uri="{FF2B5EF4-FFF2-40B4-BE49-F238E27FC236}">
+                <a16:creationId xmlns:a16="http://schemas.microsoft.com/office/drawing/2014/main" id="{62C3CF7E-303C-27BA-05F6-76E1DF411575}"/>
+              </a:ext>
+            </a:extLst>
+          </p:cNvPr>
+          <p:cNvSpPr txBox="1"/>
+          <p:nvPr/>
+        </p:nvSpPr>
+        <p:spPr>
+          <a:xfrm>
+            <a:off x="7415439" y="6203042"/>
+            <a:ext cx="1644246" cy="646331"/>
+          </a:xfrm>
+          <a:prstGeom prst="rect">
+            <a:avLst/>
+          </a:prstGeom>
+          <a:noFill/>
+        </p:spPr>
+        <p:txBody>
+          <a:bodyPr wrap="square" rtlCol="0">
+            <a:spAutoFit/>
+          </a:bodyPr>
+          <a:lstStyle/>
+          <a:p>
+            <a:r>
+              <a:rPr lang="tr-TR" sz="1200" dirty="0"/>
+              <a:t>Return: %65.6</a:t>
+            </a:r>
+          </a:p>
+          <a:p>
+            <a:r>
+              <a:rPr lang="tr-TR" sz="1200" dirty="0"/>
+              <a:t>SR: 3.39</a:t>
+            </a:r>
+          </a:p>
+          <a:p>
+            <a:r>
+              <a:rPr lang="tr-TR" sz="1200" dirty="0"/>
+              <a:t>MDD: %11.4</a:t>
+            </a:r>
+          </a:p>
+        </p:txBody>
+      </p:sp>
+      <p:sp>
+        <p:nvSpPr>
+          <p:cNvPr id="54" name="Metin kutusu 53">
+            <a:extLst>
+              <a:ext uri="{FF2B5EF4-FFF2-40B4-BE49-F238E27FC236}">
+                <a16:creationId xmlns:a16="http://schemas.microsoft.com/office/drawing/2014/main" id="{F94EBC21-360D-D5EE-A7D2-3531F334D746}"/>
+              </a:ext>
+            </a:extLst>
+          </p:cNvPr>
+          <p:cNvSpPr txBox="1"/>
+          <p:nvPr/>
+        </p:nvSpPr>
+        <p:spPr>
+          <a:xfrm>
+            <a:off x="9762256" y="6203165"/>
+            <a:ext cx="2175360" cy="646331"/>
+          </a:xfrm>
+          <a:prstGeom prst="rect">
+            <a:avLst/>
+          </a:prstGeom>
+          <a:noFill/>
+        </p:spPr>
+        <p:txBody>
+          <a:bodyPr wrap="square" rtlCol="0">
+            <a:spAutoFit/>
+          </a:bodyPr>
+          <a:lstStyle/>
+          <a:p>
+            <a:r>
+              <a:rPr lang="tr-TR" sz="1200" dirty="0"/>
+              <a:t>Return: %64.3</a:t>
+            </a:r>
+          </a:p>
+          <a:p>
+            <a:r>
+              <a:rPr lang="tr-TR" sz="1200" dirty="0"/>
+              <a:t>SR: 3.96</a:t>
+            </a:r>
+          </a:p>
+          <a:p>
+            <a:r>
+              <a:rPr lang="tr-TR" sz="1200" dirty="0"/>
+              <a:t>MDD: %17.8</a:t>
+            </a:r>
+          </a:p>
+        </p:txBody>
+      </p:sp>
+      <p:sp>
+        <p:nvSpPr>
+          <p:cNvPr id="55" name="Metin kutusu 54">
+            <a:extLst>
+              <a:ext uri="{FF2B5EF4-FFF2-40B4-BE49-F238E27FC236}">
+                <a16:creationId xmlns:a16="http://schemas.microsoft.com/office/drawing/2014/main" id="{3099ABFA-9BB9-91D3-8ACA-943BBF77E4C4}"/>
+              </a:ext>
+            </a:extLst>
+          </p:cNvPr>
+          <p:cNvSpPr txBox="1"/>
+          <p:nvPr/>
+        </p:nvSpPr>
+        <p:spPr>
+          <a:xfrm>
+            <a:off x="5141905" y="6211669"/>
+            <a:ext cx="1574731" cy="646331"/>
+          </a:xfrm>
+          <a:prstGeom prst="rect">
+            <a:avLst/>
+          </a:prstGeom>
+          <a:noFill/>
+        </p:spPr>
+        <p:txBody>
+          <a:bodyPr wrap="square" rtlCol="0">
+            <a:spAutoFit/>
+          </a:bodyPr>
+          <a:lstStyle/>
+          <a:p>
+            <a:r>
+              <a:rPr lang="tr-TR" sz="1200" dirty="0"/>
+              <a:t>Return: %92.3</a:t>
+            </a:r>
+          </a:p>
+          <a:p>
+            <a:r>
+              <a:rPr lang="tr-TR" sz="1200" dirty="0"/>
+              <a:t>SR: 4.82</a:t>
+            </a:r>
+          </a:p>
+          <a:p>
+            <a:r>
+              <a:rPr lang="tr-TR" sz="1200" dirty="0"/>
+              <a:t>MDD: %12.4</a:t>
+            </a:r>
+          </a:p>
+        </p:txBody>
+      </p:sp>
+      <p:sp>
+        <p:nvSpPr>
+          <p:cNvPr id="3" name="Metin kutusu 2">
+            <a:extLst>
+              <a:ext uri="{FF2B5EF4-FFF2-40B4-BE49-F238E27FC236}">
+                <a16:creationId xmlns:a16="http://schemas.microsoft.com/office/drawing/2014/main" id="{D6935863-5355-2563-D7D9-D2869C83D594}"/>
+              </a:ext>
+            </a:extLst>
+          </p:cNvPr>
+          <p:cNvSpPr txBox="1"/>
+          <p:nvPr/>
+        </p:nvSpPr>
+        <p:spPr>
+          <a:xfrm>
+            <a:off x="58075" y="3860777"/>
+            <a:ext cx="6094562" cy="369332"/>
+          </a:xfrm>
+          <a:prstGeom prst="rect">
+            <a:avLst/>
+          </a:prstGeom>
+          <a:noFill/>
+        </p:spPr>
+        <p:txBody>
+          <a:bodyPr wrap="square">
+            <a:spAutoFit/>
+          </a:bodyPr>
+          <a:lstStyle/>
+          <a:p>
+            <a:r>
+              <a:rPr lang="tr-TR" sz="1800" dirty="0"/>
+              <a:t>24.02.2022 – 07.06.2022 (II)</a:t>
+            </a:r>
+          </a:p>
+        </p:txBody>
+      </p:sp>
+    </p:spTree>
+    <p:extLst>
+      <p:ext uri="{BB962C8B-B14F-4D97-AF65-F5344CB8AC3E}">
+        <p14:creationId xmlns:p14="http://schemas.microsoft.com/office/powerpoint/2010/main" val="3544706042"/>
+      </p:ext>
+    </p:extLst>
+  </p:cSld>
+  <p:clrMapOvr>
+    <a:masterClrMapping/>
+  </p:clrMapOvr>
+</p:sld>
+</file>
+
+<file path=ppt/slides/slide6.xml><?xml version="1.0" encoding="utf-8"?>
+<p:sld xmlns:a="http://schemas.openxmlformats.org/drawingml/2006/main" xmlns:r="http://schemas.openxmlformats.org/officeDocument/2006/relationships" xmlns:p="http://schemas.openxmlformats.org/presentationml/2006/main">
+  <p:cSld>
+    <p:bg>
+      <p:bgPr>
+        <a:solidFill>
+          <a:schemeClr val="bg1"/>
+        </a:solidFill>
+        <a:effectLst/>
+      </p:bgPr>
+    </p:bg>
+    <p:spTree>
+      <p:nvGrpSpPr>
+        <p:cNvPr id="1" name=""/>
+        <p:cNvGrpSpPr/>
+        <p:nvPr/>
+      </p:nvGrpSpPr>
+      <p:grpSpPr>
+        <a:xfrm>
+          <a:off x="0" y="0"/>
+          <a:ext cx="0" cy="0"/>
+          <a:chOff x="0" y="0"/>
+          <a:chExt cx="0" cy="0"/>
+        </a:xfrm>
+      </p:grpSpPr>
+      <p:sp useBgFill="1">
+        <p:nvSpPr>
+          <p:cNvPr id="20" name="Rectangle 9">
+            <a:extLst>
+              <a:ext uri="{FF2B5EF4-FFF2-40B4-BE49-F238E27FC236}">
+                <a16:creationId xmlns:a16="http://schemas.microsoft.com/office/drawing/2014/main" id="{A8384FB5-9ADC-4DDC-881B-597D56F5B15D}"/>
+              </a:ext>
+              <a:ext uri="{C183D7F6-B498-43B3-948B-1728B52AA6E4}">
+                <adec:decorative xmlns:adec="http://schemas.microsoft.com/office/drawing/2017/decorative" val="1"/>
+              </a:ext>
+            </a:extLst>
+          </p:cNvPr>
+          <p:cNvSpPr>
+            <a:spLocks noGrp="1" noRot="1" noChangeAspect="1" noMove="1" noResize="1" noEditPoints="1" noAdjustHandles="1" noChangeArrowheads="1" noChangeShapeType="1" noTextEdit="1"/>
+          </p:cNvSpPr>
+          <p:nvPr>
+            <p:extLst>
+              <p:ext uri="{386F3935-93C4-4BCD-93E2-E3B085C9AB24}">
+                <p16:designElem xmlns:p16="http://schemas.microsoft.com/office/powerpoint/2015/main" val="1"/>
+              </p:ext>
+            </p:extLst>
+          </p:nvPr>
+        </p:nvSpPr>
+        <p:spPr>
+          <a:xfrm>
+            <a:off x="0" y="0"/>
+            <a:ext cx="12192000" cy="6858000"/>
+          </a:xfrm>
+          <a:prstGeom prst="rect">
+            <a:avLst/>
+          </a:prstGeom>
+          <a:ln w="12700" cap="flat" cmpd="sng" algn="ctr">
+            <a:noFill/>
+            <a:prstDash val="solid"/>
+            <a:miter lim="800000"/>
+          </a:ln>
+          <a:effectLst/>
+          <a:extLst>
+            <a:ext uri="{91240B29-F687-4F45-9708-019B960494DF}">
+              <a14:hiddenLine xmlns:a14="http://schemas.microsoft.com/office/drawing/2010/main" w="12700" cap="flat" cmpd="sng" algn="ctr">
+                <a:solidFill>
+                  <a:schemeClr val="accent1">
+                    <a:shade val="50000"/>
+                  </a:schemeClr>
+                </a:solidFill>
+                <a:prstDash val="solid"/>
+                <a:miter lim="800000"/>
+              </a14:hiddenLine>
+            </a:ext>
+          </a:extLst>
+        </p:spPr>
+        <p:style>
+          <a:lnRef idx="2">
+            <a:schemeClr val="accent1">
+              <a:shade val="50000"/>
+            </a:schemeClr>
+          </a:lnRef>
+          <a:fillRef idx="1">
+            <a:schemeClr val="accent1"/>
+          </a:fillRef>
+          <a:effectRef idx="0">
+            <a:schemeClr val="accent1"/>
+          </a:effectRef>
+          <a:fontRef idx="minor">
+            <a:schemeClr val="lt1"/>
+          </a:fontRef>
+        </p:style>
+        <p:txBody>
+          <a:bodyPr rtlCol="0" anchor="ctr"/>
+          <a:lstStyle/>
+          <a:p>
+            <a:pPr algn="ctr"/>
+            <a:endParaRPr lang="en-US"/>
+          </a:p>
+        </p:txBody>
+      </p:sp>
+      <p:sp>
+        <p:nvSpPr>
+          <p:cNvPr id="12" name="Rectangle 11">
+            <a:extLst>
+              <a:ext uri="{FF2B5EF4-FFF2-40B4-BE49-F238E27FC236}">
+                <a16:creationId xmlns:a16="http://schemas.microsoft.com/office/drawing/2014/main" id="{1199E1B1-A8C0-4FE8-A5A8-1CB41D69F857}"/>
+              </a:ext>
+              <a:ext uri="{C183D7F6-B498-43B3-948B-1728B52AA6E4}">
+                <adec:decorative xmlns:adec="http://schemas.microsoft.com/office/drawing/2017/decorative" val="1"/>
+              </a:ext>
+            </a:extLst>
+          </p:cNvPr>
+          <p:cNvSpPr>
+            <a:spLocks noGrp="1" noRot="1" noChangeAspect="1" noMove="1" noResize="1" noEditPoints="1" noAdjustHandles="1" noChangeArrowheads="1" noChangeShapeType="1" noTextEdit="1"/>
+          </p:cNvSpPr>
+          <p:nvPr>
+            <p:extLst>
+              <p:ext uri="{386F3935-93C4-4BCD-93E2-E3B085C9AB24}">
+                <p16:designElem xmlns:p16="http://schemas.microsoft.com/office/powerpoint/2015/main" val="1"/>
+              </p:ext>
+            </p:extLst>
+          </p:nvPr>
+        </p:nvSpPr>
+        <p:spPr>
+          <a:xfrm rot="10800000" flipH="1">
+            <a:off x="2" y="0"/>
+            <a:ext cx="12191998" cy="1575955"/>
+          </a:xfrm>
+          <a:prstGeom prst="rect">
+            <a:avLst/>
+          </a:prstGeom>
+          <a:gradFill>
+            <a:gsLst>
+              <a:gs pos="0">
+                <a:srgbClr val="000000">
+                  <a:alpha val="96000"/>
+                </a:srgbClr>
+              </a:gs>
+              <a:gs pos="100000">
+                <a:schemeClr val="accent1">
+                  <a:lumMod val="75000"/>
+                </a:schemeClr>
+              </a:gs>
+            </a:gsLst>
+            <a:lin ang="6000000" scaled="0"/>
+          </a:gradFill>
+          <a:ln>
+            <a:noFill/>
+          </a:ln>
+        </p:spPr>
+        <p:style>
+          <a:lnRef idx="2">
+            <a:schemeClr val="accent1">
+              <a:shade val="50000"/>
+            </a:schemeClr>
+          </a:lnRef>
+          <a:fillRef idx="1">
+            <a:schemeClr val="accent1"/>
+          </a:fillRef>
+          <a:effectRef idx="0">
+            <a:schemeClr val="accent1"/>
+          </a:effectRef>
+          <a:fontRef idx="minor">
+            <a:schemeClr val="lt1"/>
+          </a:fontRef>
+        </p:style>
+        <p:txBody>
+          <a:bodyPr rtlCol="0" anchor="ctr"/>
+          <a:lstStyle/>
+          <a:p>
+            <a:pPr algn="ctr"/>
+            <a:endParaRPr lang="en-US"/>
+          </a:p>
+        </p:txBody>
+      </p:sp>
+      <p:sp>
+        <p:nvSpPr>
+          <p:cNvPr id="21" name="Rectangle 13">
+            <a:extLst>
+              <a:ext uri="{FF2B5EF4-FFF2-40B4-BE49-F238E27FC236}">
+                <a16:creationId xmlns:a16="http://schemas.microsoft.com/office/drawing/2014/main" id="{84A8DE83-DE75-4B41-9DB4-A7EC0B0DEC0B}"/>
+              </a:ext>
+              <a:ext uri="{C183D7F6-B498-43B3-948B-1728B52AA6E4}">
+                <adec:decorative xmlns:adec="http://schemas.microsoft.com/office/drawing/2017/decorative" val="1"/>
+              </a:ext>
+            </a:extLst>
+          </p:cNvPr>
+          <p:cNvSpPr>
+            <a:spLocks noGrp="1" noRot="1" noChangeAspect="1" noMove="1" noResize="1" noEditPoints="1" noAdjustHandles="1" noChangeArrowheads="1" noChangeShapeType="1" noTextEdit="1"/>
+          </p:cNvSpPr>
+          <p:nvPr>
+            <p:extLst>
+              <p:ext uri="{386F3935-93C4-4BCD-93E2-E3B085C9AB24}">
+                <p16:designElem xmlns:p16="http://schemas.microsoft.com/office/powerpoint/2015/main" val="1"/>
+              </p:ext>
+            </p:extLst>
+          </p:nvPr>
+        </p:nvSpPr>
+        <p:spPr>
+          <a:xfrm>
+            <a:off x="0" y="0"/>
+            <a:ext cx="8128856" cy="1575461"/>
+          </a:xfrm>
+          <a:prstGeom prst="rect">
+            <a:avLst/>
+          </a:prstGeom>
+          <a:gradFill>
+            <a:gsLst>
+              <a:gs pos="0">
+                <a:schemeClr val="accent1">
+                  <a:alpha val="41000"/>
+                </a:schemeClr>
+              </a:gs>
+              <a:gs pos="74000">
+                <a:schemeClr val="accent1">
+                  <a:lumMod val="60000"/>
+                  <a:lumOff val="40000"/>
+                  <a:alpha val="0"/>
+                </a:schemeClr>
+              </a:gs>
+            </a:gsLst>
+            <a:lin ang="8400000" scaled="0"/>
+          </a:gradFill>
+          <a:ln>
+            <a:noFill/>
+          </a:ln>
+        </p:spPr>
+        <p:style>
+          <a:lnRef idx="2">
+            <a:schemeClr val="accent1">
+              <a:shade val="50000"/>
+            </a:schemeClr>
+          </a:lnRef>
+          <a:fillRef idx="1">
+            <a:schemeClr val="accent1"/>
+          </a:fillRef>
+          <a:effectRef idx="0">
+            <a:schemeClr val="accent1"/>
+          </a:effectRef>
+          <a:fontRef idx="minor">
+            <a:schemeClr val="lt1"/>
+          </a:fontRef>
+        </p:style>
+        <p:txBody>
+          <a:bodyPr rtlCol="0" anchor="ctr"/>
+          <a:lstStyle/>
+          <a:p>
+            <a:pPr algn="ctr"/>
+            <a:endParaRPr lang="en-US"/>
+          </a:p>
+        </p:txBody>
+      </p:sp>
+      <p:sp>
+        <p:nvSpPr>
+          <p:cNvPr id="22" name="Rectangle 15">
+            <a:extLst>
+              <a:ext uri="{FF2B5EF4-FFF2-40B4-BE49-F238E27FC236}">
+                <a16:creationId xmlns:a16="http://schemas.microsoft.com/office/drawing/2014/main" id="{A7009A0A-BEF5-4EAC-AF15-E4F9F002E239}"/>
+              </a:ext>
+              <a:ext uri="{C183D7F6-B498-43B3-948B-1728B52AA6E4}">
+                <adec:decorative xmlns:adec="http://schemas.microsoft.com/office/drawing/2017/decorative" val="1"/>
+              </a:ext>
+            </a:extLst>
+          </p:cNvPr>
+          <p:cNvSpPr>
+            <a:spLocks noGrp="1" noRot="1" noChangeAspect="1" noMove="1" noResize="1" noEditPoints="1" noAdjustHandles="1" noChangeArrowheads="1" noChangeShapeType="1" noTextEdit="1"/>
+          </p:cNvSpPr>
+          <p:nvPr>
+            <p:extLst>
+              <p:ext uri="{386F3935-93C4-4BCD-93E2-E3B085C9AB24}">
+                <p16:designElem xmlns:p16="http://schemas.microsoft.com/office/powerpoint/2015/main" val="1"/>
+              </p:ext>
+            </p:extLst>
+          </p:nvPr>
+        </p:nvSpPr>
+        <p:spPr>
+          <a:xfrm flipH="1">
+            <a:off x="-3" y="-1"/>
+            <a:ext cx="12192002" cy="1574311"/>
+          </a:xfrm>
+          <a:prstGeom prst="rect">
+            <a:avLst/>
+          </a:prstGeom>
+          <a:gradFill>
+            <a:gsLst>
+              <a:gs pos="0">
+                <a:srgbClr val="000000">
+                  <a:alpha val="63000"/>
+                </a:srgbClr>
+              </a:gs>
+              <a:gs pos="78000">
+                <a:schemeClr val="accent1">
+                  <a:alpha val="15000"/>
+                </a:schemeClr>
+              </a:gs>
+            </a:gsLst>
+            <a:lin ang="15600000" scaled="0"/>
+          </a:gradFill>
+          <a:ln>
+            <a:noFill/>
+          </a:ln>
+        </p:spPr>
+        <p:style>
+          <a:lnRef idx="2">
+            <a:schemeClr val="accent1">
+              <a:shade val="50000"/>
+            </a:schemeClr>
+          </a:lnRef>
+          <a:fillRef idx="1">
+            <a:schemeClr val="accent1"/>
+          </a:fillRef>
+          <a:effectRef idx="0">
+            <a:schemeClr val="accent1"/>
+          </a:effectRef>
+          <a:fontRef idx="minor">
+            <a:schemeClr val="lt1"/>
+          </a:fontRef>
+        </p:style>
+        <p:txBody>
+          <a:bodyPr rtlCol="0" anchor="ctr"/>
+          <a:lstStyle/>
+          <a:p>
+            <a:pPr algn="ctr"/>
+            <a:endParaRPr lang="en-US"/>
+          </a:p>
+        </p:txBody>
+      </p:sp>
+      <p:sp>
+        <p:nvSpPr>
+          <p:cNvPr id="50" name="Metin kutusu 49">
+            <a:extLst>
+              <a:ext uri="{FF2B5EF4-FFF2-40B4-BE49-F238E27FC236}">
+                <a16:creationId xmlns:a16="http://schemas.microsoft.com/office/drawing/2014/main" id="{EE49DAA7-5989-86CD-D23F-3B5512C9B12C}"/>
+              </a:ext>
+            </a:extLst>
+          </p:cNvPr>
+          <p:cNvSpPr txBox="1"/>
+          <p:nvPr/>
+        </p:nvSpPr>
+        <p:spPr>
+          <a:xfrm>
+            <a:off x="1195902" y="54173"/>
+            <a:ext cx="10226912" cy="646331"/>
+          </a:xfrm>
+          <a:prstGeom prst="rect">
+            <a:avLst/>
+          </a:prstGeom>
+          <a:noFill/>
+        </p:spPr>
+        <p:txBody>
+          <a:bodyPr wrap="square">
+            <a:spAutoFit/>
+          </a:bodyPr>
+          <a:lstStyle/>
+          <a:p>
+            <a:r>
+              <a:rPr lang="tr-TR" sz="1800" kern="1200" dirty="0">
+                <a:solidFill>
+                  <a:srgbClr val="FFFFFF"/>
+                </a:solidFill>
+                <a:latin typeface="+mj-lt"/>
+                <a:ea typeface="+mj-ea"/>
+                <a:cs typeface="+mj-cs"/>
+              </a:rPr>
+              <a:t>   </a:t>
+            </a:r>
+            <a:r>
+              <a:rPr lang="tr-TR" sz="1800" kern="1200" dirty="0" err="1">
+                <a:solidFill>
+                  <a:srgbClr val="FFFFFF"/>
+                </a:solidFill>
+                <a:latin typeface="+mj-lt"/>
+                <a:ea typeface="+mj-ea"/>
+                <a:cs typeface="+mj-cs"/>
+              </a:rPr>
+              <a:t>Sharpe</a:t>
+            </a:r>
+            <a:r>
+              <a:rPr lang="tr-TR" sz="1800" kern="1200" dirty="0">
+                <a:solidFill>
+                  <a:srgbClr val="FFFFFF"/>
+                </a:solidFill>
+                <a:latin typeface="+mj-lt"/>
+                <a:ea typeface="+mj-ea"/>
+                <a:cs typeface="+mj-cs"/>
+              </a:rPr>
+              <a:t>                        </a:t>
+            </a:r>
+            <a:r>
+              <a:rPr lang="tr-TR" sz="1800" kern="1200" dirty="0" err="1">
+                <a:solidFill>
+                  <a:srgbClr val="FFFFFF"/>
+                </a:solidFill>
+                <a:latin typeface="+mj-lt"/>
+                <a:ea typeface="+mj-ea"/>
+                <a:cs typeface="+mj-cs"/>
+              </a:rPr>
+              <a:t>Inverse</a:t>
+            </a:r>
+            <a:r>
+              <a:rPr lang="tr-TR" sz="1800" kern="1200" dirty="0">
+                <a:solidFill>
+                  <a:srgbClr val="FFFFFF"/>
+                </a:solidFill>
+                <a:latin typeface="+mj-lt"/>
+                <a:ea typeface="+mj-ea"/>
+                <a:cs typeface="+mj-cs"/>
+              </a:rPr>
+              <a:t> </a:t>
+            </a:r>
+            <a:r>
+              <a:rPr lang="tr-TR" sz="1800" kern="1200" dirty="0" err="1">
+                <a:solidFill>
+                  <a:srgbClr val="FFFFFF"/>
+                </a:solidFill>
+                <a:latin typeface="+mj-lt"/>
+                <a:ea typeface="+mj-ea"/>
+                <a:cs typeface="+mj-cs"/>
+              </a:rPr>
+              <a:t>Sharpe</a:t>
+            </a:r>
+            <a:r>
+              <a:rPr lang="tr-TR" sz="1800" kern="1200" dirty="0">
+                <a:solidFill>
+                  <a:srgbClr val="FFFFFF"/>
+                </a:solidFill>
+                <a:latin typeface="+mj-lt"/>
+                <a:ea typeface="+mj-ea"/>
+                <a:cs typeface="+mj-cs"/>
+              </a:rPr>
+              <a:t>                          MDD                           </a:t>
+            </a:r>
+            <a:r>
+              <a:rPr lang="tr-TR" dirty="0">
+                <a:solidFill>
+                  <a:srgbClr val="FFFFFF"/>
+                </a:solidFill>
+                <a:latin typeface="+mj-lt"/>
+                <a:ea typeface="+mj-ea"/>
+                <a:cs typeface="+mj-cs"/>
+              </a:rPr>
+              <a:t>  </a:t>
+            </a:r>
+            <a:r>
+              <a:rPr lang="tr-TR" sz="1800" kern="1200" dirty="0" err="1">
+                <a:solidFill>
+                  <a:srgbClr val="FFFFFF"/>
+                </a:solidFill>
+                <a:latin typeface="+mj-lt"/>
+                <a:ea typeface="+mj-ea"/>
+                <a:cs typeface="+mj-cs"/>
+              </a:rPr>
+              <a:t>Inverse</a:t>
+            </a:r>
+            <a:r>
+              <a:rPr lang="tr-TR" sz="1800" kern="1200" dirty="0">
+                <a:solidFill>
+                  <a:srgbClr val="FFFFFF"/>
+                </a:solidFill>
+                <a:latin typeface="+mj-lt"/>
+                <a:ea typeface="+mj-ea"/>
+                <a:cs typeface="+mj-cs"/>
+              </a:rPr>
+              <a:t> MDD                         MINVAR</a:t>
+            </a:r>
+            <a:br>
+              <a:rPr lang="tr-TR" sz="1800" kern="1200" dirty="0">
+                <a:solidFill>
+                  <a:srgbClr val="FFFFFF"/>
+                </a:solidFill>
+                <a:latin typeface="+mj-lt"/>
+                <a:ea typeface="+mj-ea"/>
+                <a:cs typeface="+mj-cs"/>
+              </a:rPr>
+            </a:br>
+            <a:endParaRPr lang="tr-TR" dirty="0"/>
+          </a:p>
+        </p:txBody>
+      </p:sp>
+      <p:sp>
+        <p:nvSpPr>
+          <p:cNvPr id="51" name="Metin kutusu 50">
+            <a:extLst>
+              <a:ext uri="{FF2B5EF4-FFF2-40B4-BE49-F238E27FC236}">
+                <a16:creationId xmlns:a16="http://schemas.microsoft.com/office/drawing/2014/main" id="{A70B95CD-8DAF-9678-5271-CC7419A3BC45}"/>
+              </a:ext>
+            </a:extLst>
+          </p:cNvPr>
+          <p:cNvSpPr txBox="1"/>
+          <p:nvPr/>
+        </p:nvSpPr>
+        <p:spPr>
+          <a:xfrm>
+            <a:off x="584292" y="6194416"/>
+            <a:ext cx="1618793" cy="646331"/>
+          </a:xfrm>
+          <a:prstGeom prst="rect">
+            <a:avLst/>
+          </a:prstGeom>
+          <a:noFill/>
+        </p:spPr>
+        <p:txBody>
+          <a:bodyPr wrap="square" rtlCol="0">
+            <a:spAutoFit/>
+          </a:bodyPr>
+          <a:lstStyle/>
+          <a:p>
+            <a:r>
+              <a:rPr lang="tr-TR" sz="1200" dirty="0"/>
+              <a:t>Return: %120</a:t>
+            </a:r>
+          </a:p>
+          <a:p>
+            <a:r>
+              <a:rPr lang="tr-TR" sz="1200" dirty="0"/>
+              <a:t>SR: 5.66</a:t>
+            </a:r>
+          </a:p>
+          <a:p>
+            <a:r>
+              <a:rPr lang="tr-TR" sz="1200" dirty="0"/>
+              <a:t>MDD: %7.2</a:t>
+            </a:r>
+          </a:p>
+        </p:txBody>
+      </p:sp>
+      <p:sp>
+        <p:nvSpPr>
+          <p:cNvPr id="52" name="Metin kutusu 51">
+            <a:extLst>
+              <a:ext uri="{FF2B5EF4-FFF2-40B4-BE49-F238E27FC236}">
+                <a16:creationId xmlns:a16="http://schemas.microsoft.com/office/drawing/2014/main" id="{8CB66451-38B6-8CD7-C133-BF6BD30A2B00}"/>
+              </a:ext>
+            </a:extLst>
+          </p:cNvPr>
+          <p:cNvSpPr txBox="1"/>
+          <p:nvPr/>
+        </p:nvSpPr>
+        <p:spPr>
+          <a:xfrm>
+            <a:off x="2863225" y="6203042"/>
+            <a:ext cx="2175360" cy="646331"/>
+          </a:xfrm>
+          <a:prstGeom prst="rect">
+            <a:avLst/>
+          </a:prstGeom>
+          <a:noFill/>
+        </p:spPr>
+        <p:txBody>
+          <a:bodyPr wrap="square" rtlCol="0">
+            <a:spAutoFit/>
+          </a:bodyPr>
+          <a:lstStyle/>
+          <a:p>
+            <a:r>
+              <a:rPr lang="tr-TR" sz="1200" dirty="0"/>
+              <a:t>Return: %80.4</a:t>
+            </a:r>
+          </a:p>
+          <a:p>
+            <a:r>
+              <a:rPr lang="tr-TR" sz="1200" dirty="0"/>
+              <a:t>SR: 3.96</a:t>
+            </a:r>
+          </a:p>
+          <a:p>
+            <a:r>
+              <a:rPr lang="tr-TR" sz="1200" dirty="0"/>
+              <a:t>MDD: %16.1</a:t>
+            </a:r>
+          </a:p>
+        </p:txBody>
+      </p:sp>
+      <p:sp>
+        <p:nvSpPr>
+          <p:cNvPr id="53" name="Metin kutusu 52">
+            <a:extLst>
+              <a:ext uri="{FF2B5EF4-FFF2-40B4-BE49-F238E27FC236}">
+                <a16:creationId xmlns:a16="http://schemas.microsoft.com/office/drawing/2014/main" id="{62C3CF7E-303C-27BA-05F6-76E1DF411575}"/>
+              </a:ext>
+            </a:extLst>
+          </p:cNvPr>
+          <p:cNvSpPr txBox="1"/>
+          <p:nvPr/>
+        </p:nvSpPr>
+        <p:spPr>
+          <a:xfrm>
+            <a:off x="7415439" y="6203042"/>
+            <a:ext cx="1644246" cy="646331"/>
+          </a:xfrm>
+          <a:prstGeom prst="rect">
+            <a:avLst/>
+          </a:prstGeom>
+          <a:noFill/>
+        </p:spPr>
+        <p:txBody>
+          <a:bodyPr wrap="square" rtlCol="0">
+            <a:spAutoFit/>
+          </a:bodyPr>
+          <a:lstStyle/>
+          <a:p>
+            <a:r>
+              <a:rPr lang="tr-TR" sz="1200" dirty="0"/>
+              <a:t>Return: %65.6</a:t>
+            </a:r>
+          </a:p>
+          <a:p>
+            <a:r>
+              <a:rPr lang="tr-TR" sz="1200" dirty="0"/>
+              <a:t>SR: 3.39</a:t>
+            </a:r>
+          </a:p>
+          <a:p>
+            <a:r>
+              <a:rPr lang="tr-TR" sz="1200" dirty="0"/>
+              <a:t>MDD: %11.4</a:t>
+            </a:r>
+          </a:p>
+        </p:txBody>
+      </p:sp>
+      <p:sp>
+        <p:nvSpPr>
+          <p:cNvPr id="54" name="Metin kutusu 53">
+            <a:extLst>
+              <a:ext uri="{FF2B5EF4-FFF2-40B4-BE49-F238E27FC236}">
+                <a16:creationId xmlns:a16="http://schemas.microsoft.com/office/drawing/2014/main" id="{F94EBC21-360D-D5EE-A7D2-3531F334D746}"/>
+              </a:ext>
+            </a:extLst>
+          </p:cNvPr>
+          <p:cNvSpPr txBox="1"/>
+          <p:nvPr/>
+        </p:nvSpPr>
+        <p:spPr>
+          <a:xfrm>
+            <a:off x="9762256" y="6203165"/>
+            <a:ext cx="2175360" cy="646331"/>
+          </a:xfrm>
+          <a:prstGeom prst="rect">
+            <a:avLst/>
+          </a:prstGeom>
+          <a:noFill/>
+        </p:spPr>
+        <p:txBody>
+          <a:bodyPr wrap="square" rtlCol="0">
+            <a:spAutoFit/>
+          </a:bodyPr>
+          <a:lstStyle/>
+          <a:p>
+            <a:r>
+              <a:rPr lang="tr-TR" sz="1200" dirty="0"/>
+              <a:t>Return: %64.3</a:t>
+            </a:r>
+          </a:p>
+          <a:p>
+            <a:r>
+              <a:rPr lang="tr-TR" sz="1200" dirty="0"/>
+              <a:t>SR: 3.96</a:t>
+            </a:r>
+          </a:p>
+          <a:p>
+            <a:r>
+              <a:rPr lang="tr-TR" sz="1200" dirty="0"/>
+              <a:t>MDD: %17.8</a:t>
+            </a:r>
+          </a:p>
+        </p:txBody>
+      </p:sp>
+      <p:sp>
+        <p:nvSpPr>
+          <p:cNvPr id="55" name="Metin kutusu 54">
+            <a:extLst>
+              <a:ext uri="{FF2B5EF4-FFF2-40B4-BE49-F238E27FC236}">
+                <a16:creationId xmlns:a16="http://schemas.microsoft.com/office/drawing/2014/main" id="{3099ABFA-9BB9-91D3-8ACA-943BBF77E4C4}"/>
+              </a:ext>
+            </a:extLst>
+          </p:cNvPr>
+          <p:cNvSpPr txBox="1"/>
+          <p:nvPr/>
+        </p:nvSpPr>
+        <p:spPr>
+          <a:xfrm>
+            <a:off x="5141905" y="6211669"/>
+            <a:ext cx="1574731" cy="646331"/>
+          </a:xfrm>
+          <a:prstGeom prst="rect">
+            <a:avLst/>
+          </a:prstGeom>
+          <a:noFill/>
+        </p:spPr>
+        <p:txBody>
+          <a:bodyPr wrap="square" rtlCol="0">
+            <a:spAutoFit/>
+          </a:bodyPr>
+          <a:lstStyle/>
+          <a:p>
+            <a:r>
+              <a:rPr lang="tr-TR" sz="1200" dirty="0"/>
+              <a:t>Return: %78.7</a:t>
+            </a:r>
+          </a:p>
+          <a:p>
+            <a:r>
+              <a:rPr lang="tr-TR" sz="1200" dirty="0"/>
+              <a:t>SR: 4.64</a:t>
+            </a:r>
+          </a:p>
+          <a:p>
+            <a:r>
+              <a:rPr lang="tr-TR" sz="1200" dirty="0"/>
+              <a:t>MDD: %9.9</a:t>
+            </a:r>
+          </a:p>
+        </p:txBody>
+      </p:sp>
+      <p:sp>
+        <p:nvSpPr>
+          <p:cNvPr id="3" name="Metin kutusu 2">
+            <a:extLst>
+              <a:ext uri="{FF2B5EF4-FFF2-40B4-BE49-F238E27FC236}">
+                <a16:creationId xmlns:a16="http://schemas.microsoft.com/office/drawing/2014/main" id="{D6935863-5355-2563-D7D9-D2869C83D594}"/>
+              </a:ext>
+            </a:extLst>
+          </p:cNvPr>
+          <p:cNvSpPr txBox="1"/>
+          <p:nvPr/>
+        </p:nvSpPr>
+        <p:spPr>
+          <a:xfrm>
+            <a:off x="9144720" y="5817172"/>
+            <a:ext cx="6094562" cy="369332"/>
+          </a:xfrm>
+          <a:prstGeom prst="rect">
+            <a:avLst/>
+          </a:prstGeom>
+          <a:noFill/>
+        </p:spPr>
+        <p:txBody>
+          <a:bodyPr wrap="square">
+            <a:spAutoFit/>
+          </a:bodyPr>
+          <a:lstStyle/>
+          <a:p>
+            <a:r>
+              <a:rPr lang="tr-TR" sz="1800" dirty="0"/>
+              <a:t>16.08.2022 – 27.12.2022 (III)</a:t>
+            </a:r>
+          </a:p>
+        </p:txBody>
+      </p:sp>
       <p:pic>
         <p:nvPicPr>
-          <p:cNvPr id="4" name="Resim 3">
-            <a:extLst>
-              <a:ext uri="{FF2B5EF4-FFF2-40B4-BE49-F238E27FC236}">
-                <a16:creationId xmlns:a16="http://schemas.microsoft.com/office/drawing/2014/main" id="{8023BC13-98E5-DA92-E4E4-5EF301E2204D}"/>
+          <p:cNvPr id="5" name="Resim 4">
+            <a:extLst>
+              <a:ext uri="{FF2B5EF4-FFF2-40B4-BE49-F238E27FC236}">
+                <a16:creationId xmlns:a16="http://schemas.microsoft.com/office/drawing/2014/main" id="{D550E20B-C4F7-1075-8100-6F992849EFCF}"/>
               </a:ext>
             </a:extLst>
           </p:cNvPr>
@@ -6265,8 +11815,8 @@
         </p:blipFill>
         <p:spPr>
           <a:xfrm>
-            <a:off x="2462055" y="4343395"/>
-            <a:ext cx="2175360" cy="1901299"/>
+            <a:off x="5181568" y="4324434"/>
+            <a:ext cx="2233870" cy="1887236"/>
           </a:xfrm>
           <a:prstGeom prst="rect">
             <a:avLst/>
@@ -6275,10 +11825,10 @@
       </p:pic>
       <p:pic>
         <p:nvPicPr>
-          <p:cNvPr id="7" name="Resim 6">
-            <a:extLst>
-              <a:ext uri="{FF2B5EF4-FFF2-40B4-BE49-F238E27FC236}">
-                <a16:creationId xmlns:a16="http://schemas.microsoft.com/office/drawing/2014/main" id="{4864B699-E7A5-EE97-D44F-24B78F38965F}"/>
+          <p:cNvPr id="13" name="Resim 12">
+            <a:extLst>
+              <a:ext uri="{FF2B5EF4-FFF2-40B4-BE49-F238E27FC236}">
+                <a16:creationId xmlns:a16="http://schemas.microsoft.com/office/drawing/2014/main" id="{8F744EF9-6D3A-7B68-F063-D6C4BC7D8D49}"/>
               </a:ext>
             </a:extLst>
           </p:cNvPr>
@@ -6295,8 +11845,8 @@
         </p:blipFill>
         <p:spPr>
           <a:xfrm>
-            <a:off x="2973806" y="483576"/>
-            <a:ext cx="1026770" cy="2771771"/>
+            <a:off x="5181568" y="3170026"/>
+            <a:ext cx="2233871" cy="1104156"/>
           </a:xfrm>
           <a:prstGeom prst="rect">
             <a:avLst/>
@@ -6305,10 +11855,10 @@
       </p:pic>
       <p:pic>
         <p:nvPicPr>
-          <p:cNvPr id="9" name="Resim 8">
-            <a:extLst>
-              <a:ext uri="{FF2B5EF4-FFF2-40B4-BE49-F238E27FC236}">
-                <a16:creationId xmlns:a16="http://schemas.microsoft.com/office/drawing/2014/main" id="{4F55DFD5-511E-BC73-9F4C-2D83282F83B5}"/>
+          <p:cNvPr id="16" name="Resim 15">
+            <a:extLst>
+              <a:ext uri="{FF2B5EF4-FFF2-40B4-BE49-F238E27FC236}">
+                <a16:creationId xmlns:a16="http://schemas.microsoft.com/office/drawing/2014/main" id="{3C0D0BE8-64A8-F3EC-3642-8CDA0B966BF5}"/>
               </a:ext>
             </a:extLst>
           </p:cNvPr>
@@ -6325,8 +11875,8 @@
         </p:blipFill>
         <p:spPr>
           <a:xfrm>
-            <a:off x="721448" y="492900"/>
-            <a:ext cx="1151850" cy="2766291"/>
+            <a:off x="5929270" y="471990"/>
+            <a:ext cx="884656" cy="2631516"/>
           </a:xfrm>
           <a:prstGeom prst="rect">
             <a:avLst/>
@@ -6335,10 +11885,10 @@
       </p:pic>
       <p:pic>
         <p:nvPicPr>
-          <p:cNvPr id="11" name="Resim 10">
-            <a:extLst>
-              <a:ext uri="{FF2B5EF4-FFF2-40B4-BE49-F238E27FC236}">
-                <a16:creationId xmlns:a16="http://schemas.microsoft.com/office/drawing/2014/main" id="{41591068-DF10-B888-611A-2F570A86F8EC}"/>
+          <p:cNvPr id="19" name="Resim 18">
+            <a:extLst>
+              <a:ext uri="{FF2B5EF4-FFF2-40B4-BE49-F238E27FC236}">
+                <a16:creationId xmlns:a16="http://schemas.microsoft.com/office/drawing/2014/main" id="{6A5AFD73-6724-4B02-3CC6-7D82B7E3FC1C}"/>
               </a:ext>
             </a:extLst>
           </p:cNvPr>
@@ -6355,8 +11905,8 @@
         </p:blipFill>
         <p:spPr>
           <a:xfrm>
-            <a:off x="210933" y="4578875"/>
-            <a:ext cx="2177839" cy="1659692"/>
+            <a:off x="352996" y="3170026"/>
+            <a:ext cx="2237788" cy="952468"/>
           </a:xfrm>
           <a:prstGeom prst="rect">
             <a:avLst/>
@@ -6365,10 +11915,10 @@
       </p:pic>
       <p:pic>
         <p:nvPicPr>
-          <p:cNvPr id="14" name="Resim 13">
-            <a:extLst>
-              <a:ext uri="{FF2B5EF4-FFF2-40B4-BE49-F238E27FC236}">
-                <a16:creationId xmlns:a16="http://schemas.microsoft.com/office/drawing/2014/main" id="{86AC80F2-A946-416A-4230-C8A8C93BCAC6}"/>
+          <p:cNvPr id="26" name="Resim 25">
+            <a:extLst>
+              <a:ext uri="{FF2B5EF4-FFF2-40B4-BE49-F238E27FC236}">
+                <a16:creationId xmlns:a16="http://schemas.microsoft.com/office/drawing/2014/main" id="{6D45A89E-4064-DC8E-15E9-3E9B2F8CAA69}"/>
               </a:ext>
             </a:extLst>
           </p:cNvPr>
@@ -6385,8 +11935,8 @@
         </p:blipFill>
         <p:spPr>
           <a:xfrm>
-            <a:off x="236988" y="3312389"/>
-            <a:ext cx="2177839" cy="253808"/>
+            <a:off x="352097" y="4229638"/>
+            <a:ext cx="2238687" cy="1857634"/>
           </a:xfrm>
           <a:prstGeom prst="rect">
             <a:avLst/>
@@ -6395,10 +11945,10 @@
       </p:pic>
       <p:pic>
         <p:nvPicPr>
-          <p:cNvPr id="18" name="Resim 17">
-            <a:extLst>
-              <a:ext uri="{FF2B5EF4-FFF2-40B4-BE49-F238E27FC236}">
-                <a16:creationId xmlns:a16="http://schemas.microsoft.com/office/drawing/2014/main" id="{ACF7AB60-25EF-B65A-AFB4-8F5F0FA9C4BE}"/>
+          <p:cNvPr id="30" name="Resim 29">
+            <a:extLst>
+              <a:ext uri="{FF2B5EF4-FFF2-40B4-BE49-F238E27FC236}">
+                <a16:creationId xmlns:a16="http://schemas.microsoft.com/office/drawing/2014/main" id="{AE921070-9896-C497-9211-1EF14B932F35}"/>
               </a:ext>
             </a:extLst>
           </p:cNvPr>
@@ -6415,7 +11965,528 @@
         </p:blipFill>
         <p:spPr>
           <a:xfrm>
-            <a:off x="2462055" y="3315017"/>
+            <a:off x="990163" y="754677"/>
+            <a:ext cx="875963" cy="2295101"/>
+          </a:xfrm>
+          <a:prstGeom prst="rect">
+            <a:avLst/>
+          </a:prstGeom>
+        </p:spPr>
+      </p:pic>
+    </p:spTree>
+    <p:extLst>
+      <p:ext uri="{BB962C8B-B14F-4D97-AF65-F5344CB8AC3E}">
+        <p14:creationId xmlns:p14="http://schemas.microsoft.com/office/powerpoint/2010/main" val="1438670743"/>
+      </p:ext>
+    </p:extLst>
+  </p:cSld>
+  <p:clrMapOvr>
+    <a:masterClrMapping/>
+  </p:clrMapOvr>
+</p:sld>
+</file>
+
+<file path=ppt/slides/slide7.xml><?xml version="1.0" encoding="utf-8"?>
+<p:sld xmlns:a="http://schemas.openxmlformats.org/drawingml/2006/main" xmlns:r="http://schemas.openxmlformats.org/officeDocument/2006/relationships" xmlns:p="http://schemas.openxmlformats.org/presentationml/2006/main">
+  <p:cSld>
+    <p:bg>
+      <p:bgPr>
+        <a:solidFill>
+          <a:schemeClr val="bg1"/>
+        </a:solidFill>
+        <a:effectLst/>
+      </p:bgPr>
+    </p:bg>
+    <p:spTree>
+      <p:nvGrpSpPr>
+        <p:cNvPr id="1" name=""/>
+        <p:cNvGrpSpPr/>
+        <p:nvPr/>
+      </p:nvGrpSpPr>
+      <p:grpSpPr>
+        <a:xfrm>
+          <a:off x="0" y="0"/>
+          <a:ext cx="0" cy="0"/>
+          <a:chOff x="0" y="0"/>
+          <a:chExt cx="0" cy="0"/>
+        </a:xfrm>
+      </p:grpSpPr>
+      <p:sp useBgFill="1">
+        <p:nvSpPr>
+          <p:cNvPr id="20" name="Rectangle 9">
+            <a:extLst>
+              <a:ext uri="{FF2B5EF4-FFF2-40B4-BE49-F238E27FC236}">
+                <a16:creationId xmlns:a16="http://schemas.microsoft.com/office/drawing/2014/main" id="{A8384FB5-9ADC-4DDC-881B-597D56F5B15D}"/>
+              </a:ext>
+              <a:ext uri="{C183D7F6-B498-43B3-948B-1728B52AA6E4}">
+                <adec:decorative xmlns:adec="http://schemas.microsoft.com/office/drawing/2017/decorative" val="1"/>
+              </a:ext>
+            </a:extLst>
+          </p:cNvPr>
+          <p:cNvSpPr>
+            <a:spLocks noGrp="1" noRot="1" noChangeAspect="1" noMove="1" noResize="1" noEditPoints="1" noAdjustHandles="1" noChangeArrowheads="1" noChangeShapeType="1" noTextEdit="1"/>
+          </p:cNvSpPr>
+          <p:nvPr>
+            <p:extLst>
+              <p:ext uri="{386F3935-93C4-4BCD-93E2-E3B085C9AB24}">
+                <p16:designElem xmlns:p16="http://schemas.microsoft.com/office/powerpoint/2015/main" val="1"/>
+              </p:ext>
+            </p:extLst>
+          </p:nvPr>
+        </p:nvSpPr>
+        <p:spPr>
+          <a:xfrm>
+            <a:off x="0" y="0"/>
+            <a:ext cx="12192000" cy="6858000"/>
+          </a:xfrm>
+          <a:prstGeom prst="rect">
+            <a:avLst/>
+          </a:prstGeom>
+          <a:ln w="12700" cap="flat" cmpd="sng" algn="ctr">
+            <a:noFill/>
+            <a:prstDash val="solid"/>
+            <a:miter lim="800000"/>
+          </a:ln>
+          <a:effectLst/>
+          <a:extLst>
+            <a:ext uri="{91240B29-F687-4F45-9708-019B960494DF}">
+              <a14:hiddenLine xmlns:a14="http://schemas.microsoft.com/office/drawing/2010/main" w="12700" cap="flat" cmpd="sng" algn="ctr">
+                <a:solidFill>
+                  <a:schemeClr val="accent1">
+                    <a:shade val="50000"/>
+                  </a:schemeClr>
+                </a:solidFill>
+                <a:prstDash val="solid"/>
+                <a:miter lim="800000"/>
+              </a14:hiddenLine>
+            </a:ext>
+          </a:extLst>
+        </p:spPr>
+        <p:style>
+          <a:lnRef idx="2">
+            <a:schemeClr val="accent1">
+              <a:shade val="50000"/>
+            </a:schemeClr>
+          </a:lnRef>
+          <a:fillRef idx="1">
+            <a:schemeClr val="accent1"/>
+          </a:fillRef>
+          <a:effectRef idx="0">
+            <a:schemeClr val="accent1"/>
+          </a:effectRef>
+          <a:fontRef idx="minor">
+            <a:schemeClr val="lt1"/>
+          </a:fontRef>
+        </p:style>
+        <p:txBody>
+          <a:bodyPr rtlCol="0" anchor="ctr"/>
+          <a:lstStyle/>
+          <a:p>
+            <a:pPr algn="ctr"/>
+            <a:endParaRPr lang="en-US"/>
+          </a:p>
+        </p:txBody>
+      </p:sp>
+      <p:sp>
+        <p:nvSpPr>
+          <p:cNvPr id="12" name="Rectangle 11">
+            <a:extLst>
+              <a:ext uri="{FF2B5EF4-FFF2-40B4-BE49-F238E27FC236}">
+                <a16:creationId xmlns:a16="http://schemas.microsoft.com/office/drawing/2014/main" id="{1199E1B1-A8C0-4FE8-A5A8-1CB41D69F857}"/>
+              </a:ext>
+              <a:ext uri="{C183D7F6-B498-43B3-948B-1728B52AA6E4}">
+                <adec:decorative xmlns:adec="http://schemas.microsoft.com/office/drawing/2017/decorative" val="1"/>
+              </a:ext>
+            </a:extLst>
+          </p:cNvPr>
+          <p:cNvSpPr>
+            <a:spLocks noGrp="1" noRot="1" noChangeAspect="1" noMove="1" noResize="1" noEditPoints="1" noAdjustHandles="1" noChangeArrowheads="1" noChangeShapeType="1" noTextEdit="1"/>
+          </p:cNvSpPr>
+          <p:nvPr>
+            <p:extLst>
+              <p:ext uri="{386F3935-93C4-4BCD-93E2-E3B085C9AB24}">
+                <p16:designElem xmlns:p16="http://schemas.microsoft.com/office/powerpoint/2015/main" val="1"/>
+              </p:ext>
+            </p:extLst>
+          </p:nvPr>
+        </p:nvSpPr>
+        <p:spPr>
+          <a:xfrm rot="10800000" flipH="1">
+            <a:off x="2" y="0"/>
+            <a:ext cx="12191998" cy="1575955"/>
+          </a:xfrm>
+          <a:prstGeom prst="rect">
+            <a:avLst/>
+          </a:prstGeom>
+          <a:gradFill>
+            <a:gsLst>
+              <a:gs pos="0">
+                <a:srgbClr val="000000">
+                  <a:alpha val="96000"/>
+                </a:srgbClr>
+              </a:gs>
+              <a:gs pos="100000">
+                <a:schemeClr val="accent1">
+                  <a:lumMod val="75000"/>
+                </a:schemeClr>
+              </a:gs>
+            </a:gsLst>
+            <a:lin ang="6000000" scaled="0"/>
+          </a:gradFill>
+          <a:ln>
+            <a:noFill/>
+          </a:ln>
+        </p:spPr>
+        <p:style>
+          <a:lnRef idx="2">
+            <a:schemeClr val="accent1">
+              <a:shade val="50000"/>
+            </a:schemeClr>
+          </a:lnRef>
+          <a:fillRef idx="1">
+            <a:schemeClr val="accent1"/>
+          </a:fillRef>
+          <a:effectRef idx="0">
+            <a:schemeClr val="accent1"/>
+          </a:effectRef>
+          <a:fontRef idx="minor">
+            <a:schemeClr val="lt1"/>
+          </a:fontRef>
+        </p:style>
+        <p:txBody>
+          <a:bodyPr rtlCol="0" anchor="ctr"/>
+          <a:lstStyle/>
+          <a:p>
+            <a:pPr algn="ctr"/>
+            <a:endParaRPr lang="en-US"/>
+          </a:p>
+        </p:txBody>
+      </p:sp>
+      <p:sp>
+        <p:nvSpPr>
+          <p:cNvPr id="21" name="Rectangle 13">
+            <a:extLst>
+              <a:ext uri="{FF2B5EF4-FFF2-40B4-BE49-F238E27FC236}">
+                <a16:creationId xmlns:a16="http://schemas.microsoft.com/office/drawing/2014/main" id="{84A8DE83-DE75-4B41-9DB4-A7EC0B0DEC0B}"/>
+              </a:ext>
+              <a:ext uri="{C183D7F6-B498-43B3-948B-1728B52AA6E4}">
+                <adec:decorative xmlns:adec="http://schemas.microsoft.com/office/drawing/2017/decorative" val="1"/>
+              </a:ext>
+            </a:extLst>
+          </p:cNvPr>
+          <p:cNvSpPr>
+            <a:spLocks noGrp="1" noRot="1" noChangeAspect="1" noMove="1" noResize="1" noEditPoints="1" noAdjustHandles="1" noChangeArrowheads="1" noChangeShapeType="1" noTextEdit="1"/>
+          </p:cNvSpPr>
+          <p:nvPr>
+            <p:extLst>
+              <p:ext uri="{386F3935-93C4-4BCD-93E2-E3B085C9AB24}">
+                <p16:designElem xmlns:p16="http://schemas.microsoft.com/office/powerpoint/2015/main" val="1"/>
+              </p:ext>
+            </p:extLst>
+          </p:nvPr>
+        </p:nvSpPr>
+        <p:spPr>
+          <a:xfrm>
+            <a:off x="0" y="0"/>
+            <a:ext cx="8128856" cy="1575461"/>
+          </a:xfrm>
+          <a:prstGeom prst="rect">
+            <a:avLst/>
+          </a:prstGeom>
+          <a:gradFill>
+            <a:gsLst>
+              <a:gs pos="0">
+                <a:schemeClr val="accent1">
+                  <a:alpha val="41000"/>
+                </a:schemeClr>
+              </a:gs>
+              <a:gs pos="74000">
+                <a:schemeClr val="accent1">
+                  <a:lumMod val="60000"/>
+                  <a:lumOff val="40000"/>
+                  <a:alpha val="0"/>
+                </a:schemeClr>
+              </a:gs>
+            </a:gsLst>
+            <a:lin ang="8400000" scaled="0"/>
+          </a:gradFill>
+          <a:ln>
+            <a:noFill/>
+          </a:ln>
+        </p:spPr>
+        <p:style>
+          <a:lnRef idx="2">
+            <a:schemeClr val="accent1">
+              <a:shade val="50000"/>
+            </a:schemeClr>
+          </a:lnRef>
+          <a:fillRef idx="1">
+            <a:schemeClr val="accent1"/>
+          </a:fillRef>
+          <a:effectRef idx="0">
+            <a:schemeClr val="accent1"/>
+          </a:effectRef>
+          <a:fontRef idx="minor">
+            <a:schemeClr val="lt1"/>
+          </a:fontRef>
+        </p:style>
+        <p:txBody>
+          <a:bodyPr rtlCol="0" anchor="ctr"/>
+          <a:lstStyle/>
+          <a:p>
+            <a:pPr algn="ctr"/>
+            <a:endParaRPr lang="en-US"/>
+          </a:p>
+        </p:txBody>
+      </p:sp>
+      <p:sp>
+        <p:nvSpPr>
+          <p:cNvPr id="22" name="Rectangle 15">
+            <a:extLst>
+              <a:ext uri="{FF2B5EF4-FFF2-40B4-BE49-F238E27FC236}">
+                <a16:creationId xmlns:a16="http://schemas.microsoft.com/office/drawing/2014/main" id="{A7009A0A-BEF5-4EAC-AF15-E4F9F002E239}"/>
+              </a:ext>
+              <a:ext uri="{C183D7F6-B498-43B3-948B-1728B52AA6E4}">
+                <adec:decorative xmlns:adec="http://schemas.microsoft.com/office/drawing/2017/decorative" val="1"/>
+              </a:ext>
+            </a:extLst>
+          </p:cNvPr>
+          <p:cNvSpPr>
+            <a:spLocks noGrp="1" noRot="1" noChangeAspect="1" noMove="1" noResize="1" noEditPoints="1" noAdjustHandles="1" noChangeArrowheads="1" noChangeShapeType="1" noTextEdit="1"/>
+          </p:cNvSpPr>
+          <p:nvPr>
+            <p:extLst>
+              <p:ext uri="{386F3935-93C4-4BCD-93E2-E3B085C9AB24}">
+                <p16:designElem xmlns:p16="http://schemas.microsoft.com/office/powerpoint/2015/main" val="1"/>
+              </p:ext>
+            </p:extLst>
+          </p:nvPr>
+        </p:nvSpPr>
+        <p:spPr>
+          <a:xfrm flipH="1">
+            <a:off x="-3" y="-1"/>
+            <a:ext cx="12192002" cy="1574311"/>
+          </a:xfrm>
+          <a:prstGeom prst="rect">
+            <a:avLst/>
+          </a:prstGeom>
+          <a:gradFill>
+            <a:gsLst>
+              <a:gs pos="0">
+                <a:srgbClr val="000000">
+                  <a:alpha val="63000"/>
+                </a:srgbClr>
+              </a:gs>
+              <a:gs pos="78000">
+                <a:schemeClr val="accent1">
+                  <a:alpha val="15000"/>
+                </a:schemeClr>
+              </a:gs>
+            </a:gsLst>
+            <a:lin ang="15600000" scaled="0"/>
+          </a:gradFill>
+          <a:ln>
+            <a:noFill/>
+          </a:ln>
+        </p:spPr>
+        <p:style>
+          <a:lnRef idx="2">
+            <a:schemeClr val="accent1">
+              <a:shade val="50000"/>
+            </a:schemeClr>
+          </a:lnRef>
+          <a:fillRef idx="1">
+            <a:schemeClr val="accent1"/>
+          </a:fillRef>
+          <a:effectRef idx="0">
+            <a:schemeClr val="accent1"/>
+          </a:effectRef>
+          <a:fontRef idx="minor">
+            <a:schemeClr val="lt1"/>
+          </a:fontRef>
+        </p:style>
+        <p:txBody>
+          <a:bodyPr rtlCol="0" anchor="ctr"/>
+          <a:lstStyle/>
+          <a:p>
+            <a:pPr algn="ctr"/>
+            <a:endParaRPr lang="en-US"/>
+          </a:p>
+        </p:txBody>
+      </p:sp>
+      <p:pic>
+        <p:nvPicPr>
+          <p:cNvPr id="4" name="Resim 3">
+            <a:extLst>
+              <a:ext uri="{FF2B5EF4-FFF2-40B4-BE49-F238E27FC236}">
+                <a16:creationId xmlns:a16="http://schemas.microsoft.com/office/drawing/2014/main" id="{8023BC13-98E5-DA92-E4E4-5EF301E2204D}"/>
+              </a:ext>
+            </a:extLst>
+          </p:cNvPr>
+          <p:cNvPicPr>
+            <a:picLocks noChangeAspect="1"/>
+          </p:cNvPicPr>
+          <p:nvPr/>
+        </p:nvPicPr>
+        <p:blipFill>
+          <a:blip r:embed="rId2"/>
+          <a:stretch>
+            <a:fillRect/>
+          </a:stretch>
+        </p:blipFill>
+        <p:spPr>
+          <a:xfrm>
+            <a:off x="2936508" y="4334768"/>
+            <a:ext cx="2175360" cy="1901299"/>
+          </a:xfrm>
+          <a:prstGeom prst="rect">
+            <a:avLst/>
+          </a:prstGeom>
+        </p:spPr>
+      </p:pic>
+      <p:pic>
+        <p:nvPicPr>
+          <p:cNvPr id="7" name="Resim 6">
+            <a:extLst>
+              <a:ext uri="{FF2B5EF4-FFF2-40B4-BE49-F238E27FC236}">
+                <a16:creationId xmlns:a16="http://schemas.microsoft.com/office/drawing/2014/main" id="{4864B699-E7A5-EE97-D44F-24B78F38965F}"/>
+              </a:ext>
+            </a:extLst>
+          </p:cNvPr>
+          <p:cNvPicPr>
+            <a:picLocks noChangeAspect="1"/>
+          </p:cNvPicPr>
+          <p:nvPr/>
+        </p:nvPicPr>
+        <p:blipFill>
+          <a:blip r:embed="rId3"/>
+          <a:stretch>
+            <a:fillRect/>
+          </a:stretch>
+        </p:blipFill>
+        <p:spPr>
+          <a:xfrm>
+            <a:off x="3448259" y="474949"/>
+            <a:ext cx="1026770" cy="2771771"/>
+          </a:xfrm>
+          <a:prstGeom prst="rect">
+            <a:avLst/>
+          </a:prstGeom>
+        </p:spPr>
+      </p:pic>
+      <p:pic>
+        <p:nvPicPr>
+          <p:cNvPr id="9" name="Resim 8">
+            <a:extLst>
+              <a:ext uri="{FF2B5EF4-FFF2-40B4-BE49-F238E27FC236}">
+                <a16:creationId xmlns:a16="http://schemas.microsoft.com/office/drawing/2014/main" id="{4F55DFD5-511E-BC73-9F4C-2D83282F83B5}"/>
+              </a:ext>
+            </a:extLst>
+          </p:cNvPr>
+          <p:cNvPicPr>
+            <a:picLocks noChangeAspect="1"/>
+          </p:cNvPicPr>
+          <p:nvPr/>
+        </p:nvPicPr>
+        <p:blipFill>
+          <a:blip r:embed="rId4"/>
+          <a:stretch>
+            <a:fillRect/>
+          </a:stretch>
+        </p:blipFill>
+        <p:spPr>
+          <a:xfrm>
+            <a:off x="1195901" y="484273"/>
+            <a:ext cx="1151850" cy="2766291"/>
+          </a:xfrm>
+          <a:prstGeom prst="rect">
+            <a:avLst/>
+          </a:prstGeom>
+        </p:spPr>
+      </p:pic>
+      <p:pic>
+        <p:nvPicPr>
+          <p:cNvPr id="11" name="Resim 10">
+            <a:extLst>
+              <a:ext uri="{FF2B5EF4-FFF2-40B4-BE49-F238E27FC236}">
+                <a16:creationId xmlns:a16="http://schemas.microsoft.com/office/drawing/2014/main" id="{41591068-DF10-B888-611A-2F570A86F8EC}"/>
+              </a:ext>
+            </a:extLst>
+          </p:cNvPr>
+          <p:cNvPicPr>
+            <a:picLocks noChangeAspect="1"/>
+          </p:cNvPicPr>
+          <p:nvPr/>
+        </p:nvPicPr>
+        <p:blipFill>
+          <a:blip r:embed="rId5"/>
+          <a:stretch>
+            <a:fillRect/>
+          </a:stretch>
+        </p:blipFill>
+        <p:spPr>
+          <a:xfrm>
+            <a:off x="685386" y="4570248"/>
+            <a:ext cx="2177839" cy="1659692"/>
+          </a:xfrm>
+          <a:prstGeom prst="rect">
+            <a:avLst/>
+          </a:prstGeom>
+        </p:spPr>
+      </p:pic>
+      <p:pic>
+        <p:nvPicPr>
+          <p:cNvPr id="14" name="Resim 13">
+            <a:extLst>
+              <a:ext uri="{FF2B5EF4-FFF2-40B4-BE49-F238E27FC236}">
+                <a16:creationId xmlns:a16="http://schemas.microsoft.com/office/drawing/2014/main" id="{86AC80F2-A946-416A-4230-C8A8C93BCAC6}"/>
+              </a:ext>
+            </a:extLst>
+          </p:cNvPr>
+          <p:cNvPicPr>
+            <a:picLocks noChangeAspect="1"/>
+          </p:cNvPicPr>
+          <p:nvPr/>
+        </p:nvPicPr>
+        <p:blipFill>
+          <a:blip r:embed="rId6"/>
+          <a:stretch>
+            <a:fillRect/>
+          </a:stretch>
+        </p:blipFill>
+        <p:spPr>
+          <a:xfrm>
+            <a:off x="711441" y="3303762"/>
+            <a:ext cx="2177839" cy="253808"/>
+          </a:xfrm>
+          <a:prstGeom prst="rect">
+            <a:avLst/>
+          </a:prstGeom>
+        </p:spPr>
+      </p:pic>
+      <p:pic>
+        <p:nvPicPr>
+          <p:cNvPr id="18" name="Resim 17">
+            <a:extLst>
+              <a:ext uri="{FF2B5EF4-FFF2-40B4-BE49-F238E27FC236}">
+                <a16:creationId xmlns:a16="http://schemas.microsoft.com/office/drawing/2014/main" id="{ACF7AB60-25EF-B65A-AFB4-8F5F0FA9C4BE}"/>
+              </a:ext>
+            </a:extLst>
+          </p:cNvPr>
+          <p:cNvPicPr>
+            <a:picLocks noChangeAspect="1"/>
+          </p:cNvPicPr>
+          <p:nvPr/>
+        </p:nvPicPr>
+        <p:blipFill>
+          <a:blip r:embed="rId7"/>
+          <a:stretch>
+            <a:fillRect/>
+          </a:stretch>
+        </p:blipFill>
+        <p:spPr>
+          <a:xfrm>
+            <a:off x="2936508" y="3306390"/>
             <a:ext cx="2175360" cy="502361"/>
           </a:xfrm>
           <a:prstGeom prst="rect">
@@ -6445,7 +12516,7 @@
         </p:blipFill>
         <p:spPr>
           <a:xfrm>
-            <a:off x="4731870" y="3320213"/>
+            <a:off x="5206323" y="3311586"/>
             <a:ext cx="2177839" cy="1029690"/>
           </a:xfrm>
           <a:prstGeom prst="rect">
@@ -6475,7 +12546,7 @@
         </p:blipFill>
         <p:spPr>
           <a:xfrm>
-            <a:off x="4733110" y="4423402"/>
+            <a:off x="5207563" y="4414775"/>
             <a:ext cx="2177839" cy="1814866"/>
           </a:xfrm>
           <a:prstGeom prst="rect">
@@ -6505,7 +12576,7 @@
         </p:blipFill>
         <p:spPr>
           <a:xfrm>
-            <a:off x="5332497" y="483577"/>
+            <a:off x="5806950" y="474950"/>
             <a:ext cx="976583" cy="2771771"/>
           </a:xfrm>
           <a:prstGeom prst="rect">
@@ -6535,7 +12606,7 @@
         </p:blipFill>
         <p:spPr>
           <a:xfrm>
-            <a:off x="7015177" y="3373153"/>
+            <a:off x="7489630" y="3364526"/>
             <a:ext cx="2177172" cy="277568"/>
           </a:xfrm>
           <a:prstGeom prst="rect">
@@ -6565,7 +12636,7 @@
         </p:blipFill>
         <p:spPr>
           <a:xfrm>
-            <a:off x="7015177" y="4359717"/>
+            <a:off x="7489630" y="4351090"/>
             <a:ext cx="2177172" cy="1851952"/>
           </a:xfrm>
           <a:prstGeom prst="rect">
@@ -6595,7 +12666,7 @@
         </p:blipFill>
         <p:spPr>
           <a:xfrm>
-            <a:off x="7598306" y="483577"/>
+            <a:off x="8072759" y="474950"/>
             <a:ext cx="1061102" cy="2816564"/>
           </a:xfrm>
           <a:prstGeom prst="rect">
@@ -6625,7 +12696,7 @@
         </p:blipFill>
         <p:spPr>
           <a:xfrm>
-            <a:off x="9381259" y="4298154"/>
+            <a:off x="9855712" y="4289527"/>
             <a:ext cx="2177172" cy="1946540"/>
           </a:xfrm>
           <a:prstGeom prst="rect">
@@ -6655,7 +12726,7 @@
         </p:blipFill>
         <p:spPr>
           <a:xfrm>
-            <a:off x="9381259" y="3373153"/>
+            <a:off x="9855712" y="3364526"/>
             <a:ext cx="2177172" cy="484301"/>
           </a:xfrm>
           <a:prstGeom prst="rect">
@@ -6685,7 +12756,7 @@
         </p:blipFill>
         <p:spPr>
           <a:xfrm>
-            <a:off x="9991329" y="492900"/>
+            <a:off x="10465782" y="484273"/>
             <a:ext cx="957031" cy="2807940"/>
           </a:xfrm>
           <a:prstGeom prst="rect">
@@ -6707,8 +12778,8 @@
         </p:nvSpPr>
         <p:spPr>
           <a:xfrm>
-            <a:off x="3161904" y="0"/>
-            <a:ext cx="7181168" cy="646331"/>
+            <a:off x="1195902" y="54173"/>
+            <a:ext cx="10226912" cy="646331"/>
           </a:xfrm>
           <a:prstGeom prst="rect">
             <a:avLst/>
@@ -6722,6 +12793,17 @@
           <a:lstStyle/>
           <a:p>
             <a:r>
+              <a:rPr lang="tr-TR" sz="1800" kern="1200" dirty="0">
+                <a:solidFill>
+                  <a:srgbClr val="FFFFFF"/>
+                </a:solidFill>
+                <a:latin typeface="+mj-lt"/>
+                <a:ea typeface="+mj-ea"/>
+                <a:cs typeface="+mj-cs"/>
+              </a:rPr>
+              <a:t>   </a:t>
+            </a:r>
+            <a:r>
               <a:rPr lang="tr-TR" sz="1800" kern="1200" dirty="0" err="1">
                 <a:solidFill>
                   <a:srgbClr val="FFFFFF"/>
@@ -6741,7 +12823,7 @@
                 <a:ea typeface="+mj-ea"/>
                 <a:cs typeface="+mj-cs"/>
               </a:rPr>
-              <a:t>, </a:t>
+              <a:t>                        </a:t>
             </a:r>
             <a:r>
               <a:rPr lang="tr-TR" sz="1800" kern="1200" dirty="0" err="1">
@@ -6785,7 +12867,18 @@
                 <a:ea typeface="+mj-ea"/>
                 <a:cs typeface="+mj-cs"/>
               </a:rPr>
-              <a:t>, MDD, </a:t>
+              <a:t>                          MDD                           </a:t>
+            </a:r>
+            <a:r>
+              <a:rPr lang="tr-TR" dirty="0">
+                <a:solidFill>
+                  <a:srgbClr val="FFFFFF"/>
+                </a:solidFill>
+                <a:latin typeface="+mj-lt"/>
+                <a:ea typeface="+mj-ea"/>
+                <a:cs typeface="+mj-cs"/>
+              </a:rPr>
+              <a:t>  </a:t>
             </a:r>
             <a:r>
               <a:rPr lang="tr-TR" sz="1800" kern="1200" dirty="0" err="1">
@@ -6807,40 +12900,7 @@
                 <a:ea typeface="+mj-ea"/>
                 <a:cs typeface="+mj-cs"/>
               </a:rPr>
-              <a:t> MDD </a:t>
-            </a:r>
-            <a:r>
-              <a:rPr lang="tr-TR" sz="1800" kern="1200" dirty="0" err="1">
-                <a:solidFill>
-                  <a:srgbClr val="FFFFFF"/>
-                </a:solidFill>
-                <a:latin typeface="+mj-lt"/>
-                <a:ea typeface="+mj-ea"/>
-                <a:cs typeface="+mj-cs"/>
-              </a:rPr>
-              <a:t>and</a:t>
-            </a:r>
-            <a:r>
-              <a:rPr lang="tr-TR" sz="1800" kern="1200" dirty="0">
-                <a:solidFill>
-                  <a:srgbClr val="FFFFFF"/>
-                </a:solidFill>
-                <a:latin typeface="+mj-lt"/>
-                <a:ea typeface="+mj-ea"/>
-                <a:cs typeface="+mj-cs"/>
-              </a:rPr>
-              <a:t> MINVAR </a:t>
-            </a:r>
-            <a:r>
-              <a:rPr lang="tr-TR" sz="1800" kern="1200" dirty="0" err="1">
-                <a:solidFill>
-                  <a:srgbClr val="FFFFFF"/>
-                </a:solidFill>
-                <a:latin typeface="+mj-lt"/>
-                <a:ea typeface="+mj-ea"/>
-                <a:cs typeface="+mj-cs"/>
-              </a:rPr>
-              <a:t>Portfolios</a:t>
+              <a:t> MDD                         MINVAR</a:t>
             </a:r>
             <a:br>
               <a:rPr lang="tr-TR" sz="1800" kern="1200" dirty="0">
@@ -6870,7 +12930,7 @@
         </p:nvSpPr>
         <p:spPr>
           <a:xfrm>
-            <a:off x="109839" y="6203043"/>
+            <a:off x="584292" y="6194416"/>
             <a:ext cx="1618793" cy="646331"/>
           </a:xfrm>
           <a:prstGeom prst="rect">
@@ -6917,7 +12977,7 @@
         </p:nvSpPr>
         <p:spPr>
           <a:xfrm>
-            <a:off x="2388772" y="6211669"/>
+            <a:off x="2863225" y="6203042"/>
             <a:ext cx="2175360" cy="646331"/>
           </a:xfrm>
           <a:prstGeom prst="rect">
@@ -6964,7 +13024,7 @@
         </p:nvSpPr>
         <p:spPr>
           <a:xfrm>
-            <a:off x="6940986" y="6211669"/>
+            <a:off x="7415439" y="6203042"/>
             <a:ext cx="1644246" cy="646331"/>
           </a:xfrm>
           <a:prstGeom prst="rect">
@@ -7011,7 +13071,7 @@
         </p:nvSpPr>
         <p:spPr>
           <a:xfrm>
-            <a:off x="9287803" y="6211792"/>
+            <a:off x="9762256" y="6203165"/>
             <a:ext cx="2175360" cy="646331"/>
           </a:xfrm>
           <a:prstGeom prst="rect">
@@ -7058,7 +13118,7 @@
         </p:nvSpPr>
         <p:spPr>
           <a:xfrm>
-            <a:off x="4667452" y="6220296"/>
+            <a:off x="5141905" y="6211669"/>
             <a:ext cx="1574731" cy="646331"/>
           </a:xfrm>
           <a:prstGeom prst="rect">
@@ -7091,10 +13151,307 @@
           </a:p>
         </p:txBody>
       </p:sp>
+      <p:sp>
+        <p:nvSpPr>
+          <p:cNvPr id="3" name="Metin kutusu 2">
+            <a:extLst>
+              <a:ext uri="{FF2B5EF4-FFF2-40B4-BE49-F238E27FC236}">
+                <a16:creationId xmlns:a16="http://schemas.microsoft.com/office/drawing/2014/main" id="{D6935863-5355-2563-D7D9-D2869C83D594}"/>
+              </a:ext>
+            </a:extLst>
+          </p:cNvPr>
+          <p:cNvSpPr txBox="1"/>
+          <p:nvPr/>
+        </p:nvSpPr>
+        <p:spPr>
+          <a:xfrm>
+            <a:off x="58075" y="3860777"/>
+            <a:ext cx="6094562" cy="369332"/>
+          </a:xfrm>
+          <a:prstGeom prst="rect">
+            <a:avLst/>
+          </a:prstGeom>
+          <a:noFill/>
+        </p:spPr>
+        <p:txBody>
+          <a:bodyPr wrap="square">
+            <a:spAutoFit/>
+          </a:bodyPr>
+          <a:lstStyle/>
+          <a:p>
+            <a:r>
+              <a:rPr lang="tr-TR" sz="1800" dirty="0"/>
+              <a:t>09.05.2023 – 11.09.2023 (IV)</a:t>
+            </a:r>
+            <a:endParaRPr lang="tr-TR" dirty="0"/>
+          </a:p>
+        </p:txBody>
+      </p:sp>
     </p:spTree>
     <p:extLst>
       <p:ext uri="{BB962C8B-B14F-4D97-AF65-F5344CB8AC3E}">
-        <p14:creationId xmlns:p14="http://schemas.microsoft.com/office/powerpoint/2010/main" val="2712357801"/>
+        <p14:creationId xmlns:p14="http://schemas.microsoft.com/office/powerpoint/2010/main" val="1990904739"/>
+      </p:ext>
+    </p:extLst>
+  </p:cSld>
+  <p:clrMapOvr>
+    <a:masterClrMapping/>
+  </p:clrMapOvr>
+</p:sld>
+</file>
+
+<file path=ppt/slides/slide8.xml><?xml version="1.0" encoding="utf-8"?>
+<p:sld xmlns:a="http://schemas.openxmlformats.org/drawingml/2006/main" xmlns:r="http://schemas.openxmlformats.org/officeDocument/2006/relationships" xmlns:p="http://schemas.openxmlformats.org/presentationml/2006/main">
+  <p:cSld>
+    <p:spTree>
+      <p:nvGrpSpPr>
+        <p:cNvPr id="1" name=""/>
+        <p:cNvGrpSpPr/>
+        <p:nvPr/>
+      </p:nvGrpSpPr>
+      <p:grpSpPr>
+        <a:xfrm>
+          <a:off x="0" y="0"/>
+          <a:ext cx="0" cy="0"/>
+          <a:chOff x="0" y="0"/>
+          <a:chExt cx="0" cy="0"/>
+        </a:xfrm>
+      </p:grpSpPr>
+      <p:sp>
+        <p:nvSpPr>
+          <p:cNvPr id="2" name="Başlık 1">
+            <a:extLst>
+              <a:ext uri="{FF2B5EF4-FFF2-40B4-BE49-F238E27FC236}">
+                <a16:creationId xmlns:a16="http://schemas.microsoft.com/office/drawing/2014/main" id="{384DA1AB-64AE-71E2-B3E7-F2F08EEA174E}"/>
+              </a:ext>
+            </a:extLst>
+          </p:cNvPr>
+          <p:cNvSpPr>
+            <a:spLocks noGrp="1"/>
+          </p:cNvSpPr>
+          <p:nvPr>
+            <p:ph type="title"/>
+          </p:nvPr>
+        </p:nvSpPr>
+        <p:spPr/>
+        <p:txBody>
+          <a:bodyPr/>
+          <a:lstStyle/>
+          <a:p>
+            <a:r>
+              <a:rPr lang="tr-TR" b="1" dirty="0" err="1"/>
+              <a:t>Procedure</a:t>
+            </a:r>
+            <a:r>
+              <a:rPr lang="tr-TR" b="1" dirty="0"/>
+              <a:t> </a:t>
+            </a:r>
+            <a:r>
+              <a:rPr lang="tr-TR" b="1" dirty="0" err="1"/>
+              <a:t>for</a:t>
+            </a:r>
+            <a:r>
+              <a:rPr lang="tr-TR" b="1" dirty="0"/>
+              <a:t> Portfolio Construction</a:t>
+            </a:r>
+          </a:p>
+        </p:txBody>
+      </p:sp>
+      <p:graphicFrame>
+        <p:nvGraphicFramePr>
+          <p:cNvPr id="6" name="İçerik Yer Tutucusu 2">
+            <a:extLst>
+              <a:ext uri="{FF2B5EF4-FFF2-40B4-BE49-F238E27FC236}">
+                <a16:creationId xmlns:a16="http://schemas.microsoft.com/office/drawing/2014/main" id="{D1852097-F194-5FD5-23BD-8E9F18192DD9}"/>
+              </a:ext>
+            </a:extLst>
+          </p:cNvPr>
+          <p:cNvGraphicFramePr>
+            <a:graphicFrameLocks noGrp="1"/>
+          </p:cNvGraphicFramePr>
+          <p:nvPr>
+            <p:ph idx="1"/>
+          </p:nvPr>
+        </p:nvGraphicFramePr>
+        <p:xfrm>
+          <a:off x="838200" y="1825625"/>
+          <a:ext cx="10515600" cy="4351338"/>
+        </p:xfrm>
+        <a:graphic>
+          <a:graphicData uri="http://schemas.openxmlformats.org/drawingml/2006/diagram">
+            <dgm:relIds xmlns:dgm="http://schemas.openxmlformats.org/drawingml/2006/diagram" xmlns:r="http://schemas.openxmlformats.org/officeDocument/2006/relationships" r:dm="rId2" r:lo="rId3" r:qs="rId4" r:cs="rId5"/>
+          </a:graphicData>
+        </a:graphic>
+      </p:graphicFrame>
+      <p:pic>
+        <p:nvPicPr>
+          <p:cNvPr id="4" name="Resim 3">
+            <a:extLst>
+              <a:ext uri="{FF2B5EF4-FFF2-40B4-BE49-F238E27FC236}">
+                <a16:creationId xmlns:a16="http://schemas.microsoft.com/office/drawing/2014/main" id="{98F401DD-7C1B-7717-5636-8146A39CFC6E}"/>
+              </a:ext>
+            </a:extLst>
+          </p:cNvPr>
+          <p:cNvPicPr>
+            <a:picLocks noChangeAspect="1"/>
+          </p:cNvPicPr>
+          <p:nvPr/>
+        </p:nvPicPr>
+        <p:blipFill>
+          <a:blip r:embed="rId7"/>
+          <a:stretch>
+            <a:fillRect/>
+          </a:stretch>
+        </p:blipFill>
+        <p:spPr>
+          <a:xfrm>
+            <a:off x="9343713" y="164682"/>
+            <a:ext cx="2684822" cy="990827"/>
+          </a:xfrm>
+          <a:prstGeom prst="rect">
+            <a:avLst/>
+          </a:prstGeom>
+        </p:spPr>
+      </p:pic>
+    </p:spTree>
+    <p:extLst>
+      <p:ext uri="{BB962C8B-B14F-4D97-AF65-F5344CB8AC3E}">
+        <p14:creationId xmlns:p14="http://schemas.microsoft.com/office/powerpoint/2010/main" val="1031687407"/>
+      </p:ext>
+    </p:extLst>
+  </p:cSld>
+  <p:clrMapOvr>
+    <a:masterClrMapping/>
+  </p:clrMapOvr>
+</p:sld>
+</file>
+
+<file path=ppt/slides/slide9.xml><?xml version="1.0" encoding="utf-8"?>
+<p:sld xmlns:a="http://schemas.openxmlformats.org/drawingml/2006/main" xmlns:r="http://schemas.openxmlformats.org/officeDocument/2006/relationships" xmlns:p="http://schemas.openxmlformats.org/presentationml/2006/main">
+  <p:cSld>
+    <p:spTree>
+      <p:nvGrpSpPr>
+        <p:cNvPr id="1" name=""/>
+        <p:cNvGrpSpPr/>
+        <p:nvPr/>
+      </p:nvGrpSpPr>
+      <p:grpSpPr>
+        <a:xfrm>
+          <a:off x="0" y="0"/>
+          <a:ext cx="0" cy="0"/>
+          <a:chOff x="0" y="0"/>
+          <a:chExt cx="0" cy="0"/>
+        </a:xfrm>
+      </p:grpSpPr>
+      <p:sp>
+        <p:nvSpPr>
+          <p:cNvPr id="2" name="Başlık 1">
+            <a:extLst>
+              <a:ext uri="{FF2B5EF4-FFF2-40B4-BE49-F238E27FC236}">
+                <a16:creationId xmlns:a16="http://schemas.microsoft.com/office/drawing/2014/main" id="{384DA1AB-64AE-71E2-B3E7-F2F08EEA174E}"/>
+              </a:ext>
+            </a:extLst>
+          </p:cNvPr>
+          <p:cNvSpPr>
+            <a:spLocks noGrp="1"/>
+          </p:cNvSpPr>
+          <p:nvPr>
+            <p:ph type="title"/>
+          </p:nvPr>
+        </p:nvSpPr>
+        <p:spPr/>
+        <p:txBody>
+          <a:bodyPr/>
+          <a:lstStyle/>
+          <a:p>
+            <a:r>
+              <a:rPr lang="tr-TR" b="1" dirty="0" err="1"/>
+              <a:t>Filter</a:t>
+            </a:r>
+            <a:r>
+              <a:rPr lang="tr-TR" b="1" dirty="0"/>
+              <a:t> </a:t>
+            </a:r>
+            <a:r>
+              <a:rPr lang="tr-TR" b="1" dirty="0" err="1"/>
+              <a:t>for</a:t>
+            </a:r>
+            <a:r>
+              <a:rPr lang="tr-TR" b="1" dirty="0"/>
+              <a:t> </a:t>
+            </a:r>
+            <a:r>
+              <a:rPr lang="tr-TR" b="1" dirty="0" err="1"/>
+              <a:t>Correlation</a:t>
+            </a:r>
+            <a:endParaRPr lang="tr-TR" b="1" dirty="0"/>
+          </a:p>
+        </p:txBody>
+      </p:sp>
+      <p:pic>
+        <p:nvPicPr>
+          <p:cNvPr id="7" name="Resim 6">
+            <a:extLst>
+              <a:ext uri="{FF2B5EF4-FFF2-40B4-BE49-F238E27FC236}">
+                <a16:creationId xmlns:a16="http://schemas.microsoft.com/office/drawing/2014/main" id="{E02B5A8B-5791-AEB6-4D58-46447780AAD7}"/>
+              </a:ext>
+            </a:extLst>
+          </p:cNvPr>
+          <p:cNvPicPr>
+            <a:picLocks noChangeAspect="1"/>
+          </p:cNvPicPr>
+          <p:nvPr/>
+        </p:nvPicPr>
+        <p:blipFill>
+          <a:blip r:embed="rId2"/>
+          <a:stretch>
+            <a:fillRect/>
+          </a:stretch>
+        </p:blipFill>
+        <p:spPr>
+          <a:xfrm>
+            <a:off x="2241415" y="1594889"/>
+            <a:ext cx="7034610" cy="4674528"/>
+          </a:xfrm>
+          <a:prstGeom prst="rect">
+            <a:avLst/>
+          </a:prstGeom>
+        </p:spPr>
+      </p:pic>
+      <p:pic>
+        <p:nvPicPr>
+          <p:cNvPr id="8" name="Resim 7">
+            <a:extLst>
+              <a:ext uri="{FF2B5EF4-FFF2-40B4-BE49-F238E27FC236}">
+                <a16:creationId xmlns:a16="http://schemas.microsoft.com/office/drawing/2014/main" id="{33BBB2D7-C5C5-E112-AD05-4B905C3E9BCA}"/>
+              </a:ext>
+            </a:extLst>
+          </p:cNvPr>
+          <p:cNvPicPr>
+            <a:picLocks noChangeAspect="1"/>
+          </p:cNvPicPr>
+          <p:nvPr/>
+        </p:nvPicPr>
+        <p:blipFill>
+          <a:blip r:embed="rId3"/>
+          <a:stretch>
+            <a:fillRect/>
+          </a:stretch>
+        </p:blipFill>
+        <p:spPr>
+          <a:xfrm>
+            <a:off x="9343713" y="164682"/>
+            <a:ext cx="2684822" cy="990827"/>
+          </a:xfrm>
+          <a:prstGeom prst="rect">
+            <a:avLst/>
+          </a:prstGeom>
+        </p:spPr>
+      </p:pic>
+    </p:spTree>
+    <p:extLst>
+      <p:ext uri="{BB962C8B-B14F-4D97-AF65-F5344CB8AC3E}">
+        <p14:creationId xmlns:p14="http://schemas.microsoft.com/office/powerpoint/2010/main" val="196662320"/>
       </p:ext>
     </p:extLst>
   </p:cSld>

--- a/INVESTOR PRESENTATIONS/Investor Presentation v1.pptx
+++ b/INVESTOR PRESENTATIONS/Investor Presentation v1.pptx
@@ -3688,7 +3688,7 @@
           <a:p>
             <a:fld id="{EAE0E171-47B9-407F-A091-9894B1315CD8}" type="datetimeFigureOut">
               <a:rPr lang="tr-TR" smtClean="0"/>
-              <a:t>30.12.2023</a:t>
+              <a:t>31.12.2023</a:t>
             </a:fld>
             <a:endParaRPr lang="tr-TR"/>
           </a:p>
@@ -3886,7 +3886,7 @@
           <a:p>
             <a:fld id="{EAE0E171-47B9-407F-A091-9894B1315CD8}" type="datetimeFigureOut">
               <a:rPr lang="tr-TR" smtClean="0"/>
-              <a:t>30.12.2023</a:t>
+              <a:t>31.12.2023</a:t>
             </a:fld>
             <a:endParaRPr lang="tr-TR"/>
           </a:p>
@@ -4094,7 +4094,7 @@
           <a:p>
             <a:fld id="{EAE0E171-47B9-407F-A091-9894B1315CD8}" type="datetimeFigureOut">
               <a:rPr lang="tr-TR" smtClean="0"/>
-              <a:t>30.12.2023</a:t>
+              <a:t>31.12.2023</a:t>
             </a:fld>
             <a:endParaRPr lang="tr-TR"/>
           </a:p>
@@ -4292,7 +4292,7 @@
           <a:p>
             <a:fld id="{EAE0E171-47B9-407F-A091-9894B1315CD8}" type="datetimeFigureOut">
               <a:rPr lang="tr-TR" smtClean="0"/>
-              <a:t>30.12.2023</a:t>
+              <a:t>31.12.2023</a:t>
             </a:fld>
             <a:endParaRPr lang="tr-TR"/>
           </a:p>
@@ -4567,7 +4567,7 @@
           <a:p>
             <a:fld id="{EAE0E171-47B9-407F-A091-9894B1315CD8}" type="datetimeFigureOut">
               <a:rPr lang="tr-TR" smtClean="0"/>
-              <a:t>30.12.2023</a:t>
+              <a:t>31.12.2023</a:t>
             </a:fld>
             <a:endParaRPr lang="tr-TR"/>
           </a:p>
@@ -4832,7 +4832,7 @@
           <a:p>
             <a:fld id="{EAE0E171-47B9-407F-A091-9894B1315CD8}" type="datetimeFigureOut">
               <a:rPr lang="tr-TR" smtClean="0"/>
-              <a:t>30.12.2023</a:t>
+              <a:t>31.12.2023</a:t>
             </a:fld>
             <a:endParaRPr lang="tr-TR"/>
           </a:p>
@@ -5244,7 +5244,7 @@
           <a:p>
             <a:fld id="{EAE0E171-47B9-407F-A091-9894B1315CD8}" type="datetimeFigureOut">
               <a:rPr lang="tr-TR" smtClean="0"/>
-              <a:t>30.12.2023</a:t>
+              <a:t>31.12.2023</a:t>
             </a:fld>
             <a:endParaRPr lang="tr-TR"/>
           </a:p>
@@ -5385,7 +5385,7 @@
           <a:p>
             <a:fld id="{EAE0E171-47B9-407F-A091-9894B1315CD8}" type="datetimeFigureOut">
               <a:rPr lang="tr-TR" smtClean="0"/>
-              <a:t>30.12.2023</a:t>
+              <a:t>31.12.2023</a:t>
             </a:fld>
             <a:endParaRPr lang="tr-TR"/>
           </a:p>
@@ -5498,7 +5498,7 @@
           <a:p>
             <a:fld id="{EAE0E171-47B9-407F-A091-9894B1315CD8}" type="datetimeFigureOut">
               <a:rPr lang="tr-TR" smtClean="0"/>
-              <a:t>30.12.2023</a:t>
+              <a:t>31.12.2023</a:t>
             </a:fld>
             <a:endParaRPr lang="tr-TR"/>
           </a:p>
@@ -5809,7 +5809,7 @@
           <a:p>
             <a:fld id="{EAE0E171-47B9-407F-A091-9894B1315CD8}" type="datetimeFigureOut">
               <a:rPr lang="tr-TR" smtClean="0"/>
-              <a:t>30.12.2023</a:t>
+              <a:t>31.12.2023</a:t>
             </a:fld>
             <a:endParaRPr lang="tr-TR"/>
           </a:p>
@@ -6097,7 +6097,7 @@
           <a:p>
             <a:fld id="{EAE0E171-47B9-407F-A091-9894B1315CD8}" type="datetimeFigureOut">
               <a:rPr lang="tr-TR" smtClean="0"/>
-              <a:t>30.12.2023</a:t>
+              <a:t>31.12.2023</a:t>
             </a:fld>
             <a:endParaRPr lang="tr-TR"/>
           </a:p>
@@ -6338,7 +6338,7 @@
           <a:p>
             <a:fld id="{EAE0E171-47B9-407F-A091-9894B1315CD8}" type="datetimeFigureOut">
               <a:rPr lang="tr-TR" smtClean="0"/>
-              <a:t>30.12.2023</a:t>
+              <a:t>31.12.2023</a:t>
             </a:fld>
             <a:endParaRPr lang="tr-TR"/>
           </a:p>
@@ -11600,19 +11600,19 @@
           <a:p>
             <a:r>
               <a:rPr lang="tr-TR" sz="1200" dirty="0"/>
-              <a:t>Return: %80.4</a:t>
+              <a:t>Return: %97.4</a:t>
             </a:r>
           </a:p>
           <a:p>
             <a:r>
               <a:rPr lang="tr-TR" sz="1200" dirty="0"/>
-              <a:t>SR: 3.96</a:t>
+              <a:t>SR: 4.32</a:t>
             </a:r>
           </a:p>
           <a:p>
             <a:r>
               <a:rPr lang="tr-TR" sz="1200" dirty="0"/>
-              <a:t>MDD: %16.1</a:t>
+              <a:t>MDD: %17.4</a:t>
             </a:r>
           </a:p>
         </p:txBody>
@@ -11772,7 +11772,7 @@
         </p:nvSpPr>
         <p:spPr>
           <a:xfrm>
-            <a:off x="9144720" y="5817172"/>
+            <a:off x="9155798" y="2003659"/>
             <a:ext cx="6094562" cy="369332"/>
           </a:xfrm>
           <a:prstGeom prst="rect">
@@ -11875,8 +11875,8 @@
         </p:blipFill>
         <p:spPr>
           <a:xfrm>
-            <a:off x="5929270" y="471990"/>
-            <a:ext cx="884656" cy="2631516"/>
+            <a:off x="5965794" y="572004"/>
+            <a:ext cx="848132" cy="2522870"/>
           </a:xfrm>
           <a:prstGeom prst="rect">
             <a:avLst/>
@@ -11965,8 +11965,98 @@
         </p:blipFill>
         <p:spPr>
           <a:xfrm>
-            <a:off x="990163" y="754677"/>
-            <a:ext cx="875963" cy="2295101"/>
+            <a:off x="986578" y="580627"/>
+            <a:ext cx="966189" cy="2531501"/>
+          </a:xfrm>
+          <a:prstGeom prst="rect">
+            <a:avLst/>
+          </a:prstGeom>
+        </p:spPr>
+      </p:pic>
+      <p:pic>
+        <p:nvPicPr>
+          <p:cNvPr id="4" name="Resim 3">
+            <a:extLst>
+              <a:ext uri="{FF2B5EF4-FFF2-40B4-BE49-F238E27FC236}">
+                <a16:creationId xmlns:a16="http://schemas.microsoft.com/office/drawing/2014/main" id="{990C145F-5857-4A69-3A6B-DEB71E3A71B6}"/>
+              </a:ext>
+            </a:extLst>
+          </p:cNvPr>
+          <p:cNvPicPr>
+            <a:picLocks noChangeAspect="1"/>
+          </p:cNvPicPr>
+          <p:nvPr/>
+        </p:nvPicPr>
+        <p:blipFill>
+          <a:blip r:embed="rId8"/>
+          <a:stretch>
+            <a:fillRect/>
+          </a:stretch>
+        </p:blipFill>
+        <p:spPr>
+          <a:xfrm>
+            <a:off x="3384119" y="580627"/>
+            <a:ext cx="987213" cy="2522879"/>
+          </a:xfrm>
+          <a:prstGeom prst="rect">
+            <a:avLst/>
+          </a:prstGeom>
+        </p:spPr>
+      </p:pic>
+      <p:pic>
+        <p:nvPicPr>
+          <p:cNvPr id="7" name="Resim 6">
+            <a:extLst>
+              <a:ext uri="{FF2B5EF4-FFF2-40B4-BE49-F238E27FC236}">
+                <a16:creationId xmlns:a16="http://schemas.microsoft.com/office/drawing/2014/main" id="{1877B7BB-4BE5-4CE6-770A-5A035A066D31}"/>
+              </a:ext>
+            </a:extLst>
+          </p:cNvPr>
+          <p:cNvPicPr>
+            <a:picLocks noChangeAspect="1"/>
+          </p:cNvPicPr>
+          <p:nvPr/>
+        </p:nvPicPr>
+        <p:blipFill>
+          <a:blip r:embed="rId9"/>
+          <a:stretch>
+            <a:fillRect/>
+          </a:stretch>
+        </p:blipFill>
+        <p:spPr>
+          <a:xfrm>
+            <a:off x="2828066" y="3170834"/>
+            <a:ext cx="2191379" cy="804858"/>
+          </a:xfrm>
+          <a:prstGeom prst="rect">
+            <a:avLst/>
+          </a:prstGeom>
+        </p:spPr>
+      </p:pic>
+      <p:pic>
+        <p:nvPicPr>
+          <p:cNvPr id="9" name="Resim 8">
+            <a:extLst>
+              <a:ext uri="{FF2B5EF4-FFF2-40B4-BE49-F238E27FC236}">
+                <a16:creationId xmlns:a16="http://schemas.microsoft.com/office/drawing/2014/main" id="{155C16FA-7B08-4D50-F406-79BAA2C9BF8B}"/>
+              </a:ext>
+            </a:extLst>
+          </p:cNvPr>
+          <p:cNvPicPr>
+            <a:picLocks noChangeAspect="1"/>
+          </p:cNvPicPr>
+          <p:nvPr/>
+        </p:nvPicPr>
+        <p:blipFill>
+          <a:blip r:embed="rId10"/>
+          <a:stretch>
+            <a:fillRect/>
+          </a:stretch>
+        </p:blipFill>
+        <p:spPr>
+          <a:xfrm>
+            <a:off x="2828065" y="4030928"/>
+            <a:ext cx="2193755" cy="1979255"/>
           </a:xfrm>
           <a:prstGeom prst="rect">
             <a:avLst/>

--- a/INVESTOR PRESENTATIONS/Investor Presentation v1.pptx
+++ b/INVESTOR PRESENTATIONS/Investor Presentation v1.pptx
@@ -3688,7 +3688,7 @@
           <a:p>
             <a:fld id="{EAE0E171-47B9-407F-A091-9894B1315CD8}" type="datetimeFigureOut">
               <a:rPr lang="tr-TR" smtClean="0"/>
-              <a:t>31.12.2023</a:t>
+              <a:t>2.01.2024</a:t>
             </a:fld>
             <a:endParaRPr lang="tr-TR"/>
           </a:p>
@@ -3886,7 +3886,7 @@
           <a:p>
             <a:fld id="{EAE0E171-47B9-407F-A091-9894B1315CD8}" type="datetimeFigureOut">
               <a:rPr lang="tr-TR" smtClean="0"/>
-              <a:t>31.12.2023</a:t>
+              <a:t>2.01.2024</a:t>
             </a:fld>
             <a:endParaRPr lang="tr-TR"/>
           </a:p>
@@ -4094,7 +4094,7 @@
           <a:p>
             <a:fld id="{EAE0E171-47B9-407F-A091-9894B1315CD8}" type="datetimeFigureOut">
               <a:rPr lang="tr-TR" smtClean="0"/>
-              <a:t>31.12.2023</a:t>
+              <a:t>2.01.2024</a:t>
             </a:fld>
             <a:endParaRPr lang="tr-TR"/>
           </a:p>
@@ -4292,7 +4292,7 @@
           <a:p>
             <a:fld id="{EAE0E171-47B9-407F-A091-9894B1315CD8}" type="datetimeFigureOut">
               <a:rPr lang="tr-TR" smtClean="0"/>
-              <a:t>31.12.2023</a:t>
+              <a:t>2.01.2024</a:t>
             </a:fld>
             <a:endParaRPr lang="tr-TR"/>
           </a:p>
@@ -4567,7 +4567,7 @@
           <a:p>
             <a:fld id="{EAE0E171-47B9-407F-A091-9894B1315CD8}" type="datetimeFigureOut">
               <a:rPr lang="tr-TR" smtClean="0"/>
-              <a:t>31.12.2023</a:t>
+              <a:t>2.01.2024</a:t>
             </a:fld>
             <a:endParaRPr lang="tr-TR"/>
           </a:p>
@@ -4832,7 +4832,7 @@
           <a:p>
             <a:fld id="{EAE0E171-47B9-407F-A091-9894B1315CD8}" type="datetimeFigureOut">
               <a:rPr lang="tr-TR" smtClean="0"/>
-              <a:t>31.12.2023</a:t>
+              <a:t>2.01.2024</a:t>
             </a:fld>
             <a:endParaRPr lang="tr-TR"/>
           </a:p>
@@ -5244,7 +5244,7 @@
           <a:p>
             <a:fld id="{EAE0E171-47B9-407F-A091-9894B1315CD8}" type="datetimeFigureOut">
               <a:rPr lang="tr-TR" smtClean="0"/>
-              <a:t>31.12.2023</a:t>
+              <a:t>2.01.2024</a:t>
             </a:fld>
             <a:endParaRPr lang="tr-TR"/>
           </a:p>
@@ -5385,7 +5385,7 @@
           <a:p>
             <a:fld id="{EAE0E171-47B9-407F-A091-9894B1315CD8}" type="datetimeFigureOut">
               <a:rPr lang="tr-TR" smtClean="0"/>
-              <a:t>31.12.2023</a:t>
+              <a:t>2.01.2024</a:t>
             </a:fld>
             <a:endParaRPr lang="tr-TR"/>
           </a:p>
@@ -5498,7 +5498,7 @@
           <a:p>
             <a:fld id="{EAE0E171-47B9-407F-A091-9894B1315CD8}" type="datetimeFigureOut">
               <a:rPr lang="tr-TR" smtClean="0"/>
-              <a:t>31.12.2023</a:t>
+              <a:t>2.01.2024</a:t>
             </a:fld>
             <a:endParaRPr lang="tr-TR"/>
           </a:p>
@@ -5809,7 +5809,7 @@
           <a:p>
             <a:fld id="{EAE0E171-47B9-407F-A091-9894B1315CD8}" type="datetimeFigureOut">
               <a:rPr lang="tr-TR" smtClean="0"/>
-              <a:t>31.12.2023</a:t>
+              <a:t>2.01.2024</a:t>
             </a:fld>
             <a:endParaRPr lang="tr-TR"/>
           </a:p>
@@ -6097,7 +6097,7 @@
           <a:p>
             <a:fld id="{EAE0E171-47B9-407F-A091-9894B1315CD8}" type="datetimeFigureOut">
               <a:rPr lang="tr-TR" smtClean="0"/>
-              <a:t>31.12.2023</a:t>
+              <a:t>2.01.2024</a:t>
             </a:fld>
             <a:endParaRPr lang="tr-TR"/>
           </a:p>
@@ -6338,7 +6338,7 @@
           <a:p>
             <a:fld id="{EAE0E171-47B9-407F-A091-9894B1315CD8}" type="datetimeFigureOut">
               <a:rPr lang="tr-TR" smtClean="0"/>
-              <a:t>31.12.2023</a:t>
+              <a:t>2.01.2024</a:t>
             </a:fld>
             <a:endParaRPr lang="tr-TR"/>
           </a:p>

--- a/INVESTOR PRESENTATIONS/Investor Presentation v1.pptx
+++ b/INVESTOR PRESENTATIONS/Investor Presentation v1.pptx
@@ -8,9 +8,9 @@
     <p:sldId id="257" r:id="rId2"/>
     <p:sldId id="258" r:id="rId3"/>
     <p:sldId id="259" r:id="rId4"/>
-    <p:sldId id="260" r:id="rId5"/>
-    <p:sldId id="266" r:id="rId6"/>
-    <p:sldId id="267" r:id="rId7"/>
+    <p:sldId id="267" r:id="rId5"/>
+    <p:sldId id="269" r:id="rId6"/>
+    <p:sldId id="268" r:id="rId7"/>
     <p:sldId id="265" r:id="rId8"/>
     <p:sldId id="261" r:id="rId9"/>
     <p:sldId id="262" r:id="rId10"/>
@@ -7288,7 +7288,7 @@
         </p:nvGrpSpPr>
         <p:grpSpPr>
           <a:xfrm>
-            <a:off x="95005" y="3113507"/>
+            <a:off x="95005" y="1859340"/>
             <a:ext cx="3855893" cy="1569660"/>
             <a:chOff x="95005" y="1942165"/>
             <a:chExt cx="3664185" cy="1569660"/>
@@ -7476,12 +7476,103 @@
           </p:txBody>
         </p:sp>
       </p:grpSp>
+      <p:sp>
+        <p:nvSpPr>
+          <p:cNvPr id="29" name="Metin kutusu 28">
+            <a:extLst>
+              <a:ext uri="{FF2B5EF4-FFF2-40B4-BE49-F238E27FC236}">
+                <a16:creationId xmlns:a16="http://schemas.microsoft.com/office/drawing/2014/main" id="{B8E769BF-5B1D-F018-3FE5-7369A8B75CAC}"/>
+              </a:ext>
+            </a:extLst>
+          </p:cNvPr>
+          <p:cNvSpPr txBox="1"/>
+          <p:nvPr/>
+        </p:nvSpPr>
+        <p:spPr>
+          <a:xfrm>
+            <a:off x="4064428" y="6332068"/>
+            <a:ext cx="1031522" cy="276999"/>
+          </a:xfrm>
+          <a:prstGeom prst="rect">
+            <a:avLst/>
+          </a:prstGeom>
+          <a:noFill/>
+        </p:spPr>
+        <p:txBody>
+          <a:bodyPr wrap="square">
+            <a:spAutoFit/>
+          </a:bodyPr>
+          <a:lstStyle/>
+          <a:p>
+            <a:r>
+              <a:rPr lang="tr-TR" sz="1200" kern="1200" dirty="0">
+                <a:solidFill>
+                  <a:srgbClr val="FF0000"/>
+                </a:solidFill>
+                <a:latin typeface="+mj-lt"/>
+                <a:ea typeface="+mj-ea"/>
+                <a:cs typeface="+mj-cs"/>
+              </a:rPr>
+              <a:t>(</a:t>
+            </a:r>
+            <a:r>
+              <a:rPr lang="tr-TR" sz="1200" kern="1200" dirty="0" err="1">
+                <a:solidFill>
+                  <a:srgbClr val="FF0000"/>
+                </a:solidFill>
+                <a:latin typeface="+mj-lt"/>
+                <a:ea typeface="+mj-ea"/>
+                <a:cs typeface="+mj-cs"/>
+              </a:rPr>
+              <a:t>Last</a:t>
+            </a:r>
+            <a:r>
+              <a:rPr lang="tr-TR" sz="1200" kern="1200" dirty="0">
+                <a:solidFill>
+                  <a:srgbClr val="FF0000"/>
+                </a:solidFill>
+                <a:latin typeface="+mj-lt"/>
+                <a:ea typeface="+mj-ea"/>
+                <a:cs typeface="+mj-cs"/>
+              </a:rPr>
+              <a:t> 5 </a:t>
+            </a:r>
+            <a:r>
+              <a:rPr lang="tr-TR" sz="1200" kern="1200" dirty="0" err="1">
+                <a:solidFill>
+                  <a:srgbClr val="FF0000"/>
+                </a:solidFill>
+                <a:latin typeface="+mj-lt"/>
+                <a:ea typeface="+mj-ea"/>
+                <a:cs typeface="+mj-cs"/>
+              </a:rPr>
+              <a:t>years</a:t>
+            </a:r>
+            <a:r>
+              <a:rPr lang="tr-TR" sz="1200" kern="1200" dirty="0">
+                <a:solidFill>
+                  <a:srgbClr val="FF0000"/>
+                </a:solidFill>
+                <a:latin typeface="+mj-lt"/>
+                <a:ea typeface="+mj-ea"/>
+                <a:cs typeface="+mj-cs"/>
+              </a:rPr>
+              <a:t>)</a:t>
+            </a:r>
+            <a:endParaRPr lang="tr-TR" sz="1200" dirty="0">
+              <a:solidFill>
+                <a:srgbClr val="FF0000"/>
+              </a:solidFill>
+            </a:endParaRPr>
+          </a:p>
+        </p:txBody>
+      </p:sp>
       <p:grpSp>
         <p:nvGrpSpPr>
-          <p:cNvPr id="52" name="Grup 51">
-            <a:extLst>
-              <a:ext uri="{FF2B5EF4-FFF2-40B4-BE49-F238E27FC236}">
-                <a16:creationId xmlns:a16="http://schemas.microsoft.com/office/drawing/2014/main" id="{9C87116A-3508-734E-8085-C3EF8BC06114}"/>
+          <p:cNvPr id="7" name="Grup 6">
+            <a:extLst>
+              <a:ext uri="{FF2B5EF4-FFF2-40B4-BE49-F238E27FC236}">
+                <a16:creationId xmlns:a16="http://schemas.microsoft.com/office/drawing/2014/main" id="{6FECC036-5B9F-86FC-EFE7-325F4036195C}"/>
               </a:ext>
             </a:extLst>
           </p:cNvPr>
@@ -7490,48 +7581,412 @@
         </p:nvGrpSpPr>
         <p:grpSpPr>
           <a:xfrm>
-            <a:off x="3854195" y="1705360"/>
-            <a:ext cx="8006353" cy="4884690"/>
-            <a:chOff x="3759190" y="1942165"/>
-            <a:chExt cx="7177169" cy="4206229"/>
+            <a:off x="3950898" y="1614959"/>
+            <a:ext cx="8006353" cy="4855608"/>
+            <a:chOff x="3836524" y="1753460"/>
+            <a:chExt cx="8006353" cy="4855608"/>
           </a:xfrm>
         </p:grpSpPr>
-        <p:pic>
-          <p:nvPicPr>
-            <p:cNvPr id="48" name="Resim 47">
+        <p:grpSp>
+          <p:nvGrpSpPr>
+            <p:cNvPr id="52" name="Grup 51">
               <a:extLst>
                 <a:ext uri="{FF2B5EF4-FFF2-40B4-BE49-F238E27FC236}">
-                  <a16:creationId xmlns:a16="http://schemas.microsoft.com/office/drawing/2014/main" id="{D904A0A8-4261-7AE5-A581-08E395C2DFC9}"/>
+                  <a16:creationId xmlns:a16="http://schemas.microsoft.com/office/drawing/2014/main" id="{9C87116A-3508-734E-8085-C3EF8BC06114}"/>
                 </a:ext>
               </a:extLst>
             </p:cNvPr>
-            <p:cNvPicPr>
-              <a:picLocks noChangeAspect="1"/>
-            </p:cNvPicPr>
+            <p:cNvGrpSpPr/>
             <p:nvPr/>
-          </p:nvPicPr>
-          <p:blipFill>
-            <a:blip r:embed="rId3"/>
-            <a:stretch>
-              <a:fillRect/>
-            </a:stretch>
-          </p:blipFill>
+          </p:nvGrpSpPr>
+          <p:grpSpPr>
+            <a:xfrm>
+              <a:off x="3836524" y="1788839"/>
+              <a:ext cx="8006353" cy="4820229"/>
+              <a:chOff x="3759190" y="1997673"/>
+              <a:chExt cx="7177169" cy="4150721"/>
+            </a:xfrm>
+          </p:grpSpPr>
+          <p:pic>
+            <p:nvPicPr>
+              <p:cNvPr id="48" name="Resim 47">
+                <a:extLst>
+                  <a:ext uri="{FF2B5EF4-FFF2-40B4-BE49-F238E27FC236}">
+                    <a16:creationId xmlns:a16="http://schemas.microsoft.com/office/drawing/2014/main" id="{D904A0A8-4261-7AE5-A581-08E395C2DFC9}"/>
+                  </a:ext>
+                </a:extLst>
+              </p:cNvPr>
+              <p:cNvPicPr>
+                <a:picLocks noChangeAspect="1"/>
+              </p:cNvPicPr>
+              <p:nvPr/>
+            </p:nvPicPr>
+            <p:blipFill>
+              <a:blip r:embed="rId3"/>
+              <a:stretch>
+                <a:fillRect/>
+              </a:stretch>
+            </p:blipFill>
+            <p:spPr>
+              <a:xfrm>
+                <a:off x="3759190" y="1997673"/>
+                <a:ext cx="7177169" cy="4150721"/>
+              </a:xfrm>
+              <a:prstGeom prst="rect">
+                <a:avLst/>
+              </a:prstGeom>
+            </p:spPr>
+          </p:pic>
+          <p:sp>
+            <p:nvSpPr>
+              <p:cNvPr id="32" name="Ok: Aşağı 31">
+                <a:extLst>
+                  <a:ext uri="{FF2B5EF4-FFF2-40B4-BE49-F238E27FC236}">
+                    <a16:creationId xmlns:a16="http://schemas.microsoft.com/office/drawing/2014/main" id="{97F252EF-CEBD-51AB-05C8-960CE72849A3}"/>
+                  </a:ext>
+                </a:extLst>
+              </p:cNvPr>
+              <p:cNvSpPr/>
+              <p:nvPr/>
+            </p:nvSpPr>
+            <p:spPr>
+              <a:xfrm>
+                <a:off x="10130163" y="2924388"/>
+                <a:ext cx="155276" cy="282497"/>
+              </a:xfrm>
+              <a:prstGeom prst="downArrow">
+                <a:avLst/>
+              </a:prstGeom>
+              <a:solidFill>
+                <a:srgbClr val="FF0000"/>
+              </a:solidFill>
+            </p:spPr>
+            <p:style>
+              <a:lnRef idx="2">
+                <a:schemeClr val="accent1">
+                  <a:shade val="15000"/>
+                </a:schemeClr>
+              </a:lnRef>
+              <a:fillRef idx="1">
+                <a:schemeClr val="accent1"/>
+              </a:fillRef>
+              <a:effectRef idx="0">
+                <a:schemeClr val="accent1"/>
+              </a:effectRef>
+              <a:fontRef idx="minor">
+                <a:schemeClr val="lt1"/>
+              </a:fontRef>
+            </p:style>
+            <p:txBody>
+              <a:bodyPr rtlCol="0" anchor="ctr"/>
+              <a:lstStyle/>
+              <a:p>
+                <a:pPr algn="ctr"/>
+                <a:endParaRPr lang="tr-TR"/>
+              </a:p>
+            </p:txBody>
+          </p:sp>
+          <p:sp>
+            <p:nvSpPr>
+              <p:cNvPr id="39" name="Ok: Aşağı 38">
+                <a:extLst>
+                  <a:ext uri="{FF2B5EF4-FFF2-40B4-BE49-F238E27FC236}">
+                    <a16:creationId xmlns:a16="http://schemas.microsoft.com/office/drawing/2014/main" id="{EEF47DD0-196B-7129-8F63-601D9B4AA969}"/>
+                  </a:ext>
+                </a:extLst>
+              </p:cNvPr>
+              <p:cNvSpPr/>
+              <p:nvPr/>
+            </p:nvSpPr>
+            <p:spPr>
+              <a:xfrm rot="10800000">
+                <a:off x="10513596" y="5643747"/>
+                <a:ext cx="155276" cy="282497"/>
+              </a:xfrm>
+              <a:prstGeom prst="downArrow">
+                <a:avLst/>
+              </a:prstGeom>
+              <a:solidFill>
+                <a:srgbClr val="0070C0"/>
+              </a:solidFill>
+            </p:spPr>
+            <p:style>
+              <a:lnRef idx="2">
+                <a:schemeClr val="accent1">
+                  <a:shade val="15000"/>
+                </a:schemeClr>
+              </a:lnRef>
+              <a:fillRef idx="1">
+                <a:schemeClr val="accent1"/>
+              </a:fillRef>
+              <a:effectRef idx="0">
+                <a:schemeClr val="accent1"/>
+              </a:effectRef>
+              <a:fontRef idx="minor">
+                <a:schemeClr val="lt1"/>
+              </a:fontRef>
+            </p:style>
+            <p:txBody>
+              <a:bodyPr rtlCol="0" anchor="ctr"/>
+              <a:lstStyle/>
+              <a:p>
+                <a:pPr algn="ctr"/>
+                <a:endParaRPr lang="tr-TR"/>
+              </a:p>
+            </p:txBody>
+          </p:sp>
+          <p:sp>
+            <p:nvSpPr>
+              <p:cNvPr id="42" name="Ok: Aşağı 41">
+                <a:extLst>
+                  <a:ext uri="{FF2B5EF4-FFF2-40B4-BE49-F238E27FC236}">
+                    <a16:creationId xmlns:a16="http://schemas.microsoft.com/office/drawing/2014/main" id="{0CE5DA23-12FE-4A23-2930-EDD35D8601B1}"/>
+                  </a:ext>
+                </a:extLst>
+              </p:cNvPr>
+              <p:cNvSpPr/>
+              <p:nvPr/>
+            </p:nvSpPr>
+            <p:spPr>
+              <a:xfrm>
+                <a:off x="8501452" y="2730212"/>
+                <a:ext cx="155276" cy="282497"/>
+              </a:xfrm>
+              <a:prstGeom prst="downArrow">
+                <a:avLst/>
+              </a:prstGeom>
+              <a:solidFill>
+                <a:srgbClr val="FF0000"/>
+              </a:solidFill>
+            </p:spPr>
+            <p:style>
+              <a:lnRef idx="2">
+                <a:schemeClr val="accent1">
+                  <a:shade val="15000"/>
+                </a:schemeClr>
+              </a:lnRef>
+              <a:fillRef idx="1">
+                <a:schemeClr val="accent1"/>
+              </a:fillRef>
+              <a:effectRef idx="0">
+                <a:schemeClr val="accent1"/>
+              </a:effectRef>
+              <a:fontRef idx="minor">
+                <a:schemeClr val="lt1"/>
+              </a:fontRef>
+            </p:style>
+            <p:txBody>
+              <a:bodyPr rtlCol="0" anchor="ctr"/>
+              <a:lstStyle/>
+              <a:p>
+                <a:pPr algn="ctr"/>
+                <a:endParaRPr lang="tr-TR"/>
+              </a:p>
+            </p:txBody>
+          </p:sp>
+          <p:sp>
+            <p:nvSpPr>
+              <p:cNvPr id="43" name="Ok: Aşağı 42">
+                <a:extLst>
+                  <a:ext uri="{FF2B5EF4-FFF2-40B4-BE49-F238E27FC236}">
+                    <a16:creationId xmlns:a16="http://schemas.microsoft.com/office/drawing/2014/main" id="{90C53E39-EF54-6476-678D-181C1CB0709F}"/>
+                  </a:ext>
+                </a:extLst>
+              </p:cNvPr>
+              <p:cNvSpPr/>
+              <p:nvPr/>
+            </p:nvSpPr>
+            <p:spPr>
+              <a:xfrm>
+                <a:off x="7829895" y="2715213"/>
+                <a:ext cx="155276" cy="282497"/>
+              </a:xfrm>
+              <a:prstGeom prst="downArrow">
+                <a:avLst/>
+              </a:prstGeom>
+              <a:solidFill>
+                <a:srgbClr val="FF0000"/>
+              </a:solidFill>
+            </p:spPr>
+            <p:style>
+              <a:lnRef idx="2">
+                <a:schemeClr val="accent1">
+                  <a:shade val="15000"/>
+                </a:schemeClr>
+              </a:lnRef>
+              <a:fillRef idx="1">
+                <a:schemeClr val="accent1"/>
+              </a:fillRef>
+              <a:effectRef idx="0">
+                <a:schemeClr val="accent1"/>
+              </a:effectRef>
+              <a:fontRef idx="minor">
+                <a:schemeClr val="lt1"/>
+              </a:fontRef>
+            </p:style>
+            <p:txBody>
+              <a:bodyPr rtlCol="0" anchor="ctr"/>
+              <a:lstStyle/>
+              <a:p>
+                <a:pPr algn="ctr"/>
+                <a:endParaRPr lang="tr-TR"/>
+              </a:p>
+            </p:txBody>
+          </p:sp>
+          <p:sp>
+            <p:nvSpPr>
+              <p:cNvPr id="44" name="Ok: Aşağı 43">
+                <a:extLst>
+                  <a:ext uri="{FF2B5EF4-FFF2-40B4-BE49-F238E27FC236}">
+                    <a16:creationId xmlns:a16="http://schemas.microsoft.com/office/drawing/2014/main" id="{926763B3-756A-95AF-E2E0-F0269142AF5D}"/>
+                  </a:ext>
+                </a:extLst>
+              </p:cNvPr>
+              <p:cNvSpPr/>
+              <p:nvPr/>
+            </p:nvSpPr>
+            <p:spPr>
+              <a:xfrm rot="10800000">
+                <a:off x="8765928" y="4586246"/>
+                <a:ext cx="155276" cy="282497"/>
+              </a:xfrm>
+              <a:prstGeom prst="downArrow">
+                <a:avLst/>
+              </a:prstGeom>
+              <a:solidFill>
+                <a:srgbClr val="0070C0"/>
+              </a:solidFill>
+            </p:spPr>
+            <p:style>
+              <a:lnRef idx="2">
+                <a:schemeClr val="accent1">
+                  <a:shade val="15000"/>
+                </a:schemeClr>
+              </a:lnRef>
+              <a:fillRef idx="1">
+                <a:schemeClr val="accent1"/>
+              </a:fillRef>
+              <a:effectRef idx="0">
+                <a:schemeClr val="accent1"/>
+              </a:effectRef>
+              <a:fontRef idx="minor">
+                <a:schemeClr val="lt1"/>
+              </a:fontRef>
+            </p:style>
+            <p:txBody>
+              <a:bodyPr rtlCol="0" anchor="ctr"/>
+              <a:lstStyle/>
+              <a:p>
+                <a:pPr algn="ctr"/>
+                <a:endParaRPr lang="tr-TR"/>
+              </a:p>
+            </p:txBody>
+          </p:sp>
+          <p:sp>
+            <p:nvSpPr>
+              <p:cNvPr id="45" name="Ok: Aşağı 44">
+                <a:extLst>
+                  <a:ext uri="{FF2B5EF4-FFF2-40B4-BE49-F238E27FC236}">
+                    <a16:creationId xmlns:a16="http://schemas.microsoft.com/office/drawing/2014/main" id="{F182F84B-9764-552C-317A-FDE37A8B01BA}"/>
+                  </a:ext>
+                </a:extLst>
+              </p:cNvPr>
+              <p:cNvSpPr/>
+              <p:nvPr/>
+            </p:nvSpPr>
+            <p:spPr>
+              <a:xfrm rot="10800000">
+                <a:off x="8105440" y="4444997"/>
+                <a:ext cx="155276" cy="282497"/>
+              </a:xfrm>
+              <a:prstGeom prst="downArrow">
+                <a:avLst/>
+              </a:prstGeom>
+              <a:solidFill>
+                <a:srgbClr val="0070C0"/>
+              </a:solidFill>
+            </p:spPr>
+            <p:style>
+              <a:lnRef idx="2">
+                <a:schemeClr val="accent1">
+                  <a:shade val="15000"/>
+                </a:schemeClr>
+              </a:lnRef>
+              <a:fillRef idx="1">
+                <a:schemeClr val="accent1"/>
+              </a:fillRef>
+              <a:effectRef idx="0">
+                <a:schemeClr val="accent1"/>
+              </a:effectRef>
+              <a:fontRef idx="minor">
+                <a:schemeClr val="lt1"/>
+              </a:fontRef>
+            </p:style>
+            <p:txBody>
+              <a:bodyPr rtlCol="0" anchor="ctr"/>
+              <a:lstStyle/>
+              <a:p>
+                <a:pPr algn="ctr"/>
+                <a:endParaRPr lang="tr-TR"/>
+              </a:p>
+            </p:txBody>
+          </p:sp>
+        </p:grpSp>
+        <p:sp>
+          <p:nvSpPr>
+            <p:cNvPr id="3" name="Ok: Aşağı 2">
+              <a:extLst>
+                <a:ext uri="{FF2B5EF4-FFF2-40B4-BE49-F238E27FC236}">
+                  <a16:creationId xmlns:a16="http://schemas.microsoft.com/office/drawing/2014/main" id="{CE7BA588-4275-53D0-4944-6FFEF2CD23E3}"/>
+                </a:ext>
+              </a:extLst>
+            </p:cNvPr>
+            <p:cNvSpPr/>
+            <p:nvPr/>
+          </p:nvSpPr>
           <p:spPr>
-            <a:xfrm>
-              <a:off x="3759190" y="1997673"/>
-              <a:ext cx="7177169" cy="4150721"/>
+            <a:xfrm rot="10800000">
+              <a:off x="8091153" y="6150617"/>
+              <a:ext cx="173215" cy="328064"/>
             </a:xfrm>
-            <a:prstGeom prst="rect">
+            <a:prstGeom prst="downArrow">
               <a:avLst/>
             </a:prstGeom>
+            <a:solidFill>
+              <a:srgbClr val="0070C0"/>
+            </a:solidFill>
           </p:spPr>
-        </p:pic>
+          <p:style>
+            <a:lnRef idx="2">
+              <a:schemeClr val="accent1">
+                <a:shade val="15000"/>
+              </a:schemeClr>
+            </a:lnRef>
+            <a:fillRef idx="1">
+              <a:schemeClr val="accent1"/>
+            </a:fillRef>
+            <a:effectRef idx="0">
+              <a:schemeClr val="accent1"/>
+            </a:effectRef>
+            <a:fontRef idx="minor">
+              <a:schemeClr val="lt1"/>
+            </a:fontRef>
+          </p:style>
+          <p:txBody>
+            <a:bodyPr rtlCol="0" anchor="ctr"/>
+            <a:lstStyle/>
+            <a:p>
+              <a:pPr algn="ctr"/>
+              <a:endParaRPr lang="tr-TR"/>
+            </a:p>
+          </p:txBody>
+        </p:sp>
         <p:sp>
           <p:nvSpPr>
-            <p:cNvPr id="32" name="Ok: Aşağı 31">
+            <p:cNvPr id="4" name="Ok: Aşağı 3">
               <a:extLst>
                 <a:ext uri="{FF2B5EF4-FFF2-40B4-BE49-F238E27FC236}">
-                  <a16:creationId xmlns:a16="http://schemas.microsoft.com/office/drawing/2014/main" id="{97F252EF-CEBD-51AB-05C8-960CE72849A3}"/>
+                  <a16:creationId xmlns:a16="http://schemas.microsoft.com/office/drawing/2014/main" id="{17104851-14D8-7478-675B-EC36F78D8B90}"/>
                 </a:ext>
               </a:extLst>
             </p:cNvPr>
@@ -7540,8 +7995,8 @@
           </p:nvSpPr>
           <p:spPr>
             <a:xfrm>
-              <a:off x="10130163" y="2924388"/>
-              <a:ext cx="155276" cy="282497"/>
+              <a:off x="7917937" y="4095092"/>
+              <a:ext cx="173215" cy="328064"/>
             </a:xfrm>
             <a:prstGeom prst="downArrow">
               <a:avLst/>
@@ -7577,10 +8032,10 @@
         </p:sp>
         <p:sp>
           <p:nvSpPr>
-            <p:cNvPr id="39" name="Ok: Aşağı 38">
+            <p:cNvPr id="5" name="Ok: Aşağı 4">
               <a:extLst>
                 <a:ext uri="{FF2B5EF4-FFF2-40B4-BE49-F238E27FC236}">
-                  <a16:creationId xmlns:a16="http://schemas.microsoft.com/office/drawing/2014/main" id="{EEF47DD0-196B-7129-8F63-601D9B4AA969}"/>
+                  <a16:creationId xmlns:a16="http://schemas.microsoft.com/office/drawing/2014/main" id="{87763F00-153A-E85B-1544-695D0C35A859}"/>
                 </a:ext>
               </a:extLst>
             </p:cNvPr>
@@ -7589,8 +8044,8 @@
           </p:nvSpPr>
           <p:spPr>
             <a:xfrm rot="10800000">
-              <a:off x="10513596" y="5643747"/>
-              <a:ext cx="155276" cy="282497"/>
+              <a:off x="10410116" y="5513404"/>
+              <a:ext cx="173215" cy="328064"/>
             </a:xfrm>
             <a:prstGeom prst="downArrow">
               <a:avLst/>
@@ -7626,10 +8081,10 @@
         </p:sp>
         <p:sp>
           <p:nvSpPr>
-            <p:cNvPr id="42" name="Ok: Aşağı 41">
+            <p:cNvPr id="6" name="Ok: Aşağı 5">
               <a:extLst>
                 <a:ext uri="{FF2B5EF4-FFF2-40B4-BE49-F238E27FC236}">
-                  <a16:creationId xmlns:a16="http://schemas.microsoft.com/office/drawing/2014/main" id="{0CE5DA23-12FE-4A23-2930-EDD35D8601B1}"/>
+                  <a16:creationId xmlns:a16="http://schemas.microsoft.com/office/drawing/2014/main" id="{63DEA589-2C71-4160-A49E-1C46DC1DAD9E}"/>
                 </a:ext>
               </a:extLst>
             </p:cNvPr>
@@ -7638,8 +8093,8 @@
           </p:nvSpPr>
           <p:spPr>
             <a:xfrm>
-              <a:off x="9188437" y="1942165"/>
-              <a:ext cx="155276" cy="282497"/>
+              <a:off x="9885449" y="1753460"/>
+              <a:ext cx="173215" cy="328064"/>
             </a:xfrm>
             <a:prstGeom prst="downArrow">
               <a:avLst/>
@@ -7673,245 +8128,7 @@
             </a:p>
           </p:txBody>
         </p:sp>
-        <p:sp>
-          <p:nvSpPr>
-            <p:cNvPr id="43" name="Ok: Aşağı 42">
-              <a:extLst>
-                <a:ext uri="{FF2B5EF4-FFF2-40B4-BE49-F238E27FC236}">
-                  <a16:creationId xmlns:a16="http://schemas.microsoft.com/office/drawing/2014/main" id="{90C53E39-EF54-6476-678D-181C1CB0709F}"/>
-                </a:ext>
-              </a:extLst>
-            </p:cNvPr>
-            <p:cNvSpPr/>
-            <p:nvPr/>
-          </p:nvSpPr>
-          <p:spPr>
-            <a:xfrm>
-              <a:off x="8509075" y="2760207"/>
-              <a:ext cx="155276" cy="282497"/>
-            </a:xfrm>
-            <a:prstGeom prst="downArrow">
-              <a:avLst/>
-            </a:prstGeom>
-            <a:solidFill>
-              <a:srgbClr val="FF0000"/>
-            </a:solidFill>
-          </p:spPr>
-          <p:style>
-            <a:lnRef idx="2">
-              <a:schemeClr val="accent1">
-                <a:shade val="15000"/>
-              </a:schemeClr>
-            </a:lnRef>
-            <a:fillRef idx="1">
-              <a:schemeClr val="accent1"/>
-            </a:fillRef>
-            <a:effectRef idx="0">
-              <a:schemeClr val="accent1"/>
-            </a:effectRef>
-            <a:fontRef idx="minor">
-              <a:schemeClr val="lt1"/>
-            </a:fontRef>
-          </p:style>
-          <p:txBody>
-            <a:bodyPr rtlCol="0" anchor="ctr"/>
-            <a:lstStyle/>
-            <a:p>
-              <a:pPr algn="ctr"/>
-              <a:endParaRPr lang="tr-TR"/>
-            </a:p>
-          </p:txBody>
-        </p:sp>
-        <p:sp>
-          <p:nvSpPr>
-            <p:cNvPr id="44" name="Ok: Aşağı 43">
-              <a:extLst>
-                <a:ext uri="{FF2B5EF4-FFF2-40B4-BE49-F238E27FC236}">
-                  <a16:creationId xmlns:a16="http://schemas.microsoft.com/office/drawing/2014/main" id="{926763B3-756A-95AF-E2E0-F0269142AF5D}"/>
-                </a:ext>
-              </a:extLst>
-            </p:cNvPr>
-            <p:cNvSpPr/>
-            <p:nvPr/>
-          </p:nvSpPr>
-          <p:spPr>
-            <a:xfrm rot="10800000">
-              <a:off x="9648081" y="5209552"/>
-              <a:ext cx="155276" cy="282497"/>
-            </a:xfrm>
-            <a:prstGeom prst="downArrow">
-              <a:avLst/>
-            </a:prstGeom>
-            <a:solidFill>
-              <a:srgbClr val="0070C0"/>
-            </a:solidFill>
-          </p:spPr>
-          <p:style>
-            <a:lnRef idx="2">
-              <a:schemeClr val="accent1">
-                <a:shade val="15000"/>
-              </a:schemeClr>
-            </a:lnRef>
-            <a:fillRef idx="1">
-              <a:schemeClr val="accent1"/>
-            </a:fillRef>
-            <a:effectRef idx="0">
-              <a:schemeClr val="accent1"/>
-            </a:effectRef>
-            <a:fontRef idx="minor">
-              <a:schemeClr val="lt1"/>
-            </a:fontRef>
-          </p:style>
-          <p:txBody>
-            <a:bodyPr rtlCol="0" anchor="ctr"/>
-            <a:lstStyle/>
-            <a:p>
-              <a:pPr algn="ctr"/>
-              <a:endParaRPr lang="tr-TR"/>
-            </a:p>
-          </p:txBody>
-        </p:sp>
-        <p:sp>
-          <p:nvSpPr>
-            <p:cNvPr id="45" name="Ok: Aşağı 44">
-              <a:extLst>
-                <a:ext uri="{FF2B5EF4-FFF2-40B4-BE49-F238E27FC236}">
-                  <a16:creationId xmlns:a16="http://schemas.microsoft.com/office/drawing/2014/main" id="{F182F84B-9764-552C-317A-FDE37A8B01BA}"/>
-                </a:ext>
-              </a:extLst>
-            </p:cNvPr>
-            <p:cNvSpPr/>
-            <p:nvPr/>
-          </p:nvSpPr>
-          <p:spPr>
-            <a:xfrm rot="10800000">
-              <a:off x="8776813" y="4605701"/>
-              <a:ext cx="155276" cy="282497"/>
-            </a:xfrm>
-            <a:prstGeom prst="downArrow">
-              <a:avLst/>
-            </a:prstGeom>
-            <a:solidFill>
-              <a:srgbClr val="0070C0"/>
-            </a:solidFill>
-          </p:spPr>
-          <p:style>
-            <a:lnRef idx="2">
-              <a:schemeClr val="accent1">
-                <a:shade val="15000"/>
-              </a:schemeClr>
-            </a:lnRef>
-            <a:fillRef idx="1">
-              <a:schemeClr val="accent1"/>
-            </a:fillRef>
-            <a:effectRef idx="0">
-              <a:schemeClr val="accent1"/>
-            </a:effectRef>
-            <a:fontRef idx="minor">
-              <a:schemeClr val="lt1"/>
-            </a:fontRef>
-          </p:style>
-          <p:txBody>
-            <a:bodyPr rtlCol="0" anchor="ctr"/>
-            <a:lstStyle/>
-            <a:p>
-              <a:pPr algn="ctr"/>
-              <a:endParaRPr lang="tr-TR"/>
-            </a:p>
-          </p:txBody>
-        </p:sp>
       </p:grpSp>
-      <p:sp>
-        <p:nvSpPr>
-          <p:cNvPr id="29" name="Metin kutusu 28">
-            <a:extLst>
-              <a:ext uri="{FF2B5EF4-FFF2-40B4-BE49-F238E27FC236}">
-                <a16:creationId xmlns:a16="http://schemas.microsoft.com/office/drawing/2014/main" id="{B8E769BF-5B1D-F018-3FE5-7369A8B75CAC}"/>
-              </a:ext>
-            </a:extLst>
-          </p:cNvPr>
-          <p:cNvSpPr txBox="1"/>
-          <p:nvPr/>
-        </p:nvSpPr>
-        <p:spPr>
-          <a:xfrm>
-            <a:off x="4064428" y="6332068"/>
-            <a:ext cx="1031522" cy="276999"/>
-          </a:xfrm>
-          <a:prstGeom prst="rect">
-            <a:avLst/>
-          </a:prstGeom>
-          <a:noFill/>
-        </p:spPr>
-        <p:txBody>
-          <a:bodyPr wrap="square">
-            <a:spAutoFit/>
-          </a:bodyPr>
-          <a:lstStyle/>
-          <a:p>
-            <a:r>
-              <a:rPr lang="tr-TR" sz="1200" kern="1200" dirty="0">
-                <a:solidFill>
-                  <a:srgbClr val="FF0000"/>
-                </a:solidFill>
-                <a:latin typeface="+mj-lt"/>
-                <a:ea typeface="+mj-ea"/>
-                <a:cs typeface="+mj-cs"/>
-              </a:rPr>
-              <a:t>(</a:t>
-            </a:r>
-            <a:r>
-              <a:rPr lang="tr-TR" sz="1200" kern="1200" dirty="0" err="1">
-                <a:solidFill>
-                  <a:srgbClr val="FF0000"/>
-                </a:solidFill>
-                <a:latin typeface="+mj-lt"/>
-                <a:ea typeface="+mj-ea"/>
-                <a:cs typeface="+mj-cs"/>
-              </a:rPr>
-              <a:t>Last</a:t>
-            </a:r>
-            <a:r>
-              <a:rPr lang="tr-TR" sz="1200" kern="1200" dirty="0">
-                <a:solidFill>
-                  <a:srgbClr val="FF0000"/>
-                </a:solidFill>
-                <a:latin typeface="+mj-lt"/>
-                <a:ea typeface="+mj-ea"/>
-                <a:cs typeface="+mj-cs"/>
-              </a:rPr>
-              <a:t> 5 </a:t>
-            </a:r>
-            <a:r>
-              <a:rPr lang="tr-TR" sz="1200" kern="1200" dirty="0" err="1">
-                <a:solidFill>
-                  <a:srgbClr val="FF0000"/>
-                </a:solidFill>
-                <a:latin typeface="+mj-lt"/>
-                <a:ea typeface="+mj-ea"/>
-                <a:cs typeface="+mj-cs"/>
-              </a:rPr>
-              <a:t>years</a:t>
-            </a:r>
-            <a:r>
-              <a:rPr lang="tr-TR" sz="1200" kern="1200" dirty="0">
-                <a:solidFill>
-                  <a:srgbClr val="FF0000"/>
-                </a:solidFill>
-                <a:latin typeface="+mj-lt"/>
-                <a:ea typeface="+mj-ea"/>
-                <a:cs typeface="+mj-cs"/>
-              </a:rPr>
-              <a:t>)</a:t>
-            </a:r>
-            <a:endParaRPr lang="tr-TR" sz="1200" dirty="0">
-              <a:solidFill>
-                <a:srgbClr val="FF0000"/>
-              </a:solidFill>
-            </a:endParaRPr>
-          </a:p>
-        </p:txBody>
-      </p:sp>
     </p:spTree>
     <p:extLst>
       <p:ext uri="{BB962C8B-B14F-4D97-AF65-F5344CB8AC3E}">
@@ -9859,8 +10076,8 @@
         </p:nvSpPr>
         <p:spPr>
           <a:xfrm>
-            <a:off x="1195902" y="54173"/>
-            <a:ext cx="10226912" cy="646331"/>
+            <a:off x="727300" y="621676"/>
+            <a:ext cx="11978672" cy="646331"/>
           </a:xfrm>
           <a:prstGeom prst="rect">
             <a:avLst/>
@@ -9882,7 +10099,7 @@
                 <a:ea typeface="+mj-ea"/>
                 <a:cs typeface="+mj-cs"/>
               </a:rPr>
-              <a:t>   </a:t>
+              <a:t> </a:t>
             </a:r>
             <a:r>
               <a:rPr lang="tr-TR" sz="1800" kern="1200" dirty="0" err="1">
@@ -9904,29 +10121,7 @@
                 <a:ea typeface="+mj-ea"/>
                 <a:cs typeface="+mj-cs"/>
               </a:rPr>
-              <a:t>                        </a:t>
-            </a:r>
-            <a:r>
-              <a:rPr lang="tr-TR" sz="1800" kern="1200" dirty="0" err="1">
-                <a:solidFill>
-                  <a:srgbClr val="FFFFFF"/>
-                </a:solidFill>
-                <a:latin typeface="+mj-lt"/>
-                <a:ea typeface="+mj-ea"/>
-                <a:cs typeface="+mj-cs"/>
-              </a:rPr>
-              <a:t>Inverse</a:t>
-            </a:r>
-            <a:r>
-              <a:rPr lang="tr-TR" sz="1800" kern="1200" dirty="0">
-                <a:solidFill>
-                  <a:srgbClr val="FFFFFF"/>
-                </a:solidFill>
-                <a:latin typeface="+mj-lt"/>
-                <a:ea typeface="+mj-ea"/>
-                <a:cs typeface="+mj-cs"/>
-              </a:rPr>
-              <a:t> </a:t>
+              <a:t>                                 i-</a:t>
             </a:r>
             <a:r>
               <a:rPr lang="tr-TR" sz="1800" kern="1200" dirty="0" err="1">
@@ -9948,40 +10143,7 @@
                 <a:ea typeface="+mj-ea"/>
                 <a:cs typeface="+mj-cs"/>
               </a:rPr>
-              <a:t>                          MDD                           </a:t>
-            </a:r>
-            <a:r>
-              <a:rPr lang="tr-TR" dirty="0">
-                <a:solidFill>
-                  <a:srgbClr val="FFFFFF"/>
-                </a:solidFill>
-                <a:latin typeface="+mj-lt"/>
-                <a:ea typeface="+mj-ea"/>
-                <a:cs typeface="+mj-cs"/>
-              </a:rPr>
-              <a:t>  </a:t>
-            </a:r>
-            <a:r>
-              <a:rPr lang="tr-TR" sz="1800" kern="1200" dirty="0" err="1">
-                <a:solidFill>
-                  <a:srgbClr val="FFFFFF"/>
-                </a:solidFill>
-                <a:latin typeface="+mj-lt"/>
-                <a:ea typeface="+mj-ea"/>
-                <a:cs typeface="+mj-cs"/>
-              </a:rPr>
-              <a:t>Inverse</a:t>
-            </a:r>
-            <a:r>
-              <a:rPr lang="tr-TR" sz="1800" kern="1200" dirty="0">
-                <a:solidFill>
-                  <a:srgbClr val="FFFFFF"/>
-                </a:solidFill>
-                <a:latin typeface="+mj-lt"/>
-                <a:ea typeface="+mj-ea"/>
-                <a:cs typeface="+mj-cs"/>
-              </a:rPr>
-              <a:t> MDD                         MINVAR</a:t>
+              <a:t>                                     MDD                          i-MDD                              MINVAR</a:t>
             </a:r>
             <a:br>
               <a:rPr lang="tr-TR" sz="1800" kern="1200" dirty="0">
@@ -10011,7 +10173,7 @@
         </p:nvSpPr>
         <p:spPr>
           <a:xfrm>
-            <a:off x="584292" y="6194416"/>
+            <a:off x="883368" y="5060980"/>
             <a:ext cx="1618793" cy="646331"/>
           </a:xfrm>
           <a:prstGeom prst="rect">
@@ -10027,19 +10189,19 @@
           <a:p>
             <a:r>
               <a:rPr lang="tr-TR" sz="1200" dirty="0"/>
-              <a:t>Return: %56.6</a:t>
+              <a:t>Return: %91.3</a:t>
             </a:r>
           </a:p>
           <a:p>
             <a:r>
               <a:rPr lang="tr-TR" sz="1200" dirty="0"/>
-              <a:t>SR: 2.75</a:t>
+              <a:t>SR: 7.6</a:t>
             </a:r>
           </a:p>
           <a:p>
             <a:r>
               <a:rPr lang="tr-TR" sz="1200" dirty="0"/>
-              <a:t>MDD: %13.7</a:t>
+              <a:t>MDD: %5.93</a:t>
             </a:r>
           </a:p>
         </p:txBody>
@@ -10058,7 +10220,7 @@
         </p:nvSpPr>
         <p:spPr>
           <a:xfrm>
-            <a:off x="2863225" y="6203042"/>
+            <a:off x="3262690" y="5823438"/>
             <a:ext cx="2175360" cy="646331"/>
           </a:xfrm>
           <a:prstGeom prst="rect">
@@ -10074,19 +10236,19 @@
           <a:p>
             <a:r>
               <a:rPr lang="tr-TR" sz="1200" dirty="0"/>
-              <a:t>Return: %80.4</a:t>
+              <a:t>Return: %75.8</a:t>
             </a:r>
           </a:p>
           <a:p>
             <a:r>
               <a:rPr lang="tr-TR" sz="1200" dirty="0"/>
-              <a:t>SR: 3.96</a:t>
+              <a:t>SR: 10.48</a:t>
             </a:r>
           </a:p>
           <a:p>
             <a:r>
               <a:rPr lang="tr-TR" sz="1200" dirty="0"/>
-              <a:t>MDD: %16.1</a:t>
+              <a:t>MDD: %4</a:t>
             </a:r>
           </a:p>
         </p:txBody>
@@ -10105,7 +10267,7 @@
         </p:nvSpPr>
         <p:spPr>
           <a:xfrm>
-            <a:off x="7415439" y="6203042"/>
+            <a:off x="7982919" y="5059577"/>
             <a:ext cx="1644246" cy="646331"/>
           </a:xfrm>
           <a:prstGeom prst="rect">
@@ -10121,19 +10283,19 @@
           <a:p>
             <a:r>
               <a:rPr lang="tr-TR" sz="1200" dirty="0"/>
-              <a:t>Return: %65.6</a:t>
+              <a:t>Return: %83.9</a:t>
             </a:r>
           </a:p>
           <a:p>
             <a:r>
               <a:rPr lang="tr-TR" sz="1200" dirty="0"/>
-              <a:t>SR: 3.39</a:t>
+              <a:t>SR: 6.76</a:t>
             </a:r>
           </a:p>
           <a:p>
             <a:r>
               <a:rPr lang="tr-TR" sz="1200" dirty="0"/>
-              <a:t>MDD: %11.4</a:t>
+              <a:t>MDD: %6.7</a:t>
             </a:r>
           </a:p>
         </p:txBody>
@@ -10152,7 +10314,7 @@
         </p:nvSpPr>
         <p:spPr>
           <a:xfrm>
-            <a:off x="9762256" y="6203165"/>
+            <a:off x="10432007" y="6041655"/>
             <a:ext cx="2175360" cy="646331"/>
           </a:xfrm>
           <a:prstGeom prst="rect">
@@ -10168,19 +10330,19 @@
           <a:p>
             <a:r>
               <a:rPr lang="tr-TR" sz="1200" dirty="0"/>
-              <a:t>Return: %64.3</a:t>
+              <a:t>Return: %63.1</a:t>
             </a:r>
           </a:p>
           <a:p>
             <a:r>
               <a:rPr lang="tr-TR" sz="1200" dirty="0"/>
-              <a:t>SR: 3.96</a:t>
+              <a:t>SR: 8.61</a:t>
             </a:r>
           </a:p>
           <a:p>
             <a:r>
               <a:rPr lang="tr-TR" sz="1200" dirty="0"/>
-              <a:t>MDD: %17.8</a:t>
+              <a:t>MDD: %2.53</a:t>
             </a:r>
           </a:p>
         </p:txBody>
@@ -10199,7 +10361,7 @@
         </p:nvSpPr>
         <p:spPr>
           <a:xfrm>
-            <a:off x="5141905" y="6211669"/>
+            <a:off x="5723341" y="6194415"/>
             <a:ext cx="1574731" cy="646331"/>
           </a:xfrm>
           <a:prstGeom prst="rect">
@@ -10215,19 +10377,19 @@
           <a:p>
             <a:r>
               <a:rPr lang="tr-TR" sz="1200" dirty="0"/>
-              <a:t>Return: %92.3</a:t>
+              <a:t>Return: %71.1</a:t>
             </a:r>
           </a:p>
           <a:p>
             <a:r>
               <a:rPr lang="tr-TR" sz="1200" dirty="0"/>
-              <a:t>SR: 4.82</a:t>
+              <a:t>SR: 10.91</a:t>
             </a:r>
           </a:p>
           <a:p>
             <a:r>
               <a:rPr lang="tr-TR" sz="1200" dirty="0"/>
-              <a:t>MDD: %12.4</a:t>
+              <a:t>MDD: %2.82</a:t>
             </a:r>
           </a:p>
         </p:txBody>
@@ -10246,7 +10408,7 @@
         </p:nvSpPr>
         <p:spPr>
           <a:xfrm>
-            <a:off x="58075" y="3860777"/>
+            <a:off x="1436" y="9813"/>
             <a:ext cx="6094562" cy="369332"/>
           </a:xfrm>
           <a:prstGeom prst="rect">
@@ -10261,16 +10423,510 @@
           <a:lstStyle/>
           <a:p>
             <a:r>
-              <a:rPr lang="tr-TR" sz="1800" dirty="0"/>
+              <a:rPr lang="tr-TR" sz="1800" dirty="0">
+                <a:solidFill>
+                  <a:schemeClr val="bg1"/>
+                </a:solidFill>
+              </a:rPr>
+              <a:t>MHI </a:t>
+            </a:r>
+            <a:r>
+              <a:rPr lang="tr-TR" sz="1800" dirty="0" err="1">
+                <a:solidFill>
+                  <a:schemeClr val="bg1"/>
+                </a:solidFill>
+              </a:rPr>
+              <a:t>portfolios</a:t>
+            </a:r>
+            <a:r>
+              <a:rPr lang="tr-TR" sz="1800" dirty="0">
+                <a:solidFill>
+                  <a:schemeClr val="bg1"/>
+                </a:solidFill>
+              </a:rPr>
+              <a:t> </a:t>
+            </a:r>
+            <a:r>
+              <a:rPr lang="tr-TR" sz="1800" dirty="0" err="1">
+                <a:solidFill>
+                  <a:schemeClr val="bg1"/>
+                </a:solidFill>
+              </a:rPr>
+              <a:t>for</a:t>
+            </a:r>
+            <a:r>
+              <a:rPr lang="tr-TR" sz="1800" dirty="0">
+                <a:solidFill>
+                  <a:schemeClr val="bg1"/>
+                </a:solidFill>
+              </a:rPr>
+              <a:t> </a:t>
+            </a:r>
+            <a:r>
+              <a:rPr lang="tr-TR" sz="1800" dirty="0">
+                <a:solidFill>
+                  <a:srgbClr val="FFFF00"/>
+                </a:solidFill>
+              </a:rPr>
               <a:t>21.09.2021 – 16.12.2021 (I)</a:t>
             </a:r>
           </a:p>
         </p:txBody>
       </p:sp>
+      <p:pic>
+        <p:nvPicPr>
+          <p:cNvPr id="41" name="Resim 40">
+            <a:extLst>
+              <a:ext uri="{FF2B5EF4-FFF2-40B4-BE49-F238E27FC236}">
+                <a16:creationId xmlns:a16="http://schemas.microsoft.com/office/drawing/2014/main" id="{E22C910B-ED18-0732-3A9E-FE8AD77319E0}"/>
+              </a:ext>
+            </a:extLst>
+          </p:cNvPr>
+          <p:cNvPicPr>
+            <a:picLocks noChangeAspect="1"/>
+          </p:cNvPicPr>
+          <p:nvPr/>
+        </p:nvPicPr>
+        <p:blipFill>
+          <a:blip r:embed="rId2"/>
+          <a:stretch>
+            <a:fillRect/>
+          </a:stretch>
+        </p:blipFill>
+        <p:spPr>
+          <a:xfrm>
+            <a:off x="11118416" y="613477"/>
+            <a:ext cx="802543" cy="2470002"/>
+          </a:xfrm>
+          <a:prstGeom prst="rect">
+            <a:avLst/>
+          </a:prstGeom>
+        </p:spPr>
+      </p:pic>
+      <p:pic>
+        <p:nvPicPr>
+          <p:cNvPr id="43" name="Resim 42">
+            <a:extLst>
+              <a:ext uri="{FF2B5EF4-FFF2-40B4-BE49-F238E27FC236}">
+                <a16:creationId xmlns:a16="http://schemas.microsoft.com/office/drawing/2014/main" id="{CDE2EB2A-3A96-623C-E08F-7D07933835EF}"/>
+              </a:ext>
+            </a:extLst>
+          </p:cNvPr>
+          <p:cNvPicPr>
+            <a:picLocks noChangeAspect="1"/>
+          </p:cNvPicPr>
+          <p:nvPr/>
+        </p:nvPicPr>
+        <p:blipFill>
+          <a:blip r:embed="rId3"/>
+          <a:stretch>
+            <a:fillRect/>
+          </a:stretch>
+        </p:blipFill>
+        <p:spPr>
+          <a:xfrm>
+            <a:off x="9745551" y="3119194"/>
+            <a:ext cx="2175408" cy="1080948"/>
+          </a:xfrm>
+          <a:prstGeom prst="rect">
+            <a:avLst/>
+          </a:prstGeom>
+        </p:spPr>
+      </p:pic>
+      <p:pic>
+        <p:nvPicPr>
+          <p:cNvPr id="45" name="Resim 44">
+            <a:extLst>
+              <a:ext uri="{FF2B5EF4-FFF2-40B4-BE49-F238E27FC236}">
+                <a16:creationId xmlns:a16="http://schemas.microsoft.com/office/drawing/2014/main" id="{AB5848DC-638B-BD8A-A8D5-3AE37A369BBA}"/>
+              </a:ext>
+            </a:extLst>
+          </p:cNvPr>
+          <p:cNvPicPr>
+            <a:picLocks noChangeAspect="1"/>
+          </p:cNvPicPr>
+          <p:nvPr/>
+        </p:nvPicPr>
+        <p:blipFill>
+          <a:blip r:embed="rId4"/>
+          <a:stretch>
+            <a:fillRect/>
+          </a:stretch>
+        </p:blipFill>
+        <p:spPr>
+          <a:xfrm>
+            <a:off x="9739430" y="4218576"/>
+            <a:ext cx="2175359" cy="1804884"/>
+          </a:xfrm>
+          <a:prstGeom prst="rect">
+            <a:avLst/>
+          </a:prstGeom>
+        </p:spPr>
+      </p:pic>
+      <p:pic>
+        <p:nvPicPr>
+          <p:cNvPr id="47" name="Resim 46">
+            <a:extLst>
+              <a:ext uri="{FF2B5EF4-FFF2-40B4-BE49-F238E27FC236}">
+                <a16:creationId xmlns:a16="http://schemas.microsoft.com/office/drawing/2014/main" id="{FE55DEED-B7E5-D071-633A-DD6799D9A374}"/>
+              </a:ext>
+            </a:extLst>
+          </p:cNvPr>
+          <p:cNvPicPr>
+            <a:picLocks noChangeAspect="1"/>
+          </p:cNvPicPr>
+          <p:nvPr/>
+        </p:nvPicPr>
+        <p:blipFill>
+          <a:blip r:embed="rId5"/>
+          <a:stretch>
+            <a:fillRect/>
+          </a:stretch>
+        </p:blipFill>
+        <p:spPr>
+          <a:xfrm>
+            <a:off x="326802" y="3319049"/>
+            <a:ext cx="2175359" cy="1721773"/>
+          </a:xfrm>
+          <a:prstGeom prst="rect">
+            <a:avLst/>
+          </a:prstGeom>
+        </p:spPr>
+      </p:pic>
+      <p:pic>
+        <p:nvPicPr>
+          <p:cNvPr id="49" name="Resim 48">
+            <a:extLst>
+              <a:ext uri="{FF2B5EF4-FFF2-40B4-BE49-F238E27FC236}">
+                <a16:creationId xmlns:a16="http://schemas.microsoft.com/office/drawing/2014/main" id="{4C283BA0-7D63-242C-2170-F06751E2DDC0}"/>
+              </a:ext>
+            </a:extLst>
+          </p:cNvPr>
+          <p:cNvPicPr>
+            <a:picLocks noChangeAspect="1"/>
+          </p:cNvPicPr>
+          <p:nvPr/>
+        </p:nvPicPr>
+        <p:blipFill>
+          <a:blip r:embed="rId6"/>
+          <a:stretch>
+            <a:fillRect/>
+          </a:stretch>
+        </p:blipFill>
+        <p:spPr>
+          <a:xfrm>
+            <a:off x="326802" y="2939160"/>
+            <a:ext cx="2175359" cy="337214"/>
+          </a:xfrm>
+          <a:prstGeom prst="rect">
+            <a:avLst/>
+          </a:prstGeom>
+        </p:spPr>
+      </p:pic>
+      <p:pic>
+        <p:nvPicPr>
+          <p:cNvPr id="57" name="Resim 56">
+            <a:extLst>
+              <a:ext uri="{FF2B5EF4-FFF2-40B4-BE49-F238E27FC236}">
+                <a16:creationId xmlns:a16="http://schemas.microsoft.com/office/drawing/2014/main" id="{7577E9CC-8E86-4F90-D259-85E99F0F4301}"/>
+              </a:ext>
+            </a:extLst>
+          </p:cNvPr>
+          <p:cNvPicPr>
+            <a:picLocks noChangeAspect="1"/>
+          </p:cNvPicPr>
+          <p:nvPr/>
+        </p:nvPicPr>
+        <p:blipFill>
+          <a:blip r:embed="rId7"/>
+          <a:stretch>
+            <a:fillRect/>
+          </a:stretch>
+        </p:blipFill>
+        <p:spPr>
+          <a:xfrm>
+            <a:off x="1705787" y="616883"/>
+            <a:ext cx="796374" cy="2295432"/>
+          </a:xfrm>
+          <a:prstGeom prst="rect">
+            <a:avLst/>
+          </a:prstGeom>
+        </p:spPr>
+      </p:pic>
+      <p:pic>
+        <p:nvPicPr>
+          <p:cNvPr id="59" name="Resim 58">
+            <a:extLst>
+              <a:ext uri="{FF2B5EF4-FFF2-40B4-BE49-F238E27FC236}">
+                <a16:creationId xmlns:a16="http://schemas.microsoft.com/office/drawing/2014/main" id="{54DA090A-34A4-3330-EA27-4DB949E6C7F3}"/>
+              </a:ext>
+            </a:extLst>
+          </p:cNvPr>
+          <p:cNvPicPr>
+            <a:picLocks noChangeAspect="1"/>
+          </p:cNvPicPr>
+          <p:nvPr/>
+        </p:nvPicPr>
+        <p:blipFill>
+          <a:blip r:embed="rId8"/>
+          <a:stretch>
+            <a:fillRect/>
+          </a:stretch>
+        </p:blipFill>
+        <p:spPr>
+          <a:xfrm>
+            <a:off x="2686817" y="3897308"/>
+            <a:ext cx="2181529" cy="1810003"/>
+          </a:xfrm>
+          <a:prstGeom prst="rect">
+            <a:avLst/>
+          </a:prstGeom>
+        </p:spPr>
+      </p:pic>
+      <p:pic>
+        <p:nvPicPr>
+          <p:cNvPr id="61" name="Resim 60">
+            <a:extLst>
+              <a:ext uri="{FF2B5EF4-FFF2-40B4-BE49-F238E27FC236}">
+                <a16:creationId xmlns:a16="http://schemas.microsoft.com/office/drawing/2014/main" id="{08F8D46F-7998-A803-C0E6-569B37BEF0E3}"/>
+              </a:ext>
+            </a:extLst>
+          </p:cNvPr>
+          <p:cNvPicPr>
+            <a:picLocks noChangeAspect="1"/>
+          </p:cNvPicPr>
+          <p:nvPr/>
+        </p:nvPicPr>
+        <p:blipFill>
+          <a:blip r:embed="rId9"/>
+          <a:stretch>
+            <a:fillRect/>
+          </a:stretch>
+        </p:blipFill>
+        <p:spPr>
+          <a:xfrm>
+            <a:off x="2686817" y="2914912"/>
+            <a:ext cx="2175360" cy="939360"/>
+          </a:xfrm>
+          <a:prstGeom prst="rect">
+            <a:avLst/>
+          </a:prstGeom>
+        </p:spPr>
+      </p:pic>
+      <p:pic>
+        <p:nvPicPr>
+          <p:cNvPr id="63" name="Resim 62">
+            <a:extLst>
+              <a:ext uri="{FF2B5EF4-FFF2-40B4-BE49-F238E27FC236}">
+                <a16:creationId xmlns:a16="http://schemas.microsoft.com/office/drawing/2014/main" id="{303552B6-2F79-F7A9-B8DE-565A572C08AC}"/>
+              </a:ext>
+            </a:extLst>
+          </p:cNvPr>
+          <p:cNvPicPr>
+            <a:picLocks noChangeAspect="1"/>
+          </p:cNvPicPr>
+          <p:nvPr/>
+        </p:nvPicPr>
+        <p:blipFill>
+          <a:blip r:embed="rId10"/>
+          <a:stretch>
+            <a:fillRect/>
+          </a:stretch>
+        </p:blipFill>
+        <p:spPr>
+          <a:xfrm>
+            <a:off x="4059634" y="543792"/>
+            <a:ext cx="802543" cy="2336468"/>
+          </a:xfrm>
+          <a:prstGeom prst="rect">
+            <a:avLst/>
+          </a:prstGeom>
+        </p:spPr>
+      </p:pic>
+      <p:pic>
+        <p:nvPicPr>
+          <p:cNvPr id="69" name="Resim 68">
+            <a:extLst>
+              <a:ext uri="{FF2B5EF4-FFF2-40B4-BE49-F238E27FC236}">
+                <a16:creationId xmlns:a16="http://schemas.microsoft.com/office/drawing/2014/main" id="{2CA9CF93-58FB-9CEB-E4E8-21FF93C08930}"/>
+              </a:ext>
+            </a:extLst>
+          </p:cNvPr>
+          <p:cNvPicPr>
+            <a:picLocks noChangeAspect="1"/>
+          </p:cNvPicPr>
+          <p:nvPr/>
+        </p:nvPicPr>
+        <p:blipFill>
+          <a:blip r:embed="rId11"/>
+          <a:stretch>
+            <a:fillRect/>
+          </a:stretch>
+        </p:blipFill>
+        <p:spPr>
+          <a:xfrm>
+            <a:off x="6495528" y="616883"/>
+            <a:ext cx="802544" cy="2371698"/>
+          </a:xfrm>
+          <a:prstGeom prst="rect">
+            <a:avLst/>
+          </a:prstGeom>
+        </p:spPr>
+      </p:pic>
+      <p:pic>
+        <p:nvPicPr>
+          <p:cNvPr id="65" name="Resim 64">
+            <a:extLst>
+              <a:ext uri="{FF2B5EF4-FFF2-40B4-BE49-F238E27FC236}">
+                <a16:creationId xmlns:a16="http://schemas.microsoft.com/office/drawing/2014/main" id="{D32671FC-0550-5F3D-7781-235F033E908D}"/>
+              </a:ext>
+            </a:extLst>
+          </p:cNvPr>
+          <p:cNvPicPr>
+            <a:picLocks noChangeAspect="1"/>
+          </p:cNvPicPr>
+          <p:nvPr/>
+        </p:nvPicPr>
+        <p:blipFill>
+          <a:blip r:embed="rId12"/>
+          <a:stretch>
+            <a:fillRect/>
+          </a:stretch>
+        </p:blipFill>
+        <p:spPr>
+          <a:xfrm>
+            <a:off x="5126026" y="2195986"/>
+            <a:ext cx="2175359" cy="2363353"/>
+          </a:xfrm>
+          <a:prstGeom prst="rect">
+            <a:avLst/>
+          </a:prstGeom>
+        </p:spPr>
+      </p:pic>
+      <p:pic>
+        <p:nvPicPr>
+          <p:cNvPr id="67" name="Resim 66">
+            <a:extLst>
+              <a:ext uri="{FF2B5EF4-FFF2-40B4-BE49-F238E27FC236}">
+                <a16:creationId xmlns:a16="http://schemas.microsoft.com/office/drawing/2014/main" id="{7988C3DF-EA40-CCF5-E093-3BE88191D917}"/>
+              </a:ext>
+            </a:extLst>
+          </p:cNvPr>
+          <p:cNvPicPr>
+            <a:picLocks noChangeAspect="1"/>
+          </p:cNvPicPr>
+          <p:nvPr/>
+        </p:nvPicPr>
+        <p:blipFill>
+          <a:blip r:embed="rId13"/>
+          <a:stretch>
+            <a:fillRect/>
+          </a:stretch>
+        </p:blipFill>
+        <p:spPr>
+          <a:xfrm>
+            <a:off x="5130187" y="4254968"/>
+            <a:ext cx="2171198" cy="1926556"/>
+          </a:xfrm>
+          <a:prstGeom prst="rect">
+            <a:avLst/>
+          </a:prstGeom>
+        </p:spPr>
+      </p:pic>
+      <p:pic>
+        <p:nvPicPr>
+          <p:cNvPr id="71" name="Resim 70">
+            <a:extLst>
+              <a:ext uri="{FF2B5EF4-FFF2-40B4-BE49-F238E27FC236}">
+                <a16:creationId xmlns:a16="http://schemas.microsoft.com/office/drawing/2014/main" id="{B31DA4C4-71C1-8E51-7BFD-E7A45599FDA5}"/>
+              </a:ext>
+            </a:extLst>
+          </p:cNvPr>
+          <p:cNvPicPr>
+            <a:picLocks noChangeAspect="1"/>
+          </p:cNvPicPr>
+          <p:nvPr/>
+        </p:nvPicPr>
+        <p:blipFill>
+          <a:blip r:embed="rId14"/>
+          <a:stretch>
+            <a:fillRect/>
+          </a:stretch>
+        </p:blipFill>
+        <p:spPr>
+          <a:xfrm>
+            <a:off x="7407530" y="3197249"/>
+            <a:ext cx="2219635" cy="1829055"/>
+          </a:xfrm>
+          <a:prstGeom prst="rect">
+            <a:avLst/>
+          </a:prstGeom>
+        </p:spPr>
+      </p:pic>
+      <p:pic>
+        <p:nvPicPr>
+          <p:cNvPr id="73" name="Resim 72">
+            <a:extLst>
+              <a:ext uri="{FF2B5EF4-FFF2-40B4-BE49-F238E27FC236}">
+                <a16:creationId xmlns:a16="http://schemas.microsoft.com/office/drawing/2014/main" id="{D476D0C7-7048-6D86-64D0-1CB8ECAC6FEF}"/>
+              </a:ext>
+            </a:extLst>
+          </p:cNvPr>
+          <p:cNvPicPr>
+            <a:picLocks noChangeAspect="1"/>
+          </p:cNvPicPr>
+          <p:nvPr/>
+        </p:nvPicPr>
+        <p:blipFill>
+          <a:blip r:embed="rId15"/>
+          <a:stretch>
+            <a:fillRect/>
+          </a:stretch>
+        </p:blipFill>
+        <p:spPr>
+          <a:xfrm>
+            <a:off x="7407530" y="2932540"/>
+            <a:ext cx="2219635" cy="239272"/>
+          </a:xfrm>
+          <a:prstGeom prst="rect">
+            <a:avLst/>
+          </a:prstGeom>
+        </p:spPr>
+      </p:pic>
+      <p:pic>
+        <p:nvPicPr>
+          <p:cNvPr id="75" name="Resim 74">
+            <a:extLst>
+              <a:ext uri="{FF2B5EF4-FFF2-40B4-BE49-F238E27FC236}">
+                <a16:creationId xmlns:a16="http://schemas.microsoft.com/office/drawing/2014/main" id="{4E176007-A85B-ACEC-3BA0-8665F60153A6}"/>
+              </a:ext>
+            </a:extLst>
+          </p:cNvPr>
+          <p:cNvPicPr>
+            <a:picLocks noChangeAspect="1"/>
+          </p:cNvPicPr>
+          <p:nvPr/>
+        </p:nvPicPr>
+        <p:blipFill>
+          <a:blip r:embed="rId16"/>
+          <a:stretch>
+            <a:fillRect/>
+          </a:stretch>
+        </p:blipFill>
+        <p:spPr>
+          <a:xfrm>
+            <a:off x="8871932" y="613477"/>
+            <a:ext cx="734889" cy="2293626"/>
+          </a:xfrm>
+          <a:prstGeom prst="rect">
+            <a:avLst/>
+          </a:prstGeom>
+        </p:spPr>
+      </p:pic>
     </p:spTree>
     <p:extLst>
       <p:ext uri="{BB962C8B-B14F-4D97-AF65-F5344CB8AC3E}">
-        <p14:creationId xmlns:p14="http://schemas.microsoft.com/office/powerpoint/2010/main" val="2712357801"/>
+        <p14:creationId xmlns:p14="http://schemas.microsoft.com/office/powerpoint/2010/main" val="1438670743"/>
       </p:ext>
     </p:extLst>
   </p:cSld>
@@ -10622,8 +11278,8 @@
         </p:nvSpPr>
         <p:spPr>
           <a:xfrm>
-            <a:off x="1195902" y="54173"/>
-            <a:ext cx="10226912" cy="646331"/>
+            <a:off x="727300" y="621676"/>
+            <a:ext cx="11978672" cy="646331"/>
           </a:xfrm>
           <a:prstGeom prst="rect">
             <a:avLst/>
@@ -10645,7 +11301,7 @@
                 <a:ea typeface="+mj-ea"/>
                 <a:cs typeface="+mj-cs"/>
               </a:rPr>
-              <a:t>   </a:t>
+              <a:t> </a:t>
             </a:r>
             <a:r>
               <a:rPr lang="tr-TR" sz="1800" kern="1200" dirty="0" err="1">
@@ -10667,29 +11323,7 @@
                 <a:ea typeface="+mj-ea"/>
                 <a:cs typeface="+mj-cs"/>
               </a:rPr>
-              <a:t>                        </a:t>
-            </a:r>
-            <a:r>
-              <a:rPr lang="tr-TR" sz="1800" kern="1200" dirty="0" err="1">
-                <a:solidFill>
-                  <a:srgbClr val="FFFFFF"/>
-                </a:solidFill>
-                <a:latin typeface="+mj-lt"/>
-                <a:ea typeface="+mj-ea"/>
-                <a:cs typeface="+mj-cs"/>
-              </a:rPr>
-              <a:t>Inverse</a:t>
-            </a:r>
-            <a:r>
-              <a:rPr lang="tr-TR" sz="1800" kern="1200" dirty="0">
-                <a:solidFill>
-                  <a:srgbClr val="FFFFFF"/>
-                </a:solidFill>
-                <a:latin typeface="+mj-lt"/>
-                <a:ea typeface="+mj-ea"/>
-                <a:cs typeface="+mj-cs"/>
-              </a:rPr>
-              <a:t> </a:t>
+              <a:t>                               i-</a:t>
             </a:r>
             <a:r>
               <a:rPr lang="tr-TR" sz="1800" kern="1200" dirty="0" err="1">
@@ -10711,40 +11345,7 @@
                 <a:ea typeface="+mj-ea"/>
                 <a:cs typeface="+mj-cs"/>
               </a:rPr>
-              <a:t>                          MDD                           </a:t>
-            </a:r>
-            <a:r>
-              <a:rPr lang="tr-TR" dirty="0">
-                <a:solidFill>
-                  <a:srgbClr val="FFFFFF"/>
-                </a:solidFill>
-                <a:latin typeface="+mj-lt"/>
-                <a:ea typeface="+mj-ea"/>
-                <a:cs typeface="+mj-cs"/>
-              </a:rPr>
-              <a:t>  </a:t>
-            </a:r>
-            <a:r>
-              <a:rPr lang="tr-TR" sz="1800" kern="1200" dirty="0" err="1">
-                <a:solidFill>
-                  <a:srgbClr val="FFFFFF"/>
-                </a:solidFill>
-                <a:latin typeface="+mj-lt"/>
-                <a:ea typeface="+mj-ea"/>
-                <a:cs typeface="+mj-cs"/>
-              </a:rPr>
-              <a:t>Inverse</a:t>
-            </a:r>
-            <a:r>
-              <a:rPr lang="tr-TR" sz="1800" kern="1200" dirty="0">
-                <a:solidFill>
-                  <a:srgbClr val="FFFFFF"/>
-                </a:solidFill>
-                <a:latin typeface="+mj-lt"/>
-                <a:ea typeface="+mj-ea"/>
-                <a:cs typeface="+mj-cs"/>
-              </a:rPr>
-              <a:t> MDD                         MINVAR</a:t>
+              <a:t>                                        MDD                                  i-MDD                             MINVAR</a:t>
             </a:r>
             <a:br>
               <a:rPr lang="tr-TR" sz="1800" kern="1200" dirty="0">
@@ -10774,7 +11375,7 @@
         </p:nvSpPr>
         <p:spPr>
           <a:xfrm>
-            <a:off x="584292" y="6194416"/>
+            <a:off x="753505" y="5337974"/>
             <a:ext cx="1618793" cy="646331"/>
           </a:xfrm>
           <a:prstGeom prst="rect">
@@ -10790,19 +11391,19 @@
           <a:p>
             <a:r>
               <a:rPr lang="tr-TR" sz="1200" dirty="0"/>
-              <a:t>Return: %56.6</a:t>
+              <a:t>Return: %99</a:t>
             </a:r>
           </a:p>
           <a:p>
             <a:r>
               <a:rPr lang="tr-TR" sz="1200" dirty="0"/>
-              <a:t>SR: 2.75</a:t>
+              <a:t>SR: 5.99</a:t>
             </a:r>
           </a:p>
           <a:p>
             <a:r>
               <a:rPr lang="tr-TR" sz="1200" dirty="0"/>
-              <a:t>MDD: %13.7</a:t>
+              <a:t>MDD: %10.0</a:t>
             </a:r>
           </a:p>
         </p:txBody>
@@ -10821,8 +11422,8 @@
         </p:nvSpPr>
         <p:spPr>
           <a:xfrm>
-            <a:off x="2863225" y="6203042"/>
-            <a:ext cx="2175360" cy="646331"/>
+            <a:off x="3166091" y="5836608"/>
+            <a:ext cx="1372001" cy="646331"/>
           </a:xfrm>
           <a:prstGeom prst="rect">
             <a:avLst/>
@@ -10837,19 +11438,19 @@
           <a:p>
             <a:r>
               <a:rPr lang="tr-TR" sz="1200" dirty="0"/>
-              <a:t>Return: %80.4</a:t>
+              <a:t>Return: %52.5</a:t>
             </a:r>
           </a:p>
           <a:p>
             <a:r>
               <a:rPr lang="tr-TR" sz="1200" dirty="0"/>
-              <a:t>SR: 3.96</a:t>
+              <a:t>SR: 6.76</a:t>
             </a:r>
           </a:p>
           <a:p>
             <a:r>
               <a:rPr lang="tr-TR" sz="1200" dirty="0"/>
-              <a:t>MDD: %16.1</a:t>
+              <a:t>MDD: %4.0</a:t>
             </a:r>
           </a:p>
         </p:txBody>
@@ -10868,7 +11469,7 @@
         </p:nvSpPr>
         <p:spPr>
           <a:xfrm>
-            <a:off x="7415439" y="6203042"/>
+            <a:off x="8111816" y="5409775"/>
             <a:ext cx="1644246" cy="646331"/>
           </a:xfrm>
           <a:prstGeom prst="rect">
@@ -10884,19 +11485,19 @@
           <a:p>
             <a:r>
               <a:rPr lang="tr-TR" sz="1200" dirty="0"/>
-              <a:t>Return: %65.6</a:t>
+              <a:t>Return: %15.93</a:t>
             </a:r>
           </a:p>
           <a:p>
             <a:r>
               <a:rPr lang="tr-TR" sz="1200" dirty="0"/>
-              <a:t>SR: 3.39</a:t>
+              <a:t>SR: 1.67</a:t>
             </a:r>
           </a:p>
           <a:p>
             <a:r>
               <a:rPr lang="tr-TR" sz="1200" dirty="0"/>
-              <a:t>MDD: %11.4</a:t>
+              <a:t>MDD: %16.58</a:t>
             </a:r>
           </a:p>
         </p:txBody>
@@ -10915,8 +11516,8 @@
         </p:nvSpPr>
         <p:spPr>
           <a:xfrm>
-            <a:off x="9762256" y="6203165"/>
-            <a:ext cx="2175360" cy="646331"/>
+            <a:off x="10398745" y="5818770"/>
+            <a:ext cx="1230874" cy="646331"/>
           </a:xfrm>
           <a:prstGeom prst="rect">
             <a:avLst/>
@@ -10931,19 +11532,19 @@
           <a:p>
             <a:r>
               <a:rPr lang="tr-TR" sz="1200" dirty="0"/>
-              <a:t>Return: %64.3</a:t>
+              <a:t>Return: %51.7</a:t>
             </a:r>
           </a:p>
           <a:p>
             <a:r>
               <a:rPr lang="tr-TR" sz="1200" dirty="0"/>
-              <a:t>SR: 3.96</a:t>
+              <a:t>SR: 5.73</a:t>
             </a:r>
           </a:p>
           <a:p>
             <a:r>
               <a:rPr lang="tr-TR" sz="1200" dirty="0"/>
-              <a:t>MDD: %17.8</a:t>
+              <a:t>MDD: %7.68</a:t>
             </a:r>
           </a:p>
         </p:txBody>
@@ -10962,7 +11563,7 @@
         </p:nvSpPr>
         <p:spPr>
           <a:xfrm>
-            <a:off x="5141905" y="6211669"/>
+            <a:off x="5745393" y="5564115"/>
             <a:ext cx="1574731" cy="646331"/>
           </a:xfrm>
           <a:prstGeom prst="rect">
@@ -10978,19 +11579,19 @@
           <a:p>
             <a:r>
               <a:rPr lang="tr-TR" sz="1200" dirty="0"/>
-              <a:t>Return: %92.3</a:t>
+              <a:t>Return: %89.6</a:t>
             </a:r>
           </a:p>
           <a:p>
             <a:r>
               <a:rPr lang="tr-TR" sz="1200" dirty="0"/>
-              <a:t>SR: 4.82</a:t>
+              <a:t>SR: 6.49</a:t>
             </a:r>
           </a:p>
           <a:p>
             <a:r>
               <a:rPr lang="tr-TR" sz="1200" dirty="0"/>
-              <a:t>MDD: %12.4</a:t>
+              <a:t>MDD: %7.40</a:t>
             </a:r>
           </a:p>
         </p:txBody>
@@ -11009,7 +11610,7 @@
         </p:nvSpPr>
         <p:spPr>
           <a:xfrm>
-            <a:off x="58075" y="3860777"/>
+            <a:off x="1436" y="9813"/>
             <a:ext cx="6094562" cy="369332"/>
           </a:xfrm>
           <a:prstGeom prst="rect">
@@ -11024,16 +11625,510 @@
           <a:lstStyle/>
           <a:p>
             <a:r>
-              <a:rPr lang="tr-TR" sz="1800" dirty="0"/>
+              <a:rPr lang="tr-TR" sz="1800" dirty="0">
+                <a:solidFill>
+                  <a:schemeClr val="bg1"/>
+                </a:solidFill>
+              </a:rPr>
+              <a:t>MHI </a:t>
+            </a:r>
+            <a:r>
+              <a:rPr lang="tr-TR" sz="1800" dirty="0" err="1">
+                <a:solidFill>
+                  <a:schemeClr val="bg1"/>
+                </a:solidFill>
+              </a:rPr>
+              <a:t>portfolios</a:t>
+            </a:r>
+            <a:r>
+              <a:rPr lang="tr-TR" sz="1800" dirty="0">
+                <a:solidFill>
+                  <a:schemeClr val="bg1"/>
+                </a:solidFill>
+              </a:rPr>
+              <a:t> </a:t>
+            </a:r>
+            <a:r>
+              <a:rPr lang="tr-TR" sz="1800" dirty="0" err="1">
+                <a:solidFill>
+                  <a:schemeClr val="bg1"/>
+                </a:solidFill>
+              </a:rPr>
+              <a:t>for</a:t>
+            </a:r>
+            <a:r>
+              <a:rPr lang="tr-TR" sz="1800" dirty="0">
+                <a:solidFill>
+                  <a:schemeClr val="bg1"/>
+                </a:solidFill>
+              </a:rPr>
+              <a:t> </a:t>
+            </a:r>
+            <a:r>
+              <a:rPr lang="tr-TR" dirty="0">
+                <a:solidFill>
+                  <a:srgbClr val="FFFF00"/>
+                </a:solidFill>
+              </a:rPr>
               <a:t>24.02.2022 – 07.06.2022 (II)</a:t>
             </a:r>
           </a:p>
         </p:txBody>
       </p:sp>
+      <p:pic>
+        <p:nvPicPr>
+          <p:cNvPr id="28" name="Resim 27">
+            <a:extLst>
+              <a:ext uri="{FF2B5EF4-FFF2-40B4-BE49-F238E27FC236}">
+                <a16:creationId xmlns:a16="http://schemas.microsoft.com/office/drawing/2014/main" id="{1845888B-E50E-1446-23DB-E1D5B9AB9113}"/>
+              </a:ext>
+            </a:extLst>
+          </p:cNvPr>
+          <p:cNvPicPr>
+            <a:picLocks noChangeAspect="1"/>
+          </p:cNvPicPr>
+          <p:nvPr/>
+        </p:nvPicPr>
+        <p:blipFill>
+          <a:blip r:embed="rId2"/>
+          <a:stretch>
+            <a:fillRect/>
+          </a:stretch>
+        </p:blipFill>
+        <p:spPr>
+          <a:xfrm>
+            <a:off x="316132" y="3489172"/>
+            <a:ext cx="2175360" cy="1776387"/>
+          </a:xfrm>
+          <a:prstGeom prst="rect">
+            <a:avLst/>
+          </a:prstGeom>
+        </p:spPr>
+      </p:pic>
+      <p:pic>
+        <p:nvPicPr>
+          <p:cNvPr id="31" name="Resim 30">
+            <a:extLst>
+              <a:ext uri="{FF2B5EF4-FFF2-40B4-BE49-F238E27FC236}">
+                <a16:creationId xmlns:a16="http://schemas.microsoft.com/office/drawing/2014/main" id="{1FB3C673-C79A-0755-F331-193F601A77E2}"/>
+              </a:ext>
+            </a:extLst>
+          </p:cNvPr>
+          <p:cNvPicPr>
+            <a:picLocks noChangeAspect="1"/>
+          </p:cNvPicPr>
+          <p:nvPr/>
+        </p:nvPicPr>
+        <p:blipFill>
+          <a:blip r:embed="rId3"/>
+          <a:stretch>
+            <a:fillRect/>
+          </a:stretch>
+        </p:blipFill>
+        <p:spPr>
+          <a:xfrm>
+            <a:off x="316131" y="3191458"/>
+            <a:ext cx="2175360" cy="255630"/>
+          </a:xfrm>
+          <a:prstGeom prst="rect">
+            <a:avLst/>
+          </a:prstGeom>
+        </p:spPr>
+      </p:pic>
+      <p:pic>
+        <p:nvPicPr>
+          <p:cNvPr id="33" name="Resim 32">
+            <a:extLst>
+              <a:ext uri="{FF2B5EF4-FFF2-40B4-BE49-F238E27FC236}">
+                <a16:creationId xmlns:a16="http://schemas.microsoft.com/office/drawing/2014/main" id="{EE4E53CB-FC23-9974-0D73-9F5EF85A3F08}"/>
+              </a:ext>
+            </a:extLst>
+          </p:cNvPr>
+          <p:cNvPicPr>
+            <a:picLocks noChangeAspect="1"/>
+          </p:cNvPicPr>
+          <p:nvPr/>
+        </p:nvPicPr>
+        <p:blipFill>
+          <a:blip r:embed="rId4"/>
+          <a:stretch>
+            <a:fillRect/>
+          </a:stretch>
+        </p:blipFill>
+        <p:spPr>
+          <a:xfrm>
+            <a:off x="1656188" y="632863"/>
+            <a:ext cx="835303" cy="2522870"/>
+          </a:xfrm>
+          <a:prstGeom prst="rect">
+            <a:avLst/>
+          </a:prstGeom>
+        </p:spPr>
+      </p:pic>
+      <p:pic>
+        <p:nvPicPr>
+          <p:cNvPr id="35" name="Resim 34">
+            <a:extLst>
+              <a:ext uri="{FF2B5EF4-FFF2-40B4-BE49-F238E27FC236}">
+                <a16:creationId xmlns:a16="http://schemas.microsoft.com/office/drawing/2014/main" id="{712CC0AA-7791-38CC-0109-62DA1A8B14DC}"/>
+              </a:ext>
+            </a:extLst>
+          </p:cNvPr>
+          <p:cNvPicPr>
+            <a:picLocks noChangeAspect="1"/>
+          </p:cNvPicPr>
+          <p:nvPr/>
+        </p:nvPicPr>
+        <p:blipFill>
+          <a:blip r:embed="rId5"/>
+          <a:stretch>
+            <a:fillRect/>
+          </a:stretch>
+        </p:blipFill>
+        <p:spPr>
+          <a:xfrm>
+            <a:off x="2636637" y="3191458"/>
+            <a:ext cx="2175408" cy="769760"/>
+          </a:xfrm>
+          <a:prstGeom prst="rect">
+            <a:avLst/>
+          </a:prstGeom>
+        </p:spPr>
+      </p:pic>
+      <p:pic>
+        <p:nvPicPr>
+          <p:cNvPr id="37" name="Resim 36">
+            <a:extLst>
+              <a:ext uri="{FF2B5EF4-FFF2-40B4-BE49-F238E27FC236}">
+                <a16:creationId xmlns:a16="http://schemas.microsoft.com/office/drawing/2014/main" id="{34FC4579-9A82-99AE-0E2E-F39AC98D5881}"/>
+              </a:ext>
+            </a:extLst>
+          </p:cNvPr>
+          <p:cNvPicPr>
+            <a:picLocks noChangeAspect="1"/>
+          </p:cNvPicPr>
+          <p:nvPr/>
+        </p:nvPicPr>
+        <p:blipFill>
+          <a:blip r:embed="rId6"/>
+          <a:stretch>
+            <a:fillRect/>
+          </a:stretch>
+        </p:blipFill>
+        <p:spPr>
+          <a:xfrm>
+            <a:off x="4009451" y="628248"/>
+            <a:ext cx="802544" cy="2522870"/>
+          </a:xfrm>
+          <a:prstGeom prst="rect">
+            <a:avLst/>
+          </a:prstGeom>
+        </p:spPr>
+      </p:pic>
+      <p:pic>
+        <p:nvPicPr>
+          <p:cNvPr id="39" name="Resim 38">
+            <a:extLst>
+              <a:ext uri="{FF2B5EF4-FFF2-40B4-BE49-F238E27FC236}">
+                <a16:creationId xmlns:a16="http://schemas.microsoft.com/office/drawing/2014/main" id="{CBBAE737-17ED-EF7C-7136-486FBA0744F6}"/>
+              </a:ext>
+            </a:extLst>
+          </p:cNvPr>
+          <p:cNvPicPr>
+            <a:picLocks noChangeAspect="1"/>
+          </p:cNvPicPr>
+          <p:nvPr/>
+        </p:nvPicPr>
+        <p:blipFill>
+          <a:blip r:embed="rId7"/>
+          <a:stretch>
+            <a:fillRect/>
+          </a:stretch>
+        </p:blipFill>
+        <p:spPr>
+          <a:xfrm>
+            <a:off x="2636636" y="4003662"/>
+            <a:ext cx="2175359" cy="1825748"/>
+          </a:xfrm>
+          <a:prstGeom prst="rect">
+            <a:avLst/>
+          </a:prstGeom>
+        </p:spPr>
+      </p:pic>
+      <p:pic>
+        <p:nvPicPr>
+          <p:cNvPr id="4" name="Resim 3">
+            <a:extLst>
+              <a:ext uri="{FF2B5EF4-FFF2-40B4-BE49-F238E27FC236}">
+                <a16:creationId xmlns:a16="http://schemas.microsoft.com/office/drawing/2014/main" id="{F5E03F18-FC1D-E70D-C593-896B5E1C32D8}"/>
+              </a:ext>
+            </a:extLst>
+          </p:cNvPr>
+          <p:cNvPicPr>
+            <a:picLocks noChangeAspect="1"/>
+          </p:cNvPicPr>
+          <p:nvPr/>
+        </p:nvPicPr>
+        <p:blipFill>
+          <a:blip r:embed="rId8"/>
+          <a:stretch>
+            <a:fillRect/>
+          </a:stretch>
+        </p:blipFill>
+        <p:spPr>
+          <a:xfrm>
+            <a:off x="5166385" y="3191458"/>
+            <a:ext cx="2175359" cy="511036"/>
+          </a:xfrm>
+          <a:prstGeom prst="rect">
+            <a:avLst/>
+          </a:prstGeom>
+        </p:spPr>
+      </p:pic>
+      <p:pic>
+        <p:nvPicPr>
+          <p:cNvPr id="6" name="Resim 5">
+            <a:extLst>
+              <a:ext uri="{FF2B5EF4-FFF2-40B4-BE49-F238E27FC236}">
+                <a16:creationId xmlns:a16="http://schemas.microsoft.com/office/drawing/2014/main" id="{12660F17-F132-0412-83EE-9337BB65B0E0}"/>
+              </a:ext>
+            </a:extLst>
+          </p:cNvPr>
+          <p:cNvPicPr>
+            <a:picLocks noChangeAspect="1"/>
+          </p:cNvPicPr>
+          <p:nvPr/>
+        </p:nvPicPr>
+        <p:blipFill>
+          <a:blip r:embed="rId9"/>
+          <a:stretch>
+            <a:fillRect/>
+          </a:stretch>
+        </p:blipFill>
+        <p:spPr>
+          <a:xfrm>
+            <a:off x="5166385" y="3745155"/>
+            <a:ext cx="2180538" cy="1776387"/>
+          </a:xfrm>
+          <a:prstGeom prst="rect">
+            <a:avLst/>
+          </a:prstGeom>
+        </p:spPr>
+      </p:pic>
+      <p:pic>
+        <p:nvPicPr>
+          <p:cNvPr id="8" name="Resim 7">
+            <a:extLst>
+              <a:ext uri="{FF2B5EF4-FFF2-40B4-BE49-F238E27FC236}">
+                <a16:creationId xmlns:a16="http://schemas.microsoft.com/office/drawing/2014/main" id="{B7C1585A-DEEF-3558-CF92-909275EF1635}"/>
+              </a:ext>
+            </a:extLst>
+          </p:cNvPr>
+          <p:cNvPicPr>
+            <a:picLocks noChangeAspect="1"/>
+          </p:cNvPicPr>
+          <p:nvPr/>
+        </p:nvPicPr>
+        <p:blipFill>
+          <a:blip r:embed="rId10"/>
+          <a:stretch>
+            <a:fillRect/>
+          </a:stretch>
+        </p:blipFill>
+        <p:spPr>
+          <a:xfrm>
+            <a:off x="6532759" y="599680"/>
+            <a:ext cx="808986" cy="2556053"/>
+          </a:xfrm>
+          <a:prstGeom prst="rect">
+            <a:avLst/>
+          </a:prstGeom>
+        </p:spPr>
+      </p:pic>
+      <p:pic>
+        <p:nvPicPr>
+          <p:cNvPr id="10" name="Resim 9">
+            <a:extLst>
+              <a:ext uri="{FF2B5EF4-FFF2-40B4-BE49-F238E27FC236}">
+                <a16:creationId xmlns:a16="http://schemas.microsoft.com/office/drawing/2014/main" id="{3F928D89-DA51-C5A3-F7E6-7B1EBBEA49E6}"/>
+              </a:ext>
+            </a:extLst>
+          </p:cNvPr>
+          <p:cNvPicPr>
+            <a:picLocks noChangeAspect="1"/>
+          </p:cNvPicPr>
+          <p:nvPr/>
+        </p:nvPicPr>
+        <p:blipFill>
+          <a:blip r:embed="rId11"/>
+          <a:stretch>
+            <a:fillRect/>
+          </a:stretch>
+        </p:blipFill>
+        <p:spPr>
+          <a:xfrm>
+            <a:off x="8913803" y="599680"/>
+            <a:ext cx="850479" cy="2551438"/>
+          </a:xfrm>
+          <a:prstGeom prst="rect">
+            <a:avLst/>
+          </a:prstGeom>
+        </p:spPr>
+      </p:pic>
+      <p:pic>
+        <p:nvPicPr>
+          <p:cNvPr id="13" name="Resim 12">
+            <a:extLst>
+              <a:ext uri="{FF2B5EF4-FFF2-40B4-BE49-F238E27FC236}">
+                <a16:creationId xmlns:a16="http://schemas.microsoft.com/office/drawing/2014/main" id="{26806AE4-F952-A8BE-699B-BCD07EBB0981}"/>
+              </a:ext>
+            </a:extLst>
+          </p:cNvPr>
+          <p:cNvPicPr>
+            <a:picLocks noChangeAspect="1"/>
+          </p:cNvPicPr>
+          <p:nvPr/>
+        </p:nvPicPr>
+        <p:blipFill>
+          <a:blip r:embed="rId12"/>
+          <a:stretch>
+            <a:fillRect/>
+          </a:stretch>
+        </p:blipFill>
+        <p:spPr>
+          <a:xfrm>
+            <a:off x="7588922" y="3464200"/>
+            <a:ext cx="2175359" cy="1905934"/>
+          </a:xfrm>
+          <a:prstGeom prst="rect">
+            <a:avLst/>
+          </a:prstGeom>
+        </p:spPr>
+      </p:pic>
+      <p:pic>
+        <p:nvPicPr>
+          <p:cNvPr id="15" name="Resim 14">
+            <a:extLst>
+              <a:ext uri="{FF2B5EF4-FFF2-40B4-BE49-F238E27FC236}">
+                <a16:creationId xmlns:a16="http://schemas.microsoft.com/office/drawing/2014/main" id="{80DD1C7C-4D41-9263-0D2D-68070B105E8D}"/>
+              </a:ext>
+            </a:extLst>
+          </p:cNvPr>
+          <p:cNvPicPr>
+            <a:picLocks noChangeAspect="1"/>
+          </p:cNvPicPr>
+          <p:nvPr/>
+        </p:nvPicPr>
+        <p:blipFill>
+          <a:blip r:embed="rId13"/>
+          <a:stretch>
+            <a:fillRect/>
+          </a:stretch>
+        </p:blipFill>
+        <p:spPr>
+          <a:xfrm>
+            <a:off x="7588922" y="3190759"/>
+            <a:ext cx="2175359" cy="233800"/>
+          </a:xfrm>
+          <a:prstGeom prst="rect">
+            <a:avLst/>
+          </a:prstGeom>
+        </p:spPr>
+      </p:pic>
+      <p:pic>
+        <p:nvPicPr>
+          <p:cNvPr id="17" name="Resim 16">
+            <a:extLst>
+              <a:ext uri="{FF2B5EF4-FFF2-40B4-BE49-F238E27FC236}">
+                <a16:creationId xmlns:a16="http://schemas.microsoft.com/office/drawing/2014/main" id="{39082AC0-0056-29FA-DC6C-8B7BEB888437}"/>
+              </a:ext>
+            </a:extLst>
+          </p:cNvPr>
+          <p:cNvPicPr>
+            <a:picLocks noChangeAspect="1"/>
+          </p:cNvPicPr>
+          <p:nvPr/>
+        </p:nvPicPr>
+        <p:blipFill>
+          <a:blip r:embed="rId14"/>
+          <a:stretch>
+            <a:fillRect/>
+          </a:stretch>
+        </p:blipFill>
+        <p:spPr>
+          <a:xfrm>
+            <a:off x="11184013" y="599680"/>
+            <a:ext cx="850479" cy="2444613"/>
+          </a:xfrm>
+          <a:prstGeom prst="rect">
+            <a:avLst/>
+          </a:prstGeom>
+        </p:spPr>
+      </p:pic>
+      <p:pic>
+        <p:nvPicPr>
+          <p:cNvPr id="19" name="Resim 18">
+            <a:extLst>
+              <a:ext uri="{FF2B5EF4-FFF2-40B4-BE49-F238E27FC236}">
+                <a16:creationId xmlns:a16="http://schemas.microsoft.com/office/drawing/2014/main" id="{571E2344-8E86-DA52-B40E-CE4AF96B7032}"/>
+              </a:ext>
+            </a:extLst>
+          </p:cNvPr>
+          <p:cNvPicPr>
+            <a:picLocks noChangeAspect="1"/>
+          </p:cNvPicPr>
+          <p:nvPr/>
+        </p:nvPicPr>
+        <p:blipFill>
+          <a:blip r:embed="rId15"/>
+          <a:stretch>
+            <a:fillRect/>
+          </a:stretch>
+        </p:blipFill>
+        <p:spPr>
+          <a:xfrm>
+            <a:off x="9862173" y="3084295"/>
+            <a:ext cx="2172319" cy="801043"/>
+          </a:xfrm>
+          <a:prstGeom prst="rect">
+            <a:avLst/>
+          </a:prstGeom>
+        </p:spPr>
+      </p:pic>
+      <p:pic>
+        <p:nvPicPr>
+          <p:cNvPr id="24" name="Resim 23">
+            <a:extLst>
+              <a:ext uri="{FF2B5EF4-FFF2-40B4-BE49-F238E27FC236}">
+                <a16:creationId xmlns:a16="http://schemas.microsoft.com/office/drawing/2014/main" id="{D6399E69-0E2C-20D9-7316-7BDD8BC8FA0D}"/>
+              </a:ext>
+            </a:extLst>
+          </p:cNvPr>
+          <p:cNvPicPr>
+            <a:picLocks noChangeAspect="1"/>
+          </p:cNvPicPr>
+          <p:nvPr/>
+        </p:nvPicPr>
+        <p:blipFill>
+          <a:blip r:embed="rId16"/>
+          <a:stretch>
+            <a:fillRect/>
+          </a:stretch>
+        </p:blipFill>
+        <p:spPr>
+          <a:xfrm>
+            <a:off x="9862173" y="3921316"/>
+            <a:ext cx="2162477" cy="1781424"/>
+          </a:xfrm>
+          <a:prstGeom prst="rect">
+            <a:avLst/>
+          </a:prstGeom>
+        </p:spPr>
+      </p:pic>
     </p:spTree>
     <p:extLst>
       <p:ext uri="{BB962C8B-B14F-4D97-AF65-F5344CB8AC3E}">
-        <p14:creationId xmlns:p14="http://schemas.microsoft.com/office/powerpoint/2010/main" val="3544706042"/>
+        <p14:creationId xmlns:p14="http://schemas.microsoft.com/office/powerpoint/2010/main" val="3940025049"/>
       </p:ext>
     </p:extLst>
   </p:cSld>
@@ -11385,8 +12480,8 @@
         </p:nvSpPr>
         <p:spPr>
           <a:xfrm>
-            <a:off x="1195902" y="54173"/>
-            <a:ext cx="10226912" cy="646331"/>
+            <a:off x="727300" y="599010"/>
+            <a:ext cx="11978672" cy="646331"/>
           </a:xfrm>
           <a:prstGeom prst="rect">
             <a:avLst/>
@@ -11408,7 +12503,7 @@
                 <a:ea typeface="+mj-ea"/>
                 <a:cs typeface="+mj-cs"/>
               </a:rPr>
-              <a:t>   </a:t>
+              <a:t> </a:t>
             </a:r>
             <a:r>
               <a:rPr lang="tr-TR" sz="1800" kern="1200" dirty="0" err="1">
@@ -11430,29 +12525,7 @@
                 <a:ea typeface="+mj-ea"/>
                 <a:cs typeface="+mj-cs"/>
               </a:rPr>
-              <a:t>                        </a:t>
-            </a:r>
-            <a:r>
-              <a:rPr lang="tr-TR" sz="1800" kern="1200" dirty="0" err="1">
-                <a:solidFill>
-                  <a:srgbClr val="FFFFFF"/>
-                </a:solidFill>
-                <a:latin typeface="+mj-lt"/>
-                <a:ea typeface="+mj-ea"/>
-                <a:cs typeface="+mj-cs"/>
-              </a:rPr>
-              <a:t>Inverse</a:t>
-            </a:r>
-            <a:r>
-              <a:rPr lang="tr-TR" sz="1800" kern="1200" dirty="0">
-                <a:solidFill>
-                  <a:srgbClr val="FFFFFF"/>
-                </a:solidFill>
-                <a:latin typeface="+mj-lt"/>
-                <a:ea typeface="+mj-ea"/>
-                <a:cs typeface="+mj-cs"/>
-              </a:rPr>
-              <a:t> </a:t>
+              <a:t>                             i-</a:t>
             </a:r>
             <a:r>
               <a:rPr lang="tr-TR" sz="1800" kern="1200" dirty="0" err="1">
@@ -11474,7 +12547,7 @@
                 <a:ea typeface="+mj-ea"/>
                 <a:cs typeface="+mj-cs"/>
               </a:rPr>
-              <a:t>                          MDD                           </a:t>
+              <a:t>                                          MDD                        </a:t>
             </a:r>
             <a:r>
               <a:rPr lang="tr-TR" dirty="0">
@@ -11485,18 +12558,7 @@
                 <a:ea typeface="+mj-ea"/>
                 <a:cs typeface="+mj-cs"/>
               </a:rPr>
-              <a:t>  </a:t>
-            </a:r>
-            <a:r>
-              <a:rPr lang="tr-TR" sz="1800" kern="1200" dirty="0" err="1">
-                <a:solidFill>
-                  <a:srgbClr val="FFFFFF"/>
-                </a:solidFill>
-                <a:latin typeface="+mj-lt"/>
-                <a:ea typeface="+mj-ea"/>
-                <a:cs typeface="+mj-cs"/>
-              </a:rPr>
-              <a:t>Inverse</a:t>
+              <a:t>        </a:t>
             </a:r>
             <a:r>
               <a:rPr lang="tr-TR" sz="1800" kern="1200" dirty="0">
@@ -11507,7 +12569,7 @@
                 <a:ea typeface="+mj-ea"/>
                 <a:cs typeface="+mj-cs"/>
               </a:rPr>
-              <a:t> MDD                         MINVAR</a:t>
+              <a:t>i-MDD                             MINVAR</a:t>
             </a:r>
             <a:br>
               <a:rPr lang="tr-TR" sz="1800" kern="1200" dirty="0">
@@ -11631,7 +12693,7 @@
         </p:nvSpPr>
         <p:spPr>
           <a:xfrm>
-            <a:off x="7415439" y="6203042"/>
+            <a:off x="8098931" y="5423963"/>
             <a:ext cx="1644246" cy="646331"/>
           </a:xfrm>
           <a:prstGeom prst="rect">
@@ -11647,19 +12709,19 @@
           <a:p>
             <a:r>
               <a:rPr lang="tr-TR" sz="1200" dirty="0"/>
-              <a:t>Return: %65.6</a:t>
+              <a:t>Return: %73.7</a:t>
             </a:r>
           </a:p>
           <a:p>
             <a:r>
               <a:rPr lang="tr-TR" sz="1200" dirty="0"/>
-              <a:t>SR: 3.39</a:t>
+              <a:t>SR: 2.76</a:t>
             </a:r>
           </a:p>
           <a:p>
             <a:r>
               <a:rPr lang="tr-TR" sz="1200" dirty="0"/>
-              <a:t>MDD: %11.4</a:t>
+              <a:t>MDD: %22.2</a:t>
             </a:r>
           </a:p>
         </p:txBody>
@@ -11678,7 +12740,7 @@
         </p:nvSpPr>
         <p:spPr>
           <a:xfrm>
-            <a:off x="9762256" y="6203165"/>
+            <a:off x="8839696" y="6158240"/>
             <a:ext cx="2175360" cy="646331"/>
           </a:xfrm>
           <a:prstGeom prst="rect">
@@ -11694,19 +12756,19 @@
           <a:p>
             <a:r>
               <a:rPr lang="tr-TR" sz="1200" dirty="0"/>
-              <a:t>Return: %64.3</a:t>
+              <a:t>Return: %95.5</a:t>
             </a:r>
           </a:p>
           <a:p>
             <a:r>
               <a:rPr lang="tr-TR" sz="1200" dirty="0"/>
-              <a:t>SR: 3.96</a:t>
+              <a:t>SR: 5.96</a:t>
             </a:r>
           </a:p>
           <a:p>
             <a:r>
               <a:rPr lang="tr-TR" sz="1200" dirty="0"/>
-              <a:t>MDD: %17.8</a:t>
+              <a:t>MDD: %12.0</a:t>
             </a:r>
           </a:p>
         </p:txBody>
@@ -11772,7 +12834,7 @@
         </p:nvSpPr>
         <p:spPr>
           <a:xfrm>
-            <a:off x="9155798" y="2003659"/>
+            <a:off x="-4" y="-16499"/>
             <a:ext cx="6094562" cy="369332"/>
           </a:xfrm>
           <a:prstGeom prst="rect">
@@ -11787,7 +12849,51 @@
           <a:lstStyle/>
           <a:p>
             <a:r>
-              <a:rPr lang="tr-TR" sz="1800" dirty="0"/>
+              <a:rPr lang="tr-TR" sz="1800" dirty="0">
+                <a:solidFill>
+                  <a:schemeClr val="bg1"/>
+                </a:solidFill>
+              </a:rPr>
+              <a:t>MHI </a:t>
+            </a:r>
+            <a:r>
+              <a:rPr lang="tr-TR" sz="1800" dirty="0" err="1">
+                <a:solidFill>
+                  <a:schemeClr val="bg1"/>
+                </a:solidFill>
+              </a:rPr>
+              <a:t>portfolios</a:t>
+            </a:r>
+            <a:r>
+              <a:rPr lang="tr-TR" sz="1800" dirty="0">
+                <a:solidFill>
+                  <a:schemeClr val="bg1"/>
+                </a:solidFill>
+              </a:rPr>
+              <a:t> </a:t>
+            </a:r>
+            <a:r>
+              <a:rPr lang="tr-TR" sz="1800" dirty="0" err="1">
+                <a:solidFill>
+                  <a:schemeClr val="bg1"/>
+                </a:solidFill>
+              </a:rPr>
+              <a:t>for</a:t>
+            </a:r>
+            <a:r>
+              <a:rPr lang="tr-TR" sz="1800" dirty="0">
+                <a:solidFill>
+                  <a:schemeClr val="bg1"/>
+                </a:solidFill>
+              </a:rPr>
+              <a:t> </a:t>
+            </a:r>
+            <a:r>
+              <a:rPr lang="tr-TR" sz="1800" dirty="0">
+                <a:solidFill>
+                  <a:srgbClr val="FFFF00"/>
+                </a:solidFill>
+              </a:rPr>
               <a:t>16.08.2022 – 27.12.2022 (III)</a:t>
             </a:r>
           </a:p>
@@ -11875,7 +12981,7 @@
         </p:blipFill>
         <p:spPr>
           <a:xfrm>
-            <a:off x="5965794" y="572004"/>
+            <a:off x="6567306" y="599014"/>
             <a:ext cx="848132" cy="2522870"/>
           </a:xfrm>
           <a:prstGeom prst="rect">
@@ -11965,7 +13071,7 @@
         </p:blipFill>
         <p:spPr>
           <a:xfrm>
-            <a:off x="986578" y="580627"/>
+            <a:off x="1624595" y="607637"/>
             <a:ext cx="966189" cy="2531501"/>
           </a:xfrm>
           <a:prstGeom prst="rect">
@@ -11995,7 +13101,7 @@
         </p:blipFill>
         <p:spPr>
           <a:xfrm>
-            <a:off x="3384119" y="580627"/>
+            <a:off x="4022136" y="607637"/>
             <a:ext cx="987213" cy="2522879"/>
           </a:xfrm>
           <a:prstGeom prst="rect">
@@ -12063,10 +13169,190 @@
           </a:prstGeom>
         </p:spPr>
       </p:pic>
+      <p:pic>
+        <p:nvPicPr>
+          <p:cNvPr id="6" name="Resim 5">
+            <a:extLst>
+              <a:ext uri="{FF2B5EF4-FFF2-40B4-BE49-F238E27FC236}">
+                <a16:creationId xmlns:a16="http://schemas.microsoft.com/office/drawing/2014/main" id="{74AB1466-8932-3877-48ED-498221D3C248}"/>
+              </a:ext>
+            </a:extLst>
+          </p:cNvPr>
+          <p:cNvPicPr>
+            <a:picLocks noChangeAspect="1"/>
+          </p:cNvPicPr>
+          <p:nvPr/>
+        </p:nvPicPr>
+        <p:blipFill>
+          <a:blip r:embed="rId11"/>
+          <a:stretch>
+            <a:fillRect/>
+          </a:stretch>
+        </p:blipFill>
+        <p:spPr>
+          <a:xfrm>
+            <a:off x="8844042" y="607641"/>
+            <a:ext cx="909407" cy="2522870"/>
+          </a:xfrm>
+          <a:prstGeom prst="rect">
+            <a:avLst/>
+          </a:prstGeom>
+        </p:spPr>
+      </p:pic>
+      <p:pic>
+        <p:nvPicPr>
+          <p:cNvPr id="10" name="Resim 9">
+            <a:extLst>
+              <a:ext uri="{FF2B5EF4-FFF2-40B4-BE49-F238E27FC236}">
+                <a16:creationId xmlns:a16="http://schemas.microsoft.com/office/drawing/2014/main" id="{AF9B1712-EC88-4BF6-48AD-86696309246E}"/>
+              </a:ext>
+            </a:extLst>
+          </p:cNvPr>
+          <p:cNvPicPr>
+            <a:picLocks noChangeAspect="1"/>
+          </p:cNvPicPr>
+          <p:nvPr/>
+        </p:nvPicPr>
+        <p:blipFill>
+          <a:blip r:embed="rId12"/>
+          <a:stretch>
+            <a:fillRect/>
+          </a:stretch>
+        </p:blipFill>
+        <p:spPr>
+          <a:xfrm>
+            <a:off x="7552148" y="3569568"/>
+            <a:ext cx="2210108" cy="1829055"/>
+          </a:xfrm>
+          <a:prstGeom prst="rect">
+            <a:avLst/>
+          </a:prstGeom>
+        </p:spPr>
+      </p:pic>
+      <p:pic>
+        <p:nvPicPr>
+          <p:cNvPr id="14" name="Resim 13">
+            <a:extLst>
+              <a:ext uri="{FF2B5EF4-FFF2-40B4-BE49-F238E27FC236}">
+                <a16:creationId xmlns:a16="http://schemas.microsoft.com/office/drawing/2014/main" id="{C68D41DA-F48F-530C-F56B-48241ED96893}"/>
+              </a:ext>
+            </a:extLst>
+          </p:cNvPr>
+          <p:cNvPicPr>
+            <a:picLocks noChangeAspect="1"/>
+          </p:cNvPicPr>
+          <p:nvPr/>
+        </p:nvPicPr>
+        <p:blipFill>
+          <a:blip r:embed="rId13"/>
+          <a:stretch>
+            <a:fillRect/>
+          </a:stretch>
+        </p:blipFill>
+        <p:spPr>
+          <a:xfrm>
+            <a:off x="7552148" y="3176655"/>
+            <a:ext cx="2210108" cy="311132"/>
+          </a:xfrm>
+          <a:prstGeom prst="rect">
+            <a:avLst/>
+          </a:prstGeom>
+        </p:spPr>
+      </p:pic>
+      <p:pic>
+        <p:nvPicPr>
+          <p:cNvPr id="17" name="Resim 16">
+            <a:extLst>
+              <a:ext uri="{FF2B5EF4-FFF2-40B4-BE49-F238E27FC236}">
+                <a16:creationId xmlns:a16="http://schemas.microsoft.com/office/drawing/2014/main" id="{96526C8D-C1EC-9606-49A2-97F7F8BB4C3D}"/>
+              </a:ext>
+            </a:extLst>
+          </p:cNvPr>
+          <p:cNvPicPr>
+            <a:picLocks noChangeAspect="1"/>
+          </p:cNvPicPr>
+          <p:nvPr/>
+        </p:nvPicPr>
+        <p:blipFill>
+          <a:blip r:embed="rId14"/>
+          <a:stretch>
+            <a:fillRect/>
+          </a:stretch>
+        </p:blipFill>
+        <p:spPr>
+          <a:xfrm>
+            <a:off x="11072079" y="599014"/>
+            <a:ext cx="1009148" cy="2522870"/>
+          </a:xfrm>
+          <a:prstGeom prst="rect">
+            <a:avLst/>
+          </a:prstGeom>
+        </p:spPr>
+      </p:pic>
+      <p:pic>
+        <p:nvPicPr>
+          <p:cNvPr id="23" name="Resim 22">
+            <a:extLst>
+              <a:ext uri="{FF2B5EF4-FFF2-40B4-BE49-F238E27FC236}">
+                <a16:creationId xmlns:a16="http://schemas.microsoft.com/office/drawing/2014/main" id="{D4CB600F-2F0A-E2C9-5AD2-3A0C5993E1E4}"/>
+              </a:ext>
+            </a:extLst>
+          </p:cNvPr>
+          <p:cNvPicPr>
+            <a:picLocks noChangeAspect="1"/>
+          </p:cNvPicPr>
+          <p:nvPr/>
+        </p:nvPicPr>
+        <p:blipFill>
+          <a:blip r:embed="rId15"/>
+          <a:stretch>
+            <a:fillRect/>
+          </a:stretch>
+        </p:blipFill>
+        <p:spPr>
+          <a:xfrm>
+            <a:off x="9927376" y="3168909"/>
+            <a:ext cx="2178461" cy="1748148"/>
+          </a:xfrm>
+          <a:prstGeom prst="rect">
+            <a:avLst/>
+          </a:prstGeom>
+        </p:spPr>
+      </p:pic>
+      <p:pic>
+        <p:nvPicPr>
+          <p:cNvPr id="25" name="Resim 24">
+            <a:extLst>
+              <a:ext uri="{FF2B5EF4-FFF2-40B4-BE49-F238E27FC236}">
+                <a16:creationId xmlns:a16="http://schemas.microsoft.com/office/drawing/2014/main" id="{1DC53407-BA12-B012-F575-C1723DF3E7F5}"/>
+              </a:ext>
+            </a:extLst>
+          </p:cNvPr>
+          <p:cNvPicPr>
+            <a:picLocks noChangeAspect="1"/>
+          </p:cNvPicPr>
+          <p:nvPr/>
+        </p:nvPicPr>
+        <p:blipFill>
+          <a:blip r:embed="rId16"/>
+          <a:stretch>
+            <a:fillRect/>
+          </a:stretch>
+        </p:blipFill>
+        <p:spPr>
+          <a:xfrm>
+            <a:off x="9935367" y="4950176"/>
+            <a:ext cx="2162477" cy="1829055"/>
+          </a:xfrm>
+          <a:prstGeom prst="rect">
+            <a:avLst/>
+          </a:prstGeom>
+        </p:spPr>
+      </p:pic>
     </p:spTree>
     <p:extLst>
       <p:ext uri="{BB962C8B-B14F-4D97-AF65-F5344CB8AC3E}">
-        <p14:creationId xmlns:p14="http://schemas.microsoft.com/office/powerpoint/2010/main" val="1438670743"/>
+        <p14:creationId xmlns:p14="http://schemas.microsoft.com/office/powerpoint/2010/main" val="1353456776"/>
       </p:ext>
     </p:extLst>
   </p:cSld>
@@ -12426,7 +13712,7 @@
         </p:blipFill>
         <p:spPr>
           <a:xfrm>
-            <a:off x="2936508" y="4334768"/>
+            <a:off x="2919447" y="3891961"/>
             <a:ext cx="2175360" cy="1901299"/>
           </a:xfrm>
           <a:prstGeom prst="rect">
@@ -12456,7 +13742,7 @@
         </p:blipFill>
         <p:spPr>
           <a:xfrm>
-            <a:off x="3448259" y="474949"/>
+            <a:off x="4050346" y="570315"/>
             <a:ext cx="1026770" cy="2771771"/>
           </a:xfrm>
           <a:prstGeom prst="rect">
@@ -12486,7 +13772,7 @@
         </p:blipFill>
         <p:spPr>
           <a:xfrm>
-            <a:off x="1195901" y="484273"/>
+            <a:off x="1724662" y="579638"/>
             <a:ext cx="1151850" cy="2766291"/>
           </a:xfrm>
           <a:prstGeom prst="rect">
@@ -12516,7 +13802,7 @@
         </p:blipFill>
         <p:spPr>
           <a:xfrm>
-            <a:off x="685386" y="4570248"/>
+            <a:off x="677910" y="3652347"/>
             <a:ext cx="2177839" cy="1659692"/>
           </a:xfrm>
           <a:prstGeom prst="rect">
@@ -12546,7 +13832,7 @@
         </p:blipFill>
         <p:spPr>
           <a:xfrm>
-            <a:off x="711441" y="3303762"/>
+            <a:off x="685561" y="3372774"/>
             <a:ext cx="2177839" cy="253808"/>
           </a:xfrm>
           <a:prstGeom prst="rect">
@@ -12576,7 +13862,7 @@
         </p:blipFill>
         <p:spPr>
           <a:xfrm>
-            <a:off x="2936508" y="3306390"/>
+            <a:off x="2927122" y="3363137"/>
             <a:ext cx="2175360" cy="502361"/>
           </a:xfrm>
           <a:prstGeom prst="rect">
@@ -12606,7 +13892,7 @@
         </p:blipFill>
         <p:spPr>
           <a:xfrm>
-            <a:off x="5206323" y="3311586"/>
+            <a:off x="5180443" y="3361736"/>
             <a:ext cx="2177839" cy="1029690"/>
           </a:xfrm>
           <a:prstGeom prst="rect">
@@ -12636,7 +13922,7 @@
         </p:blipFill>
         <p:spPr>
           <a:xfrm>
-            <a:off x="5207563" y="4414775"/>
+            <a:off x="5180443" y="4419438"/>
             <a:ext cx="2177839" cy="1814866"/>
           </a:xfrm>
           <a:prstGeom prst="rect">
@@ -12666,7 +13952,7 @@
         </p:blipFill>
         <p:spPr>
           <a:xfrm>
-            <a:off x="5806950" y="474950"/>
+            <a:off x="6383719" y="545172"/>
             <a:ext cx="976583" cy="2771771"/>
           </a:xfrm>
           <a:prstGeom prst="rect">
@@ -12696,7 +13982,7 @@
         </p:blipFill>
         <p:spPr>
           <a:xfrm>
-            <a:off x="7489630" y="3364526"/>
+            <a:off x="7463750" y="3372828"/>
             <a:ext cx="2177172" cy="277568"/>
           </a:xfrm>
           <a:prstGeom prst="rect">
@@ -12726,7 +14012,7 @@
         </p:blipFill>
         <p:spPr>
           <a:xfrm>
-            <a:off x="7489630" y="4351090"/>
+            <a:off x="7463750" y="3675167"/>
             <a:ext cx="2177172" cy="1851952"/>
           </a:xfrm>
           <a:prstGeom prst="rect">
@@ -12756,8 +14042,8 @@
         </p:blipFill>
         <p:spPr>
           <a:xfrm>
-            <a:off x="8072759" y="474950"/>
-            <a:ext cx="1061102" cy="2816564"/>
+            <a:off x="8614221" y="511835"/>
+            <a:ext cx="1026701" cy="2725251"/>
           </a:xfrm>
           <a:prstGeom prst="rect">
             <a:avLst/>
@@ -12786,7 +14072,7 @@
         </p:blipFill>
         <p:spPr>
           <a:xfrm>
-            <a:off x="9855712" y="4289527"/>
+            <a:off x="9829832" y="3888976"/>
             <a:ext cx="2177172" cy="1946540"/>
           </a:xfrm>
           <a:prstGeom prst="rect">
@@ -12816,7 +14102,7 @@
         </p:blipFill>
         <p:spPr>
           <a:xfrm>
-            <a:off x="9855712" y="3364526"/>
+            <a:off x="9829832" y="3372774"/>
             <a:ext cx="2177172" cy="484301"/>
           </a:xfrm>
           <a:prstGeom prst="rect">
@@ -12846,8 +14132,8 @@
         </p:blipFill>
         <p:spPr>
           <a:xfrm>
-            <a:off x="10465782" y="484273"/>
-            <a:ext cx="957031" cy="2807940"/>
+            <a:off x="11118019" y="570315"/>
+            <a:ext cx="888985" cy="2608292"/>
           </a:xfrm>
           <a:prstGeom prst="rect">
             <a:avLst/>
@@ -12856,10 +14142,10 @@
       </p:pic>
       <p:sp>
         <p:nvSpPr>
-          <p:cNvPr id="50" name="Metin kutusu 49">
-            <a:extLst>
-              <a:ext uri="{FF2B5EF4-FFF2-40B4-BE49-F238E27FC236}">
-                <a16:creationId xmlns:a16="http://schemas.microsoft.com/office/drawing/2014/main" id="{EE49DAA7-5989-86CD-D23F-3B5512C9B12C}"/>
+          <p:cNvPr id="51" name="Metin kutusu 50">
+            <a:extLst>
+              <a:ext uri="{FF2B5EF4-FFF2-40B4-BE49-F238E27FC236}">
+                <a16:creationId xmlns:a16="http://schemas.microsoft.com/office/drawing/2014/main" id="{A70B95CD-8DAF-9678-5271-CC7419A3BC45}"/>
               </a:ext>
             </a:extLst>
           </p:cNvPr>
@@ -12868,8 +14154,327 @@
         </p:nvSpPr>
         <p:spPr>
           <a:xfrm>
-            <a:off x="1195902" y="54173"/>
-            <a:ext cx="10226912" cy="646331"/>
+            <a:off x="1170021" y="5407462"/>
+            <a:ext cx="1618793" cy="646331"/>
+          </a:xfrm>
+          <a:prstGeom prst="rect">
+            <a:avLst/>
+          </a:prstGeom>
+          <a:noFill/>
+        </p:spPr>
+        <p:txBody>
+          <a:bodyPr wrap="square" rtlCol="0">
+            <a:spAutoFit/>
+          </a:bodyPr>
+          <a:lstStyle/>
+          <a:p>
+            <a:r>
+              <a:rPr lang="tr-TR" sz="1200" dirty="0"/>
+              <a:t>Return: %56.6</a:t>
+            </a:r>
+          </a:p>
+          <a:p>
+            <a:r>
+              <a:rPr lang="tr-TR" sz="1200" dirty="0"/>
+              <a:t>SR: 2.75</a:t>
+            </a:r>
+          </a:p>
+          <a:p>
+            <a:r>
+              <a:rPr lang="tr-TR" sz="1200" dirty="0"/>
+              <a:t>MDD: %13.7</a:t>
+            </a:r>
+          </a:p>
+        </p:txBody>
+      </p:sp>
+      <p:sp>
+        <p:nvSpPr>
+          <p:cNvPr id="52" name="Metin kutusu 51">
+            <a:extLst>
+              <a:ext uri="{FF2B5EF4-FFF2-40B4-BE49-F238E27FC236}">
+                <a16:creationId xmlns:a16="http://schemas.microsoft.com/office/drawing/2014/main" id="{8CB66451-38B6-8CD7-C133-BF6BD30A2B00}"/>
+              </a:ext>
+            </a:extLst>
+          </p:cNvPr>
+          <p:cNvSpPr txBox="1"/>
+          <p:nvPr/>
+        </p:nvSpPr>
+        <p:spPr>
+          <a:xfrm>
+            <a:off x="3390192" y="5921776"/>
+            <a:ext cx="2175360" cy="646331"/>
+          </a:xfrm>
+          <a:prstGeom prst="rect">
+            <a:avLst/>
+          </a:prstGeom>
+          <a:noFill/>
+        </p:spPr>
+        <p:txBody>
+          <a:bodyPr wrap="square" rtlCol="0">
+            <a:spAutoFit/>
+          </a:bodyPr>
+          <a:lstStyle/>
+          <a:p>
+            <a:r>
+              <a:rPr lang="tr-TR" sz="1200" dirty="0"/>
+              <a:t>Return: %80.4</a:t>
+            </a:r>
+          </a:p>
+          <a:p>
+            <a:r>
+              <a:rPr lang="tr-TR" sz="1200" dirty="0"/>
+              <a:t>SR: 3.96</a:t>
+            </a:r>
+          </a:p>
+          <a:p>
+            <a:r>
+              <a:rPr lang="tr-TR" sz="1200" dirty="0"/>
+              <a:t>MDD: %16.1</a:t>
+            </a:r>
+          </a:p>
+        </p:txBody>
+      </p:sp>
+      <p:sp>
+        <p:nvSpPr>
+          <p:cNvPr id="53" name="Metin kutusu 52">
+            <a:extLst>
+              <a:ext uri="{FF2B5EF4-FFF2-40B4-BE49-F238E27FC236}">
+                <a16:creationId xmlns:a16="http://schemas.microsoft.com/office/drawing/2014/main" id="{62C3CF7E-303C-27BA-05F6-76E1DF411575}"/>
+              </a:ext>
+            </a:extLst>
+          </p:cNvPr>
+          <p:cNvSpPr txBox="1"/>
+          <p:nvPr/>
+        </p:nvSpPr>
+        <p:spPr>
+          <a:xfrm>
+            <a:off x="7957181" y="5634349"/>
+            <a:ext cx="1644246" cy="646331"/>
+          </a:xfrm>
+          <a:prstGeom prst="rect">
+            <a:avLst/>
+          </a:prstGeom>
+          <a:noFill/>
+        </p:spPr>
+        <p:txBody>
+          <a:bodyPr wrap="square" rtlCol="0">
+            <a:spAutoFit/>
+          </a:bodyPr>
+          <a:lstStyle/>
+          <a:p>
+            <a:r>
+              <a:rPr lang="tr-TR" sz="1200" dirty="0"/>
+              <a:t>Return: %65.6</a:t>
+            </a:r>
+          </a:p>
+          <a:p>
+            <a:r>
+              <a:rPr lang="tr-TR" sz="1200" dirty="0"/>
+              <a:t>SR: 3.39</a:t>
+            </a:r>
+          </a:p>
+          <a:p>
+            <a:r>
+              <a:rPr lang="tr-TR" sz="1200" dirty="0"/>
+              <a:t>MDD: %11.4</a:t>
+            </a:r>
+          </a:p>
+        </p:txBody>
+      </p:sp>
+      <p:sp>
+        <p:nvSpPr>
+          <p:cNvPr id="54" name="Metin kutusu 53">
+            <a:extLst>
+              <a:ext uri="{FF2B5EF4-FFF2-40B4-BE49-F238E27FC236}">
+                <a16:creationId xmlns:a16="http://schemas.microsoft.com/office/drawing/2014/main" id="{F94EBC21-360D-D5EE-A7D2-3531F334D746}"/>
+              </a:ext>
+            </a:extLst>
+          </p:cNvPr>
+          <p:cNvSpPr txBox="1"/>
+          <p:nvPr/>
+        </p:nvSpPr>
+        <p:spPr>
+          <a:xfrm>
+            <a:off x="10439902" y="5971197"/>
+            <a:ext cx="2175360" cy="646331"/>
+          </a:xfrm>
+          <a:prstGeom prst="rect">
+            <a:avLst/>
+          </a:prstGeom>
+          <a:noFill/>
+        </p:spPr>
+        <p:txBody>
+          <a:bodyPr wrap="square" rtlCol="0">
+            <a:spAutoFit/>
+          </a:bodyPr>
+          <a:lstStyle/>
+          <a:p>
+            <a:r>
+              <a:rPr lang="tr-TR" sz="1200" dirty="0"/>
+              <a:t>Return: %64.3</a:t>
+            </a:r>
+          </a:p>
+          <a:p>
+            <a:r>
+              <a:rPr lang="tr-TR" sz="1200" dirty="0"/>
+              <a:t>SR: 3.96</a:t>
+            </a:r>
+          </a:p>
+          <a:p>
+            <a:r>
+              <a:rPr lang="tr-TR" sz="1200" dirty="0"/>
+              <a:t>MDD: %17.8</a:t>
+            </a:r>
+          </a:p>
+        </p:txBody>
+      </p:sp>
+      <p:sp>
+        <p:nvSpPr>
+          <p:cNvPr id="55" name="Metin kutusu 54">
+            <a:extLst>
+              <a:ext uri="{FF2B5EF4-FFF2-40B4-BE49-F238E27FC236}">
+                <a16:creationId xmlns:a16="http://schemas.microsoft.com/office/drawing/2014/main" id="{3099ABFA-9BB9-91D3-8ACA-943BBF77E4C4}"/>
+              </a:ext>
+            </a:extLst>
+          </p:cNvPr>
+          <p:cNvSpPr txBox="1"/>
+          <p:nvPr/>
+        </p:nvSpPr>
+        <p:spPr>
+          <a:xfrm>
+            <a:off x="5632934" y="6280680"/>
+            <a:ext cx="1574731" cy="646331"/>
+          </a:xfrm>
+          <a:prstGeom prst="rect">
+            <a:avLst/>
+          </a:prstGeom>
+          <a:noFill/>
+        </p:spPr>
+        <p:txBody>
+          <a:bodyPr wrap="square" rtlCol="0">
+            <a:spAutoFit/>
+          </a:bodyPr>
+          <a:lstStyle/>
+          <a:p>
+            <a:r>
+              <a:rPr lang="tr-TR" sz="1200" dirty="0"/>
+              <a:t>Return: %92.3</a:t>
+            </a:r>
+          </a:p>
+          <a:p>
+            <a:r>
+              <a:rPr lang="tr-TR" sz="1200" dirty="0"/>
+              <a:t>SR: 4.82</a:t>
+            </a:r>
+          </a:p>
+          <a:p>
+            <a:r>
+              <a:rPr lang="tr-TR" sz="1200" dirty="0"/>
+              <a:t>MDD: %12.4</a:t>
+            </a:r>
+          </a:p>
+        </p:txBody>
+      </p:sp>
+      <p:sp>
+        <p:nvSpPr>
+          <p:cNvPr id="3" name="Metin kutusu 2">
+            <a:extLst>
+              <a:ext uri="{FF2B5EF4-FFF2-40B4-BE49-F238E27FC236}">
+                <a16:creationId xmlns:a16="http://schemas.microsoft.com/office/drawing/2014/main" id="{D6935863-5355-2563-D7D9-D2869C83D594}"/>
+              </a:ext>
+            </a:extLst>
+          </p:cNvPr>
+          <p:cNvSpPr txBox="1"/>
+          <p:nvPr/>
+        </p:nvSpPr>
+        <p:spPr>
+          <a:xfrm>
+            <a:off x="1436" y="7913"/>
+            <a:ext cx="6094562" cy="369332"/>
+          </a:xfrm>
+          <a:prstGeom prst="rect">
+            <a:avLst/>
+          </a:prstGeom>
+          <a:noFill/>
+        </p:spPr>
+        <p:txBody>
+          <a:bodyPr wrap="square">
+            <a:spAutoFit/>
+          </a:bodyPr>
+          <a:lstStyle/>
+          <a:p>
+            <a:r>
+              <a:rPr lang="tr-TR" sz="1800" dirty="0">
+                <a:solidFill>
+                  <a:schemeClr val="bg1"/>
+                </a:solidFill>
+              </a:rPr>
+              <a:t>MHI </a:t>
+            </a:r>
+            <a:r>
+              <a:rPr lang="tr-TR" sz="1800" dirty="0" err="1">
+                <a:solidFill>
+                  <a:schemeClr val="bg1"/>
+                </a:solidFill>
+              </a:rPr>
+              <a:t>portfolios</a:t>
+            </a:r>
+            <a:r>
+              <a:rPr lang="tr-TR" sz="1800" dirty="0">
+                <a:solidFill>
+                  <a:schemeClr val="bg1"/>
+                </a:solidFill>
+              </a:rPr>
+              <a:t> </a:t>
+            </a:r>
+            <a:r>
+              <a:rPr lang="tr-TR" sz="1800" dirty="0" err="1">
+                <a:solidFill>
+                  <a:schemeClr val="bg1"/>
+                </a:solidFill>
+              </a:rPr>
+              <a:t>for</a:t>
+            </a:r>
+            <a:r>
+              <a:rPr lang="tr-TR" sz="1800" dirty="0">
+                <a:solidFill>
+                  <a:schemeClr val="bg1"/>
+                </a:solidFill>
+              </a:rPr>
+              <a:t> </a:t>
+            </a:r>
+            <a:r>
+              <a:rPr lang="tr-TR" sz="1800" dirty="0">
+                <a:solidFill>
+                  <a:srgbClr val="FFFF00"/>
+                </a:solidFill>
+              </a:rPr>
+              <a:t>09.05.2023 – 11.09.2023 (IV)</a:t>
+            </a:r>
+            <a:endParaRPr lang="tr-TR" dirty="0">
+              <a:solidFill>
+                <a:srgbClr val="FFFF00"/>
+              </a:solidFill>
+            </a:endParaRPr>
+          </a:p>
+        </p:txBody>
+      </p:sp>
+      <p:sp>
+        <p:nvSpPr>
+          <p:cNvPr id="2" name="Metin kutusu 1">
+            <a:extLst>
+              <a:ext uri="{FF2B5EF4-FFF2-40B4-BE49-F238E27FC236}">
+                <a16:creationId xmlns:a16="http://schemas.microsoft.com/office/drawing/2014/main" id="{FFFFD93F-8CDA-9721-B2C6-E93D6CDC3448}"/>
+              </a:ext>
+            </a:extLst>
+          </p:cNvPr>
+          <p:cNvSpPr txBox="1"/>
+          <p:nvPr/>
+        </p:nvSpPr>
+        <p:spPr>
+          <a:xfrm>
+            <a:off x="788985" y="553533"/>
+            <a:ext cx="11331128" cy="646331"/>
           </a:xfrm>
           <a:prstGeom prst="rect">
             <a:avLst/>
@@ -12891,7 +14496,7 @@
                 <a:ea typeface="+mj-ea"/>
                 <a:cs typeface="+mj-cs"/>
               </a:rPr>
-              <a:t>   </a:t>
+              <a:t> </a:t>
             </a:r>
             <a:r>
               <a:rPr lang="tr-TR" sz="1800" kern="1200" dirty="0" err="1">
@@ -12913,29 +14518,7 @@
                 <a:ea typeface="+mj-ea"/>
                 <a:cs typeface="+mj-cs"/>
               </a:rPr>
-              <a:t>                        </a:t>
-            </a:r>
-            <a:r>
-              <a:rPr lang="tr-TR" sz="1800" kern="1200" dirty="0" err="1">
-                <a:solidFill>
-                  <a:srgbClr val="FFFFFF"/>
-                </a:solidFill>
-                <a:latin typeface="+mj-lt"/>
-                <a:ea typeface="+mj-ea"/>
-                <a:cs typeface="+mj-cs"/>
-              </a:rPr>
-              <a:t>Inverse</a:t>
-            </a:r>
-            <a:r>
-              <a:rPr lang="tr-TR" sz="1800" kern="1200" dirty="0">
-                <a:solidFill>
-                  <a:srgbClr val="FFFFFF"/>
-                </a:solidFill>
-                <a:latin typeface="+mj-lt"/>
-                <a:ea typeface="+mj-ea"/>
-                <a:cs typeface="+mj-cs"/>
-              </a:rPr>
-              <a:t> </a:t>
+              <a:t>                             i-</a:t>
             </a:r>
             <a:r>
               <a:rPr lang="tr-TR" sz="1800" kern="1200" dirty="0" err="1">
@@ -12957,40 +14540,7 @@
                 <a:ea typeface="+mj-ea"/>
                 <a:cs typeface="+mj-cs"/>
               </a:rPr>
-              <a:t>                          MDD                           </a:t>
-            </a:r>
-            <a:r>
-              <a:rPr lang="tr-TR" dirty="0">
-                <a:solidFill>
-                  <a:srgbClr val="FFFFFF"/>
-                </a:solidFill>
-                <a:latin typeface="+mj-lt"/>
-                <a:ea typeface="+mj-ea"/>
-                <a:cs typeface="+mj-cs"/>
-              </a:rPr>
-              <a:t>  </a:t>
-            </a:r>
-            <a:r>
-              <a:rPr lang="tr-TR" sz="1800" kern="1200" dirty="0" err="1">
-                <a:solidFill>
-                  <a:srgbClr val="FFFFFF"/>
-                </a:solidFill>
-                <a:latin typeface="+mj-lt"/>
-                <a:ea typeface="+mj-ea"/>
-                <a:cs typeface="+mj-cs"/>
-              </a:rPr>
-              <a:t>Inverse</a:t>
-            </a:r>
-            <a:r>
-              <a:rPr lang="tr-TR" sz="1800" kern="1200" dirty="0">
-                <a:solidFill>
-                  <a:srgbClr val="FFFFFF"/>
-                </a:solidFill>
-                <a:latin typeface="+mj-lt"/>
-                <a:ea typeface="+mj-ea"/>
-                <a:cs typeface="+mj-cs"/>
-              </a:rPr>
-              <a:t> MDD                         MINVAR</a:t>
+              <a:t>                                    MDD                                 i-MDD                               MINVAR</a:t>
             </a:r>
             <a:br>
               <a:rPr lang="tr-TR" sz="1800" kern="1200" dirty="0">
@@ -13002,277 +14552,6 @@
                 <a:cs typeface="+mj-cs"/>
               </a:rPr>
             </a:br>
-            <a:endParaRPr lang="tr-TR" dirty="0"/>
-          </a:p>
-        </p:txBody>
-      </p:sp>
-      <p:sp>
-        <p:nvSpPr>
-          <p:cNvPr id="51" name="Metin kutusu 50">
-            <a:extLst>
-              <a:ext uri="{FF2B5EF4-FFF2-40B4-BE49-F238E27FC236}">
-                <a16:creationId xmlns:a16="http://schemas.microsoft.com/office/drawing/2014/main" id="{A70B95CD-8DAF-9678-5271-CC7419A3BC45}"/>
-              </a:ext>
-            </a:extLst>
-          </p:cNvPr>
-          <p:cNvSpPr txBox="1"/>
-          <p:nvPr/>
-        </p:nvSpPr>
-        <p:spPr>
-          <a:xfrm>
-            <a:off x="584292" y="6194416"/>
-            <a:ext cx="1618793" cy="646331"/>
-          </a:xfrm>
-          <a:prstGeom prst="rect">
-            <a:avLst/>
-          </a:prstGeom>
-          <a:noFill/>
-        </p:spPr>
-        <p:txBody>
-          <a:bodyPr wrap="square" rtlCol="0">
-            <a:spAutoFit/>
-          </a:bodyPr>
-          <a:lstStyle/>
-          <a:p>
-            <a:r>
-              <a:rPr lang="tr-TR" sz="1200" dirty="0"/>
-              <a:t>Return: %56.6</a:t>
-            </a:r>
-          </a:p>
-          <a:p>
-            <a:r>
-              <a:rPr lang="tr-TR" sz="1200" dirty="0"/>
-              <a:t>SR: 2.75</a:t>
-            </a:r>
-          </a:p>
-          <a:p>
-            <a:r>
-              <a:rPr lang="tr-TR" sz="1200" dirty="0"/>
-              <a:t>MDD: %13.7</a:t>
-            </a:r>
-          </a:p>
-        </p:txBody>
-      </p:sp>
-      <p:sp>
-        <p:nvSpPr>
-          <p:cNvPr id="52" name="Metin kutusu 51">
-            <a:extLst>
-              <a:ext uri="{FF2B5EF4-FFF2-40B4-BE49-F238E27FC236}">
-                <a16:creationId xmlns:a16="http://schemas.microsoft.com/office/drawing/2014/main" id="{8CB66451-38B6-8CD7-C133-BF6BD30A2B00}"/>
-              </a:ext>
-            </a:extLst>
-          </p:cNvPr>
-          <p:cNvSpPr txBox="1"/>
-          <p:nvPr/>
-        </p:nvSpPr>
-        <p:spPr>
-          <a:xfrm>
-            <a:off x="2863225" y="6203042"/>
-            <a:ext cx="2175360" cy="646331"/>
-          </a:xfrm>
-          <a:prstGeom prst="rect">
-            <a:avLst/>
-          </a:prstGeom>
-          <a:noFill/>
-        </p:spPr>
-        <p:txBody>
-          <a:bodyPr wrap="square" rtlCol="0">
-            <a:spAutoFit/>
-          </a:bodyPr>
-          <a:lstStyle/>
-          <a:p>
-            <a:r>
-              <a:rPr lang="tr-TR" sz="1200" dirty="0"/>
-              <a:t>Return: %80.4</a:t>
-            </a:r>
-          </a:p>
-          <a:p>
-            <a:r>
-              <a:rPr lang="tr-TR" sz="1200" dirty="0"/>
-              <a:t>SR: 3.96</a:t>
-            </a:r>
-          </a:p>
-          <a:p>
-            <a:r>
-              <a:rPr lang="tr-TR" sz="1200" dirty="0"/>
-              <a:t>MDD: %16.1</a:t>
-            </a:r>
-          </a:p>
-        </p:txBody>
-      </p:sp>
-      <p:sp>
-        <p:nvSpPr>
-          <p:cNvPr id="53" name="Metin kutusu 52">
-            <a:extLst>
-              <a:ext uri="{FF2B5EF4-FFF2-40B4-BE49-F238E27FC236}">
-                <a16:creationId xmlns:a16="http://schemas.microsoft.com/office/drawing/2014/main" id="{62C3CF7E-303C-27BA-05F6-76E1DF411575}"/>
-              </a:ext>
-            </a:extLst>
-          </p:cNvPr>
-          <p:cNvSpPr txBox="1"/>
-          <p:nvPr/>
-        </p:nvSpPr>
-        <p:spPr>
-          <a:xfrm>
-            <a:off x="7415439" y="6203042"/>
-            <a:ext cx="1644246" cy="646331"/>
-          </a:xfrm>
-          <a:prstGeom prst="rect">
-            <a:avLst/>
-          </a:prstGeom>
-          <a:noFill/>
-        </p:spPr>
-        <p:txBody>
-          <a:bodyPr wrap="square" rtlCol="0">
-            <a:spAutoFit/>
-          </a:bodyPr>
-          <a:lstStyle/>
-          <a:p>
-            <a:r>
-              <a:rPr lang="tr-TR" sz="1200" dirty="0"/>
-              <a:t>Return: %65.6</a:t>
-            </a:r>
-          </a:p>
-          <a:p>
-            <a:r>
-              <a:rPr lang="tr-TR" sz="1200" dirty="0"/>
-              <a:t>SR: 3.39</a:t>
-            </a:r>
-          </a:p>
-          <a:p>
-            <a:r>
-              <a:rPr lang="tr-TR" sz="1200" dirty="0"/>
-              <a:t>MDD: %11.4</a:t>
-            </a:r>
-          </a:p>
-        </p:txBody>
-      </p:sp>
-      <p:sp>
-        <p:nvSpPr>
-          <p:cNvPr id="54" name="Metin kutusu 53">
-            <a:extLst>
-              <a:ext uri="{FF2B5EF4-FFF2-40B4-BE49-F238E27FC236}">
-                <a16:creationId xmlns:a16="http://schemas.microsoft.com/office/drawing/2014/main" id="{F94EBC21-360D-D5EE-A7D2-3531F334D746}"/>
-              </a:ext>
-            </a:extLst>
-          </p:cNvPr>
-          <p:cNvSpPr txBox="1"/>
-          <p:nvPr/>
-        </p:nvSpPr>
-        <p:spPr>
-          <a:xfrm>
-            <a:off x="9762256" y="6203165"/>
-            <a:ext cx="2175360" cy="646331"/>
-          </a:xfrm>
-          <a:prstGeom prst="rect">
-            <a:avLst/>
-          </a:prstGeom>
-          <a:noFill/>
-        </p:spPr>
-        <p:txBody>
-          <a:bodyPr wrap="square" rtlCol="0">
-            <a:spAutoFit/>
-          </a:bodyPr>
-          <a:lstStyle/>
-          <a:p>
-            <a:r>
-              <a:rPr lang="tr-TR" sz="1200" dirty="0"/>
-              <a:t>Return: %64.3</a:t>
-            </a:r>
-          </a:p>
-          <a:p>
-            <a:r>
-              <a:rPr lang="tr-TR" sz="1200" dirty="0"/>
-              <a:t>SR: 3.96</a:t>
-            </a:r>
-          </a:p>
-          <a:p>
-            <a:r>
-              <a:rPr lang="tr-TR" sz="1200" dirty="0"/>
-              <a:t>MDD: %17.8</a:t>
-            </a:r>
-          </a:p>
-        </p:txBody>
-      </p:sp>
-      <p:sp>
-        <p:nvSpPr>
-          <p:cNvPr id="55" name="Metin kutusu 54">
-            <a:extLst>
-              <a:ext uri="{FF2B5EF4-FFF2-40B4-BE49-F238E27FC236}">
-                <a16:creationId xmlns:a16="http://schemas.microsoft.com/office/drawing/2014/main" id="{3099ABFA-9BB9-91D3-8ACA-943BBF77E4C4}"/>
-              </a:ext>
-            </a:extLst>
-          </p:cNvPr>
-          <p:cNvSpPr txBox="1"/>
-          <p:nvPr/>
-        </p:nvSpPr>
-        <p:spPr>
-          <a:xfrm>
-            <a:off x="5141905" y="6211669"/>
-            <a:ext cx="1574731" cy="646331"/>
-          </a:xfrm>
-          <a:prstGeom prst="rect">
-            <a:avLst/>
-          </a:prstGeom>
-          <a:noFill/>
-        </p:spPr>
-        <p:txBody>
-          <a:bodyPr wrap="square" rtlCol="0">
-            <a:spAutoFit/>
-          </a:bodyPr>
-          <a:lstStyle/>
-          <a:p>
-            <a:r>
-              <a:rPr lang="tr-TR" sz="1200" dirty="0"/>
-              <a:t>Return: %92.3</a:t>
-            </a:r>
-          </a:p>
-          <a:p>
-            <a:r>
-              <a:rPr lang="tr-TR" sz="1200" dirty="0"/>
-              <a:t>SR: 4.82</a:t>
-            </a:r>
-          </a:p>
-          <a:p>
-            <a:r>
-              <a:rPr lang="tr-TR" sz="1200" dirty="0"/>
-              <a:t>MDD: %12.4</a:t>
-            </a:r>
-          </a:p>
-        </p:txBody>
-      </p:sp>
-      <p:sp>
-        <p:nvSpPr>
-          <p:cNvPr id="3" name="Metin kutusu 2">
-            <a:extLst>
-              <a:ext uri="{FF2B5EF4-FFF2-40B4-BE49-F238E27FC236}">
-                <a16:creationId xmlns:a16="http://schemas.microsoft.com/office/drawing/2014/main" id="{D6935863-5355-2563-D7D9-D2869C83D594}"/>
-              </a:ext>
-            </a:extLst>
-          </p:cNvPr>
-          <p:cNvSpPr txBox="1"/>
-          <p:nvPr/>
-        </p:nvSpPr>
-        <p:spPr>
-          <a:xfrm>
-            <a:off x="58075" y="3860777"/>
-            <a:ext cx="6094562" cy="369332"/>
-          </a:xfrm>
-          <a:prstGeom prst="rect">
-            <a:avLst/>
-          </a:prstGeom>
-          <a:noFill/>
-        </p:spPr>
-        <p:txBody>
-          <a:bodyPr wrap="square">
-            <a:spAutoFit/>
-          </a:bodyPr>
-          <a:lstStyle/>
-          <a:p>
-            <a:r>
-              <a:rPr lang="tr-TR" sz="1800" dirty="0"/>
-              <a:t>09.05.2023 – 11.09.2023 (IV)</a:t>
-            </a:r>
             <a:endParaRPr lang="tr-TR" dirty="0"/>
           </a:p>
         </p:txBody>
